--- a/prezka.pptx
+++ b/prezka.pptx
@@ -7,6 +7,13 @@
   <p:sldIdLst>
     <p:sldId id="256" r:id="rId2"/>
     <p:sldId id="257" r:id="rId3"/>
+    <p:sldId id="258" r:id="rId4"/>
+    <p:sldId id="259" r:id="rId5"/>
+    <p:sldId id="260" r:id="rId6"/>
+    <p:sldId id="261" r:id="rId7"/>
+    <p:sldId id="262" r:id="rId8"/>
+    <p:sldId id="263" r:id="rId9"/>
+    <p:sldId id="265" r:id="rId10"/>
   </p:sldIdLst>
   <p:sldSz cx="12192000" cy="6858000"/>
   <p:notesSz cx="6858000" cy="9144000"/>
@@ -105,6 +112,11 @@
       </a:defRPr>
     </a:lvl9pPr>
   </p:defaultTextStyle>
+  <p:extLst>
+    <p:ext uri="{EFAFB233-063F-42B5-8137-9DF3F51BA10A}">
+      <p15:sldGuideLst xmlns:p15="http://schemas.microsoft.com/office/powerpoint/2012/main"/>
+    </p:ext>
+  </p:extLst>
 </p:presentation>
 </file>
 
@@ -255,7 +267,7 @@
           <a:p>
             <a:fld id="{F162833F-9441-4006-A1DD-3908C6F76699}" type="datetimeFigureOut">
               <a:rPr lang="pl-PL" smtClean="0"/>
-              <a:t>03.05.2023</a:t>
+              <a:t>10.05.2023</a:t>
             </a:fld>
             <a:endParaRPr lang="pl-PL"/>
           </a:p>
@@ -453,7 +465,7 @@
           <a:p>
             <a:fld id="{F162833F-9441-4006-A1DD-3908C6F76699}" type="datetimeFigureOut">
               <a:rPr lang="pl-PL" smtClean="0"/>
-              <a:t>03.05.2023</a:t>
+              <a:t>10.05.2023</a:t>
             </a:fld>
             <a:endParaRPr lang="pl-PL"/>
           </a:p>
@@ -661,7 +673,7 @@
           <a:p>
             <a:fld id="{F162833F-9441-4006-A1DD-3908C6F76699}" type="datetimeFigureOut">
               <a:rPr lang="pl-PL" smtClean="0"/>
-              <a:t>03.05.2023</a:t>
+              <a:t>10.05.2023</a:t>
             </a:fld>
             <a:endParaRPr lang="pl-PL"/>
           </a:p>
@@ -859,7 +871,7 @@
           <a:p>
             <a:fld id="{F162833F-9441-4006-A1DD-3908C6F76699}" type="datetimeFigureOut">
               <a:rPr lang="pl-PL" smtClean="0"/>
-              <a:t>03.05.2023</a:t>
+              <a:t>10.05.2023</a:t>
             </a:fld>
             <a:endParaRPr lang="pl-PL"/>
           </a:p>
@@ -1134,7 +1146,7 @@
           <a:p>
             <a:fld id="{F162833F-9441-4006-A1DD-3908C6F76699}" type="datetimeFigureOut">
               <a:rPr lang="pl-PL" smtClean="0"/>
-              <a:t>03.05.2023</a:t>
+              <a:t>10.05.2023</a:t>
             </a:fld>
             <a:endParaRPr lang="pl-PL"/>
           </a:p>
@@ -1399,7 +1411,7 @@
           <a:p>
             <a:fld id="{F162833F-9441-4006-A1DD-3908C6F76699}" type="datetimeFigureOut">
               <a:rPr lang="pl-PL" smtClean="0"/>
-              <a:t>03.05.2023</a:t>
+              <a:t>10.05.2023</a:t>
             </a:fld>
             <a:endParaRPr lang="pl-PL"/>
           </a:p>
@@ -1811,7 +1823,7 @@
           <a:p>
             <a:fld id="{F162833F-9441-4006-A1DD-3908C6F76699}" type="datetimeFigureOut">
               <a:rPr lang="pl-PL" smtClean="0"/>
-              <a:t>03.05.2023</a:t>
+              <a:t>10.05.2023</a:t>
             </a:fld>
             <a:endParaRPr lang="pl-PL"/>
           </a:p>
@@ -1952,7 +1964,7 @@
           <a:p>
             <a:fld id="{F162833F-9441-4006-A1DD-3908C6F76699}" type="datetimeFigureOut">
               <a:rPr lang="pl-PL" smtClean="0"/>
-              <a:t>03.05.2023</a:t>
+              <a:t>10.05.2023</a:t>
             </a:fld>
             <a:endParaRPr lang="pl-PL"/>
           </a:p>
@@ -2065,7 +2077,7 @@
           <a:p>
             <a:fld id="{F162833F-9441-4006-A1DD-3908C6F76699}" type="datetimeFigureOut">
               <a:rPr lang="pl-PL" smtClean="0"/>
-              <a:t>03.05.2023</a:t>
+              <a:t>10.05.2023</a:t>
             </a:fld>
             <a:endParaRPr lang="pl-PL"/>
           </a:p>
@@ -2376,7 +2388,7 @@
           <a:p>
             <a:fld id="{F162833F-9441-4006-A1DD-3908C6F76699}" type="datetimeFigureOut">
               <a:rPr lang="pl-PL" smtClean="0"/>
-              <a:t>03.05.2023</a:t>
+              <a:t>10.05.2023</a:t>
             </a:fld>
             <a:endParaRPr lang="pl-PL"/>
           </a:p>
@@ -2664,7 +2676,7 @@
           <a:p>
             <a:fld id="{F162833F-9441-4006-A1DD-3908C6F76699}" type="datetimeFigureOut">
               <a:rPr lang="pl-PL" smtClean="0"/>
-              <a:t>03.05.2023</a:t>
+              <a:t>10.05.2023</a:t>
             </a:fld>
             <a:endParaRPr lang="pl-PL"/>
           </a:p>
@@ -2905,7 +2917,7 @@
           <a:p>
             <a:fld id="{F162833F-9441-4006-A1DD-3908C6F76699}" type="datetimeFigureOut">
               <a:rPr lang="pl-PL" smtClean="0"/>
-              <a:t>03.05.2023</a:t>
+              <a:t>10.05.2023</a:t>
             </a:fld>
             <a:endParaRPr lang="pl-PL"/>
           </a:p>
@@ -3534,9 +3546,18 @@
           <a:lstStyle/>
           <a:p>
             <a:r>
-              <a:rPr lang="en-US" sz="5200"/>
+              <a:rPr lang="en-US" sz="5200" dirty="0"/>
               <a:t>Problem description</a:t>
             </a:r>
+            <a:r>
+              <a:rPr lang="pl-PL" sz="5200" dirty="0"/>
+              <a:t> – biznesowy </a:t>
+            </a:r>
+            <a:r>
+              <a:rPr lang="pl-PL" sz="5200"/>
+              <a:t>opis problemu</a:t>
+            </a:r>
+            <a:endParaRPr lang="en-US" sz="5200" dirty="0"/>
           </a:p>
         </p:txBody>
       </p:sp>
@@ -3612,6 +3633,601 @@
     <p:extLst>
       <p:ext uri="{BB962C8B-B14F-4D97-AF65-F5344CB8AC3E}">
         <p14:creationId xmlns:p14="http://schemas.microsoft.com/office/powerpoint/2010/main" val="1427613573"/>
+      </p:ext>
+    </p:extLst>
+  </p:cSld>
+  <p:clrMapOvr>
+    <a:masterClrMapping/>
+  </p:clrMapOvr>
+</p:sld>
+</file>
+
+<file path=ppt/slides/slide3.xml><?xml version="1.0" encoding="utf-8"?>
+<p:sld xmlns:a="http://schemas.openxmlformats.org/drawingml/2006/main" xmlns:r="http://schemas.openxmlformats.org/officeDocument/2006/relationships" xmlns:p="http://schemas.openxmlformats.org/presentationml/2006/main">
+  <p:cSld>
+    <p:spTree>
+      <p:nvGrpSpPr>
+        <p:cNvPr id="1" name=""/>
+        <p:cNvGrpSpPr/>
+        <p:nvPr/>
+      </p:nvGrpSpPr>
+      <p:grpSpPr>
+        <a:xfrm>
+          <a:off x="0" y="0"/>
+          <a:ext cx="0" cy="0"/>
+          <a:chOff x="0" y="0"/>
+          <a:chExt cx="0" cy="0"/>
+        </a:xfrm>
+      </p:grpSpPr>
+      <p:sp>
+        <p:nvSpPr>
+          <p:cNvPr id="2" name="Tytuł 1">
+            <a:extLst>
+              <a:ext uri="{FF2B5EF4-FFF2-40B4-BE49-F238E27FC236}">
+                <a16:creationId xmlns:a16="http://schemas.microsoft.com/office/drawing/2014/main" id="{3157C2A1-B6A1-47D0-3984-B5CE1FE637A2}"/>
+              </a:ext>
+            </a:extLst>
+          </p:cNvPr>
+          <p:cNvSpPr>
+            <a:spLocks noGrp="1"/>
+          </p:cNvSpPr>
+          <p:nvPr>
+            <p:ph type="title"/>
+          </p:nvPr>
+        </p:nvSpPr>
+        <p:spPr/>
+        <p:txBody>
+          <a:bodyPr/>
+          <a:lstStyle/>
+          <a:p>
+            <a:r>
+              <a:rPr lang="pl-PL" dirty="0"/>
+              <a:t>EDA</a:t>
+            </a:r>
+          </a:p>
+        </p:txBody>
+      </p:sp>
+      <p:sp>
+        <p:nvSpPr>
+          <p:cNvPr id="3" name="Symbol zastępczy zawartości 2">
+            <a:extLst>
+              <a:ext uri="{FF2B5EF4-FFF2-40B4-BE49-F238E27FC236}">
+                <a16:creationId xmlns:a16="http://schemas.microsoft.com/office/drawing/2014/main" id="{08216E81-6722-0396-E3B3-1A0AD014A1A1}"/>
+              </a:ext>
+            </a:extLst>
+          </p:cNvPr>
+          <p:cNvSpPr>
+            <a:spLocks noGrp="1"/>
+          </p:cNvSpPr>
+          <p:nvPr>
+            <p:ph idx="1"/>
+          </p:nvPr>
+        </p:nvSpPr>
+        <p:spPr/>
+        <p:txBody>
+          <a:bodyPr/>
+          <a:lstStyle/>
+          <a:p>
+            <a:endParaRPr lang="pl-PL"/>
+          </a:p>
+        </p:txBody>
+      </p:sp>
+    </p:spTree>
+    <p:extLst>
+      <p:ext uri="{BB962C8B-B14F-4D97-AF65-F5344CB8AC3E}">
+        <p14:creationId xmlns:p14="http://schemas.microsoft.com/office/powerpoint/2010/main" val="4149095777"/>
+      </p:ext>
+    </p:extLst>
+  </p:cSld>
+  <p:clrMapOvr>
+    <a:masterClrMapping/>
+  </p:clrMapOvr>
+</p:sld>
+</file>
+
+<file path=ppt/slides/slide4.xml><?xml version="1.0" encoding="utf-8"?>
+<p:sld xmlns:a="http://schemas.openxmlformats.org/drawingml/2006/main" xmlns:r="http://schemas.openxmlformats.org/officeDocument/2006/relationships" xmlns:p="http://schemas.openxmlformats.org/presentationml/2006/main">
+  <p:cSld>
+    <p:spTree>
+      <p:nvGrpSpPr>
+        <p:cNvPr id="1" name=""/>
+        <p:cNvGrpSpPr/>
+        <p:nvPr/>
+      </p:nvGrpSpPr>
+      <p:grpSpPr>
+        <a:xfrm>
+          <a:off x="0" y="0"/>
+          <a:ext cx="0" cy="0"/>
+          <a:chOff x="0" y="0"/>
+          <a:chExt cx="0" cy="0"/>
+        </a:xfrm>
+      </p:grpSpPr>
+      <p:sp>
+        <p:nvSpPr>
+          <p:cNvPr id="2" name="Tytuł 1">
+            <a:extLst>
+              <a:ext uri="{FF2B5EF4-FFF2-40B4-BE49-F238E27FC236}">
+                <a16:creationId xmlns:a16="http://schemas.microsoft.com/office/drawing/2014/main" id="{BBD66AE4-1884-A7CF-4829-458AFF0A8E01}"/>
+              </a:ext>
+            </a:extLst>
+          </p:cNvPr>
+          <p:cNvSpPr>
+            <a:spLocks noGrp="1"/>
+          </p:cNvSpPr>
+          <p:nvPr>
+            <p:ph type="title"/>
+          </p:nvPr>
+        </p:nvSpPr>
+        <p:spPr/>
+        <p:txBody>
+          <a:bodyPr/>
+          <a:lstStyle/>
+          <a:p>
+            <a:r>
+              <a:rPr lang="pl-PL" dirty="0" err="1"/>
+              <a:t>Preprocessing</a:t>
+            </a:r>
+            <a:endParaRPr lang="pl-PL" dirty="0"/>
+          </a:p>
+        </p:txBody>
+      </p:sp>
+      <p:sp>
+        <p:nvSpPr>
+          <p:cNvPr id="3" name="Symbol zastępczy zawartości 2">
+            <a:extLst>
+              <a:ext uri="{FF2B5EF4-FFF2-40B4-BE49-F238E27FC236}">
+                <a16:creationId xmlns:a16="http://schemas.microsoft.com/office/drawing/2014/main" id="{1CBB130E-6038-9F47-D1AE-A1D1DD1B13D5}"/>
+              </a:ext>
+            </a:extLst>
+          </p:cNvPr>
+          <p:cNvSpPr>
+            <a:spLocks noGrp="1"/>
+          </p:cNvSpPr>
+          <p:nvPr>
+            <p:ph idx="1"/>
+          </p:nvPr>
+        </p:nvSpPr>
+        <p:spPr/>
+        <p:txBody>
+          <a:bodyPr/>
+          <a:lstStyle/>
+          <a:p>
+            <a:endParaRPr lang="pl-PL"/>
+          </a:p>
+        </p:txBody>
+      </p:sp>
+    </p:spTree>
+    <p:extLst>
+      <p:ext uri="{BB962C8B-B14F-4D97-AF65-F5344CB8AC3E}">
+        <p14:creationId xmlns:p14="http://schemas.microsoft.com/office/powerpoint/2010/main" val="1426711901"/>
+      </p:ext>
+    </p:extLst>
+  </p:cSld>
+  <p:clrMapOvr>
+    <a:masterClrMapping/>
+  </p:clrMapOvr>
+</p:sld>
+</file>
+
+<file path=ppt/slides/slide5.xml><?xml version="1.0" encoding="utf-8"?>
+<p:sld xmlns:a="http://schemas.openxmlformats.org/drawingml/2006/main" xmlns:r="http://schemas.openxmlformats.org/officeDocument/2006/relationships" xmlns:p="http://schemas.openxmlformats.org/presentationml/2006/main">
+  <p:cSld>
+    <p:spTree>
+      <p:nvGrpSpPr>
+        <p:cNvPr id="1" name=""/>
+        <p:cNvGrpSpPr/>
+        <p:nvPr/>
+      </p:nvGrpSpPr>
+      <p:grpSpPr>
+        <a:xfrm>
+          <a:off x="0" y="0"/>
+          <a:ext cx="0" cy="0"/>
+          <a:chOff x="0" y="0"/>
+          <a:chExt cx="0" cy="0"/>
+        </a:xfrm>
+      </p:grpSpPr>
+      <p:sp>
+        <p:nvSpPr>
+          <p:cNvPr id="2" name="Tytuł 1">
+            <a:extLst>
+              <a:ext uri="{FF2B5EF4-FFF2-40B4-BE49-F238E27FC236}">
+                <a16:creationId xmlns:a16="http://schemas.microsoft.com/office/drawing/2014/main" id="{7E954AAA-F325-3873-FB6A-8CD747CAA5B2}"/>
+              </a:ext>
+            </a:extLst>
+          </p:cNvPr>
+          <p:cNvSpPr>
+            <a:spLocks noGrp="1"/>
+          </p:cNvSpPr>
+          <p:nvPr>
+            <p:ph type="title"/>
+          </p:nvPr>
+        </p:nvSpPr>
+        <p:spPr/>
+        <p:txBody>
+          <a:bodyPr/>
+          <a:lstStyle/>
+          <a:p>
+            <a:r>
+              <a:rPr lang="pl-PL" dirty="0" err="1"/>
+              <a:t>Modelling</a:t>
+            </a:r>
+            <a:endParaRPr lang="pl-PL" dirty="0"/>
+          </a:p>
+        </p:txBody>
+      </p:sp>
+      <p:sp>
+        <p:nvSpPr>
+          <p:cNvPr id="3" name="Symbol zastępczy zawartości 2">
+            <a:extLst>
+              <a:ext uri="{FF2B5EF4-FFF2-40B4-BE49-F238E27FC236}">
+                <a16:creationId xmlns:a16="http://schemas.microsoft.com/office/drawing/2014/main" id="{9BD4B4B4-B1AB-9FC4-EA20-53705A02C2DB}"/>
+              </a:ext>
+            </a:extLst>
+          </p:cNvPr>
+          <p:cNvSpPr>
+            <a:spLocks noGrp="1"/>
+          </p:cNvSpPr>
+          <p:nvPr>
+            <p:ph idx="1"/>
+          </p:nvPr>
+        </p:nvSpPr>
+        <p:spPr/>
+        <p:txBody>
+          <a:bodyPr/>
+          <a:lstStyle/>
+          <a:p>
+            <a:endParaRPr lang="pl-PL"/>
+          </a:p>
+        </p:txBody>
+      </p:sp>
+    </p:spTree>
+    <p:extLst>
+      <p:ext uri="{BB962C8B-B14F-4D97-AF65-F5344CB8AC3E}">
+        <p14:creationId xmlns:p14="http://schemas.microsoft.com/office/powerpoint/2010/main" val="1137966016"/>
+      </p:ext>
+    </p:extLst>
+  </p:cSld>
+  <p:clrMapOvr>
+    <a:masterClrMapping/>
+  </p:clrMapOvr>
+</p:sld>
+</file>
+
+<file path=ppt/slides/slide6.xml><?xml version="1.0" encoding="utf-8"?>
+<p:sld xmlns:a="http://schemas.openxmlformats.org/drawingml/2006/main" xmlns:r="http://schemas.openxmlformats.org/officeDocument/2006/relationships" xmlns:p="http://schemas.openxmlformats.org/presentationml/2006/main">
+  <p:cSld>
+    <p:spTree>
+      <p:nvGrpSpPr>
+        <p:cNvPr id="1" name=""/>
+        <p:cNvGrpSpPr/>
+        <p:nvPr/>
+      </p:nvGrpSpPr>
+      <p:grpSpPr>
+        <a:xfrm>
+          <a:off x="0" y="0"/>
+          <a:ext cx="0" cy="0"/>
+          <a:chOff x="0" y="0"/>
+          <a:chExt cx="0" cy="0"/>
+        </a:xfrm>
+      </p:grpSpPr>
+      <p:sp>
+        <p:nvSpPr>
+          <p:cNvPr id="2" name="Tytuł 1">
+            <a:extLst>
+              <a:ext uri="{FF2B5EF4-FFF2-40B4-BE49-F238E27FC236}">
+                <a16:creationId xmlns:a16="http://schemas.microsoft.com/office/drawing/2014/main" id="{9518BA8E-F04C-8CB9-D55A-28FD53536D9E}"/>
+              </a:ext>
+            </a:extLst>
+          </p:cNvPr>
+          <p:cNvSpPr>
+            <a:spLocks noGrp="1"/>
+          </p:cNvSpPr>
+          <p:nvPr>
+            <p:ph type="title"/>
+          </p:nvPr>
+        </p:nvSpPr>
+        <p:spPr/>
+        <p:txBody>
+          <a:bodyPr/>
+          <a:lstStyle/>
+          <a:p>
+            <a:r>
+              <a:rPr lang="pl-PL" dirty="0" err="1"/>
+              <a:t>Random</a:t>
+            </a:r>
+            <a:r>
+              <a:rPr lang="pl-PL" dirty="0"/>
+              <a:t> </a:t>
+            </a:r>
+            <a:r>
+              <a:rPr lang="pl-PL" dirty="0" err="1"/>
+              <a:t>Forest</a:t>
+            </a:r>
+            <a:endParaRPr lang="pl-PL" dirty="0"/>
+          </a:p>
+        </p:txBody>
+      </p:sp>
+      <p:sp>
+        <p:nvSpPr>
+          <p:cNvPr id="3" name="Symbol zastępczy zawartości 2">
+            <a:extLst>
+              <a:ext uri="{FF2B5EF4-FFF2-40B4-BE49-F238E27FC236}">
+                <a16:creationId xmlns:a16="http://schemas.microsoft.com/office/drawing/2014/main" id="{D8A96229-6ECA-6296-EDA7-0AAB2803BF6F}"/>
+              </a:ext>
+            </a:extLst>
+          </p:cNvPr>
+          <p:cNvSpPr>
+            <a:spLocks noGrp="1"/>
+          </p:cNvSpPr>
+          <p:nvPr>
+            <p:ph idx="1"/>
+          </p:nvPr>
+        </p:nvSpPr>
+        <p:spPr/>
+        <p:txBody>
+          <a:bodyPr/>
+          <a:lstStyle/>
+          <a:p>
+            <a:endParaRPr lang="pl-PL"/>
+          </a:p>
+        </p:txBody>
+      </p:sp>
+    </p:spTree>
+    <p:extLst>
+      <p:ext uri="{BB962C8B-B14F-4D97-AF65-F5344CB8AC3E}">
+        <p14:creationId xmlns:p14="http://schemas.microsoft.com/office/powerpoint/2010/main" val="2836675616"/>
+      </p:ext>
+    </p:extLst>
+  </p:cSld>
+  <p:clrMapOvr>
+    <a:masterClrMapping/>
+  </p:clrMapOvr>
+</p:sld>
+</file>
+
+<file path=ppt/slides/slide7.xml><?xml version="1.0" encoding="utf-8"?>
+<p:sld xmlns:a="http://schemas.openxmlformats.org/drawingml/2006/main" xmlns:r="http://schemas.openxmlformats.org/officeDocument/2006/relationships" xmlns:p="http://schemas.openxmlformats.org/presentationml/2006/main">
+  <p:cSld>
+    <p:spTree>
+      <p:nvGrpSpPr>
+        <p:cNvPr id="1" name=""/>
+        <p:cNvGrpSpPr/>
+        <p:nvPr/>
+      </p:nvGrpSpPr>
+      <p:grpSpPr>
+        <a:xfrm>
+          <a:off x="0" y="0"/>
+          <a:ext cx="0" cy="0"/>
+          <a:chOff x="0" y="0"/>
+          <a:chExt cx="0" cy="0"/>
+        </a:xfrm>
+      </p:grpSpPr>
+      <p:sp>
+        <p:nvSpPr>
+          <p:cNvPr id="2" name="Tytuł 1">
+            <a:extLst>
+              <a:ext uri="{FF2B5EF4-FFF2-40B4-BE49-F238E27FC236}">
+                <a16:creationId xmlns:a16="http://schemas.microsoft.com/office/drawing/2014/main" id="{E7E5EF2C-CC04-2E39-4CEA-08B246B109BE}"/>
+              </a:ext>
+            </a:extLst>
+          </p:cNvPr>
+          <p:cNvSpPr>
+            <a:spLocks noGrp="1"/>
+          </p:cNvSpPr>
+          <p:nvPr>
+            <p:ph type="title"/>
+          </p:nvPr>
+        </p:nvSpPr>
+        <p:spPr/>
+        <p:txBody>
+          <a:bodyPr/>
+          <a:lstStyle/>
+          <a:p>
+            <a:r>
+              <a:rPr lang="pl-PL" dirty="0" err="1"/>
+              <a:t>XGBoost</a:t>
+            </a:r>
+            <a:endParaRPr lang="pl-PL" dirty="0"/>
+          </a:p>
+        </p:txBody>
+      </p:sp>
+      <p:sp>
+        <p:nvSpPr>
+          <p:cNvPr id="3" name="Symbol zastępczy zawartości 2">
+            <a:extLst>
+              <a:ext uri="{FF2B5EF4-FFF2-40B4-BE49-F238E27FC236}">
+                <a16:creationId xmlns:a16="http://schemas.microsoft.com/office/drawing/2014/main" id="{DE1FB9D5-C325-1B04-B0D4-F3FCE8069C4E}"/>
+              </a:ext>
+            </a:extLst>
+          </p:cNvPr>
+          <p:cNvSpPr>
+            <a:spLocks noGrp="1"/>
+          </p:cNvSpPr>
+          <p:nvPr>
+            <p:ph idx="1"/>
+          </p:nvPr>
+        </p:nvSpPr>
+        <p:spPr/>
+        <p:txBody>
+          <a:bodyPr/>
+          <a:lstStyle/>
+          <a:p>
+            <a:endParaRPr lang="pl-PL"/>
+          </a:p>
+        </p:txBody>
+      </p:sp>
+    </p:spTree>
+    <p:extLst>
+      <p:ext uri="{BB962C8B-B14F-4D97-AF65-F5344CB8AC3E}">
+        <p14:creationId xmlns:p14="http://schemas.microsoft.com/office/powerpoint/2010/main" val="132315236"/>
+      </p:ext>
+    </p:extLst>
+  </p:cSld>
+  <p:clrMapOvr>
+    <a:masterClrMapping/>
+  </p:clrMapOvr>
+</p:sld>
+</file>
+
+<file path=ppt/slides/slide8.xml><?xml version="1.0" encoding="utf-8"?>
+<p:sld xmlns:a="http://schemas.openxmlformats.org/drawingml/2006/main" xmlns:r="http://schemas.openxmlformats.org/officeDocument/2006/relationships" xmlns:p="http://schemas.openxmlformats.org/presentationml/2006/main">
+  <p:cSld>
+    <p:spTree>
+      <p:nvGrpSpPr>
+        <p:cNvPr id="1" name=""/>
+        <p:cNvGrpSpPr/>
+        <p:nvPr/>
+      </p:nvGrpSpPr>
+      <p:grpSpPr>
+        <a:xfrm>
+          <a:off x="0" y="0"/>
+          <a:ext cx="0" cy="0"/>
+          <a:chOff x="0" y="0"/>
+          <a:chExt cx="0" cy="0"/>
+        </a:xfrm>
+      </p:grpSpPr>
+      <p:sp>
+        <p:nvSpPr>
+          <p:cNvPr id="2" name="Tytuł 1">
+            <a:extLst>
+              <a:ext uri="{FF2B5EF4-FFF2-40B4-BE49-F238E27FC236}">
+                <a16:creationId xmlns:a16="http://schemas.microsoft.com/office/drawing/2014/main" id="{29F46AC4-BA6F-A08A-6674-307A9EF00EF0}"/>
+              </a:ext>
+            </a:extLst>
+          </p:cNvPr>
+          <p:cNvSpPr>
+            <a:spLocks noGrp="1"/>
+          </p:cNvSpPr>
+          <p:nvPr>
+            <p:ph type="title"/>
+          </p:nvPr>
+        </p:nvSpPr>
+        <p:spPr/>
+        <p:txBody>
+          <a:bodyPr/>
+          <a:lstStyle/>
+          <a:p>
+            <a:r>
+              <a:rPr lang="pl-PL" dirty="0" err="1"/>
+              <a:t>Voting</a:t>
+            </a:r>
+            <a:endParaRPr lang="pl-PL" dirty="0"/>
+          </a:p>
+        </p:txBody>
+      </p:sp>
+      <p:sp>
+        <p:nvSpPr>
+          <p:cNvPr id="3" name="Symbol zastępczy zawartości 2">
+            <a:extLst>
+              <a:ext uri="{FF2B5EF4-FFF2-40B4-BE49-F238E27FC236}">
+                <a16:creationId xmlns:a16="http://schemas.microsoft.com/office/drawing/2014/main" id="{C0CFB3F9-BCAD-4D2D-36AF-E76F7797DDB9}"/>
+              </a:ext>
+            </a:extLst>
+          </p:cNvPr>
+          <p:cNvSpPr>
+            <a:spLocks noGrp="1"/>
+          </p:cNvSpPr>
+          <p:nvPr>
+            <p:ph idx="1"/>
+          </p:nvPr>
+        </p:nvSpPr>
+        <p:spPr/>
+        <p:txBody>
+          <a:bodyPr/>
+          <a:lstStyle/>
+          <a:p>
+            <a:endParaRPr lang="pl-PL"/>
+          </a:p>
+        </p:txBody>
+      </p:sp>
+    </p:spTree>
+    <p:extLst>
+      <p:ext uri="{BB962C8B-B14F-4D97-AF65-F5344CB8AC3E}">
+        <p14:creationId xmlns:p14="http://schemas.microsoft.com/office/powerpoint/2010/main" val="3183681039"/>
+      </p:ext>
+    </p:extLst>
+  </p:cSld>
+  <p:clrMapOvr>
+    <a:masterClrMapping/>
+  </p:clrMapOvr>
+</p:sld>
+</file>
+
+<file path=ppt/slides/slide9.xml><?xml version="1.0" encoding="utf-8"?>
+<p:sld xmlns:a="http://schemas.openxmlformats.org/drawingml/2006/main" xmlns:r="http://schemas.openxmlformats.org/officeDocument/2006/relationships" xmlns:p="http://schemas.openxmlformats.org/presentationml/2006/main">
+  <p:cSld>
+    <p:spTree>
+      <p:nvGrpSpPr>
+        <p:cNvPr id="1" name=""/>
+        <p:cNvGrpSpPr/>
+        <p:nvPr/>
+      </p:nvGrpSpPr>
+      <p:grpSpPr>
+        <a:xfrm>
+          <a:off x="0" y="0"/>
+          <a:ext cx="0" cy="0"/>
+          <a:chOff x="0" y="0"/>
+          <a:chExt cx="0" cy="0"/>
+        </a:xfrm>
+      </p:grpSpPr>
+      <p:sp>
+        <p:nvSpPr>
+          <p:cNvPr id="2" name="Tytuł 1">
+            <a:extLst>
+              <a:ext uri="{FF2B5EF4-FFF2-40B4-BE49-F238E27FC236}">
+                <a16:creationId xmlns:a16="http://schemas.microsoft.com/office/drawing/2014/main" id="{68DBC995-71BC-034A-F241-97B43F02D8CB}"/>
+              </a:ext>
+            </a:extLst>
+          </p:cNvPr>
+          <p:cNvSpPr>
+            <a:spLocks noGrp="1"/>
+          </p:cNvSpPr>
+          <p:nvPr>
+            <p:ph type="title"/>
+          </p:nvPr>
+        </p:nvSpPr>
+        <p:spPr/>
+        <p:txBody>
+          <a:bodyPr/>
+          <a:lstStyle/>
+          <a:p>
+            <a:r>
+              <a:rPr lang="pl-PL" dirty="0" err="1"/>
+              <a:t>Summary</a:t>
+            </a:r>
+            <a:endParaRPr lang="pl-PL" dirty="0"/>
+          </a:p>
+        </p:txBody>
+      </p:sp>
+      <p:sp>
+        <p:nvSpPr>
+          <p:cNvPr id="3" name="Symbol zastępczy tekstu 2">
+            <a:extLst>
+              <a:ext uri="{FF2B5EF4-FFF2-40B4-BE49-F238E27FC236}">
+                <a16:creationId xmlns:a16="http://schemas.microsoft.com/office/drawing/2014/main" id="{8BC4FB03-D5DD-E630-CC46-F8E659D2DCB4}"/>
+              </a:ext>
+            </a:extLst>
+          </p:cNvPr>
+          <p:cNvSpPr>
+            <a:spLocks noGrp="1"/>
+          </p:cNvSpPr>
+          <p:nvPr>
+            <p:ph type="body" idx="1"/>
+          </p:nvPr>
+        </p:nvSpPr>
+        <p:spPr/>
+        <p:txBody>
+          <a:bodyPr/>
+          <a:lstStyle/>
+          <a:p>
+            <a:endParaRPr lang="pl-PL"/>
+          </a:p>
+        </p:txBody>
+      </p:sp>
+    </p:spTree>
+    <p:extLst>
+      <p:ext uri="{BB962C8B-B14F-4D97-AF65-F5344CB8AC3E}">
+        <p14:creationId xmlns:p14="http://schemas.microsoft.com/office/powerpoint/2010/main" val="1109973879"/>
       </p:ext>
     </p:extLst>
   </p:cSld>

--- a/prezka.pptx
+++ b/prezka.pptx
@@ -2,7 +2,7 @@
 <file path=ppt/presentation.xml><?xml version="1.0" encoding="utf-8"?>
 <p:presentation xmlns:a="http://schemas.openxmlformats.org/drawingml/2006/main" xmlns:r="http://schemas.openxmlformats.org/officeDocument/2006/relationships" xmlns:p="http://schemas.openxmlformats.org/presentationml/2006/main" saveSubsetFonts="1">
   <p:sldMasterIdLst>
-    <p:sldMasterId id="2147483648" r:id="rId1"/>
+    <p:sldMasterId id="2147483697" r:id="rId1"/>
   </p:sldMasterIdLst>
   <p:sldIdLst>
     <p:sldId id="256" r:id="rId2"/>
@@ -11,17 +11,18 @@
     <p:sldId id="259" r:id="rId5"/>
     <p:sldId id="260" r:id="rId6"/>
     <p:sldId id="261" r:id="rId7"/>
-    <p:sldId id="262" r:id="rId8"/>
-    <p:sldId id="263" r:id="rId9"/>
-    <p:sldId id="265" r:id="rId10"/>
+    <p:sldId id="266" r:id="rId8"/>
+    <p:sldId id="262" r:id="rId9"/>
+    <p:sldId id="263" r:id="rId10"/>
+    <p:sldId id="265" r:id="rId11"/>
   </p:sldIdLst>
   <p:sldSz cx="12192000" cy="6858000"/>
   <p:notesSz cx="6858000" cy="9144000"/>
   <p:defaultTextStyle>
     <a:defPPr>
-      <a:defRPr lang="pl-PL"/>
+      <a:defRPr lang="en-US"/>
     </a:defPPr>
-    <a:lvl1pPr marL="0" algn="l" defTabSz="914400" rtl="0" eaLnBrk="1" latinLnBrk="0" hangingPunct="1">
+    <a:lvl1pPr marL="0" algn="l" defTabSz="457200" rtl="0" eaLnBrk="1" latinLnBrk="0" hangingPunct="1">
       <a:defRPr sz="1800" kern="1200">
         <a:solidFill>
           <a:schemeClr val="tx1"/>
@@ -31,7 +32,7 @@
         <a:cs typeface="+mn-cs"/>
       </a:defRPr>
     </a:lvl1pPr>
-    <a:lvl2pPr marL="457200" algn="l" defTabSz="914400" rtl="0" eaLnBrk="1" latinLnBrk="0" hangingPunct="1">
+    <a:lvl2pPr marL="457200" algn="l" defTabSz="457200" rtl="0" eaLnBrk="1" latinLnBrk="0" hangingPunct="1">
       <a:defRPr sz="1800" kern="1200">
         <a:solidFill>
           <a:schemeClr val="tx1"/>
@@ -41,7 +42,7 @@
         <a:cs typeface="+mn-cs"/>
       </a:defRPr>
     </a:lvl2pPr>
-    <a:lvl3pPr marL="914400" algn="l" defTabSz="914400" rtl="0" eaLnBrk="1" latinLnBrk="0" hangingPunct="1">
+    <a:lvl3pPr marL="914400" algn="l" defTabSz="457200" rtl="0" eaLnBrk="1" latinLnBrk="0" hangingPunct="1">
       <a:defRPr sz="1800" kern="1200">
         <a:solidFill>
           <a:schemeClr val="tx1"/>
@@ -51,7 +52,7 @@
         <a:cs typeface="+mn-cs"/>
       </a:defRPr>
     </a:lvl3pPr>
-    <a:lvl4pPr marL="1371600" algn="l" defTabSz="914400" rtl="0" eaLnBrk="1" latinLnBrk="0" hangingPunct="1">
+    <a:lvl4pPr marL="1371600" algn="l" defTabSz="457200" rtl="0" eaLnBrk="1" latinLnBrk="0" hangingPunct="1">
       <a:defRPr sz="1800" kern="1200">
         <a:solidFill>
           <a:schemeClr val="tx1"/>
@@ -61,7 +62,7 @@
         <a:cs typeface="+mn-cs"/>
       </a:defRPr>
     </a:lvl4pPr>
-    <a:lvl5pPr marL="1828800" algn="l" defTabSz="914400" rtl="0" eaLnBrk="1" latinLnBrk="0" hangingPunct="1">
+    <a:lvl5pPr marL="1828800" algn="l" defTabSz="457200" rtl="0" eaLnBrk="1" latinLnBrk="0" hangingPunct="1">
       <a:defRPr sz="1800" kern="1200">
         <a:solidFill>
           <a:schemeClr val="tx1"/>
@@ -71,7 +72,7 @@
         <a:cs typeface="+mn-cs"/>
       </a:defRPr>
     </a:lvl5pPr>
-    <a:lvl6pPr marL="2286000" algn="l" defTabSz="914400" rtl="0" eaLnBrk="1" latinLnBrk="0" hangingPunct="1">
+    <a:lvl6pPr marL="2286000" algn="l" defTabSz="457200" rtl="0" eaLnBrk="1" latinLnBrk="0" hangingPunct="1">
       <a:defRPr sz="1800" kern="1200">
         <a:solidFill>
           <a:schemeClr val="tx1"/>
@@ -81,7 +82,7 @@
         <a:cs typeface="+mn-cs"/>
       </a:defRPr>
     </a:lvl6pPr>
-    <a:lvl7pPr marL="2743200" algn="l" defTabSz="914400" rtl="0" eaLnBrk="1" latinLnBrk="0" hangingPunct="1">
+    <a:lvl7pPr marL="2743200" algn="l" defTabSz="457200" rtl="0" eaLnBrk="1" latinLnBrk="0" hangingPunct="1">
       <a:defRPr sz="1800" kern="1200">
         <a:solidFill>
           <a:schemeClr val="tx1"/>
@@ -91,7 +92,7 @@
         <a:cs typeface="+mn-cs"/>
       </a:defRPr>
     </a:lvl7pPr>
-    <a:lvl8pPr marL="3200400" algn="l" defTabSz="914400" rtl="0" eaLnBrk="1" latinLnBrk="0" hangingPunct="1">
+    <a:lvl8pPr marL="3200400" algn="l" defTabSz="457200" rtl="0" eaLnBrk="1" latinLnBrk="0" hangingPunct="1">
       <a:defRPr sz="1800" kern="1200">
         <a:solidFill>
           <a:schemeClr val="tx1"/>
@@ -101,7 +102,7 @@
         <a:cs typeface="+mn-cs"/>
       </a:defRPr>
     </a:lvl8pPr>
-    <a:lvl9pPr marL="3657600" algn="l" defTabSz="914400" rtl="0" eaLnBrk="1" latinLnBrk="0" hangingPunct="1">
+    <a:lvl9pPr marL="3657600" algn="l" defTabSz="457200" rtl="0" eaLnBrk="1" latinLnBrk="0" hangingPunct="1">
       <a:defRPr sz="1800" kern="1200">
         <a:solidFill>
           <a:schemeClr val="tx1"/>
@@ -123,6 +124,11 @@
 <file path=ppt/slideLayouts/slideLayout1.xml><?xml version="1.0" encoding="utf-8"?>
 <p:sldLayout xmlns:a="http://schemas.openxmlformats.org/drawingml/2006/main" xmlns:r="http://schemas.openxmlformats.org/officeDocument/2006/relationships" xmlns:p="http://schemas.openxmlformats.org/presentationml/2006/main" type="title" preserve="1">
   <p:cSld name="Slajd tytułowy">
+    <p:bg>
+      <p:bgRef idx="1003">
+        <a:schemeClr val="bg2"/>
+      </p:bgRef>
+    </p:bg>
     <p:spTree>
       <p:nvGrpSpPr>
         <p:cNvPr id="1" name=""/>
@@ -137,33 +143,61 @@
           <a:chExt cx="0" cy="0"/>
         </a:xfrm>
       </p:grpSpPr>
-      <p:sp>
-        <p:nvSpPr>
-          <p:cNvPr id="2" name="Tytuł 1">
+      <p:pic>
+        <p:nvPicPr>
+          <p:cNvPr id="7" name="Picture 6" descr="Celestia-R1---OverlayTitleHD.png"/>
+          <p:cNvPicPr>
+            <a:picLocks noChangeAspect="1"/>
+          </p:cNvPicPr>
+          <p:nvPr/>
+        </p:nvPicPr>
+        <p:blipFill>
+          <a:blip r:embed="rId2">
             <a:extLst>
-              <a:ext uri="{FF2B5EF4-FFF2-40B4-BE49-F238E27FC236}">
-                <a16:creationId xmlns:a16="http://schemas.microsoft.com/office/drawing/2014/main" id="{C11607A4-B6B4-F944-1163-2656FCCFDDEB}"/>
+              <a:ext uri="{28A0092B-C50C-407E-A947-70E740481C1C}">
+                <a14:useLocalDpi xmlns:a14="http://schemas.microsoft.com/office/drawing/2010/main" val="0"/>
               </a:ext>
             </a:extLst>
-          </p:cNvPr>
-          <p:cNvSpPr>
-            <a:spLocks noGrp="1"/>
-          </p:cNvSpPr>
-          <p:nvPr>
-            <p:ph type="ctrTitle"/>
-          </p:nvPr>
-        </p:nvSpPr>
+          </a:blip>
+          <a:stretch>
+            <a:fillRect/>
+          </a:stretch>
+        </p:blipFill>
         <p:spPr>
           <a:xfrm>
-            <a:off x="1524000" y="1122363"/>
-            <a:ext cx="9144000" cy="2387600"/>
+            <a:off x="0" y="0"/>
+            <a:ext cx="12188825" cy="6856214"/>
+          </a:xfrm>
+          <a:prstGeom prst="rect">
+            <a:avLst/>
+          </a:prstGeom>
+        </p:spPr>
+      </p:pic>
+      <p:sp>
+        <p:nvSpPr>
+          <p:cNvPr id="2" name="Title 1"/>
+          <p:cNvSpPr>
+            <a:spLocks noGrp="1"/>
+          </p:cNvSpPr>
+          <p:nvPr>
+            <p:ph type="ctrTitle"/>
+          </p:nvPr>
+        </p:nvSpPr>
+        <p:spPr>
+          <a:xfrm>
+            <a:off x="3962399" y="1964267"/>
+            <a:ext cx="7197726" cy="2421464"/>
           </a:xfrm>
         </p:spPr>
         <p:txBody>
-          <a:bodyPr anchor="b"/>
+          <a:bodyPr anchor="b">
+            <a:normAutofit/>
+          </a:bodyPr>
           <a:lstStyle>
-            <a:lvl1pPr algn="ctr">
-              <a:defRPr sz="6000"/>
+            <a:lvl1pPr algn="r">
+              <a:defRPr sz="4800">
+                <a:effectLst/>
+              </a:defRPr>
             </a:lvl1pPr>
           </a:lstStyle>
           <a:p>
@@ -171,18 +205,13 @@
               <a:rPr lang="pl-PL"/>
               <a:t>Kliknij, aby edytować styl</a:t>
             </a:r>
-          </a:p>
-        </p:txBody>
-      </p:sp>
-      <p:sp>
-        <p:nvSpPr>
-          <p:cNvPr id="3" name="Podtytuł 2">
-            <a:extLst>
-              <a:ext uri="{FF2B5EF4-FFF2-40B4-BE49-F238E27FC236}">
-                <a16:creationId xmlns:a16="http://schemas.microsoft.com/office/drawing/2014/main" id="{58EB8D61-9C49-D6C9-0042-402408C3D0D5}"/>
-              </a:ext>
-            </a:extLst>
-          </p:cNvPr>
+            <a:endParaRPr lang="en-US" dirty="0"/>
+          </a:p>
+        </p:txBody>
+      </p:sp>
+      <p:sp>
+        <p:nvSpPr>
+          <p:cNvPr id="3" name="Subtitle 2"/>
           <p:cNvSpPr>
             <a:spLocks noGrp="1"/>
           </p:cNvSpPr>
@@ -192,48 +221,102 @@
         </p:nvSpPr>
         <p:spPr>
           <a:xfrm>
-            <a:off x="1524000" y="3602038"/>
-            <a:ext cx="9144000" cy="1655762"/>
+            <a:off x="3962399" y="4385732"/>
+            <a:ext cx="7197726" cy="1405467"/>
           </a:xfrm>
         </p:spPr>
         <p:txBody>
-          <a:bodyPr/>
+          <a:bodyPr anchor="t">
+            <a:normAutofit/>
+          </a:bodyPr>
           <a:lstStyle>
-            <a:lvl1pPr marL="0" indent="0" algn="ctr">
-              <a:buNone/>
-              <a:defRPr sz="2400"/>
+            <a:lvl1pPr marL="0" indent="0" algn="r">
+              <a:buNone/>
+              <a:defRPr sz="1800" cap="all">
+                <a:solidFill>
+                  <a:schemeClr val="tx1"/>
+                </a:solidFill>
+              </a:defRPr>
             </a:lvl1pPr>
             <a:lvl2pPr marL="457200" indent="0" algn="ctr">
               <a:buNone/>
-              <a:defRPr sz="2000"/>
+              <a:defRPr>
+                <a:solidFill>
+                  <a:schemeClr val="tx1">
+                    <a:tint val="75000"/>
+                  </a:schemeClr>
+                </a:solidFill>
+              </a:defRPr>
             </a:lvl2pPr>
             <a:lvl3pPr marL="914400" indent="0" algn="ctr">
               <a:buNone/>
-              <a:defRPr sz="1800"/>
+              <a:defRPr>
+                <a:solidFill>
+                  <a:schemeClr val="tx1">
+                    <a:tint val="75000"/>
+                  </a:schemeClr>
+                </a:solidFill>
+              </a:defRPr>
             </a:lvl3pPr>
             <a:lvl4pPr marL="1371600" indent="0" algn="ctr">
               <a:buNone/>
-              <a:defRPr sz="1600"/>
+              <a:defRPr>
+                <a:solidFill>
+                  <a:schemeClr val="tx1">
+                    <a:tint val="75000"/>
+                  </a:schemeClr>
+                </a:solidFill>
+              </a:defRPr>
             </a:lvl4pPr>
             <a:lvl5pPr marL="1828800" indent="0" algn="ctr">
               <a:buNone/>
-              <a:defRPr sz="1600"/>
+              <a:defRPr>
+                <a:solidFill>
+                  <a:schemeClr val="tx1">
+                    <a:tint val="75000"/>
+                  </a:schemeClr>
+                </a:solidFill>
+              </a:defRPr>
             </a:lvl5pPr>
             <a:lvl6pPr marL="2286000" indent="0" algn="ctr">
               <a:buNone/>
-              <a:defRPr sz="1600"/>
+              <a:defRPr>
+                <a:solidFill>
+                  <a:schemeClr val="tx1">
+                    <a:tint val="75000"/>
+                  </a:schemeClr>
+                </a:solidFill>
+              </a:defRPr>
             </a:lvl6pPr>
             <a:lvl7pPr marL="2743200" indent="0" algn="ctr">
               <a:buNone/>
-              <a:defRPr sz="1600"/>
+              <a:defRPr>
+                <a:solidFill>
+                  <a:schemeClr val="tx1">
+                    <a:tint val="75000"/>
+                  </a:schemeClr>
+                </a:solidFill>
+              </a:defRPr>
             </a:lvl7pPr>
             <a:lvl8pPr marL="3200400" indent="0" algn="ctr">
               <a:buNone/>
-              <a:defRPr sz="1600"/>
+              <a:defRPr>
+                <a:solidFill>
+                  <a:schemeClr val="tx1">
+                    <a:tint val="75000"/>
+                  </a:schemeClr>
+                </a:solidFill>
+              </a:defRPr>
             </a:lvl8pPr>
             <a:lvl9pPr marL="3657600" indent="0" algn="ctr">
               <a:buNone/>
-              <a:defRPr sz="1600"/>
+              <a:defRPr>
+                <a:solidFill>
+                  <a:schemeClr val="tx1">
+                    <a:tint val="75000"/>
+                  </a:schemeClr>
+                </a:solidFill>
+              </a:defRPr>
             </a:lvl9pPr>
           </a:lstStyle>
           <a:p>
@@ -241,18 +324,13 @@
               <a:rPr lang="pl-PL"/>
               <a:t>Kliknij, aby edytować styl wzorca podtytułu</a:t>
             </a:r>
-          </a:p>
-        </p:txBody>
-      </p:sp>
-      <p:sp>
-        <p:nvSpPr>
-          <p:cNvPr id="4" name="Symbol zastępczy daty 3">
-            <a:extLst>
-              <a:ext uri="{FF2B5EF4-FFF2-40B4-BE49-F238E27FC236}">
-                <a16:creationId xmlns:a16="http://schemas.microsoft.com/office/drawing/2014/main" id="{8734AF0F-9CFA-6748-C216-EF3D93C549B6}"/>
-              </a:ext>
-            </a:extLst>
-          </p:cNvPr>
+            <a:endParaRPr lang="en-US" dirty="0"/>
+          </a:p>
+        </p:txBody>
+      </p:sp>
+      <p:sp>
+        <p:nvSpPr>
+          <p:cNvPr id="4" name="Date Placeholder 3"/>
           <p:cNvSpPr>
             <a:spLocks noGrp="1"/>
           </p:cNvSpPr>
@@ -260,14 +338,19 @@
             <p:ph type="dt" sz="half" idx="10"/>
           </p:nvPr>
         </p:nvSpPr>
-        <p:spPr/>
+        <p:spPr>
+          <a:xfrm>
+            <a:off x="8932558" y="5870575"/>
+            <a:ext cx="1600200" cy="377825"/>
+          </a:xfrm>
+        </p:spPr>
         <p:txBody>
           <a:bodyPr/>
           <a:lstStyle/>
           <a:p>
             <a:fld id="{F162833F-9441-4006-A1DD-3908C6F76699}" type="datetimeFigureOut">
               <a:rPr lang="pl-PL" smtClean="0"/>
-              <a:t>10.05.2023</a:t>
+              <a:t>16.05.2023</a:t>
             </a:fld>
             <a:endParaRPr lang="pl-PL"/>
           </a:p>
@@ -275,13 +358,7 @@
       </p:sp>
       <p:sp>
         <p:nvSpPr>
-          <p:cNvPr id="5" name="Symbol zastępczy stopki 4">
-            <a:extLst>
-              <a:ext uri="{FF2B5EF4-FFF2-40B4-BE49-F238E27FC236}">
-                <a16:creationId xmlns:a16="http://schemas.microsoft.com/office/drawing/2014/main" id="{6B0FAC8D-367B-498C-41E0-DF45EFFF42CF}"/>
-              </a:ext>
-            </a:extLst>
-          </p:cNvPr>
+          <p:cNvPr id="5" name="Footer Placeholder 4"/>
           <p:cNvSpPr>
             <a:spLocks noGrp="1"/>
           </p:cNvSpPr>
@@ -289,7 +366,12 @@
             <p:ph type="ftr" sz="quarter" idx="11"/>
           </p:nvPr>
         </p:nvSpPr>
-        <p:spPr/>
+        <p:spPr>
+          <a:xfrm>
+            <a:off x="3962399" y="5870575"/>
+            <a:ext cx="4893958" cy="377825"/>
+          </a:xfrm>
+        </p:spPr>
         <p:txBody>
           <a:bodyPr/>
           <a:lstStyle/>
@@ -300,13 +382,7 @@
       </p:sp>
       <p:sp>
         <p:nvSpPr>
-          <p:cNvPr id="6" name="Symbol zastępczy numeru slajdu 5">
-            <a:extLst>
-              <a:ext uri="{FF2B5EF4-FFF2-40B4-BE49-F238E27FC236}">
-                <a16:creationId xmlns:a16="http://schemas.microsoft.com/office/drawing/2014/main" id="{AD5A263C-256B-B7BF-766A-2CED7C631367}"/>
-              </a:ext>
-            </a:extLst>
-          </p:cNvPr>
+          <p:cNvPr id="6" name="Slide Number Placeholder 5"/>
           <p:cNvSpPr>
             <a:spLocks noGrp="1"/>
           </p:cNvSpPr>
@@ -314,7 +390,12 @@
             <p:ph type="sldNum" sz="quarter" idx="12"/>
           </p:nvPr>
         </p:nvSpPr>
-        <p:spPr/>
+        <p:spPr>
+          <a:xfrm>
+            <a:off x="10608958" y="5870575"/>
+            <a:ext cx="551167" cy="377825"/>
+          </a:xfrm>
+        </p:spPr>
         <p:txBody>
           <a:bodyPr/>
           <a:lstStyle/>
@@ -330,7 +411,331 @@
     </p:spTree>
     <p:extLst>
       <p:ext uri="{BB962C8B-B14F-4D97-AF65-F5344CB8AC3E}">
-        <p14:creationId xmlns:p14="http://schemas.microsoft.com/office/powerpoint/2010/main" val="3046793685"/>
+        <p14:creationId xmlns:p14="http://schemas.microsoft.com/office/powerpoint/2010/main" val="3676580036"/>
+      </p:ext>
+    </p:extLst>
+  </p:cSld>
+  <p:clrMapOvr>
+    <a:overrideClrMapping bg1="dk1" tx1="lt1" bg2="dk2" tx2="lt2" accent1="accent1" accent2="accent2" accent3="accent3" accent4="accent4" accent5="accent5" accent6="accent6" hlink="hlink" folHlink="folHlink"/>
+  </p:clrMapOvr>
+</p:sldLayout>
+</file>
+
+<file path=ppt/slideLayouts/slideLayout10.xml><?xml version="1.0" encoding="utf-8"?>
+<p:sldLayout xmlns:a="http://schemas.openxmlformats.org/drawingml/2006/main" xmlns:r="http://schemas.openxmlformats.org/officeDocument/2006/relationships" xmlns:p="http://schemas.openxmlformats.org/presentationml/2006/main" preserve="1">
+  <p:cSld name="Obraz panoramiczny z podpisem">
+    <p:spTree>
+      <p:nvGrpSpPr>
+        <p:cNvPr id="1" name=""/>
+        <p:cNvGrpSpPr/>
+        <p:nvPr/>
+      </p:nvGrpSpPr>
+      <p:grpSpPr>
+        <a:xfrm>
+          <a:off x="0" y="0"/>
+          <a:ext cx="0" cy="0"/>
+          <a:chOff x="0" y="0"/>
+          <a:chExt cx="0" cy="0"/>
+        </a:xfrm>
+      </p:grpSpPr>
+      <p:pic>
+        <p:nvPicPr>
+          <p:cNvPr id="8" name="Picture 7" descr="Celestia-R1---OverlayContentHD.png"/>
+          <p:cNvPicPr>
+            <a:picLocks noChangeAspect="1"/>
+          </p:cNvPicPr>
+          <p:nvPr/>
+        </p:nvPicPr>
+        <p:blipFill>
+          <a:blip r:embed="rId2">
+            <a:extLst>
+              <a:ext uri="{28A0092B-C50C-407E-A947-70E740481C1C}">
+                <a14:useLocalDpi xmlns:a14="http://schemas.microsoft.com/office/drawing/2010/main" val="0"/>
+              </a:ext>
+            </a:extLst>
+          </a:blip>
+          <a:stretch>
+            <a:fillRect/>
+          </a:stretch>
+        </p:blipFill>
+        <p:spPr>
+          <a:xfrm>
+            <a:off x="0" y="0"/>
+            <a:ext cx="12188825" cy="6856214"/>
+          </a:xfrm>
+          <a:prstGeom prst="rect">
+            <a:avLst/>
+          </a:prstGeom>
+        </p:spPr>
+      </p:pic>
+      <p:sp>
+        <p:nvSpPr>
+          <p:cNvPr id="2" name="Title 1"/>
+          <p:cNvSpPr>
+            <a:spLocks noGrp="1"/>
+          </p:cNvSpPr>
+          <p:nvPr>
+            <p:ph type="title"/>
+          </p:nvPr>
+        </p:nvSpPr>
+        <p:spPr>
+          <a:xfrm>
+            <a:off x="685800" y="4732865"/>
+            <a:ext cx="10131427" cy="566738"/>
+          </a:xfrm>
+        </p:spPr>
+        <p:txBody>
+          <a:bodyPr anchor="b">
+            <a:normAutofit/>
+          </a:bodyPr>
+          <a:lstStyle>
+            <a:lvl1pPr algn="l">
+              <a:defRPr sz="2400" b="0"/>
+            </a:lvl1pPr>
+          </a:lstStyle>
+          <a:p>
+            <a:r>
+              <a:rPr lang="pl-PL"/>
+              <a:t>Kliknij, aby edytować styl</a:t>
+            </a:r>
+            <a:endParaRPr lang="en-US" dirty="0"/>
+          </a:p>
+        </p:txBody>
+      </p:sp>
+      <p:sp>
+        <p:nvSpPr>
+          <p:cNvPr id="3" name="Picture Placeholder 2"/>
+          <p:cNvSpPr>
+            <a:spLocks noGrp="1" noChangeAspect="1"/>
+          </p:cNvSpPr>
+          <p:nvPr>
+            <p:ph type="pic" idx="1"/>
+          </p:nvPr>
+        </p:nvSpPr>
+        <p:spPr>
+          <a:xfrm>
+            <a:off x="1371600" y="932112"/>
+            <a:ext cx="8759827" cy="3164976"/>
+          </a:xfrm>
+          <a:prstGeom prst="roundRect">
+            <a:avLst>
+              <a:gd name="adj" fmla="val 4380"/>
+            </a:avLst>
+          </a:prstGeom>
+          <a:ln w="50800" cap="sq" cmpd="dbl">
+            <a:gradFill flip="none" rotWithShape="1">
+              <a:gsLst>
+                <a:gs pos="0">
+                  <a:srgbClr val="FFFFFF"/>
+                </a:gs>
+                <a:gs pos="100000">
+                  <a:schemeClr val="tx1">
+                    <a:alpha val="0"/>
+                  </a:schemeClr>
+                </a:gs>
+              </a:gsLst>
+              <a:path path="circle">
+                <a:fillToRect l="50000" t="50000" r="50000" b="50000"/>
+              </a:path>
+              <a:tileRect/>
+            </a:gradFill>
+            <a:miter lim="800000"/>
+          </a:ln>
+          <a:effectLst>
+            <a:outerShdw blurRad="254000" algn="tl" rotWithShape="0">
+              <a:srgbClr val="000000">
+                <a:alpha val="43000"/>
+              </a:srgbClr>
+            </a:outerShdw>
+          </a:effectLst>
+        </p:spPr>
+        <p:txBody>
+          <a:bodyPr anchor="t">
+            <a:normAutofit/>
+          </a:bodyPr>
+          <a:lstStyle>
+            <a:lvl1pPr marL="0" indent="0" algn="ctr">
+              <a:buNone/>
+              <a:defRPr sz="1600"/>
+            </a:lvl1pPr>
+            <a:lvl2pPr marL="457200" indent="0">
+              <a:buNone/>
+              <a:defRPr sz="1600"/>
+            </a:lvl2pPr>
+            <a:lvl3pPr marL="914400" indent="0">
+              <a:buNone/>
+              <a:defRPr sz="1600"/>
+            </a:lvl3pPr>
+            <a:lvl4pPr marL="1371600" indent="0">
+              <a:buNone/>
+              <a:defRPr sz="1600"/>
+            </a:lvl4pPr>
+            <a:lvl5pPr marL="1828800" indent="0">
+              <a:buNone/>
+              <a:defRPr sz="1600"/>
+            </a:lvl5pPr>
+            <a:lvl6pPr marL="2286000" indent="0">
+              <a:buNone/>
+              <a:defRPr sz="1600"/>
+            </a:lvl6pPr>
+            <a:lvl7pPr marL="2743200" indent="0">
+              <a:buNone/>
+              <a:defRPr sz="1600"/>
+            </a:lvl7pPr>
+            <a:lvl8pPr marL="3200400" indent="0">
+              <a:buNone/>
+              <a:defRPr sz="1600"/>
+            </a:lvl8pPr>
+            <a:lvl9pPr marL="3657600" indent="0">
+              <a:buNone/>
+              <a:defRPr sz="1600"/>
+            </a:lvl9pPr>
+          </a:lstStyle>
+          <a:p>
+            <a:r>
+              <a:rPr lang="pl-PL"/>
+              <a:t>Kliknij ikonę, aby dodać obraz</a:t>
+            </a:r>
+            <a:endParaRPr lang="en-US" dirty="0"/>
+          </a:p>
+        </p:txBody>
+      </p:sp>
+      <p:sp>
+        <p:nvSpPr>
+          <p:cNvPr id="4" name="Text Placeholder 3"/>
+          <p:cNvSpPr>
+            <a:spLocks noGrp="1"/>
+          </p:cNvSpPr>
+          <p:nvPr>
+            <p:ph type="body" sz="half" idx="2"/>
+          </p:nvPr>
+        </p:nvSpPr>
+        <p:spPr>
+          <a:xfrm>
+            <a:off x="685800" y="5299603"/>
+            <a:ext cx="10131427" cy="493712"/>
+          </a:xfrm>
+        </p:spPr>
+        <p:txBody>
+          <a:bodyPr anchor="t">
+            <a:normAutofit/>
+          </a:bodyPr>
+          <a:lstStyle>
+            <a:lvl1pPr marL="0" indent="0">
+              <a:buNone/>
+              <a:defRPr sz="1400"/>
+            </a:lvl1pPr>
+            <a:lvl2pPr marL="457200" indent="0">
+              <a:buNone/>
+              <a:defRPr sz="1200"/>
+            </a:lvl2pPr>
+            <a:lvl3pPr marL="914400" indent="0">
+              <a:buNone/>
+              <a:defRPr sz="1000"/>
+            </a:lvl3pPr>
+            <a:lvl4pPr marL="1371600" indent="0">
+              <a:buNone/>
+              <a:defRPr sz="900"/>
+            </a:lvl4pPr>
+            <a:lvl5pPr marL="1828800" indent="0">
+              <a:buNone/>
+              <a:defRPr sz="900"/>
+            </a:lvl5pPr>
+            <a:lvl6pPr marL="2286000" indent="0">
+              <a:buNone/>
+              <a:defRPr sz="900"/>
+            </a:lvl6pPr>
+            <a:lvl7pPr marL="2743200" indent="0">
+              <a:buNone/>
+              <a:defRPr sz="900"/>
+            </a:lvl7pPr>
+            <a:lvl8pPr marL="3200400" indent="0">
+              <a:buNone/>
+              <a:defRPr sz="900"/>
+            </a:lvl8pPr>
+            <a:lvl9pPr marL="3657600" indent="0">
+              <a:buNone/>
+              <a:defRPr sz="900"/>
+            </a:lvl9pPr>
+          </a:lstStyle>
+          <a:p>
+            <a:pPr lvl="0"/>
+            <a:r>
+              <a:rPr lang="pl-PL"/>
+              <a:t>Kliknij, aby edytować style wzorca tekstu</a:t>
+            </a:r>
+          </a:p>
+        </p:txBody>
+      </p:sp>
+      <p:sp>
+        <p:nvSpPr>
+          <p:cNvPr id="5" name="Date Placeholder 4"/>
+          <p:cNvSpPr>
+            <a:spLocks noGrp="1"/>
+          </p:cNvSpPr>
+          <p:nvPr>
+            <p:ph type="dt" sz="half" idx="10"/>
+          </p:nvPr>
+        </p:nvSpPr>
+        <p:spPr/>
+        <p:txBody>
+          <a:bodyPr/>
+          <a:lstStyle/>
+          <a:p>
+            <a:fld id="{F162833F-9441-4006-A1DD-3908C6F76699}" type="datetimeFigureOut">
+              <a:rPr lang="pl-PL" smtClean="0"/>
+              <a:t>16.05.2023</a:t>
+            </a:fld>
+            <a:endParaRPr lang="pl-PL"/>
+          </a:p>
+        </p:txBody>
+      </p:sp>
+      <p:sp>
+        <p:nvSpPr>
+          <p:cNvPr id="6" name="Footer Placeholder 5"/>
+          <p:cNvSpPr>
+            <a:spLocks noGrp="1"/>
+          </p:cNvSpPr>
+          <p:nvPr>
+            <p:ph type="ftr" sz="quarter" idx="11"/>
+          </p:nvPr>
+        </p:nvSpPr>
+        <p:spPr/>
+        <p:txBody>
+          <a:bodyPr/>
+          <a:lstStyle/>
+          <a:p>
+            <a:endParaRPr lang="pl-PL"/>
+          </a:p>
+        </p:txBody>
+      </p:sp>
+      <p:sp>
+        <p:nvSpPr>
+          <p:cNvPr id="7" name="Slide Number Placeholder 6"/>
+          <p:cNvSpPr>
+            <a:spLocks noGrp="1"/>
+          </p:cNvSpPr>
+          <p:nvPr>
+            <p:ph type="sldNum" sz="quarter" idx="12"/>
+          </p:nvPr>
+        </p:nvSpPr>
+        <p:spPr/>
+        <p:txBody>
+          <a:bodyPr/>
+          <a:lstStyle/>
+          <a:p>
+            <a:fld id="{4D3A875F-7C19-4775-B8A4-3648BA60EE9B}" type="slidenum">
+              <a:rPr lang="pl-PL" smtClean="0"/>
+              <a:t>‹#›</a:t>
+            </a:fld>
+            <a:endParaRPr lang="pl-PL"/>
+          </a:p>
+        </p:txBody>
+      </p:sp>
+    </p:spTree>
+    <p:extLst>
+      <p:ext uri="{BB962C8B-B14F-4D97-AF65-F5344CB8AC3E}">
+        <p14:creationId xmlns:p14="http://schemas.microsoft.com/office/powerpoint/2010/main" val="980609565"/>
       </p:ext>
     </p:extLst>
   </p:cSld>
@@ -340,7 +745,2020 @@
 </p:sldLayout>
 </file>
 
-<file path=ppt/slideLayouts/slideLayout10.xml><?xml version="1.0" encoding="utf-8"?>
+<file path=ppt/slideLayouts/slideLayout11.xml><?xml version="1.0" encoding="utf-8"?>
+<p:sldLayout xmlns:a="http://schemas.openxmlformats.org/drawingml/2006/main" xmlns:r="http://schemas.openxmlformats.org/officeDocument/2006/relationships" xmlns:p="http://schemas.openxmlformats.org/presentationml/2006/main" preserve="1">
+  <p:cSld name="Tytuł i podpis">
+    <p:spTree>
+      <p:nvGrpSpPr>
+        <p:cNvPr id="1" name=""/>
+        <p:cNvGrpSpPr/>
+        <p:nvPr/>
+      </p:nvGrpSpPr>
+      <p:grpSpPr>
+        <a:xfrm>
+          <a:off x="0" y="0"/>
+          <a:ext cx="0" cy="0"/>
+          <a:chOff x="0" y="0"/>
+          <a:chExt cx="0" cy="0"/>
+        </a:xfrm>
+      </p:grpSpPr>
+      <p:pic>
+        <p:nvPicPr>
+          <p:cNvPr id="7" name="Picture 6" descr="Celestia-R1---OverlayContentHD.png"/>
+          <p:cNvPicPr>
+            <a:picLocks noChangeAspect="1"/>
+          </p:cNvPicPr>
+          <p:nvPr/>
+        </p:nvPicPr>
+        <p:blipFill>
+          <a:blip r:embed="rId2">
+            <a:extLst>
+              <a:ext uri="{28A0092B-C50C-407E-A947-70E740481C1C}">
+                <a14:useLocalDpi xmlns:a14="http://schemas.microsoft.com/office/drawing/2010/main" val="0"/>
+              </a:ext>
+            </a:extLst>
+          </a:blip>
+          <a:stretch>
+            <a:fillRect/>
+          </a:stretch>
+        </p:blipFill>
+        <p:spPr>
+          <a:xfrm>
+            <a:off x="0" y="0"/>
+            <a:ext cx="12188825" cy="6856214"/>
+          </a:xfrm>
+          <a:prstGeom prst="rect">
+            <a:avLst/>
+          </a:prstGeom>
+        </p:spPr>
+      </p:pic>
+      <p:sp>
+        <p:nvSpPr>
+          <p:cNvPr id="2" name="Title 1"/>
+          <p:cNvSpPr>
+            <a:spLocks noGrp="1"/>
+          </p:cNvSpPr>
+          <p:nvPr>
+            <p:ph type="title"/>
+          </p:nvPr>
+        </p:nvSpPr>
+        <p:spPr>
+          <a:xfrm>
+            <a:off x="685801" y="609601"/>
+            <a:ext cx="10131427" cy="3124199"/>
+          </a:xfrm>
+        </p:spPr>
+        <p:txBody>
+          <a:bodyPr anchor="ctr">
+            <a:normAutofit/>
+          </a:bodyPr>
+          <a:lstStyle>
+            <a:lvl1pPr algn="l">
+              <a:defRPr sz="3200" b="0" cap="none"/>
+            </a:lvl1pPr>
+          </a:lstStyle>
+          <a:p>
+            <a:r>
+              <a:rPr lang="pl-PL"/>
+              <a:t>Kliknij, aby edytować styl</a:t>
+            </a:r>
+            <a:endParaRPr lang="en-US" dirty="0"/>
+          </a:p>
+        </p:txBody>
+      </p:sp>
+      <p:sp>
+        <p:nvSpPr>
+          <p:cNvPr id="3" name="Text Placeholder 2"/>
+          <p:cNvSpPr>
+            <a:spLocks noGrp="1"/>
+          </p:cNvSpPr>
+          <p:nvPr>
+            <p:ph type="body" idx="1"/>
+          </p:nvPr>
+        </p:nvSpPr>
+        <p:spPr>
+          <a:xfrm>
+            <a:off x="685800" y="4343400"/>
+            <a:ext cx="10131428" cy="1447800"/>
+          </a:xfrm>
+        </p:spPr>
+        <p:txBody>
+          <a:bodyPr anchor="ctr">
+            <a:normAutofit/>
+          </a:bodyPr>
+          <a:lstStyle>
+            <a:lvl1pPr marL="0" indent="0" algn="l">
+              <a:buNone/>
+              <a:defRPr sz="2000">
+                <a:solidFill>
+                  <a:schemeClr val="tx1"/>
+                </a:solidFill>
+              </a:defRPr>
+            </a:lvl1pPr>
+            <a:lvl2pPr marL="457200" indent="0">
+              <a:buNone/>
+              <a:defRPr sz="1800">
+                <a:solidFill>
+                  <a:schemeClr val="tx1">
+                    <a:tint val="75000"/>
+                  </a:schemeClr>
+                </a:solidFill>
+              </a:defRPr>
+            </a:lvl2pPr>
+            <a:lvl3pPr marL="914400" indent="0">
+              <a:buNone/>
+              <a:defRPr sz="1600">
+                <a:solidFill>
+                  <a:schemeClr val="tx1">
+                    <a:tint val="75000"/>
+                  </a:schemeClr>
+                </a:solidFill>
+              </a:defRPr>
+            </a:lvl3pPr>
+            <a:lvl4pPr marL="1371600" indent="0">
+              <a:buNone/>
+              <a:defRPr sz="1400">
+                <a:solidFill>
+                  <a:schemeClr val="tx1">
+                    <a:tint val="75000"/>
+                  </a:schemeClr>
+                </a:solidFill>
+              </a:defRPr>
+            </a:lvl4pPr>
+            <a:lvl5pPr marL="1828800" indent="0">
+              <a:buNone/>
+              <a:defRPr sz="1400">
+                <a:solidFill>
+                  <a:schemeClr val="tx1">
+                    <a:tint val="75000"/>
+                  </a:schemeClr>
+                </a:solidFill>
+              </a:defRPr>
+            </a:lvl5pPr>
+            <a:lvl6pPr marL="2286000" indent="0">
+              <a:buNone/>
+              <a:defRPr sz="1400">
+                <a:solidFill>
+                  <a:schemeClr val="tx1">
+                    <a:tint val="75000"/>
+                  </a:schemeClr>
+                </a:solidFill>
+              </a:defRPr>
+            </a:lvl6pPr>
+            <a:lvl7pPr marL="2743200" indent="0">
+              <a:buNone/>
+              <a:defRPr sz="1400">
+                <a:solidFill>
+                  <a:schemeClr val="tx1">
+                    <a:tint val="75000"/>
+                  </a:schemeClr>
+                </a:solidFill>
+              </a:defRPr>
+            </a:lvl7pPr>
+            <a:lvl8pPr marL="3200400" indent="0">
+              <a:buNone/>
+              <a:defRPr sz="1400">
+                <a:solidFill>
+                  <a:schemeClr val="tx1">
+                    <a:tint val="75000"/>
+                  </a:schemeClr>
+                </a:solidFill>
+              </a:defRPr>
+            </a:lvl8pPr>
+            <a:lvl9pPr marL="3657600" indent="0">
+              <a:buNone/>
+              <a:defRPr sz="1400">
+                <a:solidFill>
+                  <a:schemeClr val="tx1">
+                    <a:tint val="75000"/>
+                  </a:schemeClr>
+                </a:solidFill>
+              </a:defRPr>
+            </a:lvl9pPr>
+          </a:lstStyle>
+          <a:p>
+            <a:pPr lvl="0"/>
+            <a:r>
+              <a:rPr lang="pl-PL"/>
+              <a:t>Kliknij, aby edytować style wzorca tekstu</a:t>
+            </a:r>
+          </a:p>
+        </p:txBody>
+      </p:sp>
+      <p:sp>
+        <p:nvSpPr>
+          <p:cNvPr id="4" name="Date Placeholder 3"/>
+          <p:cNvSpPr>
+            <a:spLocks noGrp="1"/>
+          </p:cNvSpPr>
+          <p:nvPr>
+            <p:ph type="dt" sz="half" idx="10"/>
+          </p:nvPr>
+        </p:nvSpPr>
+        <p:spPr/>
+        <p:txBody>
+          <a:bodyPr/>
+          <a:lstStyle/>
+          <a:p>
+            <a:fld id="{F162833F-9441-4006-A1DD-3908C6F76699}" type="datetimeFigureOut">
+              <a:rPr lang="pl-PL" smtClean="0"/>
+              <a:t>16.05.2023</a:t>
+            </a:fld>
+            <a:endParaRPr lang="pl-PL"/>
+          </a:p>
+        </p:txBody>
+      </p:sp>
+      <p:sp>
+        <p:nvSpPr>
+          <p:cNvPr id="5" name="Footer Placeholder 4"/>
+          <p:cNvSpPr>
+            <a:spLocks noGrp="1"/>
+          </p:cNvSpPr>
+          <p:nvPr>
+            <p:ph type="ftr" sz="quarter" idx="11"/>
+          </p:nvPr>
+        </p:nvSpPr>
+        <p:spPr/>
+        <p:txBody>
+          <a:bodyPr/>
+          <a:lstStyle/>
+          <a:p>
+            <a:endParaRPr lang="pl-PL"/>
+          </a:p>
+        </p:txBody>
+      </p:sp>
+      <p:sp>
+        <p:nvSpPr>
+          <p:cNvPr id="6" name="Slide Number Placeholder 5"/>
+          <p:cNvSpPr>
+            <a:spLocks noGrp="1"/>
+          </p:cNvSpPr>
+          <p:nvPr>
+            <p:ph type="sldNum" sz="quarter" idx="12"/>
+          </p:nvPr>
+        </p:nvSpPr>
+        <p:spPr/>
+        <p:txBody>
+          <a:bodyPr/>
+          <a:lstStyle/>
+          <a:p>
+            <a:fld id="{4D3A875F-7C19-4775-B8A4-3648BA60EE9B}" type="slidenum">
+              <a:rPr lang="pl-PL" smtClean="0"/>
+              <a:t>‹#›</a:t>
+            </a:fld>
+            <a:endParaRPr lang="pl-PL"/>
+          </a:p>
+        </p:txBody>
+      </p:sp>
+    </p:spTree>
+    <p:extLst>
+      <p:ext uri="{BB962C8B-B14F-4D97-AF65-F5344CB8AC3E}">
+        <p14:creationId xmlns:p14="http://schemas.microsoft.com/office/powerpoint/2010/main" val="1242273523"/>
+      </p:ext>
+    </p:extLst>
+  </p:cSld>
+  <p:clrMapOvr>
+    <a:masterClrMapping/>
+  </p:clrMapOvr>
+</p:sldLayout>
+</file>
+
+<file path=ppt/slideLayouts/slideLayout12.xml><?xml version="1.0" encoding="utf-8"?>
+<p:sldLayout xmlns:a="http://schemas.openxmlformats.org/drawingml/2006/main" xmlns:r="http://schemas.openxmlformats.org/officeDocument/2006/relationships" xmlns:p="http://schemas.openxmlformats.org/presentationml/2006/main" preserve="1">
+  <p:cSld name="Oferta z podpisem">
+    <p:spTree>
+      <p:nvGrpSpPr>
+        <p:cNvPr id="1" name=""/>
+        <p:cNvGrpSpPr/>
+        <p:nvPr/>
+      </p:nvGrpSpPr>
+      <p:grpSpPr>
+        <a:xfrm>
+          <a:off x="0" y="0"/>
+          <a:ext cx="0" cy="0"/>
+          <a:chOff x="0" y="0"/>
+          <a:chExt cx="0" cy="0"/>
+        </a:xfrm>
+      </p:grpSpPr>
+      <p:pic>
+        <p:nvPicPr>
+          <p:cNvPr id="16" name="Picture 15" descr="Celestia-R1---OverlayContentHD.png"/>
+          <p:cNvPicPr>
+            <a:picLocks noChangeAspect="1"/>
+          </p:cNvPicPr>
+          <p:nvPr/>
+        </p:nvPicPr>
+        <p:blipFill>
+          <a:blip r:embed="rId2">
+            <a:extLst>
+              <a:ext uri="{28A0092B-C50C-407E-A947-70E740481C1C}">
+                <a14:useLocalDpi xmlns:a14="http://schemas.microsoft.com/office/drawing/2010/main" val="0"/>
+              </a:ext>
+            </a:extLst>
+          </a:blip>
+          <a:stretch>
+            <a:fillRect/>
+          </a:stretch>
+        </p:blipFill>
+        <p:spPr>
+          <a:xfrm>
+            <a:off x="0" y="0"/>
+            <a:ext cx="12188825" cy="6856214"/>
+          </a:xfrm>
+          <a:prstGeom prst="rect">
+            <a:avLst/>
+          </a:prstGeom>
+        </p:spPr>
+      </p:pic>
+      <p:sp>
+        <p:nvSpPr>
+          <p:cNvPr id="15" name="TextBox 14"/>
+          <p:cNvSpPr txBox="1"/>
+          <p:nvPr/>
+        </p:nvSpPr>
+        <p:spPr>
+          <a:xfrm>
+            <a:off x="10237867" y="2743200"/>
+            <a:ext cx="609600" cy="584776"/>
+          </a:xfrm>
+          <a:prstGeom prst="rect">
+            <a:avLst/>
+          </a:prstGeom>
+        </p:spPr>
+        <p:txBody>
+          <a:bodyPr vert="horz" lIns="91440" tIns="45720" rIns="91440" bIns="45720" rtlCol="0" anchor="ctr">
+            <a:noAutofit/>
+          </a:bodyPr>
+          <a:lstStyle>
+            <a:lvl1pPr>
+              <a:spcBef>
+                <a:spcPct val="0"/>
+              </a:spcBef>
+              <a:buNone/>
+              <a:defRPr sz="3200" b="0" cap="all">
+                <a:ln w="3175" cmpd="sng">
+                  <a:noFill/>
+                </a:ln>
+                <a:effectLst>
+                  <a:glow rad="38100">
+                    <a:schemeClr val="bg1">
+                      <a:lumMod val="65000"/>
+                      <a:lumOff val="35000"/>
+                      <a:alpha val="40000"/>
+                    </a:schemeClr>
+                  </a:glow>
+                  <a:outerShdw blurRad="28575" dist="38100" dir="14040000" algn="tl" rotWithShape="0">
+                    <a:srgbClr val="000000">
+                      <a:alpha val="25000"/>
+                    </a:srgbClr>
+                  </a:outerShdw>
+                </a:effectLst>
+              </a:defRPr>
+            </a:lvl1pPr>
+            <a:lvl2pPr>
+              <a:defRPr>
+                <a:solidFill>
+                  <a:schemeClr val="tx2"/>
+                </a:solidFill>
+              </a:defRPr>
+            </a:lvl2pPr>
+            <a:lvl3pPr>
+              <a:defRPr>
+                <a:solidFill>
+                  <a:schemeClr val="tx2"/>
+                </a:solidFill>
+              </a:defRPr>
+            </a:lvl3pPr>
+            <a:lvl4pPr>
+              <a:defRPr>
+                <a:solidFill>
+                  <a:schemeClr val="tx2"/>
+                </a:solidFill>
+              </a:defRPr>
+            </a:lvl4pPr>
+            <a:lvl5pPr>
+              <a:defRPr>
+                <a:solidFill>
+                  <a:schemeClr val="tx2"/>
+                </a:solidFill>
+              </a:defRPr>
+            </a:lvl5pPr>
+            <a:lvl6pPr>
+              <a:defRPr>
+                <a:solidFill>
+                  <a:schemeClr val="tx2"/>
+                </a:solidFill>
+              </a:defRPr>
+            </a:lvl6pPr>
+            <a:lvl7pPr>
+              <a:defRPr>
+                <a:solidFill>
+                  <a:schemeClr val="tx2"/>
+                </a:solidFill>
+              </a:defRPr>
+            </a:lvl7pPr>
+            <a:lvl8pPr>
+              <a:defRPr>
+                <a:solidFill>
+                  <a:schemeClr val="tx2"/>
+                </a:solidFill>
+              </a:defRPr>
+            </a:lvl8pPr>
+            <a:lvl9pPr>
+              <a:defRPr>
+                <a:solidFill>
+                  <a:schemeClr val="tx2"/>
+                </a:solidFill>
+              </a:defRPr>
+            </a:lvl9pPr>
+          </a:lstStyle>
+          <a:p>
+            <a:pPr lvl="0" algn="r"/>
+            <a:r>
+              <a:rPr lang="en-US" sz="8000" dirty="0">
+                <a:solidFill>
+                  <a:schemeClr val="tx1"/>
+                </a:solidFill>
+                <a:effectLst/>
+              </a:rPr>
+              <a:t>”</a:t>
+            </a:r>
+          </a:p>
+        </p:txBody>
+      </p:sp>
+      <p:sp>
+        <p:nvSpPr>
+          <p:cNvPr id="11" name="TextBox 10"/>
+          <p:cNvSpPr txBox="1"/>
+          <p:nvPr/>
+        </p:nvSpPr>
+        <p:spPr>
+          <a:xfrm>
+            <a:off x="488275" y="823337"/>
+            <a:ext cx="609600" cy="584776"/>
+          </a:xfrm>
+          <a:prstGeom prst="rect">
+            <a:avLst/>
+          </a:prstGeom>
+        </p:spPr>
+        <p:txBody>
+          <a:bodyPr vert="horz" lIns="91440" tIns="45720" rIns="91440" bIns="45720" rtlCol="0" anchor="ctr">
+            <a:noAutofit/>
+          </a:bodyPr>
+          <a:lstStyle>
+            <a:lvl1pPr>
+              <a:spcBef>
+                <a:spcPct val="0"/>
+              </a:spcBef>
+              <a:buNone/>
+              <a:defRPr sz="3200" b="0" cap="all">
+                <a:ln w="3175" cmpd="sng">
+                  <a:noFill/>
+                </a:ln>
+                <a:effectLst>
+                  <a:glow rad="38100">
+                    <a:schemeClr val="bg1">
+                      <a:lumMod val="65000"/>
+                      <a:lumOff val="35000"/>
+                      <a:alpha val="40000"/>
+                    </a:schemeClr>
+                  </a:glow>
+                  <a:outerShdw blurRad="28575" dist="38100" dir="14040000" algn="tl" rotWithShape="0">
+                    <a:srgbClr val="000000">
+                      <a:alpha val="25000"/>
+                    </a:srgbClr>
+                  </a:outerShdw>
+                </a:effectLst>
+              </a:defRPr>
+            </a:lvl1pPr>
+            <a:lvl2pPr>
+              <a:defRPr>
+                <a:solidFill>
+                  <a:schemeClr val="tx2"/>
+                </a:solidFill>
+              </a:defRPr>
+            </a:lvl2pPr>
+            <a:lvl3pPr>
+              <a:defRPr>
+                <a:solidFill>
+                  <a:schemeClr val="tx2"/>
+                </a:solidFill>
+              </a:defRPr>
+            </a:lvl3pPr>
+            <a:lvl4pPr>
+              <a:defRPr>
+                <a:solidFill>
+                  <a:schemeClr val="tx2"/>
+                </a:solidFill>
+              </a:defRPr>
+            </a:lvl4pPr>
+            <a:lvl5pPr>
+              <a:defRPr>
+                <a:solidFill>
+                  <a:schemeClr val="tx2"/>
+                </a:solidFill>
+              </a:defRPr>
+            </a:lvl5pPr>
+            <a:lvl6pPr>
+              <a:defRPr>
+                <a:solidFill>
+                  <a:schemeClr val="tx2"/>
+                </a:solidFill>
+              </a:defRPr>
+            </a:lvl6pPr>
+            <a:lvl7pPr>
+              <a:defRPr>
+                <a:solidFill>
+                  <a:schemeClr val="tx2"/>
+                </a:solidFill>
+              </a:defRPr>
+            </a:lvl7pPr>
+            <a:lvl8pPr>
+              <a:defRPr>
+                <a:solidFill>
+                  <a:schemeClr val="tx2"/>
+                </a:solidFill>
+              </a:defRPr>
+            </a:lvl8pPr>
+            <a:lvl9pPr>
+              <a:defRPr>
+                <a:solidFill>
+                  <a:schemeClr val="tx2"/>
+                </a:solidFill>
+              </a:defRPr>
+            </a:lvl9pPr>
+          </a:lstStyle>
+          <a:p>
+            <a:pPr lvl="0" algn="r"/>
+            <a:r>
+              <a:rPr lang="en-US" sz="8000" dirty="0">
+                <a:solidFill>
+                  <a:schemeClr val="tx1"/>
+                </a:solidFill>
+                <a:effectLst/>
+              </a:rPr>
+              <a:t>“</a:t>
+            </a:r>
+          </a:p>
+        </p:txBody>
+      </p:sp>
+      <p:sp>
+        <p:nvSpPr>
+          <p:cNvPr id="2" name="Title 1"/>
+          <p:cNvSpPr>
+            <a:spLocks noGrp="1"/>
+          </p:cNvSpPr>
+          <p:nvPr>
+            <p:ph type="title"/>
+          </p:nvPr>
+        </p:nvSpPr>
+        <p:spPr>
+          <a:xfrm>
+            <a:off x="992267" y="609601"/>
+            <a:ext cx="9550399" cy="2743199"/>
+          </a:xfrm>
+        </p:spPr>
+        <p:txBody>
+          <a:bodyPr anchor="ctr">
+            <a:normAutofit/>
+          </a:bodyPr>
+          <a:lstStyle>
+            <a:lvl1pPr algn="l">
+              <a:defRPr sz="3200" b="0" cap="none">
+                <a:solidFill>
+                  <a:schemeClr val="tx1"/>
+                </a:solidFill>
+              </a:defRPr>
+            </a:lvl1pPr>
+          </a:lstStyle>
+          <a:p>
+            <a:r>
+              <a:rPr lang="pl-PL"/>
+              <a:t>Kliknij, aby edytować styl</a:t>
+            </a:r>
+            <a:endParaRPr lang="en-US" dirty="0"/>
+          </a:p>
+        </p:txBody>
+      </p:sp>
+      <p:sp>
+        <p:nvSpPr>
+          <p:cNvPr id="10" name="Text Placeholder 9"/>
+          <p:cNvSpPr>
+            <a:spLocks noGrp="1"/>
+          </p:cNvSpPr>
+          <p:nvPr>
+            <p:ph type="body" sz="quarter" idx="13"/>
+          </p:nvPr>
+        </p:nvSpPr>
+        <p:spPr>
+          <a:xfrm>
+            <a:off x="1097875" y="3352800"/>
+            <a:ext cx="9339184" cy="381000"/>
+          </a:xfrm>
+        </p:spPr>
+        <p:txBody>
+          <a:bodyPr anchor="ctr"/>
+          <a:lstStyle>
+            <a:lvl1pPr marL="0" indent="0">
+              <a:buFontTx/>
+              <a:buNone/>
+              <a:defRPr/>
+            </a:lvl1pPr>
+            <a:lvl2pPr marL="457200" indent="0">
+              <a:buFontTx/>
+              <a:buNone/>
+              <a:defRPr/>
+            </a:lvl2pPr>
+            <a:lvl3pPr marL="914400" indent="0">
+              <a:buFontTx/>
+              <a:buNone/>
+              <a:defRPr/>
+            </a:lvl3pPr>
+            <a:lvl4pPr marL="1371600" indent="0">
+              <a:buFontTx/>
+              <a:buNone/>
+              <a:defRPr/>
+            </a:lvl4pPr>
+            <a:lvl5pPr marL="1828800" indent="0">
+              <a:buFontTx/>
+              <a:buNone/>
+              <a:defRPr/>
+            </a:lvl5pPr>
+          </a:lstStyle>
+          <a:p>
+            <a:pPr lvl="0"/>
+            <a:r>
+              <a:rPr lang="pl-PL"/>
+              <a:t>Kliknij, aby edytować style wzorca tekstu</a:t>
+            </a:r>
+          </a:p>
+        </p:txBody>
+      </p:sp>
+      <p:sp>
+        <p:nvSpPr>
+          <p:cNvPr id="3" name="Text Placeholder 2"/>
+          <p:cNvSpPr>
+            <a:spLocks noGrp="1"/>
+          </p:cNvSpPr>
+          <p:nvPr>
+            <p:ph type="body" idx="1"/>
+          </p:nvPr>
+        </p:nvSpPr>
+        <p:spPr>
+          <a:xfrm>
+            <a:off x="687465" y="4343400"/>
+            <a:ext cx="10152367" cy="1447800"/>
+          </a:xfrm>
+        </p:spPr>
+        <p:txBody>
+          <a:bodyPr anchor="ctr">
+            <a:normAutofit/>
+          </a:bodyPr>
+          <a:lstStyle>
+            <a:lvl1pPr marL="0" indent="0" algn="l">
+              <a:buNone/>
+              <a:defRPr sz="2000">
+                <a:solidFill>
+                  <a:schemeClr val="tx1"/>
+                </a:solidFill>
+              </a:defRPr>
+            </a:lvl1pPr>
+            <a:lvl2pPr marL="457200" indent="0">
+              <a:buNone/>
+              <a:defRPr sz="1800">
+                <a:solidFill>
+                  <a:schemeClr val="tx1">
+                    <a:tint val="75000"/>
+                  </a:schemeClr>
+                </a:solidFill>
+              </a:defRPr>
+            </a:lvl2pPr>
+            <a:lvl3pPr marL="914400" indent="0">
+              <a:buNone/>
+              <a:defRPr sz="1600">
+                <a:solidFill>
+                  <a:schemeClr val="tx1">
+                    <a:tint val="75000"/>
+                  </a:schemeClr>
+                </a:solidFill>
+              </a:defRPr>
+            </a:lvl3pPr>
+            <a:lvl4pPr marL="1371600" indent="0">
+              <a:buNone/>
+              <a:defRPr sz="1400">
+                <a:solidFill>
+                  <a:schemeClr val="tx1">
+                    <a:tint val="75000"/>
+                  </a:schemeClr>
+                </a:solidFill>
+              </a:defRPr>
+            </a:lvl4pPr>
+            <a:lvl5pPr marL="1828800" indent="0">
+              <a:buNone/>
+              <a:defRPr sz="1400">
+                <a:solidFill>
+                  <a:schemeClr val="tx1">
+                    <a:tint val="75000"/>
+                  </a:schemeClr>
+                </a:solidFill>
+              </a:defRPr>
+            </a:lvl5pPr>
+            <a:lvl6pPr marL="2286000" indent="0">
+              <a:buNone/>
+              <a:defRPr sz="1400">
+                <a:solidFill>
+                  <a:schemeClr val="tx1">
+                    <a:tint val="75000"/>
+                  </a:schemeClr>
+                </a:solidFill>
+              </a:defRPr>
+            </a:lvl6pPr>
+            <a:lvl7pPr marL="2743200" indent="0">
+              <a:buNone/>
+              <a:defRPr sz="1400">
+                <a:solidFill>
+                  <a:schemeClr val="tx1">
+                    <a:tint val="75000"/>
+                  </a:schemeClr>
+                </a:solidFill>
+              </a:defRPr>
+            </a:lvl7pPr>
+            <a:lvl8pPr marL="3200400" indent="0">
+              <a:buNone/>
+              <a:defRPr sz="1400">
+                <a:solidFill>
+                  <a:schemeClr val="tx1">
+                    <a:tint val="75000"/>
+                  </a:schemeClr>
+                </a:solidFill>
+              </a:defRPr>
+            </a:lvl8pPr>
+            <a:lvl9pPr marL="3657600" indent="0">
+              <a:buNone/>
+              <a:defRPr sz="1400">
+                <a:solidFill>
+                  <a:schemeClr val="tx1">
+                    <a:tint val="75000"/>
+                  </a:schemeClr>
+                </a:solidFill>
+              </a:defRPr>
+            </a:lvl9pPr>
+          </a:lstStyle>
+          <a:p>
+            <a:pPr lvl="0"/>
+            <a:r>
+              <a:rPr lang="pl-PL"/>
+              <a:t>Kliknij, aby edytować style wzorca tekstu</a:t>
+            </a:r>
+          </a:p>
+        </p:txBody>
+      </p:sp>
+      <p:sp>
+        <p:nvSpPr>
+          <p:cNvPr id="4" name="Date Placeholder 3"/>
+          <p:cNvSpPr>
+            <a:spLocks noGrp="1"/>
+          </p:cNvSpPr>
+          <p:nvPr>
+            <p:ph type="dt" sz="half" idx="10"/>
+          </p:nvPr>
+        </p:nvSpPr>
+        <p:spPr/>
+        <p:txBody>
+          <a:bodyPr/>
+          <a:lstStyle/>
+          <a:p>
+            <a:fld id="{F162833F-9441-4006-A1DD-3908C6F76699}" type="datetimeFigureOut">
+              <a:rPr lang="pl-PL" smtClean="0"/>
+              <a:t>16.05.2023</a:t>
+            </a:fld>
+            <a:endParaRPr lang="pl-PL"/>
+          </a:p>
+        </p:txBody>
+      </p:sp>
+      <p:sp>
+        <p:nvSpPr>
+          <p:cNvPr id="5" name="Footer Placeholder 4"/>
+          <p:cNvSpPr>
+            <a:spLocks noGrp="1"/>
+          </p:cNvSpPr>
+          <p:nvPr>
+            <p:ph type="ftr" sz="quarter" idx="11"/>
+          </p:nvPr>
+        </p:nvSpPr>
+        <p:spPr/>
+        <p:txBody>
+          <a:bodyPr/>
+          <a:lstStyle/>
+          <a:p>
+            <a:endParaRPr lang="pl-PL"/>
+          </a:p>
+        </p:txBody>
+      </p:sp>
+      <p:sp>
+        <p:nvSpPr>
+          <p:cNvPr id="6" name="Slide Number Placeholder 5"/>
+          <p:cNvSpPr>
+            <a:spLocks noGrp="1"/>
+          </p:cNvSpPr>
+          <p:nvPr>
+            <p:ph type="sldNum" sz="quarter" idx="12"/>
+          </p:nvPr>
+        </p:nvSpPr>
+        <p:spPr/>
+        <p:txBody>
+          <a:bodyPr/>
+          <a:lstStyle/>
+          <a:p>
+            <a:fld id="{4D3A875F-7C19-4775-B8A4-3648BA60EE9B}" type="slidenum">
+              <a:rPr lang="pl-PL" smtClean="0"/>
+              <a:t>‹#›</a:t>
+            </a:fld>
+            <a:endParaRPr lang="pl-PL"/>
+          </a:p>
+        </p:txBody>
+      </p:sp>
+    </p:spTree>
+    <p:extLst>
+      <p:ext uri="{BB962C8B-B14F-4D97-AF65-F5344CB8AC3E}">
+        <p14:creationId xmlns:p14="http://schemas.microsoft.com/office/powerpoint/2010/main" val="2274453320"/>
+      </p:ext>
+    </p:extLst>
+  </p:cSld>
+  <p:clrMapOvr>
+    <a:masterClrMapping/>
+  </p:clrMapOvr>
+</p:sldLayout>
+</file>
+
+<file path=ppt/slideLayouts/slideLayout13.xml><?xml version="1.0" encoding="utf-8"?>
+<p:sldLayout xmlns:a="http://schemas.openxmlformats.org/drawingml/2006/main" xmlns:r="http://schemas.openxmlformats.org/officeDocument/2006/relationships" xmlns:p="http://schemas.openxmlformats.org/presentationml/2006/main" preserve="1">
+  <p:cSld name="Karta nazwy">
+    <p:spTree>
+      <p:nvGrpSpPr>
+        <p:cNvPr id="1" name=""/>
+        <p:cNvGrpSpPr/>
+        <p:nvPr/>
+      </p:nvGrpSpPr>
+      <p:grpSpPr>
+        <a:xfrm>
+          <a:off x="0" y="0"/>
+          <a:ext cx="0" cy="0"/>
+          <a:chOff x="0" y="0"/>
+          <a:chExt cx="0" cy="0"/>
+        </a:xfrm>
+      </p:grpSpPr>
+      <p:pic>
+        <p:nvPicPr>
+          <p:cNvPr id="8" name="Picture 7" descr="Celestia-R1---OverlayContentHD.png"/>
+          <p:cNvPicPr>
+            <a:picLocks noChangeAspect="1"/>
+          </p:cNvPicPr>
+          <p:nvPr/>
+        </p:nvPicPr>
+        <p:blipFill>
+          <a:blip r:embed="rId2">
+            <a:extLst>
+              <a:ext uri="{28A0092B-C50C-407E-A947-70E740481C1C}">
+                <a14:useLocalDpi xmlns:a14="http://schemas.microsoft.com/office/drawing/2010/main" val="0"/>
+              </a:ext>
+            </a:extLst>
+          </a:blip>
+          <a:stretch>
+            <a:fillRect/>
+          </a:stretch>
+        </p:blipFill>
+        <p:spPr>
+          <a:xfrm>
+            <a:off x="0" y="0"/>
+            <a:ext cx="12188825" cy="6856214"/>
+          </a:xfrm>
+          <a:prstGeom prst="rect">
+            <a:avLst/>
+          </a:prstGeom>
+        </p:spPr>
+      </p:pic>
+      <p:sp>
+        <p:nvSpPr>
+          <p:cNvPr id="2" name="Title 1"/>
+          <p:cNvSpPr>
+            <a:spLocks noGrp="1"/>
+          </p:cNvSpPr>
+          <p:nvPr>
+            <p:ph type="title"/>
+          </p:nvPr>
+        </p:nvSpPr>
+        <p:spPr>
+          <a:xfrm>
+            <a:off x="685802" y="3308581"/>
+            <a:ext cx="10131425" cy="1468800"/>
+          </a:xfrm>
+        </p:spPr>
+        <p:txBody>
+          <a:bodyPr anchor="b">
+            <a:normAutofit/>
+          </a:bodyPr>
+          <a:lstStyle>
+            <a:lvl1pPr algn="l">
+              <a:defRPr sz="3200" b="0" cap="none"/>
+            </a:lvl1pPr>
+          </a:lstStyle>
+          <a:p>
+            <a:r>
+              <a:rPr lang="pl-PL"/>
+              <a:t>Kliknij, aby edytować styl</a:t>
+            </a:r>
+            <a:endParaRPr lang="en-US" dirty="0"/>
+          </a:p>
+        </p:txBody>
+      </p:sp>
+      <p:sp>
+        <p:nvSpPr>
+          <p:cNvPr id="3" name="Text Placeholder 2"/>
+          <p:cNvSpPr>
+            <a:spLocks noGrp="1"/>
+          </p:cNvSpPr>
+          <p:nvPr>
+            <p:ph type="body" idx="1"/>
+          </p:nvPr>
+        </p:nvSpPr>
+        <p:spPr>
+          <a:xfrm>
+            <a:off x="685801" y="4777381"/>
+            <a:ext cx="10131426" cy="860400"/>
+          </a:xfrm>
+        </p:spPr>
+        <p:txBody>
+          <a:bodyPr anchor="t">
+            <a:normAutofit/>
+          </a:bodyPr>
+          <a:lstStyle>
+            <a:lvl1pPr marL="0" indent="0" algn="l">
+              <a:buNone/>
+              <a:defRPr sz="2000">
+                <a:solidFill>
+                  <a:schemeClr val="tx1"/>
+                </a:solidFill>
+              </a:defRPr>
+            </a:lvl1pPr>
+            <a:lvl2pPr marL="457200" indent="0">
+              <a:buNone/>
+              <a:defRPr sz="1800">
+                <a:solidFill>
+                  <a:schemeClr val="tx1">
+                    <a:tint val="75000"/>
+                  </a:schemeClr>
+                </a:solidFill>
+              </a:defRPr>
+            </a:lvl2pPr>
+            <a:lvl3pPr marL="914400" indent="0">
+              <a:buNone/>
+              <a:defRPr sz="1600">
+                <a:solidFill>
+                  <a:schemeClr val="tx1">
+                    <a:tint val="75000"/>
+                  </a:schemeClr>
+                </a:solidFill>
+              </a:defRPr>
+            </a:lvl3pPr>
+            <a:lvl4pPr marL="1371600" indent="0">
+              <a:buNone/>
+              <a:defRPr sz="1400">
+                <a:solidFill>
+                  <a:schemeClr val="tx1">
+                    <a:tint val="75000"/>
+                  </a:schemeClr>
+                </a:solidFill>
+              </a:defRPr>
+            </a:lvl4pPr>
+            <a:lvl5pPr marL="1828800" indent="0">
+              <a:buNone/>
+              <a:defRPr sz="1400">
+                <a:solidFill>
+                  <a:schemeClr val="tx1">
+                    <a:tint val="75000"/>
+                  </a:schemeClr>
+                </a:solidFill>
+              </a:defRPr>
+            </a:lvl5pPr>
+            <a:lvl6pPr marL="2286000" indent="0">
+              <a:buNone/>
+              <a:defRPr sz="1400">
+                <a:solidFill>
+                  <a:schemeClr val="tx1">
+                    <a:tint val="75000"/>
+                  </a:schemeClr>
+                </a:solidFill>
+              </a:defRPr>
+            </a:lvl6pPr>
+            <a:lvl7pPr marL="2743200" indent="0">
+              <a:buNone/>
+              <a:defRPr sz="1400">
+                <a:solidFill>
+                  <a:schemeClr val="tx1">
+                    <a:tint val="75000"/>
+                  </a:schemeClr>
+                </a:solidFill>
+              </a:defRPr>
+            </a:lvl7pPr>
+            <a:lvl8pPr marL="3200400" indent="0">
+              <a:buNone/>
+              <a:defRPr sz="1400">
+                <a:solidFill>
+                  <a:schemeClr val="tx1">
+                    <a:tint val="75000"/>
+                  </a:schemeClr>
+                </a:solidFill>
+              </a:defRPr>
+            </a:lvl8pPr>
+            <a:lvl9pPr marL="3657600" indent="0">
+              <a:buNone/>
+              <a:defRPr sz="1400">
+                <a:solidFill>
+                  <a:schemeClr val="tx1">
+                    <a:tint val="75000"/>
+                  </a:schemeClr>
+                </a:solidFill>
+              </a:defRPr>
+            </a:lvl9pPr>
+          </a:lstStyle>
+          <a:p>
+            <a:pPr lvl="0"/>
+            <a:r>
+              <a:rPr lang="pl-PL"/>
+              <a:t>Kliknij, aby edytować style wzorca tekstu</a:t>
+            </a:r>
+          </a:p>
+        </p:txBody>
+      </p:sp>
+      <p:sp>
+        <p:nvSpPr>
+          <p:cNvPr id="4" name="Date Placeholder 3"/>
+          <p:cNvSpPr>
+            <a:spLocks noGrp="1"/>
+          </p:cNvSpPr>
+          <p:nvPr>
+            <p:ph type="dt" sz="half" idx="10"/>
+          </p:nvPr>
+        </p:nvSpPr>
+        <p:spPr/>
+        <p:txBody>
+          <a:bodyPr/>
+          <a:lstStyle/>
+          <a:p>
+            <a:fld id="{F162833F-9441-4006-A1DD-3908C6F76699}" type="datetimeFigureOut">
+              <a:rPr lang="pl-PL" smtClean="0"/>
+              <a:t>16.05.2023</a:t>
+            </a:fld>
+            <a:endParaRPr lang="pl-PL"/>
+          </a:p>
+        </p:txBody>
+      </p:sp>
+      <p:sp>
+        <p:nvSpPr>
+          <p:cNvPr id="5" name="Footer Placeholder 4"/>
+          <p:cNvSpPr>
+            <a:spLocks noGrp="1"/>
+          </p:cNvSpPr>
+          <p:nvPr>
+            <p:ph type="ftr" sz="quarter" idx="11"/>
+          </p:nvPr>
+        </p:nvSpPr>
+        <p:spPr/>
+        <p:txBody>
+          <a:bodyPr/>
+          <a:lstStyle/>
+          <a:p>
+            <a:endParaRPr lang="pl-PL"/>
+          </a:p>
+        </p:txBody>
+      </p:sp>
+      <p:sp>
+        <p:nvSpPr>
+          <p:cNvPr id="6" name="Slide Number Placeholder 5"/>
+          <p:cNvSpPr>
+            <a:spLocks noGrp="1"/>
+          </p:cNvSpPr>
+          <p:nvPr>
+            <p:ph type="sldNum" sz="quarter" idx="12"/>
+          </p:nvPr>
+        </p:nvSpPr>
+        <p:spPr/>
+        <p:txBody>
+          <a:bodyPr/>
+          <a:lstStyle/>
+          <a:p>
+            <a:fld id="{4D3A875F-7C19-4775-B8A4-3648BA60EE9B}" type="slidenum">
+              <a:rPr lang="pl-PL" smtClean="0"/>
+              <a:t>‹#›</a:t>
+            </a:fld>
+            <a:endParaRPr lang="pl-PL"/>
+          </a:p>
+        </p:txBody>
+      </p:sp>
+    </p:spTree>
+    <p:extLst>
+      <p:ext uri="{BB962C8B-B14F-4D97-AF65-F5344CB8AC3E}">
+        <p14:creationId xmlns:p14="http://schemas.microsoft.com/office/powerpoint/2010/main" val="950740180"/>
+      </p:ext>
+    </p:extLst>
+  </p:cSld>
+  <p:clrMapOvr>
+    <a:masterClrMapping/>
+  </p:clrMapOvr>
+</p:sldLayout>
+</file>
+
+<file path=ppt/slideLayouts/slideLayout14.xml><?xml version="1.0" encoding="utf-8"?>
+<p:sldLayout xmlns:a="http://schemas.openxmlformats.org/drawingml/2006/main" xmlns:r="http://schemas.openxmlformats.org/officeDocument/2006/relationships" xmlns:p="http://schemas.openxmlformats.org/presentationml/2006/main" preserve="1">
+  <p:cSld name="Karta nazwy cytatu">
+    <p:spTree>
+      <p:nvGrpSpPr>
+        <p:cNvPr id="1" name=""/>
+        <p:cNvGrpSpPr/>
+        <p:nvPr/>
+      </p:nvGrpSpPr>
+      <p:grpSpPr>
+        <a:xfrm>
+          <a:off x="0" y="0"/>
+          <a:ext cx="0" cy="0"/>
+          <a:chOff x="0" y="0"/>
+          <a:chExt cx="0" cy="0"/>
+        </a:xfrm>
+      </p:grpSpPr>
+      <p:pic>
+        <p:nvPicPr>
+          <p:cNvPr id="11" name="Picture 10" descr="Celestia-R1---OverlayContentHD.png"/>
+          <p:cNvPicPr>
+            <a:picLocks noChangeAspect="1"/>
+          </p:cNvPicPr>
+          <p:nvPr/>
+        </p:nvPicPr>
+        <p:blipFill>
+          <a:blip r:embed="rId2">
+            <a:extLst>
+              <a:ext uri="{28A0092B-C50C-407E-A947-70E740481C1C}">
+                <a14:useLocalDpi xmlns:a14="http://schemas.microsoft.com/office/drawing/2010/main" val="0"/>
+              </a:ext>
+            </a:extLst>
+          </a:blip>
+          <a:stretch>
+            <a:fillRect/>
+          </a:stretch>
+        </p:blipFill>
+        <p:spPr>
+          <a:xfrm>
+            <a:off x="0" y="0"/>
+            <a:ext cx="12188825" cy="6856214"/>
+          </a:xfrm>
+          <a:prstGeom prst="rect">
+            <a:avLst/>
+          </a:prstGeom>
+        </p:spPr>
+      </p:pic>
+      <p:sp>
+        <p:nvSpPr>
+          <p:cNvPr id="13" name="TextBox 12"/>
+          <p:cNvSpPr txBox="1"/>
+          <p:nvPr/>
+        </p:nvSpPr>
+        <p:spPr>
+          <a:xfrm>
+            <a:off x="10237867" y="2743200"/>
+            <a:ext cx="609600" cy="584776"/>
+          </a:xfrm>
+          <a:prstGeom prst="rect">
+            <a:avLst/>
+          </a:prstGeom>
+        </p:spPr>
+        <p:txBody>
+          <a:bodyPr vert="horz" lIns="91440" tIns="45720" rIns="91440" bIns="45720" rtlCol="0" anchor="ctr">
+            <a:noAutofit/>
+          </a:bodyPr>
+          <a:lstStyle>
+            <a:lvl1pPr>
+              <a:spcBef>
+                <a:spcPct val="0"/>
+              </a:spcBef>
+              <a:buNone/>
+              <a:defRPr sz="3200" b="0" cap="all">
+                <a:ln w="3175" cmpd="sng">
+                  <a:noFill/>
+                </a:ln>
+                <a:effectLst>
+                  <a:glow rad="38100">
+                    <a:schemeClr val="bg1">
+                      <a:lumMod val="65000"/>
+                      <a:lumOff val="35000"/>
+                      <a:alpha val="40000"/>
+                    </a:schemeClr>
+                  </a:glow>
+                  <a:outerShdw blurRad="28575" dist="38100" dir="14040000" algn="tl" rotWithShape="0">
+                    <a:srgbClr val="000000">
+                      <a:alpha val="25000"/>
+                    </a:srgbClr>
+                  </a:outerShdw>
+                </a:effectLst>
+              </a:defRPr>
+            </a:lvl1pPr>
+            <a:lvl2pPr>
+              <a:defRPr>
+                <a:solidFill>
+                  <a:schemeClr val="tx2"/>
+                </a:solidFill>
+              </a:defRPr>
+            </a:lvl2pPr>
+            <a:lvl3pPr>
+              <a:defRPr>
+                <a:solidFill>
+                  <a:schemeClr val="tx2"/>
+                </a:solidFill>
+              </a:defRPr>
+            </a:lvl3pPr>
+            <a:lvl4pPr>
+              <a:defRPr>
+                <a:solidFill>
+                  <a:schemeClr val="tx2"/>
+                </a:solidFill>
+              </a:defRPr>
+            </a:lvl4pPr>
+            <a:lvl5pPr>
+              <a:defRPr>
+                <a:solidFill>
+                  <a:schemeClr val="tx2"/>
+                </a:solidFill>
+              </a:defRPr>
+            </a:lvl5pPr>
+            <a:lvl6pPr>
+              <a:defRPr>
+                <a:solidFill>
+                  <a:schemeClr val="tx2"/>
+                </a:solidFill>
+              </a:defRPr>
+            </a:lvl6pPr>
+            <a:lvl7pPr>
+              <a:defRPr>
+                <a:solidFill>
+                  <a:schemeClr val="tx2"/>
+                </a:solidFill>
+              </a:defRPr>
+            </a:lvl7pPr>
+            <a:lvl8pPr>
+              <a:defRPr>
+                <a:solidFill>
+                  <a:schemeClr val="tx2"/>
+                </a:solidFill>
+              </a:defRPr>
+            </a:lvl8pPr>
+            <a:lvl9pPr>
+              <a:defRPr>
+                <a:solidFill>
+                  <a:schemeClr val="tx2"/>
+                </a:solidFill>
+              </a:defRPr>
+            </a:lvl9pPr>
+          </a:lstStyle>
+          <a:p>
+            <a:pPr lvl="0" algn="r"/>
+            <a:r>
+              <a:rPr lang="en-US" sz="8000" dirty="0">
+                <a:solidFill>
+                  <a:schemeClr val="tx1"/>
+                </a:solidFill>
+                <a:effectLst/>
+              </a:rPr>
+              <a:t>”</a:t>
+            </a:r>
+          </a:p>
+        </p:txBody>
+      </p:sp>
+      <p:sp>
+        <p:nvSpPr>
+          <p:cNvPr id="14" name="TextBox 13"/>
+          <p:cNvSpPr txBox="1"/>
+          <p:nvPr/>
+        </p:nvSpPr>
+        <p:spPr>
+          <a:xfrm>
+            <a:off x="488275" y="823337"/>
+            <a:ext cx="609600" cy="584776"/>
+          </a:xfrm>
+          <a:prstGeom prst="rect">
+            <a:avLst/>
+          </a:prstGeom>
+        </p:spPr>
+        <p:txBody>
+          <a:bodyPr vert="horz" lIns="91440" tIns="45720" rIns="91440" bIns="45720" rtlCol="0" anchor="ctr">
+            <a:noAutofit/>
+          </a:bodyPr>
+          <a:lstStyle>
+            <a:lvl1pPr>
+              <a:spcBef>
+                <a:spcPct val="0"/>
+              </a:spcBef>
+              <a:buNone/>
+              <a:defRPr sz="3200" b="0" cap="all">
+                <a:ln w="3175" cmpd="sng">
+                  <a:noFill/>
+                </a:ln>
+                <a:effectLst>
+                  <a:glow rad="38100">
+                    <a:schemeClr val="bg1">
+                      <a:lumMod val="65000"/>
+                      <a:lumOff val="35000"/>
+                      <a:alpha val="40000"/>
+                    </a:schemeClr>
+                  </a:glow>
+                  <a:outerShdw blurRad="28575" dist="38100" dir="14040000" algn="tl" rotWithShape="0">
+                    <a:srgbClr val="000000">
+                      <a:alpha val="25000"/>
+                    </a:srgbClr>
+                  </a:outerShdw>
+                </a:effectLst>
+              </a:defRPr>
+            </a:lvl1pPr>
+            <a:lvl2pPr>
+              <a:defRPr>
+                <a:solidFill>
+                  <a:schemeClr val="tx2"/>
+                </a:solidFill>
+              </a:defRPr>
+            </a:lvl2pPr>
+            <a:lvl3pPr>
+              <a:defRPr>
+                <a:solidFill>
+                  <a:schemeClr val="tx2"/>
+                </a:solidFill>
+              </a:defRPr>
+            </a:lvl3pPr>
+            <a:lvl4pPr>
+              <a:defRPr>
+                <a:solidFill>
+                  <a:schemeClr val="tx2"/>
+                </a:solidFill>
+              </a:defRPr>
+            </a:lvl4pPr>
+            <a:lvl5pPr>
+              <a:defRPr>
+                <a:solidFill>
+                  <a:schemeClr val="tx2"/>
+                </a:solidFill>
+              </a:defRPr>
+            </a:lvl5pPr>
+            <a:lvl6pPr>
+              <a:defRPr>
+                <a:solidFill>
+                  <a:schemeClr val="tx2"/>
+                </a:solidFill>
+              </a:defRPr>
+            </a:lvl6pPr>
+            <a:lvl7pPr>
+              <a:defRPr>
+                <a:solidFill>
+                  <a:schemeClr val="tx2"/>
+                </a:solidFill>
+              </a:defRPr>
+            </a:lvl7pPr>
+            <a:lvl8pPr>
+              <a:defRPr>
+                <a:solidFill>
+                  <a:schemeClr val="tx2"/>
+                </a:solidFill>
+              </a:defRPr>
+            </a:lvl8pPr>
+            <a:lvl9pPr>
+              <a:defRPr>
+                <a:solidFill>
+                  <a:schemeClr val="tx2"/>
+                </a:solidFill>
+              </a:defRPr>
+            </a:lvl9pPr>
+          </a:lstStyle>
+          <a:p>
+            <a:pPr lvl="0" algn="r"/>
+            <a:r>
+              <a:rPr lang="en-US" sz="8000" dirty="0">
+                <a:solidFill>
+                  <a:schemeClr val="tx1"/>
+                </a:solidFill>
+                <a:effectLst/>
+              </a:rPr>
+              <a:t>“</a:t>
+            </a:r>
+          </a:p>
+        </p:txBody>
+      </p:sp>
+      <p:sp>
+        <p:nvSpPr>
+          <p:cNvPr id="16" name="Title 1"/>
+          <p:cNvSpPr>
+            <a:spLocks noGrp="1"/>
+          </p:cNvSpPr>
+          <p:nvPr>
+            <p:ph type="title"/>
+          </p:nvPr>
+        </p:nvSpPr>
+        <p:spPr>
+          <a:xfrm>
+            <a:off x="992267" y="609601"/>
+            <a:ext cx="9550399" cy="2743199"/>
+          </a:xfrm>
+        </p:spPr>
+        <p:txBody>
+          <a:bodyPr anchor="ctr">
+            <a:normAutofit/>
+          </a:bodyPr>
+          <a:lstStyle>
+            <a:lvl1pPr algn="l">
+              <a:defRPr sz="3200" b="0" cap="none">
+                <a:solidFill>
+                  <a:schemeClr val="tx1"/>
+                </a:solidFill>
+              </a:defRPr>
+            </a:lvl1pPr>
+          </a:lstStyle>
+          <a:p>
+            <a:r>
+              <a:rPr lang="pl-PL"/>
+              <a:t>Kliknij, aby edytować styl</a:t>
+            </a:r>
+            <a:endParaRPr lang="en-US" dirty="0"/>
+          </a:p>
+        </p:txBody>
+      </p:sp>
+      <p:sp>
+        <p:nvSpPr>
+          <p:cNvPr id="10" name="Text Placeholder 9"/>
+          <p:cNvSpPr>
+            <a:spLocks noGrp="1"/>
+          </p:cNvSpPr>
+          <p:nvPr>
+            <p:ph type="body" sz="quarter" idx="13"/>
+          </p:nvPr>
+        </p:nvSpPr>
+        <p:spPr>
+          <a:xfrm>
+            <a:off x="685800" y="3886200"/>
+            <a:ext cx="10135436" cy="889000"/>
+          </a:xfrm>
+        </p:spPr>
+        <p:txBody>
+          <a:bodyPr vert="horz" lIns="91440" tIns="45720" rIns="91440" bIns="45720" rtlCol="0" anchor="b">
+            <a:normAutofit/>
+          </a:bodyPr>
+          <a:lstStyle>
+            <a:lvl1pPr>
+              <a:buNone/>
+              <a:defRPr lang="en-US" sz="2400" b="0" cap="none" dirty="0">
+                <a:ln w="3175" cmpd="sng">
+                  <a:noFill/>
+                </a:ln>
+                <a:solidFill>
+                  <a:schemeClr val="tx1"/>
+                </a:solidFill>
+                <a:effectLst/>
+              </a:defRPr>
+            </a:lvl1pPr>
+          </a:lstStyle>
+          <a:p>
+            <a:pPr marL="0" lvl="0">
+              <a:spcBef>
+                <a:spcPct val="0"/>
+              </a:spcBef>
+              <a:buNone/>
+            </a:pPr>
+            <a:r>
+              <a:rPr lang="pl-PL"/>
+              <a:t>Kliknij, aby edytować style wzorca tekstu</a:t>
+            </a:r>
+          </a:p>
+        </p:txBody>
+      </p:sp>
+      <p:sp>
+        <p:nvSpPr>
+          <p:cNvPr id="3" name="Text Placeholder 2"/>
+          <p:cNvSpPr>
+            <a:spLocks noGrp="1"/>
+          </p:cNvSpPr>
+          <p:nvPr>
+            <p:ph type="body" idx="1"/>
+          </p:nvPr>
+        </p:nvSpPr>
+        <p:spPr>
+          <a:xfrm>
+            <a:off x="685799" y="4775200"/>
+            <a:ext cx="10135436" cy="1016000"/>
+          </a:xfrm>
+        </p:spPr>
+        <p:txBody>
+          <a:bodyPr anchor="t">
+            <a:normAutofit/>
+          </a:bodyPr>
+          <a:lstStyle>
+            <a:lvl1pPr marL="0" indent="0" algn="l">
+              <a:buNone/>
+              <a:defRPr sz="1800">
+                <a:solidFill>
+                  <a:schemeClr val="tx1"/>
+                </a:solidFill>
+              </a:defRPr>
+            </a:lvl1pPr>
+            <a:lvl2pPr marL="457200" indent="0">
+              <a:buNone/>
+              <a:defRPr sz="1800">
+                <a:solidFill>
+                  <a:schemeClr val="tx1">
+                    <a:tint val="75000"/>
+                  </a:schemeClr>
+                </a:solidFill>
+              </a:defRPr>
+            </a:lvl2pPr>
+            <a:lvl3pPr marL="914400" indent="0">
+              <a:buNone/>
+              <a:defRPr sz="1600">
+                <a:solidFill>
+                  <a:schemeClr val="tx1">
+                    <a:tint val="75000"/>
+                  </a:schemeClr>
+                </a:solidFill>
+              </a:defRPr>
+            </a:lvl3pPr>
+            <a:lvl4pPr marL="1371600" indent="0">
+              <a:buNone/>
+              <a:defRPr sz="1400">
+                <a:solidFill>
+                  <a:schemeClr val="tx1">
+                    <a:tint val="75000"/>
+                  </a:schemeClr>
+                </a:solidFill>
+              </a:defRPr>
+            </a:lvl4pPr>
+            <a:lvl5pPr marL="1828800" indent="0">
+              <a:buNone/>
+              <a:defRPr sz="1400">
+                <a:solidFill>
+                  <a:schemeClr val="tx1">
+                    <a:tint val="75000"/>
+                  </a:schemeClr>
+                </a:solidFill>
+              </a:defRPr>
+            </a:lvl5pPr>
+            <a:lvl6pPr marL="2286000" indent="0">
+              <a:buNone/>
+              <a:defRPr sz="1400">
+                <a:solidFill>
+                  <a:schemeClr val="tx1">
+                    <a:tint val="75000"/>
+                  </a:schemeClr>
+                </a:solidFill>
+              </a:defRPr>
+            </a:lvl6pPr>
+            <a:lvl7pPr marL="2743200" indent="0">
+              <a:buNone/>
+              <a:defRPr sz="1400">
+                <a:solidFill>
+                  <a:schemeClr val="tx1">
+                    <a:tint val="75000"/>
+                  </a:schemeClr>
+                </a:solidFill>
+              </a:defRPr>
+            </a:lvl7pPr>
+            <a:lvl8pPr marL="3200400" indent="0">
+              <a:buNone/>
+              <a:defRPr sz="1400">
+                <a:solidFill>
+                  <a:schemeClr val="tx1">
+                    <a:tint val="75000"/>
+                  </a:schemeClr>
+                </a:solidFill>
+              </a:defRPr>
+            </a:lvl8pPr>
+            <a:lvl9pPr marL="3657600" indent="0">
+              <a:buNone/>
+              <a:defRPr sz="1400">
+                <a:solidFill>
+                  <a:schemeClr val="tx1">
+                    <a:tint val="75000"/>
+                  </a:schemeClr>
+                </a:solidFill>
+              </a:defRPr>
+            </a:lvl9pPr>
+          </a:lstStyle>
+          <a:p>
+            <a:pPr lvl="0"/>
+            <a:r>
+              <a:rPr lang="pl-PL"/>
+              <a:t>Kliknij, aby edytować style wzorca tekstu</a:t>
+            </a:r>
+          </a:p>
+        </p:txBody>
+      </p:sp>
+      <p:sp>
+        <p:nvSpPr>
+          <p:cNvPr id="4" name="Date Placeholder 3"/>
+          <p:cNvSpPr>
+            <a:spLocks noGrp="1"/>
+          </p:cNvSpPr>
+          <p:nvPr>
+            <p:ph type="dt" sz="half" idx="10"/>
+          </p:nvPr>
+        </p:nvSpPr>
+        <p:spPr/>
+        <p:txBody>
+          <a:bodyPr/>
+          <a:lstStyle/>
+          <a:p>
+            <a:fld id="{F162833F-9441-4006-A1DD-3908C6F76699}" type="datetimeFigureOut">
+              <a:rPr lang="pl-PL" smtClean="0"/>
+              <a:t>16.05.2023</a:t>
+            </a:fld>
+            <a:endParaRPr lang="pl-PL"/>
+          </a:p>
+        </p:txBody>
+      </p:sp>
+      <p:sp>
+        <p:nvSpPr>
+          <p:cNvPr id="5" name="Footer Placeholder 4"/>
+          <p:cNvSpPr>
+            <a:spLocks noGrp="1"/>
+          </p:cNvSpPr>
+          <p:nvPr>
+            <p:ph type="ftr" sz="quarter" idx="11"/>
+          </p:nvPr>
+        </p:nvSpPr>
+        <p:spPr/>
+        <p:txBody>
+          <a:bodyPr/>
+          <a:lstStyle/>
+          <a:p>
+            <a:endParaRPr lang="pl-PL"/>
+          </a:p>
+        </p:txBody>
+      </p:sp>
+      <p:sp>
+        <p:nvSpPr>
+          <p:cNvPr id="6" name="Slide Number Placeholder 5"/>
+          <p:cNvSpPr>
+            <a:spLocks noGrp="1"/>
+          </p:cNvSpPr>
+          <p:nvPr>
+            <p:ph type="sldNum" sz="quarter" idx="12"/>
+          </p:nvPr>
+        </p:nvSpPr>
+        <p:spPr/>
+        <p:txBody>
+          <a:bodyPr/>
+          <a:lstStyle/>
+          <a:p>
+            <a:fld id="{4D3A875F-7C19-4775-B8A4-3648BA60EE9B}" type="slidenum">
+              <a:rPr lang="pl-PL" smtClean="0"/>
+              <a:t>‹#›</a:t>
+            </a:fld>
+            <a:endParaRPr lang="pl-PL"/>
+          </a:p>
+        </p:txBody>
+      </p:sp>
+    </p:spTree>
+    <p:extLst>
+      <p:ext uri="{BB962C8B-B14F-4D97-AF65-F5344CB8AC3E}">
+        <p14:creationId xmlns:p14="http://schemas.microsoft.com/office/powerpoint/2010/main" val="2948557807"/>
+      </p:ext>
+    </p:extLst>
+  </p:cSld>
+  <p:clrMapOvr>
+    <a:masterClrMapping/>
+  </p:clrMapOvr>
+</p:sldLayout>
+</file>
+
+<file path=ppt/slideLayouts/slideLayout15.xml><?xml version="1.0" encoding="utf-8"?>
+<p:sldLayout xmlns:a="http://schemas.openxmlformats.org/drawingml/2006/main" xmlns:r="http://schemas.openxmlformats.org/officeDocument/2006/relationships" xmlns:p="http://schemas.openxmlformats.org/presentationml/2006/main" preserve="1">
+  <p:cSld name="Prawda lub fałsz">
+    <p:spTree>
+      <p:nvGrpSpPr>
+        <p:cNvPr id="1" name=""/>
+        <p:cNvGrpSpPr/>
+        <p:nvPr/>
+      </p:nvGrpSpPr>
+      <p:grpSpPr>
+        <a:xfrm>
+          <a:off x="0" y="0"/>
+          <a:ext cx="0" cy="0"/>
+          <a:chOff x="0" y="0"/>
+          <a:chExt cx="0" cy="0"/>
+        </a:xfrm>
+      </p:grpSpPr>
+      <p:pic>
+        <p:nvPicPr>
+          <p:cNvPr id="8" name="Picture 7" descr="Celestia-R1---OverlayContentHD.png"/>
+          <p:cNvPicPr>
+            <a:picLocks noChangeAspect="1"/>
+          </p:cNvPicPr>
+          <p:nvPr/>
+        </p:nvPicPr>
+        <p:blipFill>
+          <a:blip r:embed="rId2">
+            <a:extLst>
+              <a:ext uri="{28A0092B-C50C-407E-A947-70E740481C1C}">
+                <a14:useLocalDpi xmlns:a14="http://schemas.microsoft.com/office/drawing/2010/main" val="0"/>
+              </a:ext>
+            </a:extLst>
+          </a:blip>
+          <a:stretch>
+            <a:fillRect/>
+          </a:stretch>
+        </p:blipFill>
+        <p:spPr>
+          <a:xfrm>
+            <a:off x="0" y="0"/>
+            <a:ext cx="12188825" cy="6856214"/>
+          </a:xfrm>
+          <a:prstGeom prst="rect">
+            <a:avLst/>
+          </a:prstGeom>
+        </p:spPr>
+      </p:pic>
+      <p:sp>
+        <p:nvSpPr>
+          <p:cNvPr id="2" name="Title 1"/>
+          <p:cNvSpPr>
+            <a:spLocks noGrp="1"/>
+          </p:cNvSpPr>
+          <p:nvPr>
+            <p:ph type="title"/>
+          </p:nvPr>
+        </p:nvSpPr>
+        <p:spPr>
+          <a:xfrm>
+            <a:off x="685801" y="609601"/>
+            <a:ext cx="10131427" cy="2743199"/>
+          </a:xfrm>
+        </p:spPr>
+        <p:txBody>
+          <a:bodyPr vert="horz" lIns="91440" tIns="45720" rIns="91440" bIns="45720" rtlCol="0" anchor="ctr">
+            <a:normAutofit/>
+          </a:bodyPr>
+          <a:lstStyle>
+            <a:lvl1pPr>
+              <a:defRPr lang="en-US" b="0" dirty="0"/>
+            </a:lvl1pPr>
+          </a:lstStyle>
+          <a:p>
+            <a:pPr marL="0" lvl="0"/>
+            <a:r>
+              <a:rPr lang="pl-PL"/>
+              <a:t>Kliknij, aby edytować styl</a:t>
+            </a:r>
+            <a:endParaRPr lang="en-US" dirty="0"/>
+          </a:p>
+        </p:txBody>
+      </p:sp>
+      <p:sp>
+        <p:nvSpPr>
+          <p:cNvPr id="10" name="Text Placeholder 9"/>
+          <p:cNvSpPr>
+            <a:spLocks noGrp="1"/>
+          </p:cNvSpPr>
+          <p:nvPr>
+            <p:ph type="body" sz="quarter" idx="13"/>
+          </p:nvPr>
+        </p:nvSpPr>
+        <p:spPr>
+          <a:xfrm>
+            <a:off x="685801" y="3505200"/>
+            <a:ext cx="10131428" cy="838200"/>
+          </a:xfrm>
+        </p:spPr>
+        <p:txBody>
+          <a:bodyPr vert="horz" lIns="91440" tIns="45720" rIns="91440" bIns="45720" rtlCol="0" anchor="b">
+            <a:normAutofit/>
+          </a:bodyPr>
+          <a:lstStyle>
+            <a:lvl1pPr>
+              <a:buNone/>
+              <a:defRPr lang="en-US" sz="2800" b="0" cap="none" dirty="0">
+                <a:ln w="3175" cmpd="sng">
+                  <a:noFill/>
+                </a:ln>
+                <a:solidFill>
+                  <a:schemeClr val="tx1"/>
+                </a:solidFill>
+                <a:effectLst/>
+              </a:defRPr>
+            </a:lvl1pPr>
+          </a:lstStyle>
+          <a:p>
+            <a:pPr marL="0" lvl="0">
+              <a:spcBef>
+                <a:spcPct val="0"/>
+              </a:spcBef>
+              <a:buNone/>
+            </a:pPr>
+            <a:r>
+              <a:rPr lang="pl-PL"/>
+              <a:t>Kliknij, aby edytować style wzorca tekstu</a:t>
+            </a:r>
+          </a:p>
+        </p:txBody>
+      </p:sp>
+      <p:sp>
+        <p:nvSpPr>
+          <p:cNvPr id="3" name="Text Placeholder 2"/>
+          <p:cNvSpPr>
+            <a:spLocks noGrp="1"/>
+          </p:cNvSpPr>
+          <p:nvPr>
+            <p:ph type="body" idx="1"/>
+          </p:nvPr>
+        </p:nvSpPr>
+        <p:spPr>
+          <a:xfrm>
+            <a:off x="685800" y="4343400"/>
+            <a:ext cx="10131428" cy="1447800"/>
+          </a:xfrm>
+        </p:spPr>
+        <p:txBody>
+          <a:bodyPr anchor="t">
+            <a:normAutofit/>
+          </a:bodyPr>
+          <a:lstStyle>
+            <a:lvl1pPr marL="0" indent="0" algn="l">
+              <a:buNone/>
+              <a:defRPr sz="1800">
+                <a:solidFill>
+                  <a:schemeClr val="tx1"/>
+                </a:solidFill>
+              </a:defRPr>
+            </a:lvl1pPr>
+            <a:lvl2pPr marL="457200" indent="0">
+              <a:buNone/>
+              <a:defRPr sz="1800">
+                <a:solidFill>
+                  <a:schemeClr val="tx1">
+                    <a:tint val="75000"/>
+                  </a:schemeClr>
+                </a:solidFill>
+              </a:defRPr>
+            </a:lvl2pPr>
+            <a:lvl3pPr marL="914400" indent="0">
+              <a:buNone/>
+              <a:defRPr sz="1600">
+                <a:solidFill>
+                  <a:schemeClr val="tx1">
+                    <a:tint val="75000"/>
+                  </a:schemeClr>
+                </a:solidFill>
+              </a:defRPr>
+            </a:lvl3pPr>
+            <a:lvl4pPr marL="1371600" indent="0">
+              <a:buNone/>
+              <a:defRPr sz="1400">
+                <a:solidFill>
+                  <a:schemeClr val="tx1">
+                    <a:tint val="75000"/>
+                  </a:schemeClr>
+                </a:solidFill>
+              </a:defRPr>
+            </a:lvl4pPr>
+            <a:lvl5pPr marL="1828800" indent="0">
+              <a:buNone/>
+              <a:defRPr sz="1400">
+                <a:solidFill>
+                  <a:schemeClr val="tx1">
+                    <a:tint val="75000"/>
+                  </a:schemeClr>
+                </a:solidFill>
+              </a:defRPr>
+            </a:lvl5pPr>
+            <a:lvl6pPr marL="2286000" indent="0">
+              <a:buNone/>
+              <a:defRPr sz="1400">
+                <a:solidFill>
+                  <a:schemeClr val="tx1">
+                    <a:tint val="75000"/>
+                  </a:schemeClr>
+                </a:solidFill>
+              </a:defRPr>
+            </a:lvl6pPr>
+            <a:lvl7pPr marL="2743200" indent="0">
+              <a:buNone/>
+              <a:defRPr sz="1400">
+                <a:solidFill>
+                  <a:schemeClr val="tx1">
+                    <a:tint val="75000"/>
+                  </a:schemeClr>
+                </a:solidFill>
+              </a:defRPr>
+            </a:lvl7pPr>
+            <a:lvl8pPr marL="3200400" indent="0">
+              <a:buNone/>
+              <a:defRPr sz="1400">
+                <a:solidFill>
+                  <a:schemeClr val="tx1">
+                    <a:tint val="75000"/>
+                  </a:schemeClr>
+                </a:solidFill>
+              </a:defRPr>
+            </a:lvl8pPr>
+            <a:lvl9pPr marL="3657600" indent="0">
+              <a:buNone/>
+              <a:defRPr sz="1400">
+                <a:solidFill>
+                  <a:schemeClr val="tx1">
+                    <a:tint val="75000"/>
+                  </a:schemeClr>
+                </a:solidFill>
+              </a:defRPr>
+            </a:lvl9pPr>
+          </a:lstStyle>
+          <a:p>
+            <a:pPr lvl="0"/>
+            <a:r>
+              <a:rPr lang="pl-PL"/>
+              <a:t>Kliknij, aby edytować style wzorca tekstu</a:t>
+            </a:r>
+          </a:p>
+        </p:txBody>
+      </p:sp>
+      <p:sp>
+        <p:nvSpPr>
+          <p:cNvPr id="4" name="Date Placeholder 3"/>
+          <p:cNvSpPr>
+            <a:spLocks noGrp="1"/>
+          </p:cNvSpPr>
+          <p:nvPr>
+            <p:ph type="dt" sz="half" idx="10"/>
+          </p:nvPr>
+        </p:nvSpPr>
+        <p:spPr/>
+        <p:txBody>
+          <a:bodyPr/>
+          <a:lstStyle/>
+          <a:p>
+            <a:fld id="{F162833F-9441-4006-A1DD-3908C6F76699}" type="datetimeFigureOut">
+              <a:rPr lang="pl-PL" smtClean="0"/>
+              <a:t>16.05.2023</a:t>
+            </a:fld>
+            <a:endParaRPr lang="pl-PL"/>
+          </a:p>
+        </p:txBody>
+      </p:sp>
+      <p:sp>
+        <p:nvSpPr>
+          <p:cNvPr id="5" name="Footer Placeholder 4"/>
+          <p:cNvSpPr>
+            <a:spLocks noGrp="1"/>
+          </p:cNvSpPr>
+          <p:nvPr>
+            <p:ph type="ftr" sz="quarter" idx="11"/>
+          </p:nvPr>
+        </p:nvSpPr>
+        <p:spPr/>
+        <p:txBody>
+          <a:bodyPr/>
+          <a:lstStyle/>
+          <a:p>
+            <a:endParaRPr lang="pl-PL"/>
+          </a:p>
+        </p:txBody>
+      </p:sp>
+      <p:sp>
+        <p:nvSpPr>
+          <p:cNvPr id="6" name="Slide Number Placeholder 5"/>
+          <p:cNvSpPr>
+            <a:spLocks noGrp="1"/>
+          </p:cNvSpPr>
+          <p:nvPr>
+            <p:ph type="sldNum" sz="quarter" idx="12"/>
+          </p:nvPr>
+        </p:nvSpPr>
+        <p:spPr/>
+        <p:txBody>
+          <a:bodyPr/>
+          <a:lstStyle/>
+          <a:p>
+            <a:fld id="{4D3A875F-7C19-4775-B8A4-3648BA60EE9B}" type="slidenum">
+              <a:rPr lang="pl-PL" smtClean="0"/>
+              <a:t>‹#›</a:t>
+            </a:fld>
+            <a:endParaRPr lang="pl-PL"/>
+          </a:p>
+        </p:txBody>
+      </p:sp>
+    </p:spTree>
+    <p:extLst>
+      <p:ext uri="{BB962C8B-B14F-4D97-AF65-F5344CB8AC3E}">
+        <p14:creationId xmlns:p14="http://schemas.microsoft.com/office/powerpoint/2010/main" val="717153233"/>
+      </p:ext>
+    </p:extLst>
+  </p:cSld>
+  <p:clrMapOvr>
+    <a:masterClrMapping/>
+  </p:clrMapOvr>
+</p:sldLayout>
+</file>
+
+<file path=ppt/slideLayouts/slideLayout16.xml><?xml version="1.0" encoding="utf-8"?>
 <p:sldLayout xmlns:a="http://schemas.openxmlformats.org/drawingml/2006/main" xmlns:r="http://schemas.openxmlformats.org/officeDocument/2006/relationships" xmlns:p="http://schemas.openxmlformats.org/presentationml/2006/main" type="vertTx" preserve="1">
   <p:cSld name="Tytuł i tekst pionowy">
     <p:spTree>
@@ -357,53 +2775,49 @@
           <a:chExt cx="0" cy="0"/>
         </a:xfrm>
       </p:grpSpPr>
-      <p:sp>
-        <p:nvSpPr>
-          <p:cNvPr id="2" name="Tytuł 1">
+      <p:pic>
+        <p:nvPicPr>
+          <p:cNvPr id="7" name="Picture 6" descr="Celestia-R1---OverlayContentHD.png"/>
+          <p:cNvPicPr>
+            <a:picLocks noChangeAspect="1"/>
+          </p:cNvPicPr>
+          <p:nvPr/>
+        </p:nvPicPr>
+        <p:blipFill>
+          <a:blip r:embed="rId2">
             <a:extLst>
-              <a:ext uri="{FF2B5EF4-FFF2-40B4-BE49-F238E27FC236}">
-                <a16:creationId xmlns:a16="http://schemas.microsoft.com/office/drawing/2014/main" id="{BAD13A84-E22D-90DF-E40C-6CC39E90CC9C}"/>
+              <a:ext uri="{28A0092B-C50C-407E-A947-70E740481C1C}">
+                <a14:useLocalDpi xmlns:a14="http://schemas.microsoft.com/office/drawing/2010/main" val="0"/>
               </a:ext>
             </a:extLst>
-          </p:cNvPr>
-          <p:cNvSpPr>
-            <a:spLocks noGrp="1"/>
-          </p:cNvSpPr>
-          <p:nvPr>
-            <p:ph type="title"/>
+          </a:blip>
+          <a:stretch>
+            <a:fillRect/>
+          </a:stretch>
+        </p:blipFill>
+        <p:spPr>
+          <a:xfrm>
+            <a:off x="0" y="0"/>
+            <a:ext cx="12188825" cy="6856214"/>
+          </a:xfrm>
+          <a:prstGeom prst="rect">
+            <a:avLst/>
+          </a:prstGeom>
+        </p:spPr>
+      </p:pic>
+      <p:sp>
+        <p:nvSpPr>
+          <p:cNvPr id="3" name="Vertical Text Placeholder 2"/>
+          <p:cNvSpPr>
+            <a:spLocks noGrp="1"/>
+          </p:cNvSpPr>
+          <p:nvPr>
+            <p:ph type="body" orient="vert" idx="1"/>
           </p:nvPr>
         </p:nvSpPr>
         <p:spPr/>
         <p:txBody>
-          <a:bodyPr/>
-          <a:lstStyle/>
-          <a:p>
-            <a:r>
-              <a:rPr lang="pl-PL"/>
-              <a:t>Kliknij, aby edytować styl</a:t>
-            </a:r>
-          </a:p>
-        </p:txBody>
-      </p:sp>
-      <p:sp>
-        <p:nvSpPr>
-          <p:cNvPr id="3" name="Symbol zastępczy tytułu pionowego 2">
-            <a:extLst>
-              <a:ext uri="{FF2B5EF4-FFF2-40B4-BE49-F238E27FC236}">
-                <a16:creationId xmlns:a16="http://schemas.microsoft.com/office/drawing/2014/main" id="{104269D5-E635-81C3-E053-67E361C3DD49}"/>
-              </a:ext>
-            </a:extLst>
-          </p:cNvPr>
-          <p:cNvSpPr>
-            <a:spLocks noGrp="1"/>
-          </p:cNvSpPr>
-          <p:nvPr>
-            <p:ph type="body" orient="vert" idx="1"/>
-          </p:nvPr>
-        </p:nvSpPr>
-        <p:spPr/>
-        <p:txBody>
-          <a:bodyPr vert="eaVert"/>
+          <a:bodyPr vert="eaVert" anchor="t"/>
           <a:lstStyle/>
           <a:p>
             <a:pPr lvl="0"/>
@@ -439,18 +2853,13 @@
               <a:rPr lang="pl-PL"/>
               <a:t>Piąty poziom</a:t>
             </a:r>
-          </a:p>
-        </p:txBody>
-      </p:sp>
-      <p:sp>
-        <p:nvSpPr>
-          <p:cNvPr id="4" name="Symbol zastępczy daty 3">
-            <a:extLst>
-              <a:ext uri="{FF2B5EF4-FFF2-40B4-BE49-F238E27FC236}">
-                <a16:creationId xmlns:a16="http://schemas.microsoft.com/office/drawing/2014/main" id="{9D073786-6F17-E114-9379-17A4F99CBD59}"/>
-              </a:ext>
-            </a:extLst>
-          </p:cNvPr>
+            <a:endParaRPr lang="en-US" dirty="0"/>
+          </a:p>
+        </p:txBody>
+      </p:sp>
+      <p:sp>
+        <p:nvSpPr>
+          <p:cNvPr id="4" name="Date Placeholder 3"/>
           <p:cNvSpPr>
             <a:spLocks noGrp="1"/>
           </p:cNvSpPr>
@@ -465,7 +2874,7 @@
           <a:p>
             <a:fld id="{F162833F-9441-4006-A1DD-3908C6F76699}" type="datetimeFigureOut">
               <a:rPr lang="pl-PL" smtClean="0"/>
-              <a:t>10.05.2023</a:t>
+              <a:t>16.05.2023</a:t>
             </a:fld>
             <a:endParaRPr lang="pl-PL"/>
           </a:p>
@@ -473,13 +2882,7 @@
       </p:sp>
       <p:sp>
         <p:nvSpPr>
-          <p:cNvPr id="5" name="Symbol zastępczy stopki 4">
-            <a:extLst>
-              <a:ext uri="{FF2B5EF4-FFF2-40B4-BE49-F238E27FC236}">
-                <a16:creationId xmlns:a16="http://schemas.microsoft.com/office/drawing/2014/main" id="{C75BE54D-A2E6-59A5-32F8-5CFCAF707448}"/>
-              </a:ext>
-            </a:extLst>
-          </p:cNvPr>
+          <p:cNvPr id="5" name="Footer Placeholder 4"/>
           <p:cNvSpPr>
             <a:spLocks noGrp="1"/>
           </p:cNvSpPr>
@@ -498,13 +2901,7 @@
       </p:sp>
       <p:sp>
         <p:nvSpPr>
-          <p:cNvPr id="6" name="Symbol zastępczy numeru slajdu 5">
-            <a:extLst>
-              <a:ext uri="{FF2B5EF4-FFF2-40B4-BE49-F238E27FC236}">
-                <a16:creationId xmlns:a16="http://schemas.microsoft.com/office/drawing/2014/main" id="{2FB7ADD8-8B71-B6E3-E82B-6A5F7E42B100}"/>
-              </a:ext>
-            </a:extLst>
-          </p:cNvPr>
+          <p:cNvPr id="6" name="Slide Number Placeholder 5"/>
           <p:cNvSpPr>
             <a:spLocks noGrp="1"/>
           </p:cNvSpPr>
@@ -525,10 +2922,38 @@
           </a:p>
         </p:txBody>
       </p:sp>
+      <p:sp>
+        <p:nvSpPr>
+          <p:cNvPr id="8" name="Title 1"/>
+          <p:cNvSpPr>
+            <a:spLocks noGrp="1"/>
+          </p:cNvSpPr>
+          <p:nvPr>
+            <p:ph type="title"/>
+          </p:nvPr>
+        </p:nvSpPr>
+        <p:spPr>
+          <a:xfrm>
+            <a:off x="685801" y="609600"/>
+            <a:ext cx="10131425" cy="1456267"/>
+          </a:xfrm>
+        </p:spPr>
+        <p:txBody>
+          <a:bodyPr/>
+          <a:lstStyle/>
+          <a:p>
+            <a:r>
+              <a:rPr lang="pl-PL"/>
+              <a:t>Kliknij, aby edytować styl</a:t>
+            </a:r>
+            <a:endParaRPr lang="en-US" dirty="0"/>
+          </a:p>
+        </p:txBody>
+      </p:sp>
     </p:spTree>
     <p:extLst>
       <p:ext uri="{BB962C8B-B14F-4D97-AF65-F5344CB8AC3E}">
-        <p14:creationId xmlns:p14="http://schemas.microsoft.com/office/powerpoint/2010/main" val="1376877612"/>
+        <p14:creationId xmlns:p14="http://schemas.microsoft.com/office/powerpoint/2010/main" val="3219317549"/>
       </p:ext>
     </p:extLst>
   </p:cSld>
@@ -538,7 +2963,7 @@
 </p:sldLayout>
 </file>
 
-<file path=ppt/slideLayouts/slideLayout11.xml><?xml version="1.0" encoding="utf-8"?>
+<file path=ppt/slideLayouts/slideLayout17.xml><?xml version="1.0" encoding="utf-8"?>
 <p:sldLayout xmlns:a="http://schemas.openxmlformats.org/drawingml/2006/main" xmlns:r="http://schemas.openxmlformats.org/officeDocument/2006/relationships" xmlns:p="http://schemas.openxmlformats.org/presentationml/2006/main" type="vertTitleAndTx" preserve="1">
   <p:cSld name="Tytuł pionowy i tekst">
     <p:spTree>
@@ -555,26 +2980,50 @@
           <a:chExt cx="0" cy="0"/>
         </a:xfrm>
       </p:grpSpPr>
-      <p:sp>
-        <p:nvSpPr>
-          <p:cNvPr id="2" name="Tytuł pionowy 1">
+      <p:pic>
+        <p:nvPicPr>
+          <p:cNvPr id="7" name="Picture 6" descr="Celestia-R1---OverlayContentHD.png"/>
+          <p:cNvPicPr>
+            <a:picLocks noChangeAspect="1"/>
+          </p:cNvPicPr>
+          <p:nvPr/>
+        </p:nvPicPr>
+        <p:blipFill>
+          <a:blip r:embed="rId2">
             <a:extLst>
-              <a:ext uri="{FF2B5EF4-FFF2-40B4-BE49-F238E27FC236}">
-                <a16:creationId xmlns:a16="http://schemas.microsoft.com/office/drawing/2014/main" id="{2F094CB0-23B0-2324-68FB-F1082711AF6C}"/>
+              <a:ext uri="{28A0092B-C50C-407E-A947-70E740481C1C}">
+                <a14:useLocalDpi xmlns:a14="http://schemas.microsoft.com/office/drawing/2010/main" val="0"/>
               </a:ext>
             </a:extLst>
-          </p:cNvPr>
-          <p:cNvSpPr>
-            <a:spLocks noGrp="1"/>
-          </p:cNvSpPr>
-          <p:nvPr>
-            <p:ph type="title" orient="vert"/>
-          </p:nvPr>
-        </p:nvSpPr>
+          </a:blip>
+          <a:stretch>
+            <a:fillRect/>
+          </a:stretch>
+        </p:blipFill>
         <p:spPr>
           <a:xfrm>
-            <a:off x="8724900" y="365125"/>
-            <a:ext cx="2628900" cy="5811838"/>
+            <a:off x="0" y="0"/>
+            <a:ext cx="12188825" cy="6856214"/>
+          </a:xfrm>
+          <a:prstGeom prst="rect">
+            <a:avLst/>
+          </a:prstGeom>
+        </p:spPr>
+      </p:pic>
+      <p:sp>
+        <p:nvSpPr>
+          <p:cNvPr id="2" name="Vertical Title 1"/>
+          <p:cNvSpPr>
+            <a:spLocks noGrp="1"/>
+          </p:cNvSpPr>
+          <p:nvPr>
+            <p:ph type="title" orient="vert"/>
+          </p:nvPr>
+        </p:nvSpPr>
+        <p:spPr>
+          <a:xfrm>
+            <a:off x="8658675" y="609599"/>
+            <a:ext cx="2158552" cy="5181601"/>
           </a:xfrm>
         </p:spPr>
         <p:txBody>
@@ -585,18 +3034,13 @@
               <a:rPr lang="pl-PL"/>
               <a:t>Kliknij, aby edytować styl</a:t>
             </a:r>
-          </a:p>
-        </p:txBody>
-      </p:sp>
-      <p:sp>
-        <p:nvSpPr>
-          <p:cNvPr id="3" name="Symbol zastępczy tytułu pionowego 2">
-            <a:extLst>
-              <a:ext uri="{FF2B5EF4-FFF2-40B4-BE49-F238E27FC236}">
-                <a16:creationId xmlns:a16="http://schemas.microsoft.com/office/drawing/2014/main" id="{BC8EA570-A224-230D-1802-C93C7A818034}"/>
-              </a:ext>
-            </a:extLst>
-          </p:cNvPr>
+            <a:endParaRPr lang="en-US" dirty="0"/>
+          </a:p>
+        </p:txBody>
+      </p:sp>
+      <p:sp>
+        <p:nvSpPr>
+          <p:cNvPr id="3" name="Vertical Text Placeholder 2"/>
           <p:cNvSpPr>
             <a:spLocks noGrp="1"/>
           </p:cNvSpPr>
@@ -606,12 +3050,12 @@
         </p:nvSpPr>
         <p:spPr>
           <a:xfrm>
-            <a:off x="838200" y="365125"/>
-            <a:ext cx="7734300" cy="5811838"/>
+            <a:off x="685800" y="609600"/>
+            <a:ext cx="7832116" cy="5181600"/>
           </a:xfrm>
         </p:spPr>
         <p:txBody>
-          <a:bodyPr vert="eaVert"/>
+          <a:bodyPr vert="eaVert" anchor="t"/>
           <a:lstStyle/>
           <a:p>
             <a:pPr lvl="0"/>
@@ -647,18 +3091,13 @@
               <a:rPr lang="pl-PL"/>
               <a:t>Piąty poziom</a:t>
             </a:r>
-          </a:p>
-        </p:txBody>
-      </p:sp>
-      <p:sp>
-        <p:nvSpPr>
-          <p:cNvPr id="4" name="Symbol zastępczy daty 3">
-            <a:extLst>
-              <a:ext uri="{FF2B5EF4-FFF2-40B4-BE49-F238E27FC236}">
-                <a16:creationId xmlns:a16="http://schemas.microsoft.com/office/drawing/2014/main" id="{DB126EFF-35AF-2214-8A5D-4BA6B108CE92}"/>
-              </a:ext>
-            </a:extLst>
-          </p:cNvPr>
+            <a:endParaRPr lang="en-US" dirty="0"/>
+          </a:p>
+        </p:txBody>
+      </p:sp>
+      <p:sp>
+        <p:nvSpPr>
+          <p:cNvPr id="4" name="Date Placeholder 3"/>
           <p:cNvSpPr>
             <a:spLocks noGrp="1"/>
           </p:cNvSpPr>
@@ -673,7 +3112,7 @@
           <a:p>
             <a:fld id="{F162833F-9441-4006-A1DD-3908C6F76699}" type="datetimeFigureOut">
               <a:rPr lang="pl-PL" smtClean="0"/>
-              <a:t>10.05.2023</a:t>
+              <a:t>16.05.2023</a:t>
             </a:fld>
             <a:endParaRPr lang="pl-PL"/>
           </a:p>
@@ -681,13 +3120,7 @@
       </p:sp>
       <p:sp>
         <p:nvSpPr>
-          <p:cNvPr id="5" name="Symbol zastępczy stopki 4">
-            <a:extLst>
-              <a:ext uri="{FF2B5EF4-FFF2-40B4-BE49-F238E27FC236}">
-                <a16:creationId xmlns:a16="http://schemas.microsoft.com/office/drawing/2014/main" id="{76009A26-CF0E-C9F1-8AA8-F852EDED9ED1}"/>
-              </a:ext>
-            </a:extLst>
-          </p:cNvPr>
+          <p:cNvPr id="5" name="Footer Placeholder 4"/>
           <p:cNvSpPr>
             <a:spLocks noGrp="1"/>
           </p:cNvSpPr>
@@ -706,13 +3139,7 @@
       </p:sp>
       <p:sp>
         <p:nvSpPr>
-          <p:cNvPr id="6" name="Symbol zastępczy numeru slajdu 5">
-            <a:extLst>
-              <a:ext uri="{FF2B5EF4-FFF2-40B4-BE49-F238E27FC236}">
-                <a16:creationId xmlns:a16="http://schemas.microsoft.com/office/drawing/2014/main" id="{AE2A9982-D264-9E45-035D-C3DFB3A91DA7}"/>
-              </a:ext>
-            </a:extLst>
-          </p:cNvPr>
+          <p:cNvPr id="6" name="Slide Number Placeholder 5"/>
           <p:cNvSpPr>
             <a:spLocks noGrp="1"/>
           </p:cNvSpPr>
@@ -736,7 +3163,7 @@
     </p:spTree>
     <p:extLst>
       <p:ext uri="{BB962C8B-B14F-4D97-AF65-F5344CB8AC3E}">
-        <p14:creationId xmlns:p14="http://schemas.microsoft.com/office/powerpoint/2010/main" val="4277643464"/>
+        <p14:creationId xmlns:p14="http://schemas.microsoft.com/office/powerpoint/2010/main" val="4062024952"/>
       </p:ext>
     </p:extLst>
   </p:cSld>
@@ -763,15 +3190,39 @@
           <a:chExt cx="0" cy="0"/>
         </a:xfrm>
       </p:grpSpPr>
-      <p:sp>
-        <p:nvSpPr>
-          <p:cNvPr id="2" name="Tytuł 1">
+      <p:pic>
+        <p:nvPicPr>
+          <p:cNvPr id="7" name="Picture 6" descr="Celestia-R1---OverlayContentHD.png"/>
+          <p:cNvPicPr>
+            <a:picLocks noChangeAspect="1"/>
+          </p:cNvPicPr>
+          <p:nvPr/>
+        </p:nvPicPr>
+        <p:blipFill>
+          <a:blip r:embed="rId2">
             <a:extLst>
-              <a:ext uri="{FF2B5EF4-FFF2-40B4-BE49-F238E27FC236}">
-                <a16:creationId xmlns:a16="http://schemas.microsoft.com/office/drawing/2014/main" id="{55E75FCF-455B-2E10-7ED4-271C61FF8777}"/>
+              <a:ext uri="{28A0092B-C50C-407E-A947-70E740481C1C}">
+                <a14:useLocalDpi xmlns:a14="http://schemas.microsoft.com/office/drawing/2010/main" val="0"/>
               </a:ext>
             </a:extLst>
-          </p:cNvPr>
+          </a:blip>
+          <a:stretch>
+            <a:fillRect/>
+          </a:stretch>
+        </p:blipFill>
+        <p:spPr>
+          <a:xfrm>
+            <a:off x="0" y="0"/>
+            <a:ext cx="12188825" cy="6856214"/>
+          </a:xfrm>
+          <a:prstGeom prst="rect">
+            <a:avLst/>
+          </a:prstGeom>
+        </p:spPr>
+      </p:pic>
+      <p:sp>
+        <p:nvSpPr>
+          <p:cNvPr id="2" name="Title 1"/>
           <p:cNvSpPr>
             <a:spLocks noGrp="1"/>
           </p:cNvSpPr>
@@ -788,18 +3239,13 @@
               <a:rPr lang="pl-PL"/>
               <a:t>Kliknij, aby edytować styl</a:t>
             </a:r>
-          </a:p>
-        </p:txBody>
-      </p:sp>
-      <p:sp>
-        <p:nvSpPr>
-          <p:cNvPr id="3" name="Symbol zastępczy zawartości 2">
-            <a:extLst>
-              <a:ext uri="{FF2B5EF4-FFF2-40B4-BE49-F238E27FC236}">
-                <a16:creationId xmlns:a16="http://schemas.microsoft.com/office/drawing/2014/main" id="{F940631A-4401-8EA3-2CC5-AEFA4A10A742}"/>
-              </a:ext>
-            </a:extLst>
-          </p:cNvPr>
+            <a:endParaRPr lang="en-US" dirty="0"/>
+          </a:p>
+        </p:txBody>
+      </p:sp>
+      <p:sp>
+        <p:nvSpPr>
+          <p:cNvPr id="3" name="Content Placeholder 2"/>
           <p:cNvSpPr>
             <a:spLocks noGrp="1"/>
           </p:cNvSpPr>
@@ -809,7 +3255,7 @@
         </p:nvSpPr>
         <p:spPr/>
         <p:txBody>
-          <a:bodyPr/>
+          <a:bodyPr anchor="ctr"/>
           <a:lstStyle/>
           <a:p>
             <a:pPr lvl="0"/>
@@ -845,18 +3291,13 @@
               <a:rPr lang="pl-PL"/>
               <a:t>Piąty poziom</a:t>
             </a:r>
-          </a:p>
-        </p:txBody>
-      </p:sp>
-      <p:sp>
-        <p:nvSpPr>
-          <p:cNvPr id="4" name="Symbol zastępczy daty 3">
-            <a:extLst>
-              <a:ext uri="{FF2B5EF4-FFF2-40B4-BE49-F238E27FC236}">
-                <a16:creationId xmlns:a16="http://schemas.microsoft.com/office/drawing/2014/main" id="{44100948-4E8F-46D6-B9E2-7D0D465B9CCB}"/>
-              </a:ext>
-            </a:extLst>
-          </p:cNvPr>
+            <a:endParaRPr lang="en-US" dirty="0"/>
+          </a:p>
+        </p:txBody>
+      </p:sp>
+      <p:sp>
+        <p:nvSpPr>
+          <p:cNvPr id="4" name="Date Placeholder 3"/>
           <p:cNvSpPr>
             <a:spLocks noGrp="1"/>
           </p:cNvSpPr>
@@ -871,7 +3312,7 @@
           <a:p>
             <a:fld id="{F162833F-9441-4006-A1DD-3908C6F76699}" type="datetimeFigureOut">
               <a:rPr lang="pl-PL" smtClean="0"/>
-              <a:t>10.05.2023</a:t>
+              <a:t>16.05.2023</a:t>
             </a:fld>
             <a:endParaRPr lang="pl-PL"/>
           </a:p>
@@ -879,13 +3320,7 @@
       </p:sp>
       <p:sp>
         <p:nvSpPr>
-          <p:cNvPr id="5" name="Symbol zastępczy stopki 4">
-            <a:extLst>
-              <a:ext uri="{FF2B5EF4-FFF2-40B4-BE49-F238E27FC236}">
-                <a16:creationId xmlns:a16="http://schemas.microsoft.com/office/drawing/2014/main" id="{C01E1CA7-4320-90F5-5FD9-138CD7F8AB1A}"/>
-              </a:ext>
-            </a:extLst>
-          </p:cNvPr>
+          <p:cNvPr id="5" name="Footer Placeholder 4"/>
           <p:cNvSpPr>
             <a:spLocks noGrp="1"/>
           </p:cNvSpPr>
@@ -904,13 +3339,7 @@
       </p:sp>
       <p:sp>
         <p:nvSpPr>
-          <p:cNvPr id="6" name="Symbol zastępczy numeru slajdu 5">
-            <a:extLst>
-              <a:ext uri="{FF2B5EF4-FFF2-40B4-BE49-F238E27FC236}">
-                <a16:creationId xmlns:a16="http://schemas.microsoft.com/office/drawing/2014/main" id="{10979216-2423-6FF2-A816-0B9B796873E5}"/>
-              </a:ext>
-            </a:extLst>
-          </p:cNvPr>
+          <p:cNvPr id="6" name="Slide Number Placeholder 5"/>
           <p:cNvSpPr>
             <a:spLocks noGrp="1"/>
           </p:cNvSpPr>
@@ -934,7 +3363,7 @@
     </p:spTree>
     <p:extLst>
       <p:ext uri="{BB962C8B-B14F-4D97-AF65-F5344CB8AC3E}">
-        <p14:creationId xmlns:p14="http://schemas.microsoft.com/office/powerpoint/2010/main" val="3156047529"/>
+        <p14:creationId xmlns:p14="http://schemas.microsoft.com/office/powerpoint/2010/main" val="3372402573"/>
       </p:ext>
     </p:extLst>
   </p:cSld>
@@ -961,33 +3390,57 @@
           <a:chExt cx="0" cy="0"/>
         </a:xfrm>
       </p:grpSpPr>
-      <p:sp>
-        <p:nvSpPr>
-          <p:cNvPr id="2" name="Tytuł 1">
+      <p:pic>
+        <p:nvPicPr>
+          <p:cNvPr id="7" name="Picture 6" descr="Celestia-R1---OverlayContentHD.png"/>
+          <p:cNvPicPr>
+            <a:picLocks noChangeAspect="1"/>
+          </p:cNvPicPr>
+          <p:nvPr/>
+        </p:nvPicPr>
+        <p:blipFill>
+          <a:blip r:embed="rId2">
             <a:extLst>
-              <a:ext uri="{FF2B5EF4-FFF2-40B4-BE49-F238E27FC236}">
-                <a16:creationId xmlns:a16="http://schemas.microsoft.com/office/drawing/2014/main" id="{A4DF50C0-BF93-489E-4EF0-0EC0D8CAF9A5}"/>
+              <a:ext uri="{28A0092B-C50C-407E-A947-70E740481C1C}">
+                <a14:useLocalDpi xmlns:a14="http://schemas.microsoft.com/office/drawing/2010/main" val="0"/>
               </a:ext>
             </a:extLst>
-          </p:cNvPr>
-          <p:cNvSpPr>
-            <a:spLocks noGrp="1"/>
-          </p:cNvSpPr>
-          <p:nvPr>
-            <p:ph type="title"/>
-          </p:nvPr>
-        </p:nvSpPr>
+          </a:blip>
+          <a:stretch>
+            <a:fillRect/>
+          </a:stretch>
+        </p:blipFill>
         <p:spPr>
           <a:xfrm>
-            <a:off x="831850" y="1709738"/>
-            <a:ext cx="10515600" cy="2852737"/>
+            <a:off x="0" y="0"/>
+            <a:ext cx="12188825" cy="6856214"/>
+          </a:xfrm>
+          <a:prstGeom prst="rect">
+            <a:avLst/>
+          </a:prstGeom>
+        </p:spPr>
+      </p:pic>
+      <p:sp>
+        <p:nvSpPr>
+          <p:cNvPr id="2" name="Title 1"/>
+          <p:cNvSpPr>
+            <a:spLocks noGrp="1"/>
+          </p:cNvSpPr>
+          <p:nvPr>
+            <p:ph type="title"/>
+          </p:nvPr>
+        </p:nvSpPr>
+        <p:spPr>
+          <a:xfrm>
+            <a:off x="685800" y="3308581"/>
+            <a:ext cx="10131427" cy="1468800"/>
           </a:xfrm>
         </p:spPr>
         <p:txBody>
           <a:bodyPr anchor="b"/>
           <a:lstStyle>
-            <a:lvl1pPr>
-              <a:defRPr sz="6000"/>
+            <a:lvl1pPr algn="l">
+              <a:defRPr sz="4000" b="0" cap="all"/>
             </a:lvl1pPr>
           </a:lstStyle>
           <a:p>
@@ -995,18 +3448,13 @@
               <a:rPr lang="pl-PL"/>
               <a:t>Kliknij, aby edytować styl</a:t>
             </a:r>
-          </a:p>
-        </p:txBody>
-      </p:sp>
-      <p:sp>
-        <p:nvSpPr>
-          <p:cNvPr id="3" name="Symbol zastępczy tekstu 2">
-            <a:extLst>
-              <a:ext uri="{FF2B5EF4-FFF2-40B4-BE49-F238E27FC236}">
-                <a16:creationId xmlns:a16="http://schemas.microsoft.com/office/drawing/2014/main" id="{184F7CE8-B314-C807-E964-FC43B0BF9A7A}"/>
-              </a:ext>
-            </a:extLst>
-          </p:cNvPr>
+            <a:endParaRPr lang="en-US" dirty="0"/>
+          </a:p>
+        </p:txBody>
+      </p:sp>
+      <p:sp>
+        <p:nvSpPr>
+          <p:cNvPr id="3" name="Text Placeholder 2"/>
           <p:cNvSpPr>
             <a:spLocks noGrp="1"/>
           </p:cNvSpPr>
@@ -1016,102 +3464,102 @@
         </p:nvSpPr>
         <p:spPr>
           <a:xfrm>
-            <a:off x="831850" y="4589463"/>
-            <a:ext cx="10515600" cy="1500187"/>
+            <a:off x="685799" y="4777381"/>
+            <a:ext cx="10131428" cy="860400"/>
           </a:xfrm>
         </p:spPr>
         <p:txBody>
-          <a:bodyPr/>
+          <a:bodyPr anchor="t">
+            <a:normAutofit/>
+          </a:bodyPr>
           <a:lstStyle>
-            <a:lvl1pPr marL="0" indent="0">
-              <a:buNone/>
-              <a:defRPr sz="2400">
+            <a:lvl1pPr marL="0" indent="0" algn="l">
+              <a:buNone/>
+              <a:defRPr sz="2000" cap="all">
+                <a:solidFill>
+                  <a:schemeClr val="tx1"/>
+                </a:solidFill>
+              </a:defRPr>
+            </a:lvl1pPr>
+            <a:lvl2pPr marL="457200" indent="0">
+              <a:buNone/>
+              <a:defRPr sz="1800">
                 <a:solidFill>
                   <a:schemeClr val="tx1">
                     <a:tint val="75000"/>
                   </a:schemeClr>
                 </a:solidFill>
               </a:defRPr>
-            </a:lvl1pPr>
-            <a:lvl2pPr marL="457200" indent="0">
-              <a:buNone/>
-              <a:defRPr sz="2000">
+            </a:lvl2pPr>
+            <a:lvl3pPr marL="914400" indent="0">
+              <a:buNone/>
+              <a:defRPr sz="1600">
                 <a:solidFill>
                   <a:schemeClr val="tx1">
                     <a:tint val="75000"/>
                   </a:schemeClr>
                 </a:solidFill>
               </a:defRPr>
-            </a:lvl2pPr>
-            <a:lvl3pPr marL="914400" indent="0">
-              <a:buNone/>
-              <a:defRPr sz="1800">
+            </a:lvl3pPr>
+            <a:lvl4pPr marL="1371600" indent="0">
+              <a:buNone/>
+              <a:defRPr sz="1400">
                 <a:solidFill>
                   <a:schemeClr val="tx1">
                     <a:tint val="75000"/>
                   </a:schemeClr>
                 </a:solidFill>
               </a:defRPr>
-            </a:lvl3pPr>
-            <a:lvl4pPr marL="1371600" indent="0">
-              <a:buNone/>
-              <a:defRPr sz="1600">
+            </a:lvl4pPr>
+            <a:lvl5pPr marL="1828800" indent="0">
+              <a:buNone/>
+              <a:defRPr sz="1400">
                 <a:solidFill>
                   <a:schemeClr val="tx1">
                     <a:tint val="75000"/>
                   </a:schemeClr>
                 </a:solidFill>
               </a:defRPr>
-            </a:lvl4pPr>
-            <a:lvl5pPr marL="1828800" indent="0">
-              <a:buNone/>
-              <a:defRPr sz="1600">
+            </a:lvl5pPr>
+            <a:lvl6pPr marL="2286000" indent="0">
+              <a:buNone/>
+              <a:defRPr sz="1400">
                 <a:solidFill>
                   <a:schemeClr val="tx1">
                     <a:tint val="75000"/>
                   </a:schemeClr>
                 </a:solidFill>
               </a:defRPr>
-            </a:lvl5pPr>
-            <a:lvl6pPr marL="2286000" indent="0">
-              <a:buNone/>
-              <a:defRPr sz="1600">
+            </a:lvl6pPr>
+            <a:lvl7pPr marL="2743200" indent="0">
+              <a:buNone/>
+              <a:defRPr sz="1400">
                 <a:solidFill>
                   <a:schemeClr val="tx1">
                     <a:tint val="75000"/>
                   </a:schemeClr>
                 </a:solidFill>
               </a:defRPr>
-            </a:lvl6pPr>
-            <a:lvl7pPr marL="2743200" indent="0">
-              <a:buNone/>
-              <a:defRPr sz="1600">
+            </a:lvl7pPr>
+            <a:lvl8pPr marL="3200400" indent="0">
+              <a:buNone/>
+              <a:defRPr sz="1400">
                 <a:solidFill>
                   <a:schemeClr val="tx1">
                     <a:tint val="75000"/>
                   </a:schemeClr>
                 </a:solidFill>
               </a:defRPr>
-            </a:lvl7pPr>
-            <a:lvl8pPr marL="3200400" indent="0">
-              <a:buNone/>
-              <a:defRPr sz="1600">
+            </a:lvl8pPr>
+            <a:lvl9pPr marL="3657600" indent="0">
+              <a:buNone/>
+              <a:defRPr sz="1400">
                 <a:solidFill>
                   <a:schemeClr val="tx1">
                     <a:tint val="75000"/>
                   </a:schemeClr>
                 </a:solidFill>
               </a:defRPr>
-            </a:lvl8pPr>
-            <a:lvl9pPr marL="3657600" indent="0">
-              <a:buNone/>
-              <a:defRPr sz="1600">
-                <a:solidFill>
-                  <a:schemeClr val="tx1">
-                    <a:tint val="75000"/>
-                  </a:schemeClr>
-                </a:solidFill>
-              </a:defRPr>
             </a:lvl9pPr>
           </a:lstStyle>
           <a:p>
@@ -1125,13 +3573,7 @@
       </p:sp>
       <p:sp>
         <p:nvSpPr>
-          <p:cNvPr id="4" name="Symbol zastępczy daty 3">
-            <a:extLst>
-              <a:ext uri="{FF2B5EF4-FFF2-40B4-BE49-F238E27FC236}">
-                <a16:creationId xmlns:a16="http://schemas.microsoft.com/office/drawing/2014/main" id="{A92B1CA2-81E6-F71E-A44B-2A29BC92D81E}"/>
-              </a:ext>
-            </a:extLst>
-          </p:cNvPr>
+          <p:cNvPr id="4" name="Date Placeholder 3"/>
           <p:cNvSpPr>
             <a:spLocks noGrp="1"/>
           </p:cNvSpPr>
@@ -1146,7 +3588,7 @@
           <a:p>
             <a:fld id="{F162833F-9441-4006-A1DD-3908C6F76699}" type="datetimeFigureOut">
               <a:rPr lang="pl-PL" smtClean="0"/>
-              <a:t>10.05.2023</a:t>
+              <a:t>16.05.2023</a:t>
             </a:fld>
             <a:endParaRPr lang="pl-PL"/>
           </a:p>
@@ -1154,13 +3596,7 @@
       </p:sp>
       <p:sp>
         <p:nvSpPr>
-          <p:cNvPr id="5" name="Symbol zastępczy stopki 4">
-            <a:extLst>
-              <a:ext uri="{FF2B5EF4-FFF2-40B4-BE49-F238E27FC236}">
-                <a16:creationId xmlns:a16="http://schemas.microsoft.com/office/drawing/2014/main" id="{39B6280D-0C29-8FE7-6EE3-47FCF5348F87}"/>
-              </a:ext>
-            </a:extLst>
-          </p:cNvPr>
+          <p:cNvPr id="5" name="Footer Placeholder 4"/>
           <p:cNvSpPr>
             <a:spLocks noGrp="1"/>
           </p:cNvSpPr>
@@ -1179,13 +3615,7 @@
       </p:sp>
       <p:sp>
         <p:nvSpPr>
-          <p:cNvPr id="6" name="Symbol zastępczy numeru slajdu 5">
-            <a:extLst>
-              <a:ext uri="{FF2B5EF4-FFF2-40B4-BE49-F238E27FC236}">
-                <a16:creationId xmlns:a16="http://schemas.microsoft.com/office/drawing/2014/main" id="{EF10B666-AD2A-457C-9432-B4F55DE47130}"/>
-              </a:ext>
-            </a:extLst>
-          </p:cNvPr>
+          <p:cNvPr id="6" name="Slide Number Placeholder 5"/>
           <p:cNvSpPr>
             <a:spLocks noGrp="1"/>
           </p:cNvSpPr>
@@ -1209,7 +3639,7 @@
     </p:spTree>
     <p:extLst>
       <p:ext uri="{BB962C8B-B14F-4D97-AF65-F5344CB8AC3E}">
-        <p14:creationId xmlns:p14="http://schemas.microsoft.com/office/powerpoint/2010/main" val="1515920284"/>
+        <p14:creationId xmlns:p14="http://schemas.microsoft.com/office/powerpoint/2010/main" val="1451632172"/>
       </p:ext>
     </p:extLst>
   </p:cSld>
@@ -1236,15 +3666,39 @@
           <a:chExt cx="0" cy="0"/>
         </a:xfrm>
       </p:grpSpPr>
-      <p:sp>
-        <p:nvSpPr>
-          <p:cNvPr id="2" name="Tytuł 1">
+      <p:pic>
+        <p:nvPicPr>
+          <p:cNvPr id="8" name="Picture 7" descr="Celestia-R1---OverlayContentHD.png"/>
+          <p:cNvPicPr>
+            <a:picLocks noChangeAspect="1"/>
+          </p:cNvPicPr>
+          <p:nvPr/>
+        </p:nvPicPr>
+        <p:blipFill>
+          <a:blip r:embed="rId2">
             <a:extLst>
-              <a:ext uri="{FF2B5EF4-FFF2-40B4-BE49-F238E27FC236}">
-                <a16:creationId xmlns:a16="http://schemas.microsoft.com/office/drawing/2014/main" id="{61B191FE-EAD0-BBF3-383B-62C194317C6B}"/>
+              <a:ext uri="{28A0092B-C50C-407E-A947-70E740481C1C}">
+                <a14:useLocalDpi xmlns:a14="http://schemas.microsoft.com/office/drawing/2010/main" val="0"/>
               </a:ext>
             </a:extLst>
-          </p:cNvPr>
+          </a:blip>
+          <a:stretch>
+            <a:fillRect/>
+          </a:stretch>
+        </p:blipFill>
+        <p:spPr>
+          <a:xfrm>
+            <a:off x="0" y="0"/>
+            <a:ext cx="12188825" cy="6856214"/>
+          </a:xfrm>
+          <a:prstGeom prst="rect">
+            <a:avLst/>
+          </a:prstGeom>
+        </p:spPr>
+      </p:pic>
+      <p:sp>
+        <p:nvSpPr>
+          <p:cNvPr id="2" name="Title 1"/>
           <p:cNvSpPr>
             <a:spLocks noGrp="1"/>
           </p:cNvSpPr>
@@ -1261,18 +3715,13 @@
               <a:rPr lang="pl-PL"/>
               <a:t>Kliknij, aby edytować styl</a:t>
             </a:r>
-          </a:p>
-        </p:txBody>
-      </p:sp>
-      <p:sp>
-        <p:nvSpPr>
-          <p:cNvPr id="3" name="Symbol zastępczy zawartości 2">
-            <a:extLst>
-              <a:ext uri="{FF2B5EF4-FFF2-40B4-BE49-F238E27FC236}">
-                <a16:creationId xmlns:a16="http://schemas.microsoft.com/office/drawing/2014/main" id="{987180C4-74C9-D2BA-8278-E95B648CCD9F}"/>
-              </a:ext>
-            </a:extLst>
-          </p:cNvPr>
+            <a:endParaRPr lang="en-US" dirty="0"/>
+          </a:p>
+        </p:txBody>
+      </p:sp>
+      <p:sp>
+        <p:nvSpPr>
+          <p:cNvPr id="3" name="Content Placeholder 2"/>
           <p:cNvSpPr>
             <a:spLocks noGrp="1"/>
           </p:cNvSpPr>
@@ -1282,12 +3731,14 @@
         </p:nvSpPr>
         <p:spPr>
           <a:xfrm>
-            <a:off x="838200" y="1825625"/>
-            <a:ext cx="5181600" cy="4351338"/>
+            <a:off x="685802" y="2142067"/>
+            <a:ext cx="4995334" cy="3649134"/>
           </a:xfrm>
         </p:spPr>
         <p:txBody>
-          <a:bodyPr/>
+          <a:bodyPr>
+            <a:normAutofit/>
+          </a:bodyPr>
           <a:lstStyle/>
           <a:p>
             <a:pPr lvl="0"/>
@@ -1323,18 +3774,13 @@
               <a:rPr lang="pl-PL"/>
               <a:t>Piąty poziom</a:t>
             </a:r>
-          </a:p>
-        </p:txBody>
-      </p:sp>
-      <p:sp>
-        <p:nvSpPr>
-          <p:cNvPr id="4" name="Symbol zastępczy zawartości 3">
-            <a:extLst>
-              <a:ext uri="{FF2B5EF4-FFF2-40B4-BE49-F238E27FC236}">
-                <a16:creationId xmlns:a16="http://schemas.microsoft.com/office/drawing/2014/main" id="{0F714840-6F8F-CA25-DDC2-8D6F3175F453}"/>
-              </a:ext>
-            </a:extLst>
-          </p:cNvPr>
+            <a:endParaRPr lang="en-US" dirty="0"/>
+          </a:p>
+        </p:txBody>
+      </p:sp>
+      <p:sp>
+        <p:nvSpPr>
+          <p:cNvPr id="4" name="Content Placeholder 3"/>
           <p:cNvSpPr>
             <a:spLocks noGrp="1"/>
           </p:cNvSpPr>
@@ -1344,12 +3790,14 @@
         </p:nvSpPr>
         <p:spPr>
           <a:xfrm>
-            <a:off x="6172200" y="1825625"/>
-            <a:ext cx="5181600" cy="4351338"/>
+            <a:off x="5821895" y="2142067"/>
+            <a:ext cx="4995332" cy="3649133"/>
           </a:xfrm>
         </p:spPr>
         <p:txBody>
-          <a:bodyPr/>
+          <a:bodyPr>
+            <a:normAutofit/>
+          </a:bodyPr>
           <a:lstStyle/>
           <a:p>
             <a:pPr lvl="0"/>
@@ -1385,18 +3833,13 @@
               <a:rPr lang="pl-PL"/>
               <a:t>Piąty poziom</a:t>
             </a:r>
-          </a:p>
-        </p:txBody>
-      </p:sp>
-      <p:sp>
-        <p:nvSpPr>
-          <p:cNvPr id="5" name="Symbol zastępczy daty 4">
-            <a:extLst>
-              <a:ext uri="{FF2B5EF4-FFF2-40B4-BE49-F238E27FC236}">
-                <a16:creationId xmlns:a16="http://schemas.microsoft.com/office/drawing/2014/main" id="{B1FC5791-35B2-BCCC-793A-C19985618555}"/>
-              </a:ext>
-            </a:extLst>
-          </p:cNvPr>
+            <a:endParaRPr lang="en-US" dirty="0"/>
+          </a:p>
+        </p:txBody>
+      </p:sp>
+      <p:sp>
+        <p:nvSpPr>
+          <p:cNvPr id="5" name="Date Placeholder 4"/>
           <p:cNvSpPr>
             <a:spLocks noGrp="1"/>
           </p:cNvSpPr>
@@ -1411,7 +3854,7 @@
           <a:p>
             <a:fld id="{F162833F-9441-4006-A1DD-3908C6F76699}" type="datetimeFigureOut">
               <a:rPr lang="pl-PL" smtClean="0"/>
-              <a:t>10.05.2023</a:t>
+              <a:t>16.05.2023</a:t>
             </a:fld>
             <a:endParaRPr lang="pl-PL"/>
           </a:p>
@@ -1419,13 +3862,7 @@
       </p:sp>
       <p:sp>
         <p:nvSpPr>
-          <p:cNvPr id="6" name="Symbol zastępczy stopki 5">
-            <a:extLst>
-              <a:ext uri="{FF2B5EF4-FFF2-40B4-BE49-F238E27FC236}">
-                <a16:creationId xmlns:a16="http://schemas.microsoft.com/office/drawing/2014/main" id="{CED7B9EC-758F-5AED-C2DC-8F45A9AE1A52}"/>
-              </a:ext>
-            </a:extLst>
-          </p:cNvPr>
+          <p:cNvPr id="6" name="Footer Placeholder 5"/>
           <p:cNvSpPr>
             <a:spLocks noGrp="1"/>
           </p:cNvSpPr>
@@ -1444,13 +3881,7 @@
       </p:sp>
       <p:sp>
         <p:nvSpPr>
-          <p:cNvPr id="7" name="Symbol zastępczy numeru slajdu 6">
-            <a:extLst>
-              <a:ext uri="{FF2B5EF4-FFF2-40B4-BE49-F238E27FC236}">
-                <a16:creationId xmlns:a16="http://schemas.microsoft.com/office/drawing/2014/main" id="{9D626750-91A0-B4E5-CF42-AC16EE3D3BBD}"/>
-              </a:ext>
-            </a:extLst>
-          </p:cNvPr>
+          <p:cNvPr id="7" name="Slide Number Placeholder 6"/>
           <p:cNvSpPr>
             <a:spLocks noGrp="1"/>
           </p:cNvSpPr>
@@ -1474,7 +3905,7 @@
     </p:spTree>
     <p:extLst>
       <p:ext uri="{BB962C8B-B14F-4D97-AF65-F5344CB8AC3E}">
-        <p14:creationId xmlns:p14="http://schemas.microsoft.com/office/powerpoint/2010/main" val="2256186585"/>
+        <p14:creationId xmlns:p14="http://schemas.microsoft.com/office/powerpoint/2010/main" val="3470637317"/>
       </p:ext>
     </p:extLst>
   </p:cSld>
@@ -1503,65 +3934,55 @@
       </p:grpSpPr>
       <p:sp>
         <p:nvSpPr>
-          <p:cNvPr id="2" name="Tytuł 1">
-            <a:extLst>
-              <a:ext uri="{FF2B5EF4-FFF2-40B4-BE49-F238E27FC236}">
-                <a16:creationId xmlns:a16="http://schemas.microsoft.com/office/drawing/2014/main" id="{439ABD84-4D01-212C-5A69-79B11B2D1ABC}"/>
-              </a:ext>
-            </a:extLst>
-          </p:cNvPr>
+          <p:cNvPr id="2" name="Title 1"/>
           <p:cNvSpPr>
             <a:spLocks noGrp="1"/>
           </p:cNvSpPr>
           <p:nvPr>
             <p:ph type="title"/>
+          </p:nvPr>
+        </p:nvSpPr>
+        <p:spPr/>
+        <p:txBody>
+          <a:bodyPr/>
+          <a:lstStyle>
+            <a:lvl1pPr>
+              <a:defRPr/>
+            </a:lvl1pPr>
+          </a:lstStyle>
+          <a:p>
+            <a:r>
+              <a:rPr lang="pl-PL"/>
+              <a:t>Kliknij, aby edytować styl</a:t>
+            </a:r>
+            <a:endParaRPr lang="en-US" dirty="0"/>
+          </a:p>
+        </p:txBody>
+      </p:sp>
+      <p:sp>
+        <p:nvSpPr>
+          <p:cNvPr id="3" name="Text Placeholder 2"/>
+          <p:cNvSpPr>
+            <a:spLocks noGrp="1"/>
+          </p:cNvSpPr>
+          <p:nvPr>
+            <p:ph type="body" idx="1"/>
           </p:nvPr>
         </p:nvSpPr>
         <p:spPr>
           <a:xfrm>
-            <a:off x="839788" y="365125"/>
-            <a:ext cx="10515600" cy="1325563"/>
+            <a:off x="973670" y="2218267"/>
+            <a:ext cx="4709054" cy="576262"/>
           </a:xfrm>
         </p:spPr>
         <p:txBody>
-          <a:bodyPr/>
-          <a:lstStyle/>
-          <a:p>
-            <a:r>
-              <a:rPr lang="pl-PL"/>
-              <a:t>Kliknij, aby edytować styl</a:t>
-            </a:r>
-          </a:p>
-        </p:txBody>
-      </p:sp>
-      <p:sp>
-        <p:nvSpPr>
-          <p:cNvPr id="3" name="Symbol zastępczy tekstu 2">
-            <a:extLst>
-              <a:ext uri="{FF2B5EF4-FFF2-40B4-BE49-F238E27FC236}">
-                <a16:creationId xmlns:a16="http://schemas.microsoft.com/office/drawing/2014/main" id="{E8C5E7E2-7D9A-6D0B-0208-7DAB2CE594C2}"/>
-              </a:ext>
-            </a:extLst>
-          </p:cNvPr>
-          <p:cNvSpPr>
-            <a:spLocks noGrp="1"/>
-          </p:cNvSpPr>
-          <p:nvPr>
-            <p:ph type="body" idx="1"/>
-          </p:nvPr>
-        </p:nvSpPr>
-        <p:spPr>
-          <a:xfrm>
-            <a:off x="839788" y="1681163"/>
-            <a:ext cx="5157787" cy="823912"/>
-          </a:xfrm>
-        </p:spPr>
-        <p:txBody>
-          <a:bodyPr anchor="b"/>
+          <a:bodyPr anchor="b">
+            <a:noAutofit/>
+          </a:bodyPr>
           <a:lstStyle>
             <a:lvl1pPr marL="0" indent="0">
               <a:buNone/>
-              <a:defRPr sz="2400" b="1"/>
+              <a:defRPr sz="2800" b="0"/>
             </a:lvl1pPr>
             <a:lvl2pPr marL="457200" indent="0">
               <a:buNone/>
@@ -1607,13 +4028,7 @@
       </p:sp>
       <p:sp>
         <p:nvSpPr>
-          <p:cNvPr id="4" name="Symbol zastępczy zawartości 3">
-            <a:extLst>
-              <a:ext uri="{FF2B5EF4-FFF2-40B4-BE49-F238E27FC236}">
-                <a16:creationId xmlns:a16="http://schemas.microsoft.com/office/drawing/2014/main" id="{FF5E13A7-7DB0-8D44-C227-F87AC91EF0E5}"/>
-              </a:ext>
-            </a:extLst>
-          </p:cNvPr>
+          <p:cNvPr id="4" name="Content Placeholder 3"/>
           <p:cNvSpPr>
             <a:spLocks noGrp="1"/>
           </p:cNvSpPr>
@@ -1623,12 +4038,14 @@
         </p:nvSpPr>
         <p:spPr>
           <a:xfrm>
-            <a:off x="839788" y="2505075"/>
-            <a:ext cx="5157787" cy="3684588"/>
+            <a:off x="685801" y="2870201"/>
+            <a:ext cx="4996923" cy="2920998"/>
           </a:xfrm>
         </p:spPr>
         <p:txBody>
-          <a:bodyPr/>
+          <a:bodyPr anchor="t">
+            <a:normAutofit/>
+          </a:bodyPr>
           <a:lstStyle/>
           <a:p>
             <a:pPr lvl="0"/>
@@ -1664,18 +4081,13 @@
               <a:rPr lang="pl-PL"/>
               <a:t>Piąty poziom</a:t>
             </a:r>
-          </a:p>
-        </p:txBody>
-      </p:sp>
-      <p:sp>
-        <p:nvSpPr>
-          <p:cNvPr id="5" name="Symbol zastępczy tekstu 4">
-            <a:extLst>
-              <a:ext uri="{FF2B5EF4-FFF2-40B4-BE49-F238E27FC236}">
-                <a16:creationId xmlns:a16="http://schemas.microsoft.com/office/drawing/2014/main" id="{A47D1CAA-4A26-8319-97E3-9A31BA39CD2A}"/>
-              </a:ext>
-            </a:extLst>
-          </p:cNvPr>
+            <a:endParaRPr lang="en-US" dirty="0"/>
+          </a:p>
+        </p:txBody>
+      </p:sp>
+      <p:sp>
+        <p:nvSpPr>
+          <p:cNvPr id="5" name="Text Placeholder 4"/>
           <p:cNvSpPr>
             <a:spLocks noGrp="1"/>
           </p:cNvSpPr>
@@ -1685,16 +4097,18 @@
         </p:nvSpPr>
         <p:spPr>
           <a:xfrm>
-            <a:off x="6172200" y="1681163"/>
-            <a:ext cx="5183188" cy="823912"/>
+            <a:off x="6096003" y="2226734"/>
+            <a:ext cx="4722813" cy="576262"/>
           </a:xfrm>
         </p:spPr>
         <p:txBody>
-          <a:bodyPr anchor="b"/>
+          <a:bodyPr anchor="b">
+            <a:noAutofit/>
+          </a:bodyPr>
           <a:lstStyle>
             <a:lvl1pPr marL="0" indent="0">
               <a:buNone/>
-              <a:defRPr sz="2400" b="1"/>
+              <a:defRPr sz="2800" b="0"/>
             </a:lvl1pPr>
             <a:lvl2pPr marL="457200" indent="0">
               <a:buNone/>
@@ -1740,13 +4154,7 @@
       </p:sp>
       <p:sp>
         <p:nvSpPr>
-          <p:cNvPr id="6" name="Symbol zastępczy zawartości 5">
-            <a:extLst>
-              <a:ext uri="{FF2B5EF4-FFF2-40B4-BE49-F238E27FC236}">
-                <a16:creationId xmlns:a16="http://schemas.microsoft.com/office/drawing/2014/main" id="{FA68C71F-083C-9928-2C13-659EDF987B35}"/>
-              </a:ext>
-            </a:extLst>
-          </p:cNvPr>
+          <p:cNvPr id="6" name="Content Placeholder 5"/>
           <p:cNvSpPr>
             <a:spLocks noGrp="1"/>
           </p:cNvSpPr>
@@ -1756,12 +4164,14 @@
         </p:nvSpPr>
         <p:spPr>
           <a:xfrm>
-            <a:off x="6172200" y="2505075"/>
-            <a:ext cx="5183188" cy="3684588"/>
+            <a:off x="5823483" y="2870201"/>
+            <a:ext cx="4995334" cy="2920998"/>
           </a:xfrm>
         </p:spPr>
         <p:txBody>
-          <a:bodyPr/>
+          <a:bodyPr anchor="t">
+            <a:normAutofit/>
+          </a:bodyPr>
           <a:lstStyle/>
           <a:p>
             <a:pPr lvl="0"/>
@@ -1797,18 +4207,13 @@
               <a:rPr lang="pl-PL"/>
               <a:t>Piąty poziom</a:t>
             </a:r>
-          </a:p>
-        </p:txBody>
-      </p:sp>
-      <p:sp>
-        <p:nvSpPr>
-          <p:cNvPr id="7" name="Symbol zastępczy daty 6">
-            <a:extLst>
-              <a:ext uri="{FF2B5EF4-FFF2-40B4-BE49-F238E27FC236}">
-                <a16:creationId xmlns:a16="http://schemas.microsoft.com/office/drawing/2014/main" id="{74782B8B-D713-9DE4-4D4F-F2129723410B}"/>
-              </a:ext>
-            </a:extLst>
-          </p:cNvPr>
+            <a:endParaRPr lang="en-US" dirty="0"/>
+          </a:p>
+        </p:txBody>
+      </p:sp>
+      <p:sp>
+        <p:nvSpPr>
+          <p:cNvPr id="7" name="Date Placeholder 6"/>
           <p:cNvSpPr>
             <a:spLocks noGrp="1"/>
           </p:cNvSpPr>
@@ -1823,7 +4228,7 @@
           <a:p>
             <a:fld id="{F162833F-9441-4006-A1DD-3908C6F76699}" type="datetimeFigureOut">
               <a:rPr lang="pl-PL" smtClean="0"/>
-              <a:t>10.05.2023</a:t>
+              <a:t>16.05.2023</a:t>
             </a:fld>
             <a:endParaRPr lang="pl-PL"/>
           </a:p>
@@ -1831,13 +4236,7 @@
       </p:sp>
       <p:sp>
         <p:nvSpPr>
-          <p:cNvPr id="8" name="Symbol zastępczy stopki 7">
-            <a:extLst>
-              <a:ext uri="{FF2B5EF4-FFF2-40B4-BE49-F238E27FC236}">
-                <a16:creationId xmlns:a16="http://schemas.microsoft.com/office/drawing/2014/main" id="{AE79D901-B851-6BBA-B49B-181E186819EB}"/>
-              </a:ext>
-            </a:extLst>
-          </p:cNvPr>
+          <p:cNvPr id="8" name="Footer Placeholder 7"/>
           <p:cNvSpPr>
             <a:spLocks noGrp="1"/>
           </p:cNvSpPr>
@@ -1856,13 +4255,7 @@
       </p:sp>
       <p:sp>
         <p:nvSpPr>
-          <p:cNvPr id="9" name="Symbol zastępczy numeru slajdu 8">
-            <a:extLst>
-              <a:ext uri="{FF2B5EF4-FFF2-40B4-BE49-F238E27FC236}">
-                <a16:creationId xmlns:a16="http://schemas.microsoft.com/office/drawing/2014/main" id="{9A5A9EDE-2D06-933D-92F5-E38FAC3049FE}"/>
-              </a:ext>
-            </a:extLst>
-          </p:cNvPr>
+          <p:cNvPr id="9" name="Slide Number Placeholder 8"/>
           <p:cNvSpPr>
             <a:spLocks noGrp="1"/>
           </p:cNvSpPr>
@@ -1886,7 +4279,7 @@
     </p:spTree>
     <p:extLst>
       <p:ext uri="{BB962C8B-B14F-4D97-AF65-F5344CB8AC3E}">
-        <p14:creationId xmlns:p14="http://schemas.microsoft.com/office/powerpoint/2010/main" val="1313757163"/>
+        <p14:creationId xmlns:p14="http://schemas.microsoft.com/office/powerpoint/2010/main" val="2889425251"/>
       </p:ext>
     </p:extLst>
   </p:cSld>
@@ -1913,15 +4306,39 @@
           <a:chExt cx="0" cy="0"/>
         </a:xfrm>
       </p:grpSpPr>
-      <p:sp>
-        <p:nvSpPr>
-          <p:cNvPr id="2" name="Tytuł 1">
+      <p:pic>
+        <p:nvPicPr>
+          <p:cNvPr id="6" name="Picture 5" descr="Celestia-R1---OverlayContentHD.png"/>
+          <p:cNvPicPr>
+            <a:picLocks noChangeAspect="1"/>
+          </p:cNvPicPr>
+          <p:nvPr/>
+        </p:nvPicPr>
+        <p:blipFill>
+          <a:blip r:embed="rId2">
             <a:extLst>
-              <a:ext uri="{FF2B5EF4-FFF2-40B4-BE49-F238E27FC236}">
-                <a16:creationId xmlns:a16="http://schemas.microsoft.com/office/drawing/2014/main" id="{977AF149-42D8-ECC5-A7B8-343FF116F208}"/>
+              <a:ext uri="{28A0092B-C50C-407E-A947-70E740481C1C}">
+                <a14:useLocalDpi xmlns:a14="http://schemas.microsoft.com/office/drawing/2010/main" val="0"/>
               </a:ext>
             </a:extLst>
-          </p:cNvPr>
+          </a:blip>
+          <a:stretch>
+            <a:fillRect/>
+          </a:stretch>
+        </p:blipFill>
+        <p:spPr>
+          <a:xfrm>
+            <a:off x="0" y="0"/>
+            <a:ext cx="12188825" cy="6856214"/>
+          </a:xfrm>
+          <a:prstGeom prst="rect">
+            <a:avLst/>
+          </a:prstGeom>
+        </p:spPr>
+      </p:pic>
+      <p:sp>
+        <p:nvSpPr>
+          <p:cNvPr id="2" name="Title 1"/>
           <p:cNvSpPr>
             <a:spLocks noGrp="1"/>
           </p:cNvSpPr>
@@ -1938,18 +4355,13 @@
               <a:rPr lang="pl-PL"/>
               <a:t>Kliknij, aby edytować styl</a:t>
             </a:r>
-          </a:p>
-        </p:txBody>
-      </p:sp>
-      <p:sp>
-        <p:nvSpPr>
-          <p:cNvPr id="3" name="Symbol zastępczy daty 2">
-            <a:extLst>
-              <a:ext uri="{FF2B5EF4-FFF2-40B4-BE49-F238E27FC236}">
-                <a16:creationId xmlns:a16="http://schemas.microsoft.com/office/drawing/2014/main" id="{E1C021AC-05E0-D4DE-57DA-613A318D2910}"/>
-              </a:ext>
-            </a:extLst>
-          </p:cNvPr>
+            <a:endParaRPr lang="en-US" dirty="0"/>
+          </a:p>
+        </p:txBody>
+      </p:sp>
+      <p:sp>
+        <p:nvSpPr>
+          <p:cNvPr id="3" name="Date Placeholder 2"/>
           <p:cNvSpPr>
             <a:spLocks noGrp="1"/>
           </p:cNvSpPr>
@@ -1964,7 +4376,7 @@
           <a:p>
             <a:fld id="{F162833F-9441-4006-A1DD-3908C6F76699}" type="datetimeFigureOut">
               <a:rPr lang="pl-PL" smtClean="0"/>
-              <a:t>10.05.2023</a:t>
+              <a:t>16.05.2023</a:t>
             </a:fld>
             <a:endParaRPr lang="pl-PL"/>
           </a:p>
@@ -1972,13 +4384,7 @@
       </p:sp>
       <p:sp>
         <p:nvSpPr>
-          <p:cNvPr id="4" name="Symbol zastępczy stopki 3">
-            <a:extLst>
-              <a:ext uri="{FF2B5EF4-FFF2-40B4-BE49-F238E27FC236}">
-                <a16:creationId xmlns:a16="http://schemas.microsoft.com/office/drawing/2014/main" id="{7B88C4CB-F554-8C9F-8793-911DA1F8044D}"/>
-              </a:ext>
-            </a:extLst>
-          </p:cNvPr>
+          <p:cNvPr id="4" name="Footer Placeholder 3"/>
           <p:cNvSpPr>
             <a:spLocks noGrp="1"/>
           </p:cNvSpPr>
@@ -1997,13 +4403,7 @@
       </p:sp>
       <p:sp>
         <p:nvSpPr>
-          <p:cNvPr id="5" name="Symbol zastępczy numeru slajdu 4">
-            <a:extLst>
-              <a:ext uri="{FF2B5EF4-FFF2-40B4-BE49-F238E27FC236}">
-                <a16:creationId xmlns:a16="http://schemas.microsoft.com/office/drawing/2014/main" id="{D6526110-A1C7-2E29-6472-BDD311CD5685}"/>
-              </a:ext>
-            </a:extLst>
-          </p:cNvPr>
+          <p:cNvPr id="5" name="Slide Number Placeholder 4"/>
           <p:cNvSpPr>
             <a:spLocks noGrp="1"/>
           </p:cNvSpPr>
@@ -2027,7 +4427,7 @@
     </p:spTree>
     <p:extLst>
       <p:ext uri="{BB962C8B-B14F-4D97-AF65-F5344CB8AC3E}">
-        <p14:creationId xmlns:p14="http://schemas.microsoft.com/office/powerpoint/2010/main" val="3181524843"/>
+        <p14:creationId xmlns:p14="http://schemas.microsoft.com/office/powerpoint/2010/main" val="3360027147"/>
       </p:ext>
     </p:extLst>
   </p:cSld>
@@ -2054,15 +4454,39 @@
           <a:chExt cx="0" cy="0"/>
         </a:xfrm>
       </p:grpSpPr>
-      <p:sp>
-        <p:nvSpPr>
-          <p:cNvPr id="2" name="Symbol zastępczy daty 1">
+      <p:pic>
+        <p:nvPicPr>
+          <p:cNvPr id="5" name="Picture 4" descr="Celestia-R1---OverlayContentHD.png"/>
+          <p:cNvPicPr>
+            <a:picLocks noChangeAspect="1"/>
+          </p:cNvPicPr>
+          <p:nvPr/>
+        </p:nvPicPr>
+        <p:blipFill>
+          <a:blip r:embed="rId2">
             <a:extLst>
-              <a:ext uri="{FF2B5EF4-FFF2-40B4-BE49-F238E27FC236}">
-                <a16:creationId xmlns:a16="http://schemas.microsoft.com/office/drawing/2014/main" id="{6C0A5516-271C-D291-4132-B812C3214BC8}"/>
+              <a:ext uri="{28A0092B-C50C-407E-A947-70E740481C1C}">
+                <a14:useLocalDpi xmlns:a14="http://schemas.microsoft.com/office/drawing/2010/main" val="0"/>
               </a:ext>
             </a:extLst>
-          </p:cNvPr>
+          </a:blip>
+          <a:stretch>
+            <a:fillRect/>
+          </a:stretch>
+        </p:blipFill>
+        <p:spPr>
+          <a:xfrm>
+            <a:off x="0" y="0"/>
+            <a:ext cx="12188825" cy="6856214"/>
+          </a:xfrm>
+          <a:prstGeom prst="rect">
+            <a:avLst/>
+          </a:prstGeom>
+        </p:spPr>
+      </p:pic>
+      <p:sp>
+        <p:nvSpPr>
+          <p:cNvPr id="2" name="Date Placeholder 1"/>
           <p:cNvSpPr>
             <a:spLocks noGrp="1"/>
           </p:cNvSpPr>
@@ -2077,7 +4501,7 @@
           <a:p>
             <a:fld id="{F162833F-9441-4006-A1DD-3908C6F76699}" type="datetimeFigureOut">
               <a:rPr lang="pl-PL" smtClean="0"/>
-              <a:t>10.05.2023</a:t>
+              <a:t>16.05.2023</a:t>
             </a:fld>
             <a:endParaRPr lang="pl-PL"/>
           </a:p>
@@ -2085,13 +4509,7 @@
       </p:sp>
       <p:sp>
         <p:nvSpPr>
-          <p:cNvPr id="3" name="Symbol zastępczy stopki 2">
-            <a:extLst>
-              <a:ext uri="{FF2B5EF4-FFF2-40B4-BE49-F238E27FC236}">
-                <a16:creationId xmlns:a16="http://schemas.microsoft.com/office/drawing/2014/main" id="{5D55BF7B-D761-FEB9-4B2F-8921513A725C}"/>
-              </a:ext>
-            </a:extLst>
-          </p:cNvPr>
+          <p:cNvPr id="3" name="Footer Placeholder 2"/>
           <p:cNvSpPr>
             <a:spLocks noGrp="1"/>
           </p:cNvSpPr>
@@ -2110,13 +4528,7 @@
       </p:sp>
       <p:sp>
         <p:nvSpPr>
-          <p:cNvPr id="4" name="Symbol zastępczy numeru slajdu 3">
-            <a:extLst>
-              <a:ext uri="{FF2B5EF4-FFF2-40B4-BE49-F238E27FC236}">
-                <a16:creationId xmlns:a16="http://schemas.microsoft.com/office/drawing/2014/main" id="{FF2CFCA0-8EAB-BE67-89B0-A2AFC039F023}"/>
-              </a:ext>
-            </a:extLst>
-          </p:cNvPr>
+          <p:cNvPr id="4" name="Slide Number Placeholder 3"/>
           <p:cNvSpPr>
             <a:spLocks noGrp="1"/>
           </p:cNvSpPr>
@@ -2140,7 +4552,7 @@
     </p:spTree>
     <p:extLst>
       <p:ext uri="{BB962C8B-B14F-4D97-AF65-F5344CB8AC3E}">
-        <p14:creationId xmlns:p14="http://schemas.microsoft.com/office/powerpoint/2010/main" val="911512684"/>
+        <p14:creationId xmlns:p14="http://schemas.microsoft.com/office/powerpoint/2010/main" val="2506945281"/>
       </p:ext>
     </p:extLst>
   </p:cSld>
@@ -2167,33 +4579,59 @@
           <a:chExt cx="0" cy="0"/>
         </a:xfrm>
       </p:grpSpPr>
-      <p:sp>
-        <p:nvSpPr>
-          <p:cNvPr id="2" name="Tytuł 1">
+      <p:pic>
+        <p:nvPicPr>
+          <p:cNvPr id="8" name="Picture 7" descr="Celestia-R1---OverlayContentHD.png"/>
+          <p:cNvPicPr>
+            <a:picLocks noChangeAspect="1"/>
+          </p:cNvPicPr>
+          <p:nvPr/>
+        </p:nvPicPr>
+        <p:blipFill>
+          <a:blip r:embed="rId2">
             <a:extLst>
-              <a:ext uri="{FF2B5EF4-FFF2-40B4-BE49-F238E27FC236}">
-                <a16:creationId xmlns:a16="http://schemas.microsoft.com/office/drawing/2014/main" id="{29AF1D0A-6849-B384-457E-21C0BE40A842}"/>
+              <a:ext uri="{28A0092B-C50C-407E-A947-70E740481C1C}">
+                <a14:useLocalDpi xmlns:a14="http://schemas.microsoft.com/office/drawing/2010/main" val="0"/>
               </a:ext>
             </a:extLst>
-          </p:cNvPr>
-          <p:cNvSpPr>
-            <a:spLocks noGrp="1"/>
-          </p:cNvSpPr>
-          <p:nvPr>
-            <p:ph type="title"/>
-          </p:nvPr>
-        </p:nvSpPr>
+          </a:blip>
+          <a:stretch>
+            <a:fillRect/>
+          </a:stretch>
+        </p:blipFill>
         <p:spPr>
           <a:xfrm>
-            <a:off x="839788" y="457200"/>
-            <a:ext cx="3932237" cy="1600200"/>
+            <a:off x="0" y="0"/>
+            <a:ext cx="12188825" cy="6856214"/>
+          </a:xfrm>
+          <a:prstGeom prst="rect">
+            <a:avLst/>
+          </a:prstGeom>
+        </p:spPr>
+      </p:pic>
+      <p:sp>
+        <p:nvSpPr>
+          <p:cNvPr id="2" name="Title 1"/>
+          <p:cNvSpPr>
+            <a:spLocks noGrp="1"/>
+          </p:cNvSpPr>
+          <p:nvPr>
+            <p:ph type="title"/>
+          </p:nvPr>
+        </p:nvSpPr>
+        <p:spPr>
+          <a:xfrm>
+            <a:off x="685800" y="2074333"/>
+            <a:ext cx="3680885" cy="1371600"/>
           </a:xfrm>
         </p:spPr>
         <p:txBody>
-          <a:bodyPr anchor="b"/>
+          <a:bodyPr anchor="b">
+            <a:normAutofit/>
+          </a:bodyPr>
           <a:lstStyle>
-            <a:lvl1pPr>
-              <a:defRPr sz="3200"/>
+            <a:lvl1pPr algn="l">
+              <a:defRPr sz="2400" b="0"/>
             </a:lvl1pPr>
           </a:lstStyle>
           <a:p>
@@ -2201,18 +4639,13 @@
               <a:rPr lang="pl-PL"/>
               <a:t>Kliknij, aby edytować styl</a:t>
             </a:r>
-          </a:p>
-        </p:txBody>
-      </p:sp>
-      <p:sp>
-        <p:nvSpPr>
-          <p:cNvPr id="3" name="Symbol zastępczy zawartości 2">
-            <a:extLst>
-              <a:ext uri="{FF2B5EF4-FFF2-40B4-BE49-F238E27FC236}">
-                <a16:creationId xmlns:a16="http://schemas.microsoft.com/office/drawing/2014/main" id="{54C8546D-3106-71A2-A39E-B8311804A540}"/>
-              </a:ext>
-            </a:extLst>
-          </p:cNvPr>
+            <a:endParaRPr lang="en-US" dirty="0"/>
+          </a:p>
+        </p:txBody>
+      </p:sp>
+      <p:sp>
+        <p:nvSpPr>
+          <p:cNvPr id="3" name="Content Placeholder 2"/>
           <p:cNvSpPr>
             <a:spLocks noGrp="1"/>
           </p:cNvSpPr>
@@ -2222,41 +4655,15 @@
         </p:nvSpPr>
         <p:spPr>
           <a:xfrm>
-            <a:off x="5183188" y="987425"/>
-            <a:ext cx="6172200" cy="4873625"/>
+            <a:off x="4648201" y="609601"/>
+            <a:ext cx="6169026" cy="5181600"/>
           </a:xfrm>
         </p:spPr>
         <p:txBody>
-          <a:bodyPr/>
-          <a:lstStyle>
-            <a:lvl1pPr>
-              <a:defRPr sz="3200"/>
-            </a:lvl1pPr>
-            <a:lvl2pPr>
-              <a:defRPr sz="2800"/>
-            </a:lvl2pPr>
-            <a:lvl3pPr>
-              <a:defRPr sz="2400"/>
-            </a:lvl3pPr>
-            <a:lvl4pPr>
-              <a:defRPr sz="2000"/>
-            </a:lvl4pPr>
-            <a:lvl5pPr>
-              <a:defRPr sz="2000"/>
-            </a:lvl5pPr>
-            <a:lvl6pPr>
-              <a:defRPr sz="2000"/>
-            </a:lvl6pPr>
-            <a:lvl7pPr>
-              <a:defRPr sz="2000"/>
-            </a:lvl7pPr>
-            <a:lvl8pPr>
-              <a:defRPr sz="2000"/>
-            </a:lvl8pPr>
-            <a:lvl9pPr>
-              <a:defRPr sz="2000"/>
-            </a:lvl9pPr>
-          </a:lstStyle>
+          <a:bodyPr anchor="ctr">
+            <a:normAutofit/>
+          </a:bodyPr>
+          <a:lstStyle/>
           <a:p>
             <a:pPr lvl="0"/>
             <a:r>
@@ -2291,18 +4698,13 @@
               <a:rPr lang="pl-PL"/>
               <a:t>Piąty poziom</a:t>
             </a:r>
-          </a:p>
-        </p:txBody>
-      </p:sp>
-      <p:sp>
-        <p:nvSpPr>
-          <p:cNvPr id="4" name="Symbol zastępczy tekstu 3">
-            <a:extLst>
-              <a:ext uri="{FF2B5EF4-FFF2-40B4-BE49-F238E27FC236}">
-                <a16:creationId xmlns:a16="http://schemas.microsoft.com/office/drawing/2014/main" id="{AF19D3A4-7ED1-0239-A5A6-364F19CD017D}"/>
-              </a:ext>
-            </a:extLst>
-          </p:cNvPr>
+            <a:endParaRPr lang="en-US" dirty="0"/>
+          </a:p>
+        </p:txBody>
+      </p:sp>
+      <p:sp>
+        <p:nvSpPr>
+          <p:cNvPr id="4" name="Text Placeholder 3"/>
           <p:cNvSpPr>
             <a:spLocks noGrp="1"/>
           </p:cNvSpPr>
@@ -2312,12 +4714,14 @@
         </p:nvSpPr>
         <p:spPr>
           <a:xfrm>
-            <a:off x="839788" y="2057400"/>
-            <a:ext cx="3932237" cy="3811588"/>
+            <a:off x="685800" y="3445933"/>
+            <a:ext cx="3680885" cy="1828800"/>
           </a:xfrm>
         </p:spPr>
         <p:txBody>
-          <a:bodyPr/>
+          <a:bodyPr anchor="t">
+            <a:normAutofit/>
+          </a:bodyPr>
           <a:lstStyle>
             <a:lvl1pPr marL="0" indent="0">
               <a:buNone/>
@@ -2325,35 +4729,35 @@
             </a:lvl1pPr>
             <a:lvl2pPr marL="457200" indent="0">
               <a:buNone/>
-              <a:defRPr sz="1400"/>
+              <a:defRPr sz="1200"/>
             </a:lvl2pPr>
             <a:lvl3pPr marL="914400" indent="0">
               <a:buNone/>
-              <a:defRPr sz="1200"/>
+              <a:defRPr sz="1000"/>
             </a:lvl3pPr>
             <a:lvl4pPr marL="1371600" indent="0">
               <a:buNone/>
-              <a:defRPr sz="1000"/>
+              <a:defRPr sz="900"/>
             </a:lvl4pPr>
             <a:lvl5pPr marL="1828800" indent="0">
               <a:buNone/>
-              <a:defRPr sz="1000"/>
+              <a:defRPr sz="900"/>
             </a:lvl5pPr>
             <a:lvl6pPr marL="2286000" indent="0">
               <a:buNone/>
-              <a:defRPr sz="1000"/>
+              <a:defRPr sz="900"/>
             </a:lvl6pPr>
             <a:lvl7pPr marL="2743200" indent="0">
               <a:buNone/>
-              <a:defRPr sz="1000"/>
+              <a:defRPr sz="900"/>
             </a:lvl7pPr>
             <a:lvl8pPr marL="3200400" indent="0">
               <a:buNone/>
-              <a:defRPr sz="1000"/>
+              <a:defRPr sz="900"/>
             </a:lvl8pPr>
             <a:lvl9pPr marL="3657600" indent="0">
               <a:buNone/>
-              <a:defRPr sz="1000"/>
+              <a:defRPr sz="900"/>
             </a:lvl9pPr>
           </a:lstStyle>
           <a:p>
@@ -2367,13 +4771,7 @@
       </p:sp>
       <p:sp>
         <p:nvSpPr>
-          <p:cNvPr id="5" name="Symbol zastępczy daty 4">
-            <a:extLst>
-              <a:ext uri="{FF2B5EF4-FFF2-40B4-BE49-F238E27FC236}">
-                <a16:creationId xmlns:a16="http://schemas.microsoft.com/office/drawing/2014/main" id="{41B4A8E5-83CF-719F-8A51-080A43CD5CD5}"/>
-              </a:ext>
-            </a:extLst>
-          </p:cNvPr>
+          <p:cNvPr id="5" name="Date Placeholder 4"/>
           <p:cNvSpPr>
             <a:spLocks noGrp="1"/>
           </p:cNvSpPr>
@@ -2388,7 +4786,7 @@
           <a:p>
             <a:fld id="{F162833F-9441-4006-A1DD-3908C6F76699}" type="datetimeFigureOut">
               <a:rPr lang="pl-PL" smtClean="0"/>
-              <a:t>10.05.2023</a:t>
+              <a:t>16.05.2023</a:t>
             </a:fld>
             <a:endParaRPr lang="pl-PL"/>
           </a:p>
@@ -2396,13 +4794,7 @@
       </p:sp>
       <p:sp>
         <p:nvSpPr>
-          <p:cNvPr id="6" name="Symbol zastępczy stopki 5">
-            <a:extLst>
-              <a:ext uri="{FF2B5EF4-FFF2-40B4-BE49-F238E27FC236}">
-                <a16:creationId xmlns:a16="http://schemas.microsoft.com/office/drawing/2014/main" id="{17379895-4B3C-7205-EE15-B8EE63917944}"/>
-              </a:ext>
-            </a:extLst>
-          </p:cNvPr>
+          <p:cNvPr id="6" name="Footer Placeholder 5"/>
           <p:cNvSpPr>
             <a:spLocks noGrp="1"/>
           </p:cNvSpPr>
@@ -2421,13 +4813,7 @@
       </p:sp>
       <p:sp>
         <p:nvSpPr>
-          <p:cNvPr id="7" name="Symbol zastępczy numeru slajdu 6">
-            <a:extLst>
-              <a:ext uri="{FF2B5EF4-FFF2-40B4-BE49-F238E27FC236}">
-                <a16:creationId xmlns:a16="http://schemas.microsoft.com/office/drawing/2014/main" id="{3FAEFCC3-7BB0-1B30-95C6-421D51877257}"/>
-              </a:ext>
-            </a:extLst>
-          </p:cNvPr>
+          <p:cNvPr id="7" name="Slide Number Placeholder 6"/>
           <p:cNvSpPr>
             <a:spLocks noGrp="1"/>
           </p:cNvSpPr>
@@ -2451,7 +4837,7 @@
     </p:spTree>
     <p:extLst>
       <p:ext uri="{BB962C8B-B14F-4D97-AF65-F5344CB8AC3E}">
-        <p14:creationId xmlns:p14="http://schemas.microsoft.com/office/powerpoint/2010/main" val="3830987945"/>
+        <p14:creationId xmlns:p14="http://schemas.microsoft.com/office/powerpoint/2010/main" val="3124931325"/>
       </p:ext>
     </p:extLst>
   </p:cSld>
@@ -2478,33 +4864,59 @@
           <a:chExt cx="0" cy="0"/>
         </a:xfrm>
       </p:grpSpPr>
-      <p:sp>
-        <p:nvSpPr>
-          <p:cNvPr id="2" name="Tytuł 1">
+      <p:pic>
+        <p:nvPicPr>
+          <p:cNvPr id="8" name="Picture 7" descr="Celestia-R1---OverlayContentHD.png"/>
+          <p:cNvPicPr>
+            <a:picLocks noChangeAspect="1"/>
+          </p:cNvPicPr>
+          <p:nvPr/>
+        </p:nvPicPr>
+        <p:blipFill>
+          <a:blip r:embed="rId2">
             <a:extLst>
-              <a:ext uri="{FF2B5EF4-FFF2-40B4-BE49-F238E27FC236}">
-                <a16:creationId xmlns:a16="http://schemas.microsoft.com/office/drawing/2014/main" id="{714237F9-6053-B7B6-2CF6-11A77E117453}"/>
+              <a:ext uri="{28A0092B-C50C-407E-A947-70E740481C1C}">
+                <a14:useLocalDpi xmlns:a14="http://schemas.microsoft.com/office/drawing/2010/main" val="0"/>
               </a:ext>
             </a:extLst>
-          </p:cNvPr>
-          <p:cNvSpPr>
-            <a:spLocks noGrp="1"/>
-          </p:cNvSpPr>
-          <p:nvPr>
-            <p:ph type="title"/>
-          </p:nvPr>
-        </p:nvSpPr>
+          </a:blip>
+          <a:stretch>
+            <a:fillRect/>
+          </a:stretch>
+        </p:blipFill>
         <p:spPr>
           <a:xfrm>
-            <a:off x="839788" y="457200"/>
-            <a:ext cx="3932237" cy="1600200"/>
+            <a:off x="0" y="0"/>
+            <a:ext cx="12188825" cy="6856214"/>
+          </a:xfrm>
+          <a:prstGeom prst="rect">
+            <a:avLst/>
+          </a:prstGeom>
+        </p:spPr>
+      </p:pic>
+      <p:sp>
+        <p:nvSpPr>
+          <p:cNvPr id="2" name="Title 1"/>
+          <p:cNvSpPr>
+            <a:spLocks noGrp="1"/>
+          </p:cNvSpPr>
+          <p:nvPr>
+            <p:ph type="title"/>
+          </p:nvPr>
+        </p:nvSpPr>
+        <p:spPr>
+          <a:xfrm>
+            <a:off x="685800" y="1600200"/>
+            <a:ext cx="6164653" cy="1371600"/>
           </a:xfrm>
         </p:spPr>
         <p:txBody>
-          <a:bodyPr anchor="b"/>
+          <a:bodyPr anchor="b">
+            <a:normAutofit/>
+          </a:bodyPr>
           <a:lstStyle>
-            <a:lvl1pPr>
-              <a:defRPr sz="3200"/>
+            <a:lvl1pPr algn="l">
+              <a:defRPr sz="2800" b="0"/>
             </a:lvl1pPr>
           </a:lstStyle>
           <a:p>
@@ -2512,20 +4924,15 @@
               <a:rPr lang="pl-PL"/>
               <a:t>Kliknij, aby edytować styl</a:t>
             </a:r>
-          </a:p>
-        </p:txBody>
-      </p:sp>
-      <p:sp>
-        <p:nvSpPr>
-          <p:cNvPr id="3" name="Symbol zastępczy obrazu 2">
-            <a:extLst>
-              <a:ext uri="{FF2B5EF4-FFF2-40B4-BE49-F238E27FC236}">
-                <a16:creationId xmlns:a16="http://schemas.microsoft.com/office/drawing/2014/main" id="{AA017BAD-EAF6-0DB1-7C17-5B3D65C7DEC3}"/>
-              </a:ext>
-            </a:extLst>
-          </p:cNvPr>
-          <p:cNvSpPr>
-            <a:spLocks noGrp="1"/>
+            <a:endParaRPr lang="en-US" dirty="0"/>
+          </a:p>
+        </p:txBody>
+      </p:sp>
+      <p:sp>
+        <p:nvSpPr>
+          <p:cNvPr id="14" name="Picture Placeholder 2"/>
+          <p:cNvSpPr>
+            <a:spLocks noGrp="1" noChangeAspect="1"/>
           </p:cNvSpPr>
           <p:nvPr>
             <p:ph type="pic" idx="1"/>
@@ -2533,118 +4940,151 @@
         </p:nvSpPr>
         <p:spPr>
           <a:xfrm>
-            <a:off x="5183188" y="987425"/>
-            <a:ext cx="6172200" cy="4873625"/>
+            <a:off x="7536253" y="914400"/>
+            <a:ext cx="3280974" cy="4572000"/>
           </a:xfrm>
+          <a:prstGeom prst="roundRect">
+            <a:avLst>
+              <a:gd name="adj" fmla="val 4280"/>
+            </a:avLst>
+          </a:prstGeom>
+          <a:ln w="50800" cap="sq" cmpd="dbl">
+            <a:gradFill flip="none" rotWithShape="1">
+              <a:gsLst>
+                <a:gs pos="0">
+                  <a:srgbClr val="FFFFFF"/>
+                </a:gs>
+                <a:gs pos="100000">
+                  <a:schemeClr val="tx1">
+                    <a:alpha val="0"/>
+                  </a:schemeClr>
+                </a:gs>
+              </a:gsLst>
+              <a:path path="circle">
+                <a:fillToRect l="50000" t="50000" r="50000" b="50000"/>
+              </a:path>
+              <a:tileRect/>
+            </a:gradFill>
+            <a:miter lim="800000"/>
+          </a:ln>
+          <a:effectLst>
+            <a:outerShdw blurRad="254000" algn="tl" rotWithShape="0">
+              <a:srgbClr val="000000">
+                <a:alpha val="43000"/>
+              </a:srgbClr>
+            </a:outerShdw>
+          </a:effectLst>
         </p:spPr>
         <p:txBody>
-          <a:bodyPr/>
+          <a:bodyPr anchor="t">
+            <a:normAutofit/>
+          </a:bodyPr>
           <a:lstStyle>
-            <a:lvl1pPr marL="0" indent="0">
-              <a:buNone/>
-              <a:defRPr sz="3200"/>
-            </a:lvl1pPr>
-            <a:lvl2pPr marL="457200" indent="0">
-              <a:buNone/>
-              <a:defRPr sz="2800"/>
-            </a:lvl2pPr>
-            <a:lvl3pPr marL="914400" indent="0">
-              <a:buNone/>
-              <a:defRPr sz="2400"/>
-            </a:lvl3pPr>
-            <a:lvl4pPr marL="1371600" indent="0">
-              <a:buNone/>
-              <a:defRPr sz="2000"/>
-            </a:lvl4pPr>
-            <a:lvl5pPr marL="1828800" indent="0">
-              <a:buNone/>
-              <a:defRPr sz="2000"/>
-            </a:lvl5pPr>
-            <a:lvl6pPr marL="2286000" indent="0">
-              <a:buNone/>
-              <a:defRPr sz="2000"/>
-            </a:lvl6pPr>
-            <a:lvl7pPr marL="2743200" indent="0">
-              <a:buNone/>
-              <a:defRPr sz="2000"/>
-            </a:lvl7pPr>
-            <a:lvl8pPr marL="3200400" indent="0">
-              <a:buNone/>
-              <a:defRPr sz="2000"/>
-            </a:lvl8pPr>
-            <a:lvl9pPr marL="3657600" indent="0">
-              <a:buNone/>
-              <a:defRPr sz="2000"/>
-            </a:lvl9pPr>
-          </a:lstStyle>
-          <a:p>
-            <a:endParaRPr lang="pl-PL"/>
-          </a:p>
-        </p:txBody>
-      </p:sp>
-      <p:sp>
-        <p:nvSpPr>
-          <p:cNvPr id="4" name="Symbol zastępczy tekstu 3">
-            <a:extLst>
-              <a:ext uri="{FF2B5EF4-FFF2-40B4-BE49-F238E27FC236}">
-                <a16:creationId xmlns:a16="http://schemas.microsoft.com/office/drawing/2014/main" id="{70FCD50C-21FC-0A9C-2531-BF504DA64FF7}"/>
-              </a:ext>
-            </a:extLst>
-          </p:cNvPr>
-          <p:cNvSpPr>
-            <a:spLocks noGrp="1"/>
-          </p:cNvSpPr>
-          <p:nvPr>
-            <p:ph type="body" sz="half" idx="2"/>
-          </p:nvPr>
-        </p:nvSpPr>
-        <p:spPr>
-          <a:xfrm>
-            <a:off x="839788" y="2057400"/>
-            <a:ext cx="3932237" cy="3811588"/>
-          </a:xfrm>
-        </p:spPr>
-        <p:txBody>
-          <a:bodyPr/>
-          <a:lstStyle>
-            <a:lvl1pPr marL="0" indent="0">
+            <a:lvl1pPr marL="0" indent="0" algn="ctr">
               <a:buNone/>
               <a:defRPr sz="1600"/>
             </a:lvl1pPr>
             <a:lvl2pPr marL="457200" indent="0">
               <a:buNone/>
-              <a:defRPr sz="1400"/>
+              <a:defRPr sz="1600"/>
             </a:lvl2pPr>
             <a:lvl3pPr marL="914400" indent="0">
               <a:buNone/>
-              <a:defRPr sz="1200"/>
+              <a:defRPr sz="1600"/>
             </a:lvl3pPr>
             <a:lvl4pPr marL="1371600" indent="0">
               <a:buNone/>
-              <a:defRPr sz="1000"/>
+              <a:defRPr sz="1600"/>
             </a:lvl4pPr>
             <a:lvl5pPr marL="1828800" indent="0">
               <a:buNone/>
-              <a:defRPr sz="1000"/>
+              <a:defRPr sz="1600"/>
             </a:lvl5pPr>
             <a:lvl6pPr marL="2286000" indent="0">
               <a:buNone/>
-              <a:defRPr sz="1000"/>
+              <a:defRPr sz="1600"/>
             </a:lvl6pPr>
             <a:lvl7pPr marL="2743200" indent="0">
               <a:buNone/>
-              <a:defRPr sz="1000"/>
+              <a:defRPr sz="1600"/>
             </a:lvl7pPr>
             <a:lvl8pPr marL="3200400" indent="0">
               <a:buNone/>
-              <a:defRPr sz="1000"/>
+              <a:defRPr sz="1600"/>
             </a:lvl8pPr>
             <a:lvl9pPr marL="3657600" indent="0">
               <a:buNone/>
-              <a:defRPr sz="1000"/>
+              <a:defRPr sz="1600"/>
             </a:lvl9pPr>
           </a:lstStyle>
           <a:p>
+            <a:r>
+              <a:rPr lang="pl-PL"/>
+              <a:t>Kliknij ikonę, aby dodać obraz</a:t>
+            </a:r>
+            <a:endParaRPr lang="en-US" dirty="0"/>
+          </a:p>
+        </p:txBody>
+      </p:sp>
+      <p:sp>
+        <p:nvSpPr>
+          <p:cNvPr id="4" name="Text Placeholder 3"/>
+          <p:cNvSpPr>
+            <a:spLocks noGrp="1"/>
+          </p:cNvSpPr>
+          <p:nvPr>
+            <p:ph type="body" sz="half" idx="2"/>
+          </p:nvPr>
+        </p:nvSpPr>
+        <p:spPr>
+          <a:xfrm>
+            <a:off x="685800" y="2971800"/>
+            <a:ext cx="6164653" cy="1828800"/>
+          </a:xfrm>
+        </p:spPr>
+        <p:txBody>
+          <a:bodyPr anchor="t">
+            <a:normAutofit/>
+          </a:bodyPr>
+          <a:lstStyle>
+            <a:lvl1pPr marL="0" indent="0">
+              <a:buNone/>
+              <a:defRPr sz="1800"/>
+            </a:lvl1pPr>
+            <a:lvl2pPr marL="457200" indent="0">
+              <a:buNone/>
+              <a:defRPr sz="1200"/>
+            </a:lvl2pPr>
+            <a:lvl3pPr marL="914400" indent="0">
+              <a:buNone/>
+              <a:defRPr sz="1000"/>
+            </a:lvl3pPr>
+            <a:lvl4pPr marL="1371600" indent="0">
+              <a:buNone/>
+              <a:defRPr sz="900"/>
+            </a:lvl4pPr>
+            <a:lvl5pPr marL="1828800" indent="0">
+              <a:buNone/>
+              <a:defRPr sz="900"/>
+            </a:lvl5pPr>
+            <a:lvl6pPr marL="2286000" indent="0">
+              <a:buNone/>
+              <a:defRPr sz="900"/>
+            </a:lvl6pPr>
+            <a:lvl7pPr marL="2743200" indent="0">
+              <a:buNone/>
+              <a:defRPr sz="900"/>
+            </a:lvl7pPr>
+            <a:lvl8pPr marL="3200400" indent="0">
+              <a:buNone/>
+              <a:defRPr sz="900"/>
+            </a:lvl8pPr>
+            <a:lvl9pPr marL="3657600" indent="0">
+              <a:buNone/>
+              <a:defRPr sz="900"/>
+            </a:lvl9pPr>
+          </a:lstStyle>
+          <a:p>
             <a:pPr lvl="0"/>
             <a:r>
               <a:rPr lang="pl-PL"/>
@@ -2655,13 +5095,7 @@
       </p:sp>
       <p:sp>
         <p:nvSpPr>
-          <p:cNvPr id="5" name="Symbol zastępczy daty 4">
-            <a:extLst>
-              <a:ext uri="{FF2B5EF4-FFF2-40B4-BE49-F238E27FC236}">
-                <a16:creationId xmlns:a16="http://schemas.microsoft.com/office/drawing/2014/main" id="{F6B20D24-E060-B837-0F82-C089FCEBBE6C}"/>
-              </a:ext>
-            </a:extLst>
-          </p:cNvPr>
+          <p:cNvPr id="5" name="Date Placeholder 4"/>
           <p:cNvSpPr>
             <a:spLocks noGrp="1"/>
           </p:cNvSpPr>
@@ -2676,7 +5110,7 @@
           <a:p>
             <a:fld id="{F162833F-9441-4006-A1DD-3908C6F76699}" type="datetimeFigureOut">
               <a:rPr lang="pl-PL" smtClean="0"/>
-              <a:t>10.05.2023</a:t>
+              <a:t>16.05.2023</a:t>
             </a:fld>
             <a:endParaRPr lang="pl-PL"/>
           </a:p>
@@ -2684,13 +5118,7 @@
       </p:sp>
       <p:sp>
         <p:nvSpPr>
-          <p:cNvPr id="6" name="Symbol zastępczy stopki 5">
-            <a:extLst>
-              <a:ext uri="{FF2B5EF4-FFF2-40B4-BE49-F238E27FC236}">
-                <a16:creationId xmlns:a16="http://schemas.microsoft.com/office/drawing/2014/main" id="{8D3BC76E-7385-6C08-1BAA-7D73E0EF3DC3}"/>
-              </a:ext>
-            </a:extLst>
-          </p:cNvPr>
+          <p:cNvPr id="6" name="Footer Placeholder 5"/>
           <p:cNvSpPr>
             <a:spLocks noGrp="1"/>
           </p:cNvSpPr>
@@ -2709,13 +5137,7 @@
       </p:sp>
       <p:sp>
         <p:nvSpPr>
-          <p:cNvPr id="7" name="Symbol zastępczy numeru slajdu 6">
-            <a:extLst>
-              <a:ext uri="{FF2B5EF4-FFF2-40B4-BE49-F238E27FC236}">
-                <a16:creationId xmlns:a16="http://schemas.microsoft.com/office/drawing/2014/main" id="{5E0D8253-BE71-CC53-9238-8A720AC5D2FB}"/>
-              </a:ext>
-            </a:extLst>
-          </p:cNvPr>
+          <p:cNvPr id="7" name="Slide Number Placeholder 6"/>
           <p:cNvSpPr>
             <a:spLocks noGrp="1"/>
           </p:cNvSpPr>
@@ -2739,7 +5161,7 @@
     </p:spTree>
     <p:extLst>
       <p:ext uri="{BB962C8B-B14F-4D97-AF65-F5344CB8AC3E}">
-        <p14:creationId xmlns:p14="http://schemas.microsoft.com/office/powerpoint/2010/main" val="2615003407"/>
+        <p14:creationId xmlns:p14="http://schemas.microsoft.com/office/powerpoint/2010/main" val="1126828166"/>
       </p:ext>
     </p:extLst>
   </p:cSld>
@@ -2753,8 +5175,8 @@
 <p:sldMaster xmlns:a="http://schemas.openxmlformats.org/drawingml/2006/main" xmlns:r="http://schemas.openxmlformats.org/officeDocument/2006/relationships" xmlns:p="http://schemas.openxmlformats.org/presentationml/2006/main">
   <p:cSld>
     <p:bg>
-      <p:bgRef idx="1001">
-        <a:schemeClr val="bg1"/>
+      <p:bgRef idx="1003">
+        <a:schemeClr val="bg2"/>
       </p:bgRef>
     </p:bg>
     <p:spTree>
@@ -2773,13 +5195,7 @@
       </p:grpSpPr>
       <p:sp>
         <p:nvSpPr>
-          <p:cNvPr id="2" name="Symbol zastępczy tytułu 1">
-            <a:extLst>
-              <a:ext uri="{FF2B5EF4-FFF2-40B4-BE49-F238E27FC236}">
-                <a16:creationId xmlns:a16="http://schemas.microsoft.com/office/drawing/2014/main" id="{7314E6FC-A07A-A20A-1C79-F71D76E7F500}"/>
-              </a:ext>
-            </a:extLst>
-          </p:cNvPr>
+          <p:cNvPr id="2" name="Title Placeholder 1"/>
           <p:cNvSpPr>
             <a:spLocks noGrp="1"/>
           </p:cNvSpPr>
@@ -2789,8 +5205,42 @@
         </p:nvSpPr>
         <p:spPr>
           <a:xfrm>
-            <a:off x="838200" y="365125"/>
-            <a:ext cx="10515600" cy="1325563"/>
+            <a:off x="685801" y="609600"/>
+            <a:ext cx="10131425" cy="1456267"/>
+          </a:xfrm>
+          <a:prstGeom prst="rect">
+            <a:avLst/>
+          </a:prstGeom>
+          <a:effectLst/>
+        </p:spPr>
+        <p:txBody>
+          <a:bodyPr vert="horz" lIns="91440" tIns="45720" rIns="91440" bIns="45720" rtlCol="0" anchor="ctr">
+            <a:normAutofit/>
+          </a:bodyPr>
+          <a:lstStyle/>
+          <a:p>
+            <a:r>
+              <a:rPr lang="pl-PL"/>
+              <a:t>Kliknij, aby edytować styl</a:t>
+            </a:r>
+            <a:endParaRPr lang="en-US" dirty="0"/>
+          </a:p>
+        </p:txBody>
+      </p:sp>
+      <p:sp>
+        <p:nvSpPr>
+          <p:cNvPr id="3" name="Text Placeholder 2"/>
+          <p:cNvSpPr>
+            <a:spLocks noGrp="1"/>
+          </p:cNvSpPr>
+          <p:nvPr>
+            <p:ph type="body" idx="1"/>
+          </p:nvPr>
+        </p:nvSpPr>
+        <p:spPr>
+          <a:xfrm>
+            <a:off x="685801" y="2142067"/>
+            <a:ext cx="10131425" cy="3649133"/>
           </a:xfrm>
           <a:prstGeom prst="rect">
             <a:avLst/>
@@ -2802,100 +5252,98 @@
           </a:bodyPr>
           <a:lstStyle/>
           <a:p>
+            <a:pPr lvl="0"/>
             <a:r>
               <a:rPr lang="pl-PL"/>
-              <a:t>Kliknij, aby edytować styl</a:t>
-            </a:r>
-          </a:p>
-        </p:txBody>
-      </p:sp>
-      <p:sp>
-        <p:nvSpPr>
-          <p:cNvPr id="3" name="Symbol zastępczy tekstu 2">
-            <a:extLst>
-              <a:ext uri="{FF2B5EF4-FFF2-40B4-BE49-F238E27FC236}">
-                <a16:creationId xmlns:a16="http://schemas.microsoft.com/office/drawing/2014/main" id="{A3DD18E9-482C-A51E-11F3-37E285034E82}"/>
-              </a:ext>
-            </a:extLst>
-          </p:cNvPr>
-          <p:cNvSpPr>
-            <a:spLocks noGrp="1"/>
-          </p:cNvSpPr>
-          <p:nvPr>
-            <p:ph type="body" idx="1"/>
+              <a:t>Kliknij, aby edytować style wzorca tekstu</a:t>
+            </a:r>
+          </a:p>
+          <a:p>
+            <a:pPr lvl="1"/>
+            <a:r>
+              <a:rPr lang="pl-PL"/>
+              <a:t>Drugi poziom</a:t>
+            </a:r>
+          </a:p>
+          <a:p>
+            <a:pPr lvl="2"/>
+            <a:r>
+              <a:rPr lang="pl-PL"/>
+              <a:t>Trzeci poziom</a:t>
+            </a:r>
+          </a:p>
+          <a:p>
+            <a:pPr lvl="3"/>
+            <a:r>
+              <a:rPr lang="pl-PL"/>
+              <a:t>Czwarty poziom</a:t>
+            </a:r>
+          </a:p>
+          <a:p>
+            <a:pPr lvl="4"/>
+            <a:r>
+              <a:rPr lang="pl-PL"/>
+              <a:t>Piąty poziom</a:t>
+            </a:r>
+            <a:endParaRPr lang="en-US" dirty="0"/>
+          </a:p>
+        </p:txBody>
+      </p:sp>
+      <p:sp>
+        <p:nvSpPr>
+          <p:cNvPr id="4" name="Date Placeholder 3"/>
+          <p:cNvSpPr>
+            <a:spLocks noGrp="1"/>
+          </p:cNvSpPr>
+          <p:nvPr>
+            <p:ph type="dt" sz="half" idx="2"/>
           </p:nvPr>
         </p:nvSpPr>
         <p:spPr>
           <a:xfrm>
-            <a:off x="838200" y="1825625"/>
-            <a:ext cx="10515600" cy="4351338"/>
+            <a:off x="8589660" y="5870575"/>
+            <a:ext cx="1600200" cy="377825"/>
           </a:xfrm>
           <a:prstGeom prst="rect">
             <a:avLst/>
           </a:prstGeom>
         </p:spPr>
         <p:txBody>
-          <a:bodyPr vert="horz" lIns="91440" tIns="45720" rIns="91440" bIns="45720" rtlCol="0">
-            <a:normAutofit/>
-          </a:bodyPr>
-          <a:lstStyle/>
-          <a:p>
-            <a:pPr lvl="0"/>
-            <a:r>
-              <a:rPr lang="pl-PL"/>
-              <a:t>Kliknij, aby edytować style wzorca tekstu</a:t>
-            </a:r>
-          </a:p>
-          <a:p>
-            <a:pPr lvl="1"/>
-            <a:r>
-              <a:rPr lang="pl-PL"/>
-              <a:t>Drugi poziom</a:t>
-            </a:r>
-          </a:p>
-          <a:p>
-            <a:pPr lvl="2"/>
-            <a:r>
-              <a:rPr lang="pl-PL"/>
-              <a:t>Trzeci poziom</a:t>
-            </a:r>
-          </a:p>
-          <a:p>
-            <a:pPr lvl="3"/>
-            <a:r>
-              <a:rPr lang="pl-PL"/>
-              <a:t>Czwarty poziom</a:t>
-            </a:r>
-          </a:p>
-          <a:p>
-            <a:pPr lvl="4"/>
-            <a:r>
-              <a:rPr lang="pl-PL"/>
-              <a:t>Piąty poziom</a:t>
-            </a:r>
-          </a:p>
-        </p:txBody>
-      </p:sp>
-      <p:sp>
-        <p:nvSpPr>
-          <p:cNvPr id="4" name="Symbol zastępczy daty 3">
-            <a:extLst>
-              <a:ext uri="{FF2B5EF4-FFF2-40B4-BE49-F238E27FC236}">
-                <a16:creationId xmlns:a16="http://schemas.microsoft.com/office/drawing/2014/main" id="{75DEF8C6-45A6-99A5-8187-18FC9F567189}"/>
-              </a:ext>
-            </a:extLst>
-          </p:cNvPr>
-          <p:cNvSpPr>
-            <a:spLocks noGrp="1"/>
-          </p:cNvSpPr>
-          <p:nvPr>
-            <p:ph type="dt" sz="half" idx="2"/>
+          <a:bodyPr vert="horz" lIns="91440" tIns="45720" rIns="91440" bIns="45720" rtlCol="0" anchor="ctr"/>
+          <a:lstStyle>
+            <a:lvl1pPr algn="r">
+              <a:defRPr sz="1000" b="0" i="0">
+                <a:solidFill>
+                  <a:schemeClr val="tx1"/>
+                </a:solidFill>
+                <a:effectLst/>
+                <a:latin typeface="+mn-lt"/>
+              </a:defRPr>
+            </a:lvl1pPr>
+          </a:lstStyle>
+          <a:p>
+            <a:fld id="{F162833F-9441-4006-A1DD-3908C6F76699}" type="datetimeFigureOut">
+              <a:rPr lang="pl-PL" smtClean="0"/>
+              <a:t>16.05.2023</a:t>
+            </a:fld>
+            <a:endParaRPr lang="pl-PL"/>
+          </a:p>
+        </p:txBody>
+      </p:sp>
+      <p:sp>
+        <p:nvSpPr>
+          <p:cNvPr id="5" name="Footer Placeholder 4"/>
+          <p:cNvSpPr>
+            <a:spLocks noGrp="1"/>
+          </p:cNvSpPr>
+          <p:nvPr>
+            <p:ph type="ftr" sz="quarter" idx="3"/>
           </p:nvPr>
         </p:nvSpPr>
         <p:spPr>
           <a:xfrm>
-            <a:off x="838200" y="6356350"/>
-            <a:ext cx="2743200" cy="365125"/>
+            <a:off x="685800" y="5870575"/>
+            <a:ext cx="7827659" cy="377825"/>
           </a:xfrm>
           <a:prstGeom prst="rect">
             <a:avLst/>
@@ -2905,44 +5353,34 @@
           <a:bodyPr vert="horz" lIns="91440" tIns="45720" rIns="91440" bIns="45720" rtlCol="0" anchor="ctr"/>
           <a:lstStyle>
             <a:lvl1pPr algn="l">
-              <a:defRPr sz="1200">
-                <a:solidFill>
-                  <a:schemeClr val="tx1">
-                    <a:tint val="75000"/>
-                  </a:schemeClr>
-                </a:solidFill>
+              <a:defRPr sz="1000" b="0" i="0">
+                <a:solidFill>
+                  <a:schemeClr val="tx1"/>
+                </a:solidFill>
+                <a:effectLst/>
+                <a:latin typeface="+mn-lt"/>
               </a:defRPr>
             </a:lvl1pPr>
           </a:lstStyle>
           <a:p>
-            <a:fld id="{F162833F-9441-4006-A1DD-3908C6F76699}" type="datetimeFigureOut">
-              <a:rPr lang="pl-PL" smtClean="0"/>
-              <a:t>10.05.2023</a:t>
-            </a:fld>
             <a:endParaRPr lang="pl-PL"/>
           </a:p>
         </p:txBody>
       </p:sp>
       <p:sp>
         <p:nvSpPr>
-          <p:cNvPr id="5" name="Symbol zastępczy stopki 4">
-            <a:extLst>
-              <a:ext uri="{FF2B5EF4-FFF2-40B4-BE49-F238E27FC236}">
-                <a16:creationId xmlns:a16="http://schemas.microsoft.com/office/drawing/2014/main" id="{AF2F14D2-0C98-744F-F247-E7A5C2102349}"/>
-              </a:ext>
-            </a:extLst>
-          </p:cNvPr>
-          <p:cNvSpPr>
-            <a:spLocks noGrp="1"/>
-          </p:cNvSpPr>
-          <p:nvPr>
-            <p:ph type="ftr" sz="quarter" idx="3"/>
+          <p:cNvPr id="6" name="Slide Number Placeholder 5"/>
+          <p:cNvSpPr>
+            <a:spLocks noGrp="1"/>
+          </p:cNvSpPr>
+          <p:nvPr>
+            <p:ph type="sldNum" sz="quarter" idx="4"/>
           </p:nvPr>
         </p:nvSpPr>
         <p:spPr>
           <a:xfrm>
-            <a:off x="4038600" y="6356350"/>
-            <a:ext cx="4114800" cy="365125"/>
+            <a:off x="10266060" y="5870575"/>
+            <a:ext cx="551167" cy="377825"/>
           </a:xfrm>
           <a:prstGeom prst="rect">
             <a:avLst/>
@@ -2951,56 +5389,13 @@
         <p:txBody>
           <a:bodyPr vert="horz" lIns="91440" tIns="45720" rIns="91440" bIns="45720" rtlCol="0" anchor="ctr"/>
           <a:lstStyle>
-            <a:lvl1pPr algn="ctr">
-              <a:defRPr sz="1200">
-                <a:solidFill>
-                  <a:schemeClr val="tx1">
-                    <a:tint val="75000"/>
-                  </a:schemeClr>
-                </a:solidFill>
-              </a:defRPr>
-            </a:lvl1pPr>
-          </a:lstStyle>
-          <a:p>
-            <a:endParaRPr lang="pl-PL"/>
-          </a:p>
-        </p:txBody>
-      </p:sp>
-      <p:sp>
-        <p:nvSpPr>
-          <p:cNvPr id="6" name="Symbol zastępczy numeru slajdu 5">
-            <a:extLst>
-              <a:ext uri="{FF2B5EF4-FFF2-40B4-BE49-F238E27FC236}">
-                <a16:creationId xmlns:a16="http://schemas.microsoft.com/office/drawing/2014/main" id="{95DD4350-C6AB-F165-AF3B-EFF723891A71}"/>
-              </a:ext>
-            </a:extLst>
-          </p:cNvPr>
-          <p:cNvSpPr>
-            <a:spLocks noGrp="1"/>
-          </p:cNvSpPr>
-          <p:nvPr>
-            <p:ph type="sldNum" sz="quarter" idx="4"/>
-          </p:nvPr>
-        </p:nvSpPr>
-        <p:spPr>
-          <a:xfrm>
-            <a:off x="8610600" y="6356350"/>
-            <a:ext cx="2743200" cy="365125"/>
-          </a:xfrm>
-          <a:prstGeom prst="rect">
-            <a:avLst/>
-          </a:prstGeom>
-        </p:spPr>
-        <p:txBody>
-          <a:bodyPr vert="horz" lIns="91440" tIns="45720" rIns="91440" bIns="45720" rtlCol="0" anchor="ctr"/>
-          <a:lstStyle>
             <a:lvl1pPr algn="r">
-              <a:defRPr sz="1200">
-                <a:solidFill>
-                  <a:schemeClr val="tx1">
-                    <a:tint val="75000"/>
-                  </a:schemeClr>
-                </a:solidFill>
+              <a:defRPr sz="1000" b="0" i="0">
+                <a:solidFill>
+                  <a:schemeClr val="tx1"/>
+                </a:solidFill>
+                <a:effectLst/>
+                <a:latin typeface="+mn-lt"/>
               </a:defRPr>
             </a:lvl1pPr>
           </a:lstStyle>
@@ -3016,55 +5411,322 @@
     </p:spTree>
     <p:extLst>
       <p:ext uri="{BB962C8B-B14F-4D97-AF65-F5344CB8AC3E}">
-        <p14:creationId xmlns:p14="http://schemas.microsoft.com/office/powerpoint/2010/main" val="1802464005"/>
+        <p14:creationId xmlns:p14="http://schemas.microsoft.com/office/powerpoint/2010/main" val="942159956"/>
       </p:ext>
     </p:extLst>
   </p:cSld>
-  <p:clrMap bg1="lt1" tx1="dk1" bg2="lt2" tx2="dk2" accent1="accent1" accent2="accent2" accent3="accent3" accent4="accent4" accent5="accent5" accent6="accent6" hlink="hlink" folHlink="folHlink"/>
+  <p:clrMap bg1="dk1" tx1="lt1" bg2="dk2" tx2="lt2" accent1="accent1" accent2="accent2" accent3="accent3" accent4="accent4" accent5="accent5" accent6="accent6" hlink="hlink" folHlink="folHlink"/>
   <p:sldLayoutIdLst>
-    <p:sldLayoutId id="2147483649" r:id="rId1"/>
-    <p:sldLayoutId id="2147483650" r:id="rId2"/>
-    <p:sldLayoutId id="2147483651" r:id="rId3"/>
-    <p:sldLayoutId id="2147483652" r:id="rId4"/>
-    <p:sldLayoutId id="2147483653" r:id="rId5"/>
-    <p:sldLayoutId id="2147483654" r:id="rId6"/>
-    <p:sldLayoutId id="2147483655" r:id="rId7"/>
-    <p:sldLayoutId id="2147483656" r:id="rId8"/>
-    <p:sldLayoutId id="2147483657" r:id="rId9"/>
-    <p:sldLayoutId id="2147483658" r:id="rId10"/>
-    <p:sldLayoutId id="2147483659" r:id="rId11"/>
+    <p:sldLayoutId id="2147483698" r:id="rId1"/>
+    <p:sldLayoutId id="2147483699" r:id="rId2"/>
+    <p:sldLayoutId id="2147483700" r:id="rId3"/>
+    <p:sldLayoutId id="2147483701" r:id="rId4"/>
+    <p:sldLayoutId id="2147483702" r:id="rId5"/>
+    <p:sldLayoutId id="2147483703" r:id="rId6"/>
+    <p:sldLayoutId id="2147483704" r:id="rId7"/>
+    <p:sldLayoutId id="2147483705" r:id="rId8"/>
+    <p:sldLayoutId id="2147483706" r:id="rId9"/>
+    <p:sldLayoutId id="2147483707" r:id="rId10"/>
+    <p:sldLayoutId id="2147483708" r:id="rId11"/>
+    <p:sldLayoutId id="2147483709" r:id="rId12"/>
+    <p:sldLayoutId id="2147483710" r:id="rId13"/>
+    <p:sldLayoutId id="2147483711" r:id="rId14"/>
+    <p:sldLayoutId id="2147483712" r:id="rId15"/>
+    <p:sldLayoutId id="2147483713" r:id="rId16"/>
+    <p:sldLayoutId id="2147483714" r:id="rId17"/>
   </p:sldLayoutIdLst>
   <p:txStyles>
     <p:titleStyle>
-      <a:lvl1pPr algn="l" defTabSz="914400" rtl="0" eaLnBrk="1" latinLnBrk="0" hangingPunct="1">
-        <a:lnSpc>
-          <a:spcPct val="90000"/>
-        </a:lnSpc>
+      <a:lvl1pPr algn="l" defTabSz="457200" rtl="0" eaLnBrk="1" latinLnBrk="0" hangingPunct="1">
         <a:spcBef>
           <a:spcPct val="0"/>
         </a:spcBef>
         <a:buNone/>
-        <a:defRPr sz="4400" kern="1200">
+        <a:defRPr sz="3600" kern="1200" cap="all">
+          <a:ln w="3175" cmpd="sng">
+            <a:noFill/>
+          </a:ln>
           <a:solidFill>
             <a:schemeClr val="tx1"/>
           </a:solidFill>
+          <a:effectLst/>
           <a:latin typeface="+mj-lt"/>
           <a:ea typeface="+mj-ea"/>
           <a:cs typeface="+mj-cs"/>
         </a:defRPr>
       </a:lvl1pPr>
+      <a:lvl2pPr eaLnBrk="1" hangingPunct="1">
+        <a:defRPr>
+          <a:solidFill>
+            <a:schemeClr val="tx2"/>
+          </a:solidFill>
+        </a:defRPr>
+      </a:lvl2pPr>
+      <a:lvl3pPr eaLnBrk="1" hangingPunct="1">
+        <a:defRPr>
+          <a:solidFill>
+            <a:schemeClr val="tx2"/>
+          </a:solidFill>
+        </a:defRPr>
+      </a:lvl3pPr>
+      <a:lvl4pPr eaLnBrk="1" hangingPunct="1">
+        <a:defRPr>
+          <a:solidFill>
+            <a:schemeClr val="tx2"/>
+          </a:solidFill>
+        </a:defRPr>
+      </a:lvl4pPr>
+      <a:lvl5pPr eaLnBrk="1" hangingPunct="1">
+        <a:defRPr>
+          <a:solidFill>
+            <a:schemeClr val="tx2"/>
+          </a:solidFill>
+        </a:defRPr>
+      </a:lvl5pPr>
+      <a:lvl6pPr eaLnBrk="1" hangingPunct="1">
+        <a:defRPr>
+          <a:solidFill>
+            <a:schemeClr val="tx2"/>
+          </a:solidFill>
+        </a:defRPr>
+      </a:lvl6pPr>
+      <a:lvl7pPr eaLnBrk="1" hangingPunct="1">
+        <a:defRPr>
+          <a:solidFill>
+            <a:schemeClr val="tx2"/>
+          </a:solidFill>
+        </a:defRPr>
+      </a:lvl7pPr>
+      <a:lvl8pPr eaLnBrk="1" hangingPunct="1">
+        <a:defRPr>
+          <a:solidFill>
+            <a:schemeClr val="tx2"/>
+          </a:solidFill>
+        </a:defRPr>
+      </a:lvl8pPr>
+      <a:lvl9pPr eaLnBrk="1" hangingPunct="1">
+        <a:defRPr>
+          <a:solidFill>
+            <a:schemeClr val="tx2"/>
+          </a:solidFill>
+        </a:defRPr>
+      </a:lvl9pPr>
     </p:titleStyle>
     <p:bodyStyle>
-      <a:lvl1pPr marL="228600" indent="-228600" algn="l" defTabSz="914400" rtl="0" eaLnBrk="1" latinLnBrk="0" hangingPunct="1">
-        <a:lnSpc>
-          <a:spcPct val="90000"/>
-        </a:lnSpc>
+      <a:lvl1pPr marL="285750" indent="-285750" algn="l" defTabSz="457200" rtl="0" eaLnBrk="1" latinLnBrk="0" hangingPunct="1">
         <a:spcBef>
+          <a:spcPts val="0"/>
+        </a:spcBef>
+        <a:spcAft>
           <a:spcPts val="1000"/>
+        </a:spcAft>
+        <a:buClr>
+          <a:schemeClr val="tx1"/>
+        </a:buClr>
+        <a:buSzPct val="100000"/>
+        <a:buFont typeface="Arial"/>
+        <a:buChar char="•"/>
+        <a:defRPr sz="1800" kern="1200" cap="none">
+          <a:solidFill>
+            <a:schemeClr val="tx1"/>
+          </a:solidFill>
+          <a:effectLst/>
+          <a:latin typeface="+mn-lt"/>
+          <a:ea typeface="+mn-ea"/>
+          <a:cs typeface="+mn-cs"/>
+        </a:defRPr>
+      </a:lvl1pPr>
+      <a:lvl2pPr marL="742950" indent="-285750" algn="l" defTabSz="457200" rtl="0" eaLnBrk="1" latinLnBrk="0" hangingPunct="1">
+        <a:spcBef>
+          <a:spcPts val="0"/>
         </a:spcBef>
-        <a:buFont typeface="Arial" panose="020B0604020202020204" pitchFamily="34" charset="0"/>
+        <a:spcAft>
+          <a:spcPts val="1000"/>
+        </a:spcAft>
+        <a:buClr>
+          <a:schemeClr val="tx1"/>
+        </a:buClr>
+        <a:buSzPct val="100000"/>
+        <a:buFont typeface="Arial"/>
         <a:buChar char="•"/>
-        <a:defRPr sz="2800" kern="1200">
+        <a:defRPr sz="1600" kern="1200" cap="none">
+          <a:solidFill>
+            <a:schemeClr val="tx1"/>
+          </a:solidFill>
+          <a:effectLst/>
+          <a:latin typeface="+mn-lt"/>
+          <a:ea typeface="+mn-ea"/>
+          <a:cs typeface="+mn-cs"/>
+        </a:defRPr>
+      </a:lvl2pPr>
+      <a:lvl3pPr marL="1200150" indent="-285750" algn="l" defTabSz="457200" rtl="0" eaLnBrk="1" latinLnBrk="0" hangingPunct="1">
+        <a:spcBef>
+          <a:spcPts val="0"/>
+        </a:spcBef>
+        <a:spcAft>
+          <a:spcPts val="1000"/>
+        </a:spcAft>
+        <a:buClr>
+          <a:schemeClr val="tx1"/>
+        </a:buClr>
+        <a:buSzPct val="100000"/>
+        <a:buFont typeface="Arial"/>
+        <a:buChar char="•"/>
+        <a:defRPr sz="1400" kern="1200" cap="none">
+          <a:solidFill>
+            <a:schemeClr val="tx1"/>
+          </a:solidFill>
+          <a:effectLst/>
+          <a:latin typeface="+mn-lt"/>
+          <a:ea typeface="+mn-ea"/>
+          <a:cs typeface="+mn-cs"/>
+        </a:defRPr>
+      </a:lvl3pPr>
+      <a:lvl4pPr marL="1543050" indent="-171450" algn="l" defTabSz="457200" rtl="0" eaLnBrk="1" latinLnBrk="0" hangingPunct="1">
+        <a:spcBef>
+          <a:spcPts val="0"/>
+        </a:spcBef>
+        <a:spcAft>
+          <a:spcPts val="1000"/>
+        </a:spcAft>
+        <a:buClr>
+          <a:schemeClr val="tx1"/>
+        </a:buClr>
+        <a:buSzPct val="100000"/>
+        <a:buFont typeface="Arial"/>
+        <a:buChar char="•"/>
+        <a:defRPr sz="1200" kern="1200" cap="none">
+          <a:solidFill>
+            <a:schemeClr val="tx1"/>
+          </a:solidFill>
+          <a:effectLst/>
+          <a:latin typeface="+mn-lt"/>
+          <a:ea typeface="+mn-ea"/>
+          <a:cs typeface="+mn-cs"/>
+        </a:defRPr>
+      </a:lvl4pPr>
+      <a:lvl5pPr marL="2000250" indent="-171450" algn="l" defTabSz="457200" rtl="0" eaLnBrk="1" latinLnBrk="0" hangingPunct="1">
+        <a:spcBef>
+          <a:spcPts val="0"/>
+        </a:spcBef>
+        <a:spcAft>
+          <a:spcPts val="1000"/>
+        </a:spcAft>
+        <a:buClr>
+          <a:schemeClr val="tx1"/>
+        </a:buClr>
+        <a:buSzPct val="100000"/>
+        <a:buFont typeface="Arial"/>
+        <a:buChar char="•"/>
+        <a:defRPr sz="1200" kern="1200" cap="none">
+          <a:solidFill>
+            <a:schemeClr val="tx1"/>
+          </a:solidFill>
+          <a:effectLst/>
+          <a:latin typeface="+mn-lt"/>
+          <a:ea typeface="+mn-ea"/>
+          <a:cs typeface="+mn-cs"/>
+        </a:defRPr>
+      </a:lvl5pPr>
+      <a:lvl6pPr marL="2514600" indent="-228600" algn="l" defTabSz="457200" rtl="0" eaLnBrk="1" latinLnBrk="0" hangingPunct="1">
+        <a:spcBef>
+          <a:spcPts val="0"/>
+        </a:spcBef>
+        <a:spcAft>
+          <a:spcPts val="1000"/>
+        </a:spcAft>
+        <a:buClr>
+          <a:schemeClr val="tx1"/>
+        </a:buClr>
+        <a:buSzPct val="100000"/>
+        <a:buFont typeface="Arial"/>
+        <a:buChar char="•"/>
+        <a:defRPr sz="1200" kern="1200" cap="none">
+          <a:solidFill>
+            <a:schemeClr val="tx1"/>
+          </a:solidFill>
+          <a:effectLst/>
+          <a:latin typeface="+mn-lt"/>
+          <a:ea typeface="+mn-ea"/>
+          <a:cs typeface="+mn-cs"/>
+        </a:defRPr>
+      </a:lvl6pPr>
+      <a:lvl7pPr marL="2971800" indent="-228600" algn="l" defTabSz="457200" rtl="0" eaLnBrk="1" latinLnBrk="0" hangingPunct="1">
+        <a:spcBef>
+          <a:spcPts val="0"/>
+        </a:spcBef>
+        <a:spcAft>
+          <a:spcPts val="1000"/>
+        </a:spcAft>
+        <a:buClr>
+          <a:schemeClr val="tx1"/>
+        </a:buClr>
+        <a:buSzPct val="100000"/>
+        <a:buFont typeface="Arial"/>
+        <a:buChar char="•"/>
+        <a:defRPr sz="1200" kern="1200" cap="none">
+          <a:solidFill>
+            <a:schemeClr val="tx1"/>
+          </a:solidFill>
+          <a:effectLst/>
+          <a:latin typeface="+mn-lt"/>
+          <a:ea typeface="+mn-ea"/>
+          <a:cs typeface="+mn-cs"/>
+        </a:defRPr>
+      </a:lvl7pPr>
+      <a:lvl8pPr marL="3429000" indent="-228600" algn="l" defTabSz="457200" rtl="0" eaLnBrk="1" latinLnBrk="0" hangingPunct="1">
+        <a:spcBef>
+          <a:spcPts val="0"/>
+        </a:spcBef>
+        <a:spcAft>
+          <a:spcPts val="1000"/>
+        </a:spcAft>
+        <a:buClr>
+          <a:schemeClr val="tx1"/>
+        </a:buClr>
+        <a:buSzPct val="100000"/>
+        <a:buFont typeface="Arial"/>
+        <a:buChar char="•"/>
+        <a:defRPr sz="1200" kern="1200" cap="none">
+          <a:solidFill>
+            <a:schemeClr val="tx1"/>
+          </a:solidFill>
+          <a:effectLst/>
+          <a:latin typeface="+mn-lt"/>
+          <a:ea typeface="+mn-ea"/>
+          <a:cs typeface="+mn-cs"/>
+        </a:defRPr>
+      </a:lvl8pPr>
+      <a:lvl9pPr marL="3886200" indent="-228600" algn="l" defTabSz="457200" rtl="0" eaLnBrk="1" latinLnBrk="0" hangingPunct="1">
+        <a:spcBef>
+          <a:spcPts val="0"/>
+        </a:spcBef>
+        <a:spcAft>
+          <a:spcPts val="1000"/>
+        </a:spcAft>
+        <a:buClr>
+          <a:schemeClr val="tx1"/>
+        </a:buClr>
+        <a:buSzPct val="100000"/>
+        <a:buFont typeface="Arial"/>
+        <a:buChar char="•"/>
+        <a:defRPr sz="1200" kern="1200" cap="none">
+          <a:solidFill>
+            <a:schemeClr val="tx1"/>
+          </a:solidFill>
+          <a:effectLst/>
+          <a:latin typeface="+mn-lt"/>
+          <a:ea typeface="+mn-ea"/>
+          <a:cs typeface="+mn-cs"/>
+        </a:defRPr>
+      </a:lvl9pPr>
+    </p:bodyStyle>
+    <p:otherStyle>
+      <a:defPPr>
+        <a:defRPr lang="en-US"/>
+      </a:defPPr>
+      <a:lvl1pPr marL="0" algn="l" defTabSz="457200" rtl="0" eaLnBrk="1" latinLnBrk="0" hangingPunct="1">
+        <a:defRPr sz="1800" kern="1200">
           <a:solidFill>
             <a:schemeClr val="tx1"/>
           </a:solidFill>
@@ -3073,16 +5735,8 @@
           <a:cs typeface="+mn-cs"/>
         </a:defRPr>
       </a:lvl1pPr>
-      <a:lvl2pPr marL="685800" indent="-228600" algn="l" defTabSz="914400" rtl="0" eaLnBrk="1" latinLnBrk="0" hangingPunct="1">
-        <a:lnSpc>
-          <a:spcPct val="90000"/>
-        </a:lnSpc>
-        <a:spcBef>
-          <a:spcPts val="500"/>
-        </a:spcBef>
-        <a:buFont typeface="Arial" panose="020B0604020202020204" pitchFamily="34" charset="0"/>
-        <a:buChar char="•"/>
-        <a:defRPr sz="2400" kern="1200">
+      <a:lvl2pPr marL="457200" algn="l" defTabSz="457200" rtl="0" eaLnBrk="1" latinLnBrk="0" hangingPunct="1">
+        <a:defRPr sz="1800" kern="1200">
           <a:solidFill>
             <a:schemeClr val="tx1"/>
           </a:solidFill>
@@ -3091,16 +5745,8 @@
           <a:cs typeface="+mn-cs"/>
         </a:defRPr>
       </a:lvl2pPr>
-      <a:lvl3pPr marL="1143000" indent="-228600" algn="l" defTabSz="914400" rtl="0" eaLnBrk="1" latinLnBrk="0" hangingPunct="1">
-        <a:lnSpc>
-          <a:spcPct val="90000"/>
-        </a:lnSpc>
-        <a:spcBef>
-          <a:spcPts val="500"/>
-        </a:spcBef>
-        <a:buFont typeface="Arial" panose="020B0604020202020204" pitchFamily="34" charset="0"/>
-        <a:buChar char="•"/>
-        <a:defRPr sz="2000" kern="1200">
+      <a:lvl3pPr marL="914400" algn="l" defTabSz="457200" rtl="0" eaLnBrk="1" latinLnBrk="0" hangingPunct="1">
+        <a:defRPr sz="1800" kern="1200">
           <a:solidFill>
             <a:schemeClr val="tx1"/>
           </a:solidFill>
@@ -3109,15 +5755,7 @@
           <a:cs typeface="+mn-cs"/>
         </a:defRPr>
       </a:lvl3pPr>
-      <a:lvl4pPr marL="1600200" indent="-228600" algn="l" defTabSz="914400" rtl="0" eaLnBrk="1" latinLnBrk="0" hangingPunct="1">
-        <a:lnSpc>
-          <a:spcPct val="90000"/>
-        </a:lnSpc>
-        <a:spcBef>
-          <a:spcPts val="500"/>
-        </a:spcBef>
-        <a:buFont typeface="Arial" panose="020B0604020202020204" pitchFamily="34" charset="0"/>
-        <a:buChar char="•"/>
+      <a:lvl4pPr marL="1371600" algn="l" defTabSz="457200" rtl="0" eaLnBrk="1" latinLnBrk="0" hangingPunct="1">
         <a:defRPr sz="1800" kern="1200">
           <a:solidFill>
             <a:schemeClr val="tx1"/>
@@ -3127,15 +5765,7 @@
           <a:cs typeface="+mn-cs"/>
         </a:defRPr>
       </a:lvl4pPr>
-      <a:lvl5pPr marL="2057400" indent="-228600" algn="l" defTabSz="914400" rtl="0" eaLnBrk="1" latinLnBrk="0" hangingPunct="1">
-        <a:lnSpc>
-          <a:spcPct val="90000"/>
-        </a:lnSpc>
-        <a:spcBef>
-          <a:spcPts val="500"/>
-        </a:spcBef>
-        <a:buFont typeface="Arial" panose="020B0604020202020204" pitchFamily="34" charset="0"/>
-        <a:buChar char="•"/>
+      <a:lvl5pPr marL="1828800" algn="l" defTabSz="457200" rtl="0" eaLnBrk="1" latinLnBrk="0" hangingPunct="1">
         <a:defRPr sz="1800" kern="1200">
           <a:solidFill>
             <a:schemeClr val="tx1"/>
@@ -3145,15 +5775,7 @@
           <a:cs typeface="+mn-cs"/>
         </a:defRPr>
       </a:lvl5pPr>
-      <a:lvl6pPr marL="2514600" indent="-228600" algn="l" defTabSz="914400" rtl="0" eaLnBrk="1" latinLnBrk="0" hangingPunct="1">
-        <a:lnSpc>
-          <a:spcPct val="90000"/>
-        </a:lnSpc>
-        <a:spcBef>
-          <a:spcPts val="500"/>
-        </a:spcBef>
-        <a:buFont typeface="Arial" panose="020B0604020202020204" pitchFamily="34" charset="0"/>
-        <a:buChar char="•"/>
+      <a:lvl6pPr marL="2286000" algn="l" defTabSz="457200" rtl="0" eaLnBrk="1" latinLnBrk="0" hangingPunct="1">
         <a:defRPr sz="1800" kern="1200">
           <a:solidFill>
             <a:schemeClr val="tx1"/>
@@ -3163,15 +5785,7 @@
           <a:cs typeface="+mn-cs"/>
         </a:defRPr>
       </a:lvl6pPr>
-      <a:lvl7pPr marL="2971800" indent="-228600" algn="l" defTabSz="914400" rtl="0" eaLnBrk="1" latinLnBrk="0" hangingPunct="1">
-        <a:lnSpc>
-          <a:spcPct val="90000"/>
-        </a:lnSpc>
-        <a:spcBef>
-          <a:spcPts val="500"/>
-        </a:spcBef>
-        <a:buFont typeface="Arial" panose="020B0604020202020204" pitchFamily="34" charset="0"/>
-        <a:buChar char="•"/>
+      <a:lvl7pPr marL="2743200" algn="l" defTabSz="457200" rtl="0" eaLnBrk="1" latinLnBrk="0" hangingPunct="1">
         <a:defRPr sz="1800" kern="1200">
           <a:solidFill>
             <a:schemeClr val="tx1"/>
@@ -3181,15 +5795,7 @@
           <a:cs typeface="+mn-cs"/>
         </a:defRPr>
       </a:lvl7pPr>
-      <a:lvl8pPr marL="3429000" indent="-228600" algn="l" defTabSz="914400" rtl="0" eaLnBrk="1" latinLnBrk="0" hangingPunct="1">
-        <a:lnSpc>
-          <a:spcPct val="90000"/>
-        </a:lnSpc>
-        <a:spcBef>
-          <a:spcPts val="500"/>
-        </a:spcBef>
-        <a:buFont typeface="Arial" panose="020B0604020202020204" pitchFamily="34" charset="0"/>
-        <a:buChar char="•"/>
+      <a:lvl8pPr marL="3200400" algn="l" defTabSz="457200" rtl="0" eaLnBrk="1" latinLnBrk="0" hangingPunct="1">
         <a:defRPr sz="1800" kern="1200">
           <a:solidFill>
             <a:schemeClr val="tx1"/>
@@ -3199,110 +5805,7 @@
           <a:cs typeface="+mn-cs"/>
         </a:defRPr>
       </a:lvl8pPr>
-      <a:lvl9pPr marL="3886200" indent="-228600" algn="l" defTabSz="914400" rtl="0" eaLnBrk="1" latinLnBrk="0" hangingPunct="1">
-        <a:lnSpc>
-          <a:spcPct val="90000"/>
-        </a:lnSpc>
-        <a:spcBef>
-          <a:spcPts val="500"/>
-        </a:spcBef>
-        <a:buFont typeface="Arial" panose="020B0604020202020204" pitchFamily="34" charset="0"/>
-        <a:buChar char="•"/>
-        <a:defRPr sz="1800" kern="1200">
-          <a:solidFill>
-            <a:schemeClr val="tx1"/>
-          </a:solidFill>
-          <a:latin typeface="+mn-lt"/>
-          <a:ea typeface="+mn-ea"/>
-          <a:cs typeface="+mn-cs"/>
-        </a:defRPr>
-      </a:lvl9pPr>
-    </p:bodyStyle>
-    <p:otherStyle>
-      <a:defPPr>
-        <a:defRPr lang="pl-PL"/>
-      </a:defPPr>
-      <a:lvl1pPr marL="0" algn="l" defTabSz="914400" rtl="0" eaLnBrk="1" latinLnBrk="0" hangingPunct="1">
-        <a:defRPr sz="1800" kern="1200">
-          <a:solidFill>
-            <a:schemeClr val="tx1"/>
-          </a:solidFill>
-          <a:latin typeface="+mn-lt"/>
-          <a:ea typeface="+mn-ea"/>
-          <a:cs typeface="+mn-cs"/>
-        </a:defRPr>
-      </a:lvl1pPr>
-      <a:lvl2pPr marL="457200" algn="l" defTabSz="914400" rtl="0" eaLnBrk="1" latinLnBrk="0" hangingPunct="1">
-        <a:defRPr sz="1800" kern="1200">
-          <a:solidFill>
-            <a:schemeClr val="tx1"/>
-          </a:solidFill>
-          <a:latin typeface="+mn-lt"/>
-          <a:ea typeface="+mn-ea"/>
-          <a:cs typeface="+mn-cs"/>
-        </a:defRPr>
-      </a:lvl2pPr>
-      <a:lvl3pPr marL="914400" algn="l" defTabSz="914400" rtl="0" eaLnBrk="1" latinLnBrk="0" hangingPunct="1">
-        <a:defRPr sz="1800" kern="1200">
-          <a:solidFill>
-            <a:schemeClr val="tx1"/>
-          </a:solidFill>
-          <a:latin typeface="+mn-lt"/>
-          <a:ea typeface="+mn-ea"/>
-          <a:cs typeface="+mn-cs"/>
-        </a:defRPr>
-      </a:lvl3pPr>
-      <a:lvl4pPr marL="1371600" algn="l" defTabSz="914400" rtl="0" eaLnBrk="1" latinLnBrk="0" hangingPunct="1">
-        <a:defRPr sz="1800" kern="1200">
-          <a:solidFill>
-            <a:schemeClr val="tx1"/>
-          </a:solidFill>
-          <a:latin typeface="+mn-lt"/>
-          <a:ea typeface="+mn-ea"/>
-          <a:cs typeface="+mn-cs"/>
-        </a:defRPr>
-      </a:lvl4pPr>
-      <a:lvl5pPr marL="1828800" algn="l" defTabSz="914400" rtl="0" eaLnBrk="1" latinLnBrk="0" hangingPunct="1">
-        <a:defRPr sz="1800" kern="1200">
-          <a:solidFill>
-            <a:schemeClr val="tx1"/>
-          </a:solidFill>
-          <a:latin typeface="+mn-lt"/>
-          <a:ea typeface="+mn-ea"/>
-          <a:cs typeface="+mn-cs"/>
-        </a:defRPr>
-      </a:lvl5pPr>
-      <a:lvl6pPr marL="2286000" algn="l" defTabSz="914400" rtl="0" eaLnBrk="1" latinLnBrk="0" hangingPunct="1">
-        <a:defRPr sz="1800" kern="1200">
-          <a:solidFill>
-            <a:schemeClr val="tx1"/>
-          </a:solidFill>
-          <a:latin typeface="+mn-lt"/>
-          <a:ea typeface="+mn-ea"/>
-          <a:cs typeface="+mn-cs"/>
-        </a:defRPr>
-      </a:lvl6pPr>
-      <a:lvl7pPr marL="2743200" algn="l" defTabSz="914400" rtl="0" eaLnBrk="1" latinLnBrk="0" hangingPunct="1">
-        <a:defRPr sz="1800" kern="1200">
-          <a:solidFill>
-            <a:schemeClr val="tx1"/>
-          </a:solidFill>
-          <a:latin typeface="+mn-lt"/>
-          <a:ea typeface="+mn-ea"/>
-          <a:cs typeface="+mn-cs"/>
-        </a:defRPr>
-      </a:lvl7pPr>
-      <a:lvl8pPr marL="3200400" algn="l" defTabSz="914400" rtl="0" eaLnBrk="1" latinLnBrk="0" hangingPunct="1">
-        <a:defRPr sz="1800" kern="1200">
-          <a:solidFill>
-            <a:schemeClr val="tx1"/>
-          </a:solidFill>
-          <a:latin typeface="+mn-lt"/>
-          <a:ea typeface="+mn-ea"/>
-          <a:cs typeface="+mn-cs"/>
-        </a:defRPr>
-      </a:lvl8pPr>
-      <a:lvl9pPr marL="3657600" algn="l" defTabSz="914400" rtl="0" eaLnBrk="1" latinLnBrk="0" hangingPunct="1">
+      <a:lvl9pPr marL="3657600" algn="l" defTabSz="457200" rtl="0" eaLnBrk="1" latinLnBrk="0" hangingPunct="1">
         <a:defRPr sz="1800" kern="1200">
           <a:solidFill>
             <a:schemeClr val="tx1"/>
@@ -3422,6 +5925,90 @@
     <p:extLst>
       <p:ext uri="{BB962C8B-B14F-4D97-AF65-F5344CB8AC3E}">
         <p14:creationId xmlns:p14="http://schemas.microsoft.com/office/powerpoint/2010/main" val="4182577838"/>
+      </p:ext>
+    </p:extLst>
+  </p:cSld>
+  <p:clrMapOvr>
+    <a:masterClrMapping/>
+  </p:clrMapOvr>
+</p:sld>
+</file>
+
+<file path=ppt/slides/slide10.xml><?xml version="1.0" encoding="utf-8"?>
+<p:sld xmlns:a="http://schemas.openxmlformats.org/drawingml/2006/main" xmlns:r="http://schemas.openxmlformats.org/officeDocument/2006/relationships" xmlns:p="http://schemas.openxmlformats.org/presentationml/2006/main">
+  <p:cSld>
+    <p:spTree>
+      <p:nvGrpSpPr>
+        <p:cNvPr id="1" name=""/>
+        <p:cNvGrpSpPr/>
+        <p:nvPr/>
+      </p:nvGrpSpPr>
+      <p:grpSpPr>
+        <a:xfrm>
+          <a:off x="0" y="0"/>
+          <a:ext cx="0" cy="0"/>
+          <a:chOff x="0" y="0"/>
+          <a:chExt cx="0" cy="0"/>
+        </a:xfrm>
+      </p:grpSpPr>
+      <p:sp>
+        <p:nvSpPr>
+          <p:cNvPr id="2" name="Tytuł 1">
+            <a:extLst>
+              <a:ext uri="{FF2B5EF4-FFF2-40B4-BE49-F238E27FC236}">
+                <a16:creationId xmlns:a16="http://schemas.microsoft.com/office/drawing/2014/main" id="{68DBC995-71BC-034A-F241-97B43F02D8CB}"/>
+              </a:ext>
+            </a:extLst>
+          </p:cNvPr>
+          <p:cNvSpPr>
+            <a:spLocks noGrp="1"/>
+          </p:cNvSpPr>
+          <p:nvPr>
+            <p:ph type="title"/>
+          </p:nvPr>
+        </p:nvSpPr>
+        <p:spPr/>
+        <p:txBody>
+          <a:bodyPr/>
+          <a:lstStyle/>
+          <a:p>
+            <a:r>
+              <a:rPr lang="pl-PL" dirty="0" err="1"/>
+              <a:t>Summary</a:t>
+            </a:r>
+            <a:endParaRPr lang="pl-PL" dirty="0"/>
+          </a:p>
+        </p:txBody>
+      </p:sp>
+      <p:sp>
+        <p:nvSpPr>
+          <p:cNvPr id="3" name="Symbol zastępczy tekstu 2">
+            <a:extLst>
+              <a:ext uri="{FF2B5EF4-FFF2-40B4-BE49-F238E27FC236}">
+                <a16:creationId xmlns:a16="http://schemas.microsoft.com/office/drawing/2014/main" id="{8BC4FB03-D5DD-E630-CC46-F8E659D2DCB4}"/>
+              </a:ext>
+            </a:extLst>
+          </p:cNvPr>
+          <p:cNvSpPr>
+            <a:spLocks noGrp="1"/>
+          </p:cNvSpPr>
+          <p:nvPr>
+            <p:ph type="body" idx="1"/>
+          </p:nvPr>
+        </p:nvSpPr>
+        <p:spPr/>
+        <p:txBody>
+          <a:bodyPr/>
+          <a:lstStyle/>
+          <a:p>
+            <a:endParaRPr lang="pl-PL"/>
+          </a:p>
+        </p:txBody>
+      </p:sp>
+    </p:spTree>
+    <p:extLst>
+      <p:ext uri="{BB962C8B-B14F-4D97-AF65-F5344CB8AC3E}">
+        <p14:creationId xmlns:p14="http://schemas.microsoft.com/office/powerpoint/2010/main" val="1109973879"/>
       </p:ext>
     </p:extLst>
   </p:cSld>
@@ -3456,66 +6043,6 @@
           <a:chExt cx="0" cy="0"/>
         </a:xfrm>
       </p:grpSpPr>
-      <p:sp useBgFill="1">
-        <p:nvSpPr>
-          <p:cNvPr id="9" name="Rectangle 8">
-            <a:extLst>
-              <a:ext uri="{FF2B5EF4-FFF2-40B4-BE49-F238E27FC236}">
-                <a16:creationId xmlns:a16="http://schemas.microsoft.com/office/drawing/2014/main" id="{7D9D36D6-2AC5-46A1-A849-4C82D5264A3A}"/>
-              </a:ext>
-              <a:ext uri="{C183D7F6-B498-43B3-948B-1728B52AA6E4}">
-                <adec:decorative xmlns:adec="http://schemas.microsoft.com/office/drawing/2017/decorative" val="1"/>
-              </a:ext>
-            </a:extLst>
-          </p:cNvPr>
-          <p:cNvSpPr>
-            <a:spLocks noGrp="1" noRot="1" noChangeAspect="1" noMove="1" noResize="1" noEditPoints="1" noAdjustHandles="1" noChangeArrowheads="1" noChangeShapeType="1" noTextEdit="1"/>
-          </p:cNvSpPr>
-          <p:nvPr>
-            <p:extLst>
-              <p:ext uri="{386F3935-93C4-4BCD-93E2-E3B085C9AB24}">
-                <p16:designElem xmlns:p16="http://schemas.microsoft.com/office/powerpoint/2015/main" val="1"/>
-              </p:ext>
-            </p:extLst>
-          </p:nvPr>
-        </p:nvSpPr>
-        <p:spPr>
-          <a:xfrm>
-            <a:off x="-1" y="0"/>
-            <a:ext cx="12188952" cy="6858000"/>
-          </a:xfrm>
-          <a:prstGeom prst="rect">
-            <a:avLst/>
-          </a:prstGeom>
-          <a:ln>
-            <a:noFill/>
-          </a:ln>
-        </p:spPr>
-        <p:style>
-          <a:lnRef idx="2">
-            <a:schemeClr val="accent1">
-              <a:shade val="50000"/>
-            </a:schemeClr>
-          </a:lnRef>
-          <a:fillRef idx="1">
-            <a:schemeClr val="accent1"/>
-          </a:fillRef>
-          <a:effectRef idx="0">
-            <a:schemeClr val="accent1"/>
-          </a:effectRef>
-          <a:fontRef idx="minor">
-            <a:schemeClr val="lt1"/>
-          </a:fontRef>
-        </p:style>
-        <p:txBody>
-          <a:bodyPr rtlCol="0" anchor="ctr"/>
-          <a:lstStyle/>
-          <a:p>
-            <a:pPr algn="ctr"/>
-            <a:endParaRPr lang="en-US" dirty="0"/>
-          </a:p>
-        </p:txBody>
-      </p:sp>
       <p:sp>
         <p:nvSpPr>
           <p:cNvPr id="2" name="Tytuł 1">
@@ -3792,7 +6319,46 @@
           <a:bodyPr/>
           <a:lstStyle/>
           <a:p>
-            <a:endParaRPr lang="pl-PL"/>
+            <a:r>
+              <a:rPr lang="pl-PL" dirty="0"/>
+              <a:t>Z powodu wielu kategorycznych zastosowaliśmy algorytm </a:t>
+            </a:r>
+            <a:r>
+              <a:rPr lang="pl-PL" b="1" dirty="0" err="1"/>
+              <a:t>OneHotEncoding</a:t>
+            </a:r>
+            <a:r>
+              <a:rPr lang="pl-PL" dirty="0"/>
+              <a:t>, dzięki któremu nie tracimy żadnej informacji w zbiorze danych. Niestety wiąże się to z utworzeniem wielu dodatkowych kolumn,</a:t>
+            </a:r>
+          </a:p>
+          <a:p>
+            <a:r>
+              <a:rPr lang="pl-PL" dirty="0"/>
+              <a:t>Korzystaliśmy z modeli, dla których skala zmiennych ma znaczenie (przykładem jest model SVM) i dlatego też musieliśmy w jakiś sposób przeskalować nasze zmienne – użyliśmy </a:t>
+            </a:r>
+            <a:r>
+              <a:rPr lang="pl-PL" b="1" dirty="0" err="1"/>
+              <a:t>StandardScaler</a:t>
+            </a:r>
+            <a:r>
+              <a:rPr lang="pl-PL" dirty="0"/>
+              <a:t>.</a:t>
+            </a:r>
+          </a:p>
+          <a:p>
+            <a:r>
+              <a:rPr lang="pl-PL" dirty="0"/>
+              <a:t>#imputacja missing </a:t>
+            </a:r>
+            <a:r>
+              <a:rPr lang="pl-PL" dirty="0" err="1"/>
+              <a:t>values</a:t>
+            </a:r>
+            <a:r>
+              <a:rPr lang="pl-PL" dirty="0"/>
+              <a:t> – co zrobiliśmy</a:t>
+            </a:r>
           </a:p>
         </p:txBody>
       </p:sp>
@@ -3988,6 +6554,15 @@
 <file path=ppt/slides/slide7.xml><?xml version="1.0" encoding="utf-8"?>
 <p:sld xmlns:a="http://schemas.openxmlformats.org/drawingml/2006/main" xmlns:r="http://schemas.openxmlformats.org/officeDocument/2006/relationships" xmlns:p="http://schemas.openxmlformats.org/presentationml/2006/main">
   <p:cSld>
+    <p:bg>
+      <p:bgPr>
+        <a:blipFill>
+          <a:blip r:embed="rId2"/>
+          <a:stretch/>
+        </a:blipFill>
+        <a:effectLst/>
+      </p:bgPr>
+    </p:bg>
     <p:spTree>
       <p:nvGrpSpPr>
         <p:cNvPr id="1" name=""/>
@@ -4007,7 +6582,7 @@
           <p:cNvPr id="2" name="Tytuł 1">
             <a:extLst>
               <a:ext uri="{FF2B5EF4-FFF2-40B4-BE49-F238E27FC236}">
-                <a16:creationId xmlns:a16="http://schemas.microsoft.com/office/drawing/2014/main" id="{E7E5EF2C-CC04-2E39-4CEA-08B246B109BE}"/>
+                <a16:creationId xmlns:a16="http://schemas.microsoft.com/office/drawing/2014/main" id="{5F446B5B-B414-AF68-925C-C473AD8BAAF0}"/>
               </a:ext>
             </a:extLst>
           </p:cNvPr>
@@ -4018,16 +6593,89 @@
             <p:ph type="title"/>
           </p:nvPr>
         </p:nvSpPr>
-        <p:spPr/>
-        <p:txBody>
-          <a:bodyPr/>
-          <a:lstStyle/>
-          <a:p>
-            <a:r>
-              <a:rPr lang="pl-PL" dirty="0" err="1"/>
-              <a:t>XGBoost</a:t>
-            </a:r>
-            <a:endParaRPr lang="pl-PL" dirty="0"/>
+        <p:spPr>
+          <a:xfrm>
+            <a:off x="1361187" y="1030288"/>
+            <a:ext cx="4099947" cy="1035579"/>
+          </a:xfrm>
+        </p:spPr>
+        <p:txBody>
+          <a:bodyPr>
+            <a:normAutofit/>
+          </a:bodyPr>
+          <a:lstStyle/>
+          <a:p>
+            <a:r>
+              <a:rPr lang="pl-PL" b="1" dirty="0" err="1"/>
+              <a:t>Xgboost</a:t>
+            </a:r>
+            <a:endParaRPr lang="pl-PL" b="1" dirty="0"/>
+          </a:p>
+        </p:txBody>
+      </p:sp>
+      <p:sp>
+        <p:nvSpPr>
+          <p:cNvPr id="19" name="Rectangle 18">
+            <a:extLst>
+              <a:ext uri="{FF2B5EF4-FFF2-40B4-BE49-F238E27FC236}">
+                <a16:creationId xmlns:a16="http://schemas.microsoft.com/office/drawing/2014/main" id="{738C413B-57E4-4FAD-AF00-1E89B4273170}"/>
+              </a:ext>
+              <a:ext uri="{C183D7F6-B498-43B3-948B-1728B52AA6E4}">
+                <adec:decorative xmlns:adec="http://schemas.microsoft.com/office/drawing/2017/decorative" val="1"/>
+              </a:ext>
+            </a:extLst>
+          </p:cNvPr>
+          <p:cNvSpPr>
+            <a:spLocks noGrp="1" noRot="1" noChangeAspect="1" noMove="1" noResize="1" noEditPoints="1" noAdjustHandles="1" noChangeArrowheads="1" noChangeShapeType="1" noTextEdit="1"/>
+          </p:cNvSpPr>
+          <p:nvPr>
+            <p:extLst>
+              <p:ext uri="{386F3935-93C4-4BCD-93E2-E3B085C9AB24}">
+                <p16:designElem xmlns:p16="http://schemas.microsoft.com/office/powerpoint/2015/main" val="1"/>
+              </p:ext>
+            </p:extLst>
+          </p:nvPr>
+        </p:nvSpPr>
+        <p:spPr>
+          <a:xfrm rot="16200000">
+            <a:off x="-1797333" y="4261157"/>
+            <a:ext cx="2971800" cy="170837"/>
+          </a:xfrm>
+          <a:prstGeom prst="rect">
+            <a:avLst/>
+          </a:prstGeom>
+          <a:solidFill>
+            <a:schemeClr val="accent3">
+              <a:lumMod val="60000"/>
+              <a:lumOff val="40000"/>
+            </a:schemeClr>
+          </a:solidFill>
+          <a:ln>
+            <a:noFill/>
+          </a:ln>
+        </p:spPr>
+        <p:style>
+          <a:lnRef idx="2">
+            <a:schemeClr val="accent1">
+              <a:shade val="50000"/>
+            </a:schemeClr>
+          </a:lnRef>
+          <a:fillRef idx="1">
+            <a:schemeClr val="accent1"/>
+          </a:fillRef>
+          <a:effectRef idx="0">
+            <a:schemeClr val="accent1"/>
+          </a:effectRef>
+          <a:fontRef idx="minor">
+            <a:schemeClr val="lt1"/>
+          </a:fontRef>
+        </p:style>
+        <p:txBody>
+          <a:bodyPr rtlCol="0" anchor="ctr"/>
+          <a:lstStyle/>
+          <a:p>
+            <a:pPr algn="ctr"/>
+            <a:endParaRPr lang="en-US"/>
           </a:p>
         </p:txBody>
       </p:sp>
@@ -4036,7 +6684,7 @@
           <p:cNvPr id="3" name="Symbol zastępczy zawartości 2">
             <a:extLst>
               <a:ext uri="{FF2B5EF4-FFF2-40B4-BE49-F238E27FC236}">
-                <a16:creationId xmlns:a16="http://schemas.microsoft.com/office/drawing/2014/main" id="{DE1FB9D5-C325-1B04-B0D4-F3FCE8069C4E}"/>
+                <a16:creationId xmlns:a16="http://schemas.microsoft.com/office/drawing/2014/main" id="{D8CA0C72-E88C-8D71-DC95-6767CCE78365}"/>
               </a:ext>
             </a:extLst>
           </p:cNvPr>
@@ -4047,19 +6695,514 @@
             <p:ph idx="1"/>
           </p:nvPr>
         </p:nvSpPr>
-        <p:spPr/>
-        <p:txBody>
-          <a:bodyPr/>
-          <a:lstStyle/>
-          <a:p>
-            <a:endParaRPr lang="pl-PL"/>
-          </a:p>
-        </p:txBody>
-      </p:sp>
+        <p:spPr>
+          <a:xfrm>
+            <a:off x="1361187" y="1976966"/>
+            <a:ext cx="4099947" cy="3649133"/>
+          </a:xfrm>
+        </p:spPr>
+        <p:txBody>
+          <a:bodyPr>
+            <a:normAutofit/>
+          </a:bodyPr>
+          <a:lstStyle/>
+          <a:p>
+            <a:r>
+              <a:rPr lang="pl-PL" dirty="0"/>
+              <a:t>Kolejnym modelem drzewiastym, którym zainteresowaliśmy się był model </a:t>
+            </a:r>
+            <a:r>
+              <a:rPr lang="pl-PL" b="1" dirty="0" err="1"/>
+              <a:t>XGBoost</a:t>
+            </a:r>
+            <a:r>
+              <a:rPr lang="pl-PL" dirty="0"/>
+              <a:t>. Sam proces uczenia się nie trwał długo w porównaniu do np. modelu </a:t>
+            </a:r>
+            <a:r>
+              <a:rPr lang="pl-PL" b="1" dirty="0"/>
+              <a:t>SVM.</a:t>
+            </a:r>
+            <a:r>
+              <a:rPr lang="pl-PL" dirty="0"/>
+              <a:t> Niestety jak się okazało model ten słabiej się sprawdził niż </a:t>
+            </a:r>
+            <a:r>
+              <a:rPr lang="pl-PL" b="1" dirty="0" err="1"/>
+              <a:t>Random</a:t>
+            </a:r>
+            <a:r>
+              <a:rPr lang="pl-PL" b="1" dirty="0"/>
+              <a:t> </a:t>
+            </a:r>
+            <a:r>
+              <a:rPr lang="pl-PL" b="1" dirty="0" err="1"/>
+              <a:t>Forest</a:t>
+            </a:r>
+            <a:endParaRPr lang="pl-PL" dirty="0"/>
+          </a:p>
+          <a:p>
+            <a:r>
+              <a:rPr lang="pl-PL" dirty="0"/>
+              <a:t>Wartości najważniejszych metryk:</a:t>
+            </a:r>
+          </a:p>
+          <a:p>
+            <a:endParaRPr lang="pl-PL" dirty="0"/>
+          </a:p>
+        </p:txBody>
+      </p:sp>
+      <p:sp>
+        <p:nvSpPr>
+          <p:cNvPr id="21" name="Rounded Rectangle 30">
+            <a:extLst>
+              <a:ext uri="{FF2B5EF4-FFF2-40B4-BE49-F238E27FC236}">
+                <a16:creationId xmlns:a16="http://schemas.microsoft.com/office/drawing/2014/main" id="{96184565-6B22-40B8-AEFC-E5D103C5504C}"/>
+              </a:ext>
+              <a:ext uri="{C183D7F6-B498-43B3-948B-1728B52AA6E4}">
+                <adec:decorative xmlns:adec="http://schemas.microsoft.com/office/drawing/2017/decorative" val="1"/>
+              </a:ext>
+            </a:extLst>
+          </p:cNvPr>
+          <p:cNvSpPr>
+            <a:spLocks noGrp="1" noRot="1" noChangeAspect="1" noMove="1" noResize="1" noEditPoints="1" noAdjustHandles="1" noChangeArrowheads="1" noChangeShapeType="1" noTextEdit="1"/>
+          </p:cNvSpPr>
+          <p:nvPr>
+            <p:extLst>
+              <p:ext uri="{386F3935-93C4-4BCD-93E2-E3B085C9AB24}">
+                <p16:designElem xmlns:p16="http://schemas.microsoft.com/office/powerpoint/2015/main" val="1"/>
+              </p:ext>
+            </p:extLst>
+          </p:nvPr>
+        </p:nvSpPr>
+        <p:spPr>
+          <a:xfrm>
+            <a:off x="6094408" y="626261"/>
+            <a:ext cx="5433751" cy="2711655"/>
+          </a:xfrm>
+          <a:prstGeom prst="roundRect">
+            <a:avLst>
+              <a:gd name="adj" fmla="val 7505"/>
+            </a:avLst>
+          </a:prstGeom>
+          <a:solidFill>
+            <a:schemeClr val="tx1"/>
+          </a:solidFill>
+          <a:ln w="50800" cap="sq" cmpd="dbl">
+            <a:gradFill flip="none" rotWithShape="1">
+              <a:gsLst>
+                <a:gs pos="0">
+                  <a:srgbClr val="FFFFFF"/>
+                </a:gs>
+                <a:gs pos="100000">
+                  <a:schemeClr val="tx1">
+                    <a:alpha val="0"/>
+                  </a:schemeClr>
+                </a:gs>
+              </a:gsLst>
+              <a:path path="circle">
+                <a:fillToRect l="50000" t="50000" r="50000" b="50000"/>
+              </a:path>
+              <a:tileRect/>
+            </a:gradFill>
+            <a:miter lim="800000"/>
+          </a:ln>
+          <a:effectLst>
+            <a:outerShdw blurRad="254000" algn="tl" rotWithShape="0">
+              <a:srgbClr val="000000">
+                <a:alpha val="43000"/>
+              </a:srgbClr>
+            </a:outerShdw>
+          </a:effectLst>
+        </p:spPr>
+        <p:style>
+          <a:lnRef idx="2">
+            <a:schemeClr val="accent1">
+              <a:shade val="50000"/>
+            </a:schemeClr>
+          </a:lnRef>
+          <a:fillRef idx="1">
+            <a:schemeClr val="accent1"/>
+          </a:fillRef>
+          <a:effectRef idx="0">
+            <a:schemeClr val="accent1"/>
+          </a:effectRef>
+          <a:fontRef idx="minor">
+            <a:schemeClr val="lt1"/>
+          </a:fontRef>
+        </p:style>
+        <p:txBody>
+          <a:bodyPr rtlCol="0" anchor="ctr"/>
+          <a:lstStyle/>
+          <a:p>
+            <a:pPr algn="ctr"/>
+            <a:endParaRPr lang="en-US"/>
+          </a:p>
+        </p:txBody>
+      </p:sp>
+      <p:pic>
+        <p:nvPicPr>
+          <p:cNvPr id="12" name="Obraz 11">
+            <a:extLst>
+              <a:ext uri="{FF2B5EF4-FFF2-40B4-BE49-F238E27FC236}">
+                <a16:creationId xmlns:a16="http://schemas.microsoft.com/office/drawing/2014/main" id="{A1116117-392C-4BC5-8D88-3487E9518410}"/>
+              </a:ext>
+            </a:extLst>
+          </p:cNvPr>
+          <p:cNvPicPr>
+            <a:picLocks noChangeAspect="1"/>
+          </p:cNvPicPr>
+          <p:nvPr/>
+        </p:nvPicPr>
+        <p:blipFill>
+          <a:blip r:embed="rId3"/>
+          <a:stretch>
+            <a:fillRect/>
+          </a:stretch>
+        </p:blipFill>
+        <p:spPr>
+          <a:xfrm>
+            <a:off x="7153782" y="728133"/>
+            <a:ext cx="3314211" cy="2497667"/>
+          </a:xfrm>
+          <a:prstGeom prst="roundRect">
+            <a:avLst>
+              <a:gd name="adj" fmla="val 5453"/>
+            </a:avLst>
+          </a:prstGeom>
+          <a:ln w="50800" cap="sq" cmpd="dbl">
+            <a:noFill/>
+            <a:miter lim="800000"/>
+          </a:ln>
+          <a:effectLst/>
+        </p:spPr>
+      </p:pic>
+      <p:sp>
+        <p:nvSpPr>
+          <p:cNvPr id="23" name="Rounded Rectangle 35">
+            <a:extLst>
+              <a:ext uri="{FF2B5EF4-FFF2-40B4-BE49-F238E27FC236}">
+                <a16:creationId xmlns:a16="http://schemas.microsoft.com/office/drawing/2014/main" id="{A9B5337D-1BB2-4459-9BD6-59184E3832CF}"/>
+              </a:ext>
+              <a:ext uri="{C183D7F6-B498-43B3-948B-1728B52AA6E4}">
+                <adec:decorative xmlns:adec="http://schemas.microsoft.com/office/drawing/2017/decorative" val="1"/>
+              </a:ext>
+            </a:extLst>
+          </p:cNvPr>
+          <p:cNvSpPr>
+            <a:spLocks noGrp="1" noRot="1" noChangeAspect="1" noMove="1" noResize="1" noEditPoints="1" noAdjustHandles="1" noChangeArrowheads="1" noChangeShapeType="1" noTextEdit="1"/>
+          </p:cNvSpPr>
+          <p:nvPr>
+            <p:extLst>
+              <p:ext uri="{386F3935-93C4-4BCD-93E2-E3B085C9AB24}">
+                <p16:designElem xmlns:p16="http://schemas.microsoft.com/office/powerpoint/2015/main" val="1"/>
+              </p:ext>
+            </p:extLst>
+          </p:nvPr>
+        </p:nvSpPr>
+        <p:spPr>
+          <a:xfrm>
+            <a:off x="6094408" y="3515716"/>
+            <a:ext cx="5433751" cy="2711655"/>
+          </a:xfrm>
+          <a:prstGeom prst="roundRect">
+            <a:avLst>
+              <a:gd name="adj" fmla="val 7505"/>
+            </a:avLst>
+          </a:prstGeom>
+          <a:solidFill>
+            <a:schemeClr val="tx1"/>
+          </a:solidFill>
+          <a:ln w="50800" cap="sq" cmpd="dbl">
+            <a:gradFill flip="none" rotWithShape="1">
+              <a:gsLst>
+                <a:gs pos="0">
+                  <a:srgbClr val="FFFFFF"/>
+                </a:gs>
+                <a:gs pos="100000">
+                  <a:schemeClr val="tx1">
+                    <a:alpha val="0"/>
+                  </a:schemeClr>
+                </a:gs>
+              </a:gsLst>
+              <a:path path="circle">
+                <a:fillToRect l="50000" t="50000" r="50000" b="50000"/>
+              </a:path>
+              <a:tileRect/>
+            </a:gradFill>
+            <a:miter lim="800000"/>
+          </a:ln>
+          <a:effectLst>
+            <a:outerShdw blurRad="254000" algn="tl" rotWithShape="0">
+              <a:srgbClr val="000000">
+                <a:alpha val="43000"/>
+              </a:srgbClr>
+            </a:outerShdw>
+          </a:effectLst>
+        </p:spPr>
+        <p:style>
+          <a:lnRef idx="2">
+            <a:schemeClr val="accent1">
+              <a:shade val="50000"/>
+            </a:schemeClr>
+          </a:lnRef>
+          <a:fillRef idx="1">
+            <a:schemeClr val="accent1"/>
+          </a:fillRef>
+          <a:effectRef idx="0">
+            <a:schemeClr val="accent1"/>
+          </a:effectRef>
+          <a:fontRef idx="minor">
+            <a:schemeClr val="lt1"/>
+          </a:fontRef>
+        </p:style>
+        <p:txBody>
+          <a:bodyPr rtlCol="0" anchor="ctr"/>
+          <a:lstStyle/>
+          <a:p>
+            <a:pPr algn="ctr"/>
+            <a:endParaRPr lang="en-US"/>
+          </a:p>
+        </p:txBody>
+      </p:sp>
+      <p:pic>
+        <p:nvPicPr>
+          <p:cNvPr id="14" name="Obraz 13">
+            <a:extLst>
+              <a:ext uri="{FF2B5EF4-FFF2-40B4-BE49-F238E27FC236}">
+                <a16:creationId xmlns:a16="http://schemas.microsoft.com/office/drawing/2014/main" id="{C1165A04-9BE8-6D7A-5B1C-86E33E8E45FC}"/>
+              </a:ext>
+            </a:extLst>
+          </p:cNvPr>
+          <p:cNvPicPr>
+            <a:picLocks noChangeAspect="1"/>
+          </p:cNvPicPr>
+          <p:nvPr/>
+        </p:nvPicPr>
+        <p:blipFill>
+          <a:blip r:embed="rId4"/>
+          <a:stretch>
+            <a:fillRect/>
+          </a:stretch>
+        </p:blipFill>
+        <p:spPr>
+          <a:xfrm>
+            <a:off x="6889606" y="3617588"/>
+            <a:ext cx="3842564" cy="2497667"/>
+          </a:xfrm>
+          <a:prstGeom prst="roundRect">
+            <a:avLst>
+              <a:gd name="adj" fmla="val 5453"/>
+            </a:avLst>
+          </a:prstGeom>
+          <a:ln w="50800" cap="sq" cmpd="dbl">
+            <a:noFill/>
+            <a:miter lim="800000"/>
+          </a:ln>
+          <a:effectLst/>
+        </p:spPr>
+      </p:pic>
+      <p:graphicFrame>
+        <p:nvGraphicFramePr>
+          <p:cNvPr id="15" name="Tabela 15">
+            <a:extLst>
+              <a:ext uri="{FF2B5EF4-FFF2-40B4-BE49-F238E27FC236}">
+                <a16:creationId xmlns:a16="http://schemas.microsoft.com/office/drawing/2014/main" id="{19C103A6-784D-7673-EBA4-BC270B59B4CD}"/>
+              </a:ext>
+            </a:extLst>
+          </p:cNvPr>
+          <p:cNvGraphicFramePr>
+            <a:graphicFrameLocks noGrp="1"/>
+          </p:cNvGraphicFramePr>
+          <p:nvPr>
+            <p:extLst>
+              <p:ext uri="{D42A27DB-BD31-4B8C-83A1-F6EECF244321}">
+                <p14:modId xmlns:p14="http://schemas.microsoft.com/office/powerpoint/2010/main" val="3064646086"/>
+              </p:ext>
+            </p:extLst>
+          </p:nvPr>
+        </p:nvGraphicFramePr>
+        <p:xfrm>
+          <a:off x="1361186" y="5151392"/>
+          <a:ext cx="4372864" cy="1010920"/>
+        </p:xfrm>
+        <a:graphic>
+          <a:graphicData uri="http://schemas.openxmlformats.org/drawingml/2006/table">
+            <a:tbl>
+              <a:tblPr firstRow="1" bandRow="1">
+                <a:tableStyleId>{5C22544A-7EE6-4342-B048-85BDC9FD1C3A}</a:tableStyleId>
+              </a:tblPr>
+              <a:tblGrid>
+                <a:gridCol w="1093216">
+                  <a:extLst>
+                    <a:ext uri="{9D8B030D-6E8A-4147-A177-3AD203B41FA5}">
+                      <a16:colId xmlns:a16="http://schemas.microsoft.com/office/drawing/2014/main" val="2035961829"/>
+                    </a:ext>
+                  </a:extLst>
+                </a:gridCol>
+                <a:gridCol w="1093216">
+                  <a:extLst>
+                    <a:ext uri="{9D8B030D-6E8A-4147-A177-3AD203B41FA5}">
+                      <a16:colId xmlns:a16="http://schemas.microsoft.com/office/drawing/2014/main" val="3440797627"/>
+                    </a:ext>
+                  </a:extLst>
+                </a:gridCol>
+                <a:gridCol w="1093216">
+                  <a:extLst>
+                    <a:ext uri="{9D8B030D-6E8A-4147-A177-3AD203B41FA5}">
+                      <a16:colId xmlns:a16="http://schemas.microsoft.com/office/drawing/2014/main" val="2146335334"/>
+                    </a:ext>
+                  </a:extLst>
+                </a:gridCol>
+                <a:gridCol w="1093216">
+                  <a:extLst>
+                    <a:ext uri="{9D8B030D-6E8A-4147-A177-3AD203B41FA5}">
+                      <a16:colId xmlns:a16="http://schemas.microsoft.com/office/drawing/2014/main" val="3635834771"/>
+                    </a:ext>
+                  </a:extLst>
+                </a:gridCol>
+              </a:tblGrid>
+              <a:tr h="370840">
+                <a:tc>
+                  <a:txBody>
+                    <a:bodyPr/>
+                    <a:lstStyle/>
+                    <a:p>
+                      <a:r>
+                        <a:rPr lang="pl-PL" dirty="0"/>
+                        <a:t>Train </a:t>
+                      </a:r>
+                      <a:r>
+                        <a:rPr lang="pl-PL" dirty="0" err="1"/>
+                        <a:t>accuracy</a:t>
+                      </a:r>
+                      <a:endParaRPr lang="pl-PL" dirty="0"/>
+                    </a:p>
+                  </a:txBody>
+                  <a:tcPr/>
+                </a:tc>
+                <a:tc>
+                  <a:txBody>
+                    <a:bodyPr/>
+                    <a:lstStyle/>
+                    <a:p>
+                      <a:r>
+                        <a:rPr lang="pl-PL" dirty="0"/>
+                        <a:t>Test </a:t>
+                      </a:r>
+                      <a:r>
+                        <a:rPr lang="pl-PL" dirty="0" err="1"/>
+                        <a:t>accuracy</a:t>
+                      </a:r>
+                      <a:endParaRPr lang="pl-PL" dirty="0"/>
+                    </a:p>
+                  </a:txBody>
+                  <a:tcPr/>
+                </a:tc>
+                <a:tc>
+                  <a:txBody>
+                    <a:bodyPr/>
+                    <a:lstStyle/>
+                    <a:p>
+                      <a:r>
+                        <a:rPr lang="pl-PL" dirty="0"/>
+                        <a:t>Test ROC </a:t>
+                      </a:r>
+                    </a:p>
+                  </a:txBody>
+                  <a:tcPr/>
+                </a:tc>
+                <a:tc>
+                  <a:txBody>
+                    <a:bodyPr/>
+                    <a:lstStyle/>
+                    <a:p>
+                      <a:r>
+                        <a:rPr lang="pl-PL" dirty="0"/>
+                        <a:t>Test </a:t>
+                      </a:r>
+                      <a:r>
+                        <a:rPr lang="pl-PL" dirty="0" err="1"/>
+                        <a:t>gini</a:t>
+                      </a:r>
+                      <a:endParaRPr lang="pl-PL" dirty="0"/>
+                    </a:p>
+                  </a:txBody>
+                  <a:tcPr/>
+                </a:tc>
+                <a:extLst>
+                  <a:ext uri="{0D108BD9-81ED-4DB2-BD59-A6C34878D82A}">
+                    <a16:rowId xmlns:a16="http://schemas.microsoft.com/office/drawing/2014/main" val="3932134591"/>
+                  </a:ext>
+                </a:extLst>
+              </a:tr>
+              <a:tr h="370840">
+                <a:tc>
+                  <a:txBody>
+                    <a:bodyPr/>
+                    <a:lstStyle/>
+                    <a:p>
+                      <a:r>
+                        <a:rPr lang="pl-PL" dirty="0"/>
+                        <a:t>87.8</a:t>
+                      </a:r>
+                    </a:p>
+                  </a:txBody>
+                  <a:tcPr/>
+                </a:tc>
+                <a:tc>
+                  <a:txBody>
+                    <a:bodyPr/>
+                    <a:lstStyle/>
+                    <a:p>
+                      <a:r>
+                        <a:rPr lang="pl-PL" dirty="0"/>
+                        <a:t>87.8</a:t>
+                      </a:r>
+                    </a:p>
+                  </a:txBody>
+                  <a:tcPr/>
+                </a:tc>
+                <a:tc>
+                  <a:txBody>
+                    <a:bodyPr/>
+                    <a:lstStyle/>
+                    <a:p>
+                      <a:r>
+                        <a:rPr lang="pl-PL" dirty="0"/>
+                        <a:t>0.68</a:t>
+                      </a:r>
+                    </a:p>
+                  </a:txBody>
+                  <a:tcPr/>
+                </a:tc>
+                <a:tc>
+                  <a:txBody>
+                    <a:bodyPr/>
+                    <a:lstStyle/>
+                    <a:p>
+                      <a:r>
+                        <a:rPr lang="pl-PL" dirty="0"/>
+                        <a:t>0.31</a:t>
+                      </a:r>
+                    </a:p>
+                  </a:txBody>
+                  <a:tcPr/>
+                </a:tc>
+                <a:extLst>
+                  <a:ext uri="{0D108BD9-81ED-4DB2-BD59-A6C34878D82A}">
+                    <a16:rowId xmlns:a16="http://schemas.microsoft.com/office/drawing/2014/main" val="2539581018"/>
+                  </a:ext>
+                </a:extLst>
+              </a:tr>
+            </a:tbl>
+          </a:graphicData>
+        </a:graphic>
+      </p:graphicFrame>
     </p:spTree>
     <p:extLst>
       <p:ext uri="{BB962C8B-B14F-4D97-AF65-F5344CB8AC3E}">
-        <p14:creationId xmlns:p14="http://schemas.microsoft.com/office/powerpoint/2010/main" val="132315236"/>
+        <p14:creationId xmlns:p14="http://schemas.microsoft.com/office/powerpoint/2010/main" val="3076210770"/>
       </p:ext>
     </p:extLst>
   </p:cSld>
@@ -4072,6 +7215,15 @@
 <file path=ppt/slides/slide8.xml><?xml version="1.0" encoding="utf-8"?>
 <p:sld xmlns:a="http://schemas.openxmlformats.org/drawingml/2006/main" xmlns:r="http://schemas.openxmlformats.org/officeDocument/2006/relationships" xmlns:p="http://schemas.openxmlformats.org/presentationml/2006/main">
   <p:cSld>
+    <p:bg>
+      <p:bgPr>
+        <a:blipFill>
+          <a:blip r:embed="rId2"/>
+          <a:stretch/>
+        </a:blipFill>
+        <a:effectLst/>
+      </p:bgPr>
+    </p:bg>
     <p:spTree>
       <p:nvGrpSpPr>
         <p:cNvPr id="1" name=""/>
@@ -4091,7 +7243,7 @@
           <p:cNvPr id="2" name="Tytuł 1">
             <a:extLst>
               <a:ext uri="{FF2B5EF4-FFF2-40B4-BE49-F238E27FC236}">
-                <a16:creationId xmlns:a16="http://schemas.microsoft.com/office/drawing/2014/main" id="{29F46AC4-BA6F-A08A-6674-307A9EF00EF0}"/>
+                <a16:creationId xmlns:a16="http://schemas.microsoft.com/office/drawing/2014/main" id="{E7E5EF2C-CC04-2E39-4CEA-08B246B109BE}"/>
               </a:ext>
             </a:extLst>
           </p:cNvPr>
@@ -4102,16 +7254,36 @@
             <p:ph type="title"/>
           </p:nvPr>
         </p:nvSpPr>
-        <p:spPr/>
-        <p:txBody>
-          <a:bodyPr/>
-          <a:lstStyle/>
-          <a:p>
-            <a:r>
-              <a:rPr lang="pl-PL" dirty="0" err="1"/>
-              <a:t>Voting</a:t>
-            </a:r>
-            <a:endParaRPr lang="pl-PL" dirty="0"/>
+        <p:spPr>
+          <a:xfrm>
+            <a:off x="685800" y="1030288"/>
+            <a:ext cx="4495800" cy="1035579"/>
+          </a:xfrm>
+        </p:spPr>
+        <p:txBody>
+          <a:bodyPr>
+            <a:normAutofit/>
+          </a:bodyPr>
+          <a:lstStyle/>
+          <a:p>
+            <a:pPr>
+              <a:lnSpc>
+                <a:spcPct val="90000"/>
+              </a:lnSpc>
+            </a:pPr>
+            <a:r>
+              <a:rPr lang="pl-PL" sz="3300" dirty="0" err="1"/>
+              <a:t>Xgboost</a:t>
+            </a:r>
+            <a:r>
+              <a:rPr lang="pl-PL" sz="3300" dirty="0"/>
+              <a:t> i </a:t>
+            </a:r>
+            <a:r>
+              <a:rPr lang="pl-PL" sz="3300" dirty="0" err="1"/>
+              <a:t>Oversampling</a:t>
+            </a:r>
+            <a:endParaRPr lang="pl-PL" sz="3300" dirty="0"/>
           </a:p>
         </p:txBody>
       </p:sp>
@@ -4120,7 +7292,7 @@
           <p:cNvPr id="3" name="Symbol zastępczy zawartości 2">
             <a:extLst>
               <a:ext uri="{FF2B5EF4-FFF2-40B4-BE49-F238E27FC236}">
-                <a16:creationId xmlns:a16="http://schemas.microsoft.com/office/drawing/2014/main" id="{C0CFB3F9-BCAD-4D2D-36AF-E76F7797DDB9}"/>
+                <a16:creationId xmlns:a16="http://schemas.microsoft.com/office/drawing/2014/main" id="{DE1FB9D5-C325-1B04-B0D4-F3FCE8069C4E}"/>
               </a:ext>
             </a:extLst>
           </p:cNvPr>
@@ -4131,19 +7303,237 @@
             <p:ph idx="1"/>
           </p:nvPr>
         </p:nvSpPr>
-        <p:spPr/>
-        <p:txBody>
-          <a:bodyPr/>
-          <a:lstStyle/>
-          <a:p>
-            <a:endParaRPr lang="pl-PL"/>
-          </a:p>
-        </p:txBody>
-      </p:sp>
+        <p:spPr>
+          <a:xfrm>
+            <a:off x="685800" y="2142067"/>
+            <a:ext cx="4785744" cy="3649133"/>
+          </a:xfrm>
+        </p:spPr>
+        <p:txBody>
+          <a:bodyPr>
+            <a:normAutofit/>
+          </a:bodyPr>
+          <a:lstStyle/>
+          <a:p>
+            <a:r>
+              <a:rPr lang="pl-PL" dirty="0"/>
+              <a:t>Ze względu na fakt, że zbiór danych jest niezbalansowany (13 % kolumny target ma wartość 1, a 87 % przyjmuje wartość 0) zdecydowaliśmy się użyć metody </a:t>
+            </a:r>
+            <a:r>
+              <a:rPr lang="pl-PL" b="1" dirty="0" err="1"/>
+              <a:t>Oversamplingu</a:t>
+            </a:r>
+            <a:r>
+              <a:rPr lang="pl-PL" b="1" dirty="0"/>
+              <a:t>,</a:t>
+            </a:r>
+          </a:p>
+          <a:p>
+            <a:r>
+              <a:rPr lang="pl-PL" dirty="0"/>
+              <a:t>Wartość wskaźnika </a:t>
+            </a:r>
+            <a:r>
+              <a:rPr lang="pl-PL" b="1" dirty="0" err="1"/>
+              <a:t>accuracy</a:t>
+            </a:r>
+            <a:r>
+              <a:rPr lang="pl-PL" b="1" dirty="0"/>
+              <a:t> spadła </a:t>
+            </a:r>
+            <a:r>
+              <a:rPr lang="pl-PL" dirty="0"/>
+              <a:t>co widać na wykresie po lewej stronie, lecz wartość </a:t>
+            </a:r>
+            <a:r>
+              <a:rPr lang="pl-PL" b="1" dirty="0"/>
+              <a:t>ROC</a:t>
+            </a:r>
+            <a:r>
+              <a:rPr lang="pl-PL" dirty="0"/>
+              <a:t> utrzymała się na porównywalnej wartości.</a:t>
+            </a:r>
+          </a:p>
+        </p:txBody>
+      </p:sp>
+      <p:pic>
+        <p:nvPicPr>
+          <p:cNvPr id="5" name="Obraz 4">
+            <a:extLst>
+              <a:ext uri="{FF2B5EF4-FFF2-40B4-BE49-F238E27FC236}">
+                <a16:creationId xmlns:a16="http://schemas.microsoft.com/office/drawing/2014/main" id="{81355777-AFF2-00B5-CC24-E48B63FA3446}"/>
+              </a:ext>
+            </a:extLst>
+          </p:cNvPr>
+          <p:cNvPicPr>
+            <a:picLocks noChangeAspect="1"/>
+          </p:cNvPicPr>
+          <p:nvPr/>
+        </p:nvPicPr>
+        <p:blipFill>
+          <a:blip r:embed="rId3"/>
+          <a:stretch>
+            <a:fillRect/>
+          </a:stretch>
+        </p:blipFill>
+        <p:spPr>
+          <a:xfrm>
+            <a:off x="6442812" y="3429000"/>
+            <a:ext cx="4526097" cy="3021112"/>
+          </a:xfrm>
+          <a:prstGeom prst="roundRect">
+            <a:avLst>
+              <a:gd name="adj" fmla="val 7306"/>
+            </a:avLst>
+          </a:prstGeom>
+          <a:ln w="50800" cap="sq" cmpd="dbl">
+            <a:gradFill flip="none" rotWithShape="1">
+              <a:gsLst>
+                <a:gs pos="0">
+                  <a:srgbClr val="FFFFFF"/>
+                </a:gs>
+                <a:gs pos="100000">
+                  <a:schemeClr val="tx1">
+                    <a:alpha val="0"/>
+                  </a:schemeClr>
+                </a:gs>
+              </a:gsLst>
+              <a:path path="circle">
+                <a:fillToRect l="50000" t="50000" r="50000" b="50000"/>
+              </a:path>
+              <a:tileRect/>
+            </a:gradFill>
+            <a:miter lim="800000"/>
+          </a:ln>
+          <a:effectLst>
+            <a:outerShdw blurRad="254000" algn="tl" rotWithShape="0">
+              <a:srgbClr val="000000">
+                <a:alpha val="43000"/>
+              </a:srgbClr>
+            </a:outerShdw>
+          </a:effectLst>
+        </p:spPr>
+      </p:pic>
+      <p:pic>
+        <p:nvPicPr>
+          <p:cNvPr id="6" name="Obraz 5">
+            <a:extLst>
+              <a:ext uri="{FF2B5EF4-FFF2-40B4-BE49-F238E27FC236}">
+                <a16:creationId xmlns:a16="http://schemas.microsoft.com/office/drawing/2014/main" id="{AEB16783-551D-D36E-199F-1E9C24B27E90}"/>
+              </a:ext>
+            </a:extLst>
+          </p:cNvPr>
+          <p:cNvPicPr>
+            <a:picLocks noChangeAspect="1"/>
+          </p:cNvPicPr>
+          <p:nvPr/>
+        </p:nvPicPr>
+        <p:blipFill>
+          <a:blip r:embed="rId4"/>
+          <a:stretch>
+            <a:fillRect/>
+          </a:stretch>
+        </p:blipFill>
+        <p:spPr>
+          <a:xfrm>
+            <a:off x="8705860" y="794156"/>
+            <a:ext cx="3260225" cy="2143597"/>
+          </a:xfrm>
+          <a:prstGeom prst="roundRect">
+            <a:avLst>
+              <a:gd name="adj" fmla="val 7306"/>
+            </a:avLst>
+          </a:prstGeom>
+          <a:ln w="50800" cap="sq" cmpd="dbl">
+            <a:gradFill flip="none" rotWithShape="1">
+              <a:gsLst>
+                <a:gs pos="0">
+                  <a:srgbClr val="FFFFFF"/>
+                </a:gs>
+                <a:gs pos="100000">
+                  <a:schemeClr val="tx1">
+                    <a:alpha val="0"/>
+                  </a:schemeClr>
+                </a:gs>
+              </a:gsLst>
+              <a:path path="circle">
+                <a:fillToRect l="50000" t="50000" r="50000" b="50000"/>
+              </a:path>
+              <a:tileRect/>
+            </a:gradFill>
+            <a:miter lim="800000"/>
+          </a:ln>
+          <a:effectLst>
+            <a:outerShdw blurRad="254000" algn="tl" rotWithShape="0">
+              <a:srgbClr val="000000">
+                <a:alpha val="43000"/>
+              </a:srgbClr>
+            </a:outerShdw>
+          </a:effectLst>
+        </p:spPr>
+      </p:pic>
+      <p:pic>
+        <p:nvPicPr>
+          <p:cNvPr id="7" name="Obraz 6">
+            <a:extLst>
+              <a:ext uri="{FF2B5EF4-FFF2-40B4-BE49-F238E27FC236}">
+                <a16:creationId xmlns:a16="http://schemas.microsoft.com/office/drawing/2014/main" id="{A7A143FF-560E-39F4-2EFD-F94230683DFE}"/>
+              </a:ext>
+            </a:extLst>
+          </p:cNvPr>
+          <p:cNvPicPr>
+            <a:picLocks noChangeAspect="1"/>
+          </p:cNvPicPr>
+          <p:nvPr/>
+        </p:nvPicPr>
+        <p:blipFill>
+          <a:blip r:embed="rId5"/>
+          <a:stretch>
+            <a:fillRect/>
+          </a:stretch>
+        </p:blipFill>
+        <p:spPr>
+          <a:xfrm>
+            <a:off x="5096281" y="794156"/>
+            <a:ext cx="3438119" cy="2140230"/>
+          </a:xfrm>
+          <a:prstGeom prst="roundRect">
+            <a:avLst>
+              <a:gd name="adj" fmla="val 7306"/>
+            </a:avLst>
+          </a:prstGeom>
+          <a:ln w="50800" cap="sq" cmpd="dbl">
+            <a:gradFill flip="none" rotWithShape="1">
+              <a:gsLst>
+                <a:gs pos="0">
+                  <a:srgbClr val="FFFFFF"/>
+                </a:gs>
+                <a:gs pos="100000">
+                  <a:schemeClr val="tx1">
+                    <a:alpha val="0"/>
+                  </a:schemeClr>
+                </a:gs>
+              </a:gsLst>
+              <a:path path="circle">
+                <a:fillToRect l="50000" t="50000" r="50000" b="50000"/>
+              </a:path>
+              <a:tileRect/>
+            </a:gradFill>
+            <a:miter lim="800000"/>
+          </a:ln>
+          <a:effectLst>
+            <a:outerShdw blurRad="254000" algn="tl" rotWithShape="0">
+              <a:srgbClr val="000000">
+                <a:alpha val="43000"/>
+              </a:srgbClr>
+            </a:outerShdw>
+          </a:effectLst>
+        </p:spPr>
+      </p:pic>
     </p:spTree>
     <p:extLst>
       <p:ext uri="{BB962C8B-B14F-4D97-AF65-F5344CB8AC3E}">
-        <p14:creationId xmlns:p14="http://schemas.microsoft.com/office/powerpoint/2010/main" val="3183681039"/>
+        <p14:creationId xmlns:p14="http://schemas.microsoft.com/office/powerpoint/2010/main" val="132315236"/>
       </p:ext>
     </p:extLst>
   </p:cSld>
@@ -4175,7 +7565,7 @@
           <p:cNvPr id="2" name="Tytuł 1">
             <a:extLst>
               <a:ext uri="{FF2B5EF4-FFF2-40B4-BE49-F238E27FC236}">
-                <a16:creationId xmlns:a16="http://schemas.microsoft.com/office/drawing/2014/main" id="{68DBC995-71BC-034A-F241-97B43F02D8CB}"/>
+                <a16:creationId xmlns:a16="http://schemas.microsoft.com/office/drawing/2014/main" id="{29F46AC4-BA6F-A08A-6674-307A9EF00EF0}"/>
               </a:ext>
             </a:extLst>
           </p:cNvPr>
@@ -4193,7 +7583,7 @@
           <a:p>
             <a:r>
               <a:rPr lang="pl-PL" dirty="0" err="1"/>
-              <a:t>Summary</a:t>
+              <a:t>Voting</a:t>
             </a:r>
             <a:endParaRPr lang="pl-PL" dirty="0"/>
           </a:p>
@@ -4201,10 +7591,10 @@
       </p:sp>
       <p:sp>
         <p:nvSpPr>
-          <p:cNvPr id="3" name="Symbol zastępczy tekstu 2">
+          <p:cNvPr id="3" name="Symbol zastępczy zawartości 2">
             <a:extLst>
               <a:ext uri="{FF2B5EF4-FFF2-40B4-BE49-F238E27FC236}">
-                <a16:creationId xmlns:a16="http://schemas.microsoft.com/office/drawing/2014/main" id="{8BC4FB03-D5DD-E630-CC46-F8E659D2DCB4}"/>
+                <a16:creationId xmlns:a16="http://schemas.microsoft.com/office/drawing/2014/main" id="{C0CFB3F9-BCAD-4D2D-36AF-E76F7797DDB9}"/>
               </a:ext>
             </a:extLst>
           </p:cNvPr>
@@ -4212,7 +7602,7 @@
             <a:spLocks noGrp="1"/>
           </p:cNvSpPr>
           <p:nvPr>
-            <p:ph type="body" idx="1"/>
+            <p:ph idx="1"/>
           </p:nvPr>
         </p:nvSpPr>
         <p:spPr/>
@@ -4227,7 +7617,7 @@
     </p:spTree>
     <p:extLst>
       <p:ext uri="{BB962C8B-B14F-4D97-AF65-F5344CB8AC3E}">
-        <p14:creationId xmlns:p14="http://schemas.microsoft.com/office/powerpoint/2010/main" val="1109973879"/>
+        <p14:creationId xmlns:p14="http://schemas.microsoft.com/office/powerpoint/2010/main" val="3183681039"/>
       </p:ext>
     </p:extLst>
   </p:cSld>
@@ -4238,9 +7628,9 @@
 </file>
 
 <file path=ppt/theme/theme1.xml><?xml version="1.0" encoding="utf-8"?>
-<a:theme xmlns:a="http://schemas.openxmlformats.org/drawingml/2006/main" name="Motyw pakietu Office">
+<a:theme xmlns:a="http://schemas.openxmlformats.org/drawingml/2006/main" name="Sklepienie niebieskie">
   <a:themeElements>
-    <a:clrScheme name="Pakiet Office">
+    <a:clrScheme name="Sklepienie niebieskie">
       <a:dk1>
         <a:sysClr val="windowText" lastClr="000000"/>
       </a:dk1>
@@ -4248,44 +7638,44 @@
         <a:sysClr val="window" lastClr="FFFFFF"/>
       </a:lt1>
       <a:dk2>
-        <a:srgbClr val="44546A"/>
+        <a:srgbClr val="18276C"/>
       </a:dk2>
       <a:lt2>
-        <a:srgbClr val="E7E6E6"/>
+        <a:srgbClr val="EBEBEB"/>
       </a:lt2>
       <a:accent1>
-        <a:srgbClr val="4472C4"/>
+        <a:srgbClr val="AC3EC1"/>
       </a:accent1>
       <a:accent2>
-        <a:srgbClr val="ED7D31"/>
+        <a:srgbClr val="477BD1"/>
       </a:accent2>
       <a:accent3>
-        <a:srgbClr val="A5A5A5"/>
+        <a:srgbClr val="46B298"/>
       </a:accent3>
       <a:accent4>
-        <a:srgbClr val="FFC000"/>
+        <a:srgbClr val="90BA4C"/>
       </a:accent4>
       <a:accent5>
-        <a:srgbClr val="5B9BD5"/>
+        <a:srgbClr val="DD9D31"/>
       </a:accent5>
       <a:accent6>
-        <a:srgbClr val="70AD47"/>
+        <a:srgbClr val="E25247"/>
       </a:accent6>
       <a:hlink>
-        <a:srgbClr val="0563C1"/>
+        <a:srgbClr val="C573D2"/>
       </a:hlink>
       <a:folHlink>
-        <a:srgbClr val="954F72"/>
+        <a:srgbClr val="CCAEE8"/>
       </a:folHlink>
     </a:clrScheme>
-    <a:fontScheme name="Pakiet Office">
+    <a:fontScheme name="Sklepienie niebieskie">
       <a:majorFont>
         <a:latin typeface="Calibri Light" panose="020F0302020204030204"/>
         <a:ea typeface=""/>
         <a:cs typeface=""/>
-        <a:font script="Jpan" typeface="游ゴシック Light"/>
+        <a:font script="Jpan" typeface="ＭＳ Ｐゴシック"/>
         <a:font script="Hang" typeface="맑은 고딕"/>
-        <a:font script="Hans" typeface="等线 Light"/>
+        <a:font script="Hans" typeface="宋体"/>
         <a:font script="Hant" typeface="新細明體"/>
         <a:font script="Arab" typeface="Times New Roman"/>
         <a:font script="Hebr" typeface="Times New Roman"/>
@@ -4313,31 +7703,14 @@
         <a:font script="Viet" typeface="Times New Roman"/>
         <a:font script="Uigh" typeface="Microsoft Uighur"/>
         <a:font script="Geor" typeface="Sylfaen"/>
-        <a:font script="Armn" typeface="Arial"/>
-        <a:font script="Bugi" typeface="Leelawadee UI"/>
-        <a:font script="Bopo" typeface="Microsoft JhengHei"/>
-        <a:font script="Java" typeface="Javanese Text"/>
-        <a:font script="Lisu" typeface="Segoe UI"/>
-        <a:font script="Mymr" typeface="Myanmar Text"/>
-        <a:font script="Nkoo" typeface="Ebrima"/>
-        <a:font script="Olck" typeface="Nirmala UI"/>
-        <a:font script="Osma" typeface="Ebrima"/>
-        <a:font script="Phag" typeface="Phagspa"/>
-        <a:font script="Syrn" typeface="Estrangelo Edessa"/>
-        <a:font script="Syrj" typeface="Estrangelo Edessa"/>
-        <a:font script="Syre" typeface="Estrangelo Edessa"/>
-        <a:font script="Sora" typeface="Nirmala UI"/>
-        <a:font script="Tale" typeface="Microsoft Tai Le"/>
-        <a:font script="Talu" typeface="Microsoft New Tai Lue"/>
-        <a:font script="Tfng" typeface="Ebrima"/>
       </a:majorFont>
       <a:minorFont>
         <a:latin typeface="Calibri" panose="020F0502020204030204"/>
         <a:ea typeface=""/>
         <a:cs typeface=""/>
-        <a:font script="Jpan" typeface="游ゴシック"/>
+        <a:font script="Jpan" typeface="ＭＳ Ｐゴシック"/>
         <a:font script="Hang" typeface="맑은 고딕"/>
-        <a:font script="Hans" typeface="等线"/>
+        <a:font script="Hans" typeface="宋体"/>
         <a:font script="Hant" typeface="新細明體"/>
         <a:font script="Arab" typeface="Arial"/>
         <a:font script="Hebr" typeface="Arial"/>
@@ -4365,26 +7738,9 @@
         <a:font script="Viet" typeface="Arial"/>
         <a:font script="Uigh" typeface="Microsoft Uighur"/>
         <a:font script="Geor" typeface="Sylfaen"/>
-        <a:font script="Armn" typeface="Arial"/>
-        <a:font script="Bugi" typeface="Leelawadee UI"/>
-        <a:font script="Bopo" typeface="Microsoft JhengHei"/>
-        <a:font script="Java" typeface="Javanese Text"/>
-        <a:font script="Lisu" typeface="Segoe UI"/>
-        <a:font script="Mymr" typeface="Myanmar Text"/>
-        <a:font script="Nkoo" typeface="Ebrima"/>
-        <a:font script="Olck" typeface="Nirmala UI"/>
-        <a:font script="Osma" typeface="Ebrima"/>
-        <a:font script="Phag" typeface="Phagspa"/>
-        <a:font script="Syrn" typeface="Estrangelo Edessa"/>
-        <a:font script="Syrj" typeface="Estrangelo Edessa"/>
-        <a:font script="Syre" typeface="Estrangelo Edessa"/>
-        <a:font script="Sora" typeface="Nirmala UI"/>
-        <a:font script="Tale" typeface="Microsoft Tai Le"/>
-        <a:font script="Talu" typeface="Microsoft New Tai Lue"/>
-        <a:font script="Tfng" typeface="Ebrima"/>
       </a:minorFont>
     </a:fontScheme>
-    <a:fmtScheme name="Pakiet Office">
+    <a:fmtScheme name="Sklepienie niebieskie">
       <a:fillStyleLst>
         <a:solidFill>
           <a:schemeClr val="phClr"/>
@@ -4393,23 +7749,14 @@
           <a:gsLst>
             <a:gs pos="0">
               <a:schemeClr val="phClr">
+                <a:tint val="70000"/>
                 <a:lumMod val="110000"/>
-                <a:satMod val="105000"/>
-                <a:tint val="67000"/>
-              </a:schemeClr>
-            </a:gs>
-            <a:gs pos="50000">
-              <a:schemeClr val="phClr">
-                <a:lumMod val="105000"/>
-                <a:satMod val="103000"/>
-                <a:tint val="73000"/>
               </a:schemeClr>
             </a:gs>
             <a:gs pos="100000">
               <a:schemeClr val="phClr">
-                <a:lumMod val="105000"/>
-                <a:satMod val="109000"/>
-                <a:tint val="81000"/>
+                <a:tint val="82000"/>
+                <a:alpha val="74000"/>
               </a:schemeClr>
             </a:gs>
           </a:gsLst>
@@ -4419,50 +7766,38 @@
           <a:gsLst>
             <a:gs pos="0">
               <a:schemeClr val="phClr">
-                <a:satMod val="103000"/>
-                <a:lumMod val="102000"/>
-                <a:tint val="94000"/>
-              </a:schemeClr>
-            </a:gs>
-            <a:gs pos="50000">
-              <a:schemeClr val="phClr">
-                <a:satMod val="110000"/>
+                <a:tint val="98000"/>
                 <a:lumMod val="100000"/>
-                <a:shade val="100000"/>
               </a:schemeClr>
             </a:gs>
             <a:gs pos="100000">
               <a:schemeClr val="phClr">
-                <a:lumMod val="99000"/>
-                <a:satMod val="120000"/>
-                <a:shade val="78000"/>
+                <a:shade val="88000"/>
+                <a:lumMod val="88000"/>
               </a:schemeClr>
             </a:gs>
           </a:gsLst>
-          <a:lin ang="5400000" scaled="0"/>
+          <a:lin ang="5400000" scaled="1"/>
         </a:gradFill>
       </a:fillStyleLst>
       <a:lnStyleLst>
-        <a:ln w="6350" cap="flat" cmpd="sng" algn="ctr">
+        <a:ln w="9525" cap="rnd" cmpd="sng" algn="ctr">
           <a:solidFill>
             <a:schemeClr val="phClr"/>
           </a:solidFill>
           <a:prstDash val="solid"/>
-          <a:miter lim="800000"/>
         </a:ln>
-        <a:ln w="12700" cap="flat" cmpd="sng" algn="ctr">
+        <a:ln w="19050" cap="rnd" cmpd="sng" algn="ctr">
           <a:solidFill>
             <a:schemeClr val="phClr"/>
           </a:solidFill>
           <a:prstDash val="solid"/>
-          <a:miter lim="800000"/>
         </a:ln>
-        <a:ln w="19050" cap="flat" cmpd="sng" algn="ctr">
+        <a:ln w="25400" cap="rnd" cmpd="sng" algn="ctr">
           <a:solidFill>
             <a:schemeClr val="phClr"/>
           </a:solidFill>
           <a:prstDash val="solid"/>
-          <a:miter lim="800000"/>
         </a:ln>
       </a:lnStyleLst>
       <a:effectStyleLst>
@@ -4470,55 +7805,64 @@
           <a:effectLst/>
         </a:effectStyle>
         <a:effectStyle>
-          <a:effectLst/>
+          <a:effectLst>
+            <a:outerShdw blurRad="50800" dist="38100" dir="5400000" rotWithShape="0">
+              <a:srgbClr val="000000">
+                <a:alpha val="35000"/>
+              </a:srgbClr>
+            </a:outerShdw>
+          </a:effectLst>
         </a:effectStyle>
         <a:effectStyle>
           <a:effectLst>
-            <a:outerShdw blurRad="57150" dist="19050" dir="5400000" algn="ctr" rotWithShape="0">
+            <a:outerShdw blurRad="63500" dist="38100" dir="5400000" rotWithShape="0">
               <a:srgbClr val="000000">
-                <a:alpha val="63000"/>
+                <a:alpha val="65000"/>
               </a:srgbClr>
             </a:outerShdw>
           </a:effectLst>
+          <a:scene3d>
+            <a:camera prst="orthographicFront">
+              <a:rot lat="0" lon="0" rev="0"/>
+            </a:camera>
+            <a:lightRig rig="threePt" dir="tl">
+              <a:rot lat="0" lon="0" rev="1200000"/>
+            </a:lightRig>
+          </a:scene3d>
+          <a:sp3d>
+            <a:bevelT w="38100" h="12700"/>
+          </a:sp3d>
         </a:effectStyle>
       </a:effectStyleLst>
       <a:bgFillStyleLst>
         <a:solidFill>
           <a:schemeClr val="phClr"/>
         </a:solidFill>
-        <a:solidFill>
-          <a:schemeClr val="phClr">
-            <a:tint val="95000"/>
-            <a:satMod val="170000"/>
-          </a:schemeClr>
-        </a:solidFill>
         <a:gradFill rotWithShape="1">
           <a:gsLst>
             <a:gs pos="0">
               <a:schemeClr val="phClr">
-                <a:tint val="93000"/>
-                <a:satMod val="150000"/>
-                <a:shade val="98000"/>
-                <a:lumMod val="102000"/>
-              </a:schemeClr>
-            </a:gs>
-            <a:gs pos="50000">
-              <a:schemeClr val="phClr">
-                <a:tint val="98000"/>
-                <a:satMod val="130000"/>
-                <a:shade val="90000"/>
-                <a:lumMod val="103000"/>
+                <a:tint val="90000"/>
+                <a:shade val="96000"/>
+                <a:hueMod val="100000"/>
+                <a:satMod val="180000"/>
+                <a:lumMod val="110000"/>
               </a:schemeClr>
             </a:gs>
             <a:gs pos="100000">
               <a:schemeClr val="phClr">
-                <a:shade val="63000"/>
-                <a:satMod val="120000"/>
+                <a:shade val="96000"/>
+                <a:satMod val="160000"/>
+                <a:lumMod val="100000"/>
               </a:schemeClr>
             </a:gs>
           </a:gsLst>
-          <a:lin ang="5400000" scaled="0"/>
+          <a:lin ang="4740000" scaled="1"/>
         </a:gradFill>
+        <a:blipFill>
+          <a:blip xmlns:r="http://schemas.openxmlformats.org/officeDocument/2006/relationships" r:embed="rId1"/>
+          <a:stretch/>
+        </a:blipFill>
       </a:bgFillStyleLst>
     </a:fmtScheme>
   </a:themeElements>
@@ -4526,7 +7870,7 @@
   <a:extraClrSchemeLst/>
   <a:extLst>
     <a:ext uri="{05A4C25C-085E-4340-85A3-A5531E510DB2}">
-      <thm15:themeFamily xmlns:thm15="http://schemas.microsoft.com/office/thememl/2012/main" name="Office Theme" id="{62F939B6-93AF-4DB8-9C6B-D6C7DFDC589F}" vid="{4A3C46E8-61CC-4603-A589-7422A47A8E4A}"/>
+      <thm15:themeFamily xmlns:thm15="http://schemas.microsoft.com/office/thememl/2012/main" name="Celestial" id="{C4BB2A3D-0E93-4C5F-B0D2-9D3FCE089CC5}" vid="{42E5908D-19A2-46FD-89FA-638B126129EF}"/>
     </a:ext>
   </a:extLst>
 </a:theme>

--- a/prezka.pptx
+++ b/prezka.pptx
@@ -4,17 +4,22 @@
   <p:sldMasterIdLst>
     <p:sldMasterId id="2147483697" r:id="rId1"/>
   </p:sldMasterIdLst>
+  <p:notesMasterIdLst>
+    <p:notesMasterId r:id="rId14"/>
+  </p:notesMasterIdLst>
   <p:sldIdLst>
     <p:sldId id="256" r:id="rId2"/>
     <p:sldId id="257" r:id="rId3"/>
     <p:sldId id="258" r:id="rId4"/>
     <p:sldId id="259" r:id="rId5"/>
-    <p:sldId id="260" r:id="rId6"/>
-    <p:sldId id="261" r:id="rId7"/>
-    <p:sldId id="266" r:id="rId8"/>
-    <p:sldId id="262" r:id="rId9"/>
-    <p:sldId id="263" r:id="rId10"/>
-    <p:sldId id="265" r:id="rId11"/>
+    <p:sldId id="270" r:id="rId6"/>
+    <p:sldId id="266" r:id="rId7"/>
+    <p:sldId id="262" r:id="rId8"/>
+    <p:sldId id="263" r:id="rId9"/>
+    <p:sldId id="269" r:id="rId10"/>
+    <p:sldId id="268" r:id="rId11"/>
+    <p:sldId id="267" r:id="rId12"/>
+    <p:sldId id="265" r:id="rId13"/>
   </p:sldIdLst>
   <p:sldSz cx="12192000" cy="6858000"/>
   <p:notesSz cx="6858000" cy="9144000"/>
@@ -119,6 +124,871 @@
     </p:ext>
   </p:extLst>
 </p:presentation>
+</file>
+
+<file path=ppt/notesMasters/notesMaster1.xml><?xml version="1.0" encoding="utf-8"?>
+<p:notesMaster xmlns:a="http://schemas.openxmlformats.org/drawingml/2006/main" xmlns:r="http://schemas.openxmlformats.org/officeDocument/2006/relationships" xmlns:p="http://schemas.openxmlformats.org/presentationml/2006/main">
+  <p:cSld>
+    <p:bg>
+      <p:bgRef idx="1001">
+        <a:schemeClr val="bg1"/>
+      </p:bgRef>
+    </p:bg>
+    <p:spTree>
+      <p:nvGrpSpPr>
+        <p:cNvPr id="1" name=""/>
+        <p:cNvGrpSpPr/>
+        <p:nvPr/>
+      </p:nvGrpSpPr>
+      <p:grpSpPr>
+        <a:xfrm>
+          <a:off x="0" y="0"/>
+          <a:ext cx="0" cy="0"/>
+          <a:chOff x="0" y="0"/>
+          <a:chExt cx="0" cy="0"/>
+        </a:xfrm>
+      </p:grpSpPr>
+      <p:sp>
+        <p:nvSpPr>
+          <p:cNvPr id="2" name="Symbol zastępczy nagłówka 1"/>
+          <p:cNvSpPr>
+            <a:spLocks noGrp="1"/>
+          </p:cNvSpPr>
+          <p:nvPr>
+            <p:ph type="hdr" sz="quarter"/>
+          </p:nvPr>
+        </p:nvSpPr>
+        <p:spPr>
+          <a:xfrm>
+            <a:off x="0" y="0"/>
+            <a:ext cx="2971800" cy="458788"/>
+          </a:xfrm>
+          <a:prstGeom prst="rect">
+            <a:avLst/>
+          </a:prstGeom>
+        </p:spPr>
+        <p:txBody>
+          <a:bodyPr vert="horz" lIns="91440" tIns="45720" rIns="91440" bIns="45720" rtlCol="0"/>
+          <a:lstStyle>
+            <a:lvl1pPr algn="l">
+              <a:defRPr sz="1200"/>
+            </a:lvl1pPr>
+          </a:lstStyle>
+          <a:p>
+            <a:endParaRPr lang="pl-PL"/>
+          </a:p>
+        </p:txBody>
+      </p:sp>
+      <p:sp>
+        <p:nvSpPr>
+          <p:cNvPr id="3" name="Symbol zastępczy daty 2"/>
+          <p:cNvSpPr>
+            <a:spLocks noGrp="1"/>
+          </p:cNvSpPr>
+          <p:nvPr>
+            <p:ph type="dt" idx="1"/>
+          </p:nvPr>
+        </p:nvSpPr>
+        <p:spPr>
+          <a:xfrm>
+            <a:off x="3884613" y="0"/>
+            <a:ext cx="2971800" cy="458788"/>
+          </a:xfrm>
+          <a:prstGeom prst="rect">
+            <a:avLst/>
+          </a:prstGeom>
+        </p:spPr>
+        <p:txBody>
+          <a:bodyPr vert="horz" lIns="91440" tIns="45720" rIns="91440" bIns="45720" rtlCol="0"/>
+          <a:lstStyle>
+            <a:lvl1pPr algn="r">
+              <a:defRPr sz="1200"/>
+            </a:lvl1pPr>
+          </a:lstStyle>
+          <a:p>
+            <a:fld id="{244F743C-CD00-4FD4-81BB-815A4BFC48DA}" type="datetimeFigureOut">
+              <a:rPr lang="pl-PL" smtClean="0"/>
+              <a:t>16.05.2023</a:t>
+            </a:fld>
+            <a:endParaRPr lang="pl-PL"/>
+          </a:p>
+        </p:txBody>
+      </p:sp>
+      <p:sp>
+        <p:nvSpPr>
+          <p:cNvPr id="4" name="Symbol zastępczy obrazu slajdu 3"/>
+          <p:cNvSpPr>
+            <a:spLocks noGrp="1" noRot="1" noChangeAspect="1"/>
+          </p:cNvSpPr>
+          <p:nvPr>
+            <p:ph type="sldImg" idx="2"/>
+          </p:nvPr>
+        </p:nvSpPr>
+        <p:spPr>
+          <a:xfrm>
+            <a:off x="685800" y="1143000"/>
+            <a:ext cx="5486400" cy="3086100"/>
+          </a:xfrm>
+          <a:prstGeom prst="rect">
+            <a:avLst/>
+          </a:prstGeom>
+          <a:noFill/>
+          <a:ln w="12700">
+            <a:solidFill>
+              <a:prstClr val="black"/>
+            </a:solidFill>
+          </a:ln>
+        </p:spPr>
+        <p:txBody>
+          <a:bodyPr vert="horz" lIns="91440" tIns="45720" rIns="91440" bIns="45720" rtlCol="0" anchor="ctr"/>
+          <a:lstStyle/>
+          <a:p>
+            <a:endParaRPr lang="pl-PL"/>
+          </a:p>
+        </p:txBody>
+      </p:sp>
+      <p:sp>
+        <p:nvSpPr>
+          <p:cNvPr id="5" name="Symbol zastępczy notatek 4"/>
+          <p:cNvSpPr>
+            <a:spLocks noGrp="1"/>
+          </p:cNvSpPr>
+          <p:nvPr>
+            <p:ph type="body" sz="quarter" idx="3"/>
+          </p:nvPr>
+        </p:nvSpPr>
+        <p:spPr>
+          <a:xfrm>
+            <a:off x="685800" y="4400550"/>
+            <a:ext cx="5486400" cy="3600450"/>
+          </a:xfrm>
+          <a:prstGeom prst="rect">
+            <a:avLst/>
+          </a:prstGeom>
+        </p:spPr>
+        <p:txBody>
+          <a:bodyPr vert="horz" lIns="91440" tIns="45720" rIns="91440" bIns="45720" rtlCol="0"/>
+          <a:lstStyle/>
+          <a:p>
+            <a:pPr lvl="0"/>
+            <a:r>
+              <a:rPr lang="pl-PL"/>
+              <a:t>Kliknij, aby edytować style wzorca tekstu</a:t>
+            </a:r>
+          </a:p>
+          <a:p>
+            <a:pPr lvl="1"/>
+            <a:r>
+              <a:rPr lang="pl-PL"/>
+              <a:t>Drugi poziom</a:t>
+            </a:r>
+          </a:p>
+          <a:p>
+            <a:pPr lvl="2"/>
+            <a:r>
+              <a:rPr lang="pl-PL"/>
+              <a:t>Trzeci poziom</a:t>
+            </a:r>
+          </a:p>
+          <a:p>
+            <a:pPr lvl="3"/>
+            <a:r>
+              <a:rPr lang="pl-PL"/>
+              <a:t>Czwarty poziom</a:t>
+            </a:r>
+          </a:p>
+          <a:p>
+            <a:pPr lvl="4"/>
+            <a:r>
+              <a:rPr lang="pl-PL"/>
+              <a:t>Piąty poziom</a:t>
+            </a:r>
+          </a:p>
+        </p:txBody>
+      </p:sp>
+      <p:sp>
+        <p:nvSpPr>
+          <p:cNvPr id="6" name="Symbol zastępczy stopki 5"/>
+          <p:cNvSpPr>
+            <a:spLocks noGrp="1"/>
+          </p:cNvSpPr>
+          <p:nvPr>
+            <p:ph type="ftr" sz="quarter" idx="4"/>
+          </p:nvPr>
+        </p:nvSpPr>
+        <p:spPr>
+          <a:xfrm>
+            <a:off x="0" y="8685213"/>
+            <a:ext cx="2971800" cy="458787"/>
+          </a:xfrm>
+          <a:prstGeom prst="rect">
+            <a:avLst/>
+          </a:prstGeom>
+        </p:spPr>
+        <p:txBody>
+          <a:bodyPr vert="horz" lIns="91440" tIns="45720" rIns="91440" bIns="45720" rtlCol="0" anchor="b"/>
+          <a:lstStyle>
+            <a:lvl1pPr algn="l">
+              <a:defRPr sz="1200"/>
+            </a:lvl1pPr>
+          </a:lstStyle>
+          <a:p>
+            <a:endParaRPr lang="pl-PL"/>
+          </a:p>
+        </p:txBody>
+      </p:sp>
+      <p:sp>
+        <p:nvSpPr>
+          <p:cNvPr id="7" name="Symbol zastępczy numeru slajdu 6"/>
+          <p:cNvSpPr>
+            <a:spLocks noGrp="1"/>
+          </p:cNvSpPr>
+          <p:nvPr>
+            <p:ph type="sldNum" sz="quarter" idx="5"/>
+          </p:nvPr>
+        </p:nvSpPr>
+        <p:spPr>
+          <a:xfrm>
+            <a:off x="3884613" y="8685213"/>
+            <a:ext cx="2971800" cy="458787"/>
+          </a:xfrm>
+          <a:prstGeom prst="rect">
+            <a:avLst/>
+          </a:prstGeom>
+        </p:spPr>
+        <p:txBody>
+          <a:bodyPr vert="horz" lIns="91440" tIns="45720" rIns="91440" bIns="45720" rtlCol="0" anchor="b"/>
+          <a:lstStyle>
+            <a:lvl1pPr algn="r">
+              <a:defRPr sz="1200"/>
+            </a:lvl1pPr>
+          </a:lstStyle>
+          <a:p>
+            <a:fld id="{13251115-DB67-4158-A929-62B97692118A}" type="slidenum">
+              <a:rPr lang="pl-PL" smtClean="0"/>
+              <a:t>‹#›</a:t>
+            </a:fld>
+            <a:endParaRPr lang="pl-PL"/>
+          </a:p>
+        </p:txBody>
+      </p:sp>
+    </p:spTree>
+    <p:extLst>
+      <p:ext uri="{BB962C8B-B14F-4D97-AF65-F5344CB8AC3E}">
+        <p14:creationId xmlns:p14="http://schemas.microsoft.com/office/powerpoint/2010/main" val="794936583"/>
+      </p:ext>
+    </p:extLst>
+  </p:cSld>
+  <p:clrMap bg1="lt1" tx1="dk1" bg2="lt2" tx2="dk2" accent1="accent1" accent2="accent2" accent3="accent3" accent4="accent4" accent5="accent5" accent6="accent6" hlink="hlink" folHlink="folHlink"/>
+  <p:notesStyle>
+    <a:lvl1pPr marL="0" algn="l" defTabSz="914400" rtl="0" eaLnBrk="1" latinLnBrk="0" hangingPunct="1">
+      <a:defRPr sz="1200" kern="1200">
+        <a:solidFill>
+          <a:schemeClr val="tx1"/>
+        </a:solidFill>
+        <a:latin typeface="+mn-lt"/>
+        <a:ea typeface="+mn-ea"/>
+        <a:cs typeface="+mn-cs"/>
+      </a:defRPr>
+    </a:lvl1pPr>
+    <a:lvl2pPr marL="457200" algn="l" defTabSz="914400" rtl="0" eaLnBrk="1" latinLnBrk="0" hangingPunct="1">
+      <a:defRPr sz="1200" kern="1200">
+        <a:solidFill>
+          <a:schemeClr val="tx1"/>
+        </a:solidFill>
+        <a:latin typeface="+mn-lt"/>
+        <a:ea typeface="+mn-ea"/>
+        <a:cs typeface="+mn-cs"/>
+      </a:defRPr>
+    </a:lvl2pPr>
+    <a:lvl3pPr marL="914400" algn="l" defTabSz="914400" rtl="0" eaLnBrk="1" latinLnBrk="0" hangingPunct="1">
+      <a:defRPr sz="1200" kern="1200">
+        <a:solidFill>
+          <a:schemeClr val="tx1"/>
+        </a:solidFill>
+        <a:latin typeface="+mn-lt"/>
+        <a:ea typeface="+mn-ea"/>
+        <a:cs typeface="+mn-cs"/>
+      </a:defRPr>
+    </a:lvl3pPr>
+    <a:lvl4pPr marL="1371600" algn="l" defTabSz="914400" rtl="0" eaLnBrk="1" latinLnBrk="0" hangingPunct="1">
+      <a:defRPr sz="1200" kern="1200">
+        <a:solidFill>
+          <a:schemeClr val="tx1"/>
+        </a:solidFill>
+        <a:latin typeface="+mn-lt"/>
+        <a:ea typeface="+mn-ea"/>
+        <a:cs typeface="+mn-cs"/>
+      </a:defRPr>
+    </a:lvl4pPr>
+    <a:lvl5pPr marL="1828800" algn="l" defTabSz="914400" rtl="0" eaLnBrk="1" latinLnBrk="0" hangingPunct="1">
+      <a:defRPr sz="1200" kern="1200">
+        <a:solidFill>
+          <a:schemeClr val="tx1"/>
+        </a:solidFill>
+        <a:latin typeface="+mn-lt"/>
+        <a:ea typeface="+mn-ea"/>
+        <a:cs typeface="+mn-cs"/>
+      </a:defRPr>
+    </a:lvl5pPr>
+    <a:lvl6pPr marL="2286000" algn="l" defTabSz="914400" rtl="0" eaLnBrk="1" latinLnBrk="0" hangingPunct="1">
+      <a:defRPr sz="1200" kern="1200">
+        <a:solidFill>
+          <a:schemeClr val="tx1"/>
+        </a:solidFill>
+        <a:latin typeface="+mn-lt"/>
+        <a:ea typeface="+mn-ea"/>
+        <a:cs typeface="+mn-cs"/>
+      </a:defRPr>
+    </a:lvl6pPr>
+    <a:lvl7pPr marL="2743200" algn="l" defTabSz="914400" rtl="0" eaLnBrk="1" latinLnBrk="0" hangingPunct="1">
+      <a:defRPr sz="1200" kern="1200">
+        <a:solidFill>
+          <a:schemeClr val="tx1"/>
+        </a:solidFill>
+        <a:latin typeface="+mn-lt"/>
+        <a:ea typeface="+mn-ea"/>
+        <a:cs typeface="+mn-cs"/>
+      </a:defRPr>
+    </a:lvl7pPr>
+    <a:lvl8pPr marL="3200400" algn="l" defTabSz="914400" rtl="0" eaLnBrk="1" latinLnBrk="0" hangingPunct="1">
+      <a:defRPr sz="1200" kern="1200">
+        <a:solidFill>
+          <a:schemeClr val="tx1"/>
+        </a:solidFill>
+        <a:latin typeface="+mn-lt"/>
+        <a:ea typeface="+mn-ea"/>
+        <a:cs typeface="+mn-cs"/>
+      </a:defRPr>
+    </a:lvl8pPr>
+    <a:lvl9pPr marL="3657600" algn="l" defTabSz="914400" rtl="0" eaLnBrk="1" latinLnBrk="0" hangingPunct="1">
+      <a:defRPr sz="1200" kern="1200">
+        <a:solidFill>
+          <a:schemeClr val="tx1"/>
+        </a:solidFill>
+        <a:latin typeface="+mn-lt"/>
+        <a:ea typeface="+mn-ea"/>
+        <a:cs typeface="+mn-cs"/>
+      </a:defRPr>
+    </a:lvl9pPr>
+  </p:notesStyle>
+</p:notesMaster>
+</file>
+
+<file path=ppt/notesSlides/notesSlide1.xml><?xml version="1.0" encoding="utf-8"?>
+<p:notes xmlns:a="http://schemas.openxmlformats.org/drawingml/2006/main" xmlns:r="http://schemas.openxmlformats.org/officeDocument/2006/relationships" xmlns:p="http://schemas.openxmlformats.org/presentationml/2006/main">
+  <p:cSld>
+    <p:spTree>
+      <p:nvGrpSpPr>
+        <p:cNvPr id="1" name=""/>
+        <p:cNvGrpSpPr/>
+        <p:nvPr/>
+      </p:nvGrpSpPr>
+      <p:grpSpPr>
+        <a:xfrm>
+          <a:off x="0" y="0"/>
+          <a:ext cx="0" cy="0"/>
+          <a:chOff x="0" y="0"/>
+          <a:chExt cx="0" cy="0"/>
+        </a:xfrm>
+      </p:grpSpPr>
+      <p:sp>
+        <p:nvSpPr>
+          <p:cNvPr id="2" name="Symbol zastępczy obrazu slajdu 1"/>
+          <p:cNvSpPr>
+            <a:spLocks noGrp="1" noRot="1" noChangeAspect="1"/>
+          </p:cNvSpPr>
+          <p:nvPr>
+            <p:ph type="sldImg"/>
+          </p:nvPr>
+        </p:nvSpPr>
+        <p:spPr/>
+      </p:sp>
+      <p:sp>
+        <p:nvSpPr>
+          <p:cNvPr id="3" name="Symbol zastępczy notatek 2"/>
+          <p:cNvSpPr>
+            <a:spLocks noGrp="1"/>
+          </p:cNvSpPr>
+          <p:nvPr>
+            <p:ph type="body" idx="1"/>
+          </p:nvPr>
+        </p:nvSpPr>
+        <p:spPr/>
+        <p:txBody>
+          <a:bodyPr/>
+          <a:lstStyle/>
+          <a:p>
+            <a:r>
+              <a:rPr lang="pl-PL" dirty="0"/>
+              <a:t>Na podstawie danych o kupowanych samochodach na aukcjach w stanach zjednoczonych należy przewidzieć czy dany samochód będzie dobrym zakupem.</a:t>
+            </a:r>
+          </a:p>
+        </p:txBody>
+      </p:sp>
+      <p:sp>
+        <p:nvSpPr>
+          <p:cNvPr id="4" name="Symbol zastępczy numeru slajdu 3"/>
+          <p:cNvSpPr>
+            <a:spLocks noGrp="1"/>
+          </p:cNvSpPr>
+          <p:nvPr>
+            <p:ph type="sldNum" sz="quarter" idx="5"/>
+          </p:nvPr>
+        </p:nvSpPr>
+        <p:spPr/>
+        <p:txBody>
+          <a:bodyPr/>
+          <a:lstStyle/>
+          <a:p>
+            <a:fld id="{13251115-DB67-4158-A929-62B97692118A}" type="slidenum">
+              <a:rPr lang="pl-PL" smtClean="0"/>
+              <a:t>2</a:t>
+            </a:fld>
+            <a:endParaRPr lang="pl-PL"/>
+          </a:p>
+        </p:txBody>
+      </p:sp>
+    </p:spTree>
+    <p:extLst>
+      <p:ext uri="{BB962C8B-B14F-4D97-AF65-F5344CB8AC3E}">
+        <p14:creationId xmlns:p14="http://schemas.microsoft.com/office/powerpoint/2010/main" val="1890720072"/>
+      </p:ext>
+    </p:extLst>
+  </p:cSld>
+  <p:clrMapOvr>
+    <a:masterClrMapping/>
+  </p:clrMapOvr>
+</p:notes>
+</file>
+
+<file path=ppt/notesSlides/notesSlide2.xml><?xml version="1.0" encoding="utf-8"?>
+<p:notes xmlns:a="http://schemas.openxmlformats.org/drawingml/2006/main" xmlns:r="http://schemas.openxmlformats.org/officeDocument/2006/relationships" xmlns:p="http://schemas.openxmlformats.org/presentationml/2006/main">
+  <p:cSld>
+    <p:spTree>
+      <p:nvGrpSpPr>
+        <p:cNvPr id="1" name=""/>
+        <p:cNvGrpSpPr/>
+        <p:nvPr/>
+      </p:nvGrpSpPr>
+      <p:grpSpPr>
+        <a:xfrm>
+          <a:off x="0" y="0"/>
+          <a:ext cx="0" cy="0"/>
+          <a:chOff x="0" y="0"/>
+          <a:chExt cx="0" cy="0"/>
+        </a:xfrm>
+      </p:grpSpPr>
+      <p:sp>
+        <p:nvSpPr>
+          <p:cNvPr id="2" name="Symbol zastępczy obrazu slajdu 1"/>
+          <p:cNvSpPr>
+            <a:spLocks noGrp="1" noRot="1" noChangeAspect="1"/>
+          </p:cNvSpPr>
+          <p:nvPr>
+            <p:ph type="sldImg"/>
+          </p:nvPr>
+        </p:nvSpPr>
+        <p:spPr/>
+      </p:sp>
+      <p:sp>
+        <p:nvSpPr>
+          <p:cNvPr id="3" name="Symbol zastępczy notatek 2"/>
+          <p:cNvSpPr>
+            <a:spLocks noGrp="1"/>
+          </p:cNvSpPr>
+          <p:nvPr>
+            <p:ph type="body" idx="1"/>
+          </p:nvPr>
+        </p:nvSpPr>
+        <p:spPr/>
+        <p:txBody>
+          <a:bodyPr/>
+          <a:lstStyle/>
+          <a:p>
+            <a:endParaRPr lang="pl-PL" dirty="0"/>
+          </a:p>
+        </p:txBody>
+      </p:sp>
+      <p:sp>
+        <p:nvSpPr>
+          <p:cNvPr id="4" name="Symbol zastępczy numeru slajdu 3"/>
+          <p:cNvSpPr>
+            <a:spLocks noGrp="1"/>
+          </p:cNvSpPr>
+          <p:nvPr>
+            <p:ph type="sldNum" sz="quarter" idx="5"/>
+          </p:nvPr>
+        </p:nvSpPr>
+        <p:spPr/>
+        <p:txBody>
+          <a:bodyPr/>
+          <a:lstStyle/>
+          <a:p>
+            <a:fld id="{13251115-DB67-4158-A929-62B97692118A}" type="slidenum">
+              <a:rPr lang="pl-PL" smtClean="0"/>
+              <a:t>4</a:t>
+            </a:fld>
+            <a:endParaRPr lang="pl-PL"/>
+          </a:p>
+        </p:txBody>
+      </p:sp>
+    </p:spTree>
+    <p:extLst>
+      <p:ext uri="{BB962C8B-B14F-4D97-AF65-F5344CB8AC3E}">
+        <p14:creationId xmlns:p14="http://schemas.microsoft.com/office/powerpoint/2010/main" val="3312218882"/>
+      </p:ext>
+    </p:extLst>
+  </p:cSld>
+  <p:clrMapOvr>
+    <a:masterClrMapping/>
+  </p:clrMapOvr>
+</p:notes>
+</file>
+
+<file path=ppt/notesSlides/notesSlide3.xml><?xml version="1.0" encoding="utf-8"?>
+<p:notes xmlns:a="http://schemas.openxmlformats.org/drawingml/2006/main" xmlns:r="http://schemas.openxmlformats.org/officeDocument/2006/relationships" xmlns:p="http://schemas.openxmlformats.org/presentationml/2006/main">
+  <p:cSld>
+    <p:spTree>
+      <p:nvGrpSpPr>
+        <p:cNvPr id="1" name=""/>
+        <p:cNvGrpSpPr/>
+        <p:nvPr/>
+      </p:nvGrpSpPr>
+      <p:grpSpPr>
+        <a:xfrm>
+          <a:off x="0" y="0"/>
+          <a:ext cx="0" cy="0"/>
+          <a:chOff x="0" y="0"/>
+          <a:chExt cx="0" cy="0"/>
+        </a:xfrm>
+      </p:grpSpPr>
+      <p:sp>
+        <p:nvSpPr>
+          <p:cNvPr id="2" name="Symbol zastępczy obrazu slajdu 1"/>
+          <p:cNvSpPr>
+            <a:spLocks noGrp="1" noRot="1" noChangeAspect="1"/>
+          </p:cNvSpPr>
+          <p:nvPr>
+            <p:ph type="sldImg"/>
+          </p:nvPr>
+        </p:nvSpPr>
+        <p:spPr/>
+      </p:sp>
+      <p:sp>
+        <p:nvSpPr>
+          <p:cNvPr id="3" name="Symbol zastępczy notatek 2"/>
+          <p:cNvSpPr>
+            <a:spLocks noGrp="1"/>
+          </p:cNvSpPr>
+          <p:nvPr>
+            <p:ph type="body" idx="1"/>
+          </p:nvPr>
+        </p:nvSpPr>
+        <p:spPr/>
+        <p:txBody>
+          <a:bodyPr/>
+          <a:lstStyle/>
+          <a:p>
+            <a:r>
+              <a:rPr lang="pl-PL" dirty="0"/>
+              <a:t>Wśród trenowanych modeli znalazły się te powyżej</a:t>
+            </a:r>
+          </a:p>
+          <a:p>
+            <a:endParaRPr lang="pl-PL" dirty="0"/>
+          </a:p>
+          <a:p>
+            <a:endParaRPr lang="pl-PL" dirty="0"/>
+          </a:p>
+        </p:txBody>
+      </p:sp>
+      <p:sp>
+        <p:nvSpPr>
+          <p:cNvPr id="4" name="Symbol zastępczy numeru slajdu 3"/>
+          <p:cNvSpPr>
+            <a:spLocks noGrp="1"/>
+          </p:cNvSpPr>
+          <p:nvPr>
+            <p:ph type="sldNum" sz="quarter" idx="5"/>
+          </p:nvPr>
+        </p:nvSpPr>
+        <p:spPr/>
+        <p:txBody>
+          <a:bodyPr/>
+          <a:lstStyle/>
+          <a:p>
+            <a:fld id="{C12F697F-AD73-4570-9A8C-8DD8E066A536}" type="slidenum">
+              <a:rPr lang="pl-PL" smtClean="0"/>
+              <a:t>5</a:t>
+            </a:fld>
+            <a:endParaRPr lang="pl-PL"/>
+          </a:p>
+        </p:txBody>
+      </p:sp>
+    </p:spTree>
+    <p:extLst>
+      <p:ext uri="{BB962C8B-B14F-4D97-AF65-F5344CB8AC3E}">
+        <p14:creationId xmlns:p14="http://schemas.microsoft.com/office/powerpoint/2010/main" val="1862778641"/>
+      </p:ext>
+    </p:extLst>
+  </p:cSld>
+  <p:clrMapOvr>
+    <a:masterClrMapping/>
+  </p:clrMapOvr>
+</p:notes>
+</file>
+
+<file path=ppt/notesSlides/notesSlide4.xml><?xml version="1.0" encoding="utf-8"?>
+<p:notes xmlns:a="http://schemas.openxmlformats.org/drawingml/2006/main" xmlns:r="http://schemas.openxmlformats.org/officeDocument/2006/relationships" xmlns:p="http://schemas.openxmlformats.org/presentationml/2006/main">
+  <p:cSld>
+    <p:spTree>
+      <p:nvGrpSpPr>
+        <p:cNvPr id="1" name=""/>
+        <p:cNvGrpSpPr/>
+        <p:nvPr/>
+      </p:nvGrpSpPr>
+      <p:grpSpPr>
+        <a:xfrm>
+          <a:off x="0" y="0"/>
+          <a:ext cx="0" cy="0"/>
+          <a:chOff x="0" y="0"/>
+          <a:chExt cx="0" cy="0"/>
+        </a:xfrm>
+      </p:grpSpPr>
+      <p:sp>
+        <p:nvSpPr>
+          <p:cNvPr id="2" name="Symbol zastępczy obrazu slajdu 1"/>
+          <p:cNvSpPr>
+            <a:spLocks noGrp="1" noRot="1" noChangeAspect="1"/>
+          </p:cNvSpPr>
+          <p:nvPr>
+            <p:ph type="sldImg"/>
+          </p:nvPr>
+        </p:nvSpPr>
+        <p:spPr/>
+      </p:sp>
+      <p:sp>
+        <p:nvSpPr>
+          <p:cNvPr id="3" name="Symbol zastępczy notatek 2"/>
+          <p:cNvSpPr>
+            <a:spLocks noGrp="1"/>
+          </p:cNvSpPr>
+          <p:nvPr>
+            <p:ph type="body" idx="1"/>
+          </p:nvPr>
+        </p:nvSpPr>
+        <p:spPr/>
+        <p:txBody>
+          <a:bodyPr/>
+          <a:lstStyle/>
+          <a:p>
+            <a:endParaRPr lang="pl-PL" dirty="0"/>
+          </a:p>
+        </p:txBody>
+      </p:sp>
+      <p:sp>
+        <p:nvSpPr>
+          <p:cNvPr id="4" name="Symbol zastępczy numeru slajdu 3"/>
+          <p:cNvSpPr>
+            <a:spLocks noGrp="1"/>
+          </p:cNvSpPr>
+          <p:nvPr>
+            <p:ph type="sldNum" sz="quarter" idx="5"/>
+          </p:nvPr>
+        </p:nvSpPr>
+        <p:spPr/>
+        <p:txBody>
+          <a:bodyPr/>
+          <a:lstStyle/>
+          <a:p>
+            <a:fld id="{13251115-DB67-4158-A929-62B97692118A}" type="slidenum">
+              <a:rPr lang="pl-PL" smtClean="0"/>
+              <a:t>6</a:t>
+            </a:fld>
+            <a:endParaRPr lang="pl-PL"/>
+          </a:p>
+        </p:txBody>
+      </p:sp>
+    </p:spTree>
+    <p:extLst>
+      <p:ext uri="{BB962C8B-B14F-4D97-AF65-F5344CB8AC3E}">
+        <p14:creationId xmlns:p14="http://schemas.microsoft.com/office/powerpoint/2010/main" val="1833129478"/>
+      </p:ext>
+    </p:extLst>
+  </p:cSld>
+  <p:clrMapOvr>
+    <a:masterClrMapping/>
+  </p:clrMapOvr>
+</p:notes>
+</file>
+
+<file path=ppt/notesSlides/notesSlide5.xml><?xml version="1.0" encoding="utf-8"?>
+<p:notes xmlns:a="http://schemas.openxmlformats.org/drawingml/2006/main" xmlns:r="http://schemas.openxmlformats.org/officeDocument/2006/relationships" xmlns:p="http://schemas.openxmlformats.org/presentationml/2006/main">
+  <p:cSld>
+    <p:spTree>
+      <p:nvGrpSpPr>
+        <p:cNvPr id="1" name=""/>
+        <p:cNvGrpSpPr/>
+        <p:nvPr/>
+      </p:nvGrpSpPr>
+      <p:grpSpPr>
+        <a:xfrm>
+          <a:off x="0" y="0"/>
+          <a:ext cx="0" cy="0"/>
+          <a:chOff x="0" y="0"/>
+          <a:chExt cx="0" cy="0"/>
+        </a:xfrm>
+      </p:grpSpPr>
+      <p:sp>
+        <p:nvSpPr>
+          <p:cNvPr id="2" name="Symbol zastępczy obrazu slajdu 1"/>
+          <p:cNvSpPr>
+            <a:spLocks noGrp="1" noRot="1" noChangeAspect="1"/>
+          </p:cNvSpPr>
+          <p:nvPr>
+            <p:ph type="sldImg"/>
+          </p:nvPr>
+        </p:nvSpPr>
+        <p:spPr/>
+      </p:sp>
+      <p:sp>
+        <p:nvSpPr>
+          <p:cNvPr id="3" name="Symbol zastępczy notatek 2"/>
+          <p:cNvSpPr>
+            <a:spLocks noGrp="1"/>
+          </p:cNvSpPr>
+          <p:nvPr>
+            <p:ph type="body" idx="1"/>
+          </p:nvPr>
+        </p:nvSpPr>
+        <p:spPr/>
+        <p:txBody>
+          <a:bodyPr/>
+          <a:lstStyle/>
+          <a:p>
+            <a:endParaRPr lang="pl-PL" dirty="0"/>
+          </a:p>
+        </p:txBody>
+      </p:sp>
+      <p:sp>
+        <p:nvSpPr>
+          <p:cNvPr id="4" name="Symbol zastępczy numeru slajdu 3"/>
+          <p:cNvSpPr>
+            <a:spLocks noGrp="1"/>
+          </p:cNvSpPr>
+          <p:nvPr>
+            <p:ph type="sldNum" sz="quarter" idx="5"/>
+          </p:nvPr>
+        </p:nvSpPr>
+        <p:spPr/>
+        <p:txBody>
+          <a:bodyPr/>
+          <a:lstStyle/>
+          <a:p>
+            <a:fld id="{13251115-DB67-4158-A929-62B97692118A}" type="slidenum">
+              <a:rPr lang="pl-PL" smtClean="0"/>
+              <a:t>10</a:t>
+            </a:fld>
+            <a:endParaRPr lang="pl-PL"/>
+          </a:p>
+        </p:txBody>
+      </p:sp>
+    </p:spTree>
+    <p:extLst>
+      <p:ext uri="{BB962C8B-B14F-4D97-AF65-F5344CB8AC3E}">
+        <p14:creationId xmlns:p14="http://schemas.microsoft.com/office/powerpoint/2010/main" val="837585432"/>
+      </p:ext>
+    </p:extLst>
+  </p:cSld>
+  <p:clrMapOvr>
+    <a:masterClrMapping/>
+  </p:clrMapOvr>
+</p:notes>
+</file>
+
+<file path=ppt/notesSlides/notesSlide6.xml><?xml version="1.0" encoding="utf-8"?>
+<p:notes xmlns:a="http://schemas.openxmlformats.org/drawingml/2006/main" xmlns:r="http://schemas.openxmlformats.org/officeDocument/2006/relationships" xmlns:p="http://schemas.openxmlformats.org/presentationml/2006/main">
+  <p:cSld>
+    <p:spTree>
+      <p:nvGrpSpPr>
+        <p:cNvPr id="1" name=""/>
+        <p:cNvGrpSpPr/>
+        <p:nvPr/>
+      </p:nvGrpSpPr>
+      <p:grpSpPr>
+        <a:xfrm>
+          <a:off x="0" y="0"/>
+          <a:ext cx="0" cy="0"/>
+          <a:chOff x="0" y="0"/>
+          <a:chExt cx="0" cy="0"/>
+        </a:xfrm>
+      </p:grpSpPr>
+      <p:sp>
+        <p:nvSpPr>
+          <p:cNvPr id="2" name="Symbol zastępczy obrazu slajdu 1"/>
+          <p:cNvSpPr>
+            <a:spLocks noGrp="1" noRot="1" noChangeAspect="1"/>
+          </p:cNvSpPr>
+          <p:nvPr>
+            <p:ph type="sldImg"/>
+          </p:nvPr>
+        </p:nvSpPr>
+        <p:spPr/>
+      </p:sp>
+      <p:sp>
+        <p:nvSpPr>
+          <p:cNvPr id="3" name="Symbol zastępczy notatek 2"/>
+          <p:cNvSpPr>
+            <a:spLocks noGrp="1"/>
+          </p:cNvSpPr>
+          <p:nvPr>
+            <p:ph type="body" idx="1"/>
+          </p:nvPr>
+        </p:nvSpPr>
+        <p:spPr/>
+        <p:txBody>
+          <a:bodyPr/>
+          <a:lstStyle/>
+          <a:p>
+            <a:endParaRPr lang="pl-PL" dirty="0"/>
+          </a:p>
+        </p:txBody>
+      </p:sp>
+      <p:sp>
+        <p:nvSpPr>
+          <p:cNvPr id="4" name="Symbol zastępczy numeru slajdu 3"/>
+          <p:cNvSpPr>
+            <a:spLocks noGrp="1"/>
+          </p:cNvSpPr>
+          <p:nvPr>
+            <p:ph type="sldNum" sz="quarter" idx="5"/>
+          </p:nvPr>
+        </p:nvSpPr>
+        <p:spPr/>
+        <p:txBody>
+          <a:bodyPr/>
+          <a:lstStyle/>
+          <a:p>
+            <a:fld id="{13251115-DB67-4158-A929-62B97692118A}" type="slidenum">
+              <a:rPr lang="pl-PL" smtClean="0"/>
+              <a:t>11</a:t>
+            </a:fld>
+            <a:endParaRPr lang="pl-PL"/>
+          </a:p>
+        </p:txBody>
+      </p:sp>
+    </p:spTree>
+    <p:extLst>
+      <p:ext uri="{BB962C8B-B14F-4D97-AF65-F5344CB8AC3E}">
+        <p14:creationId xmlns:p14="http://schemas.microsoft.com/office/powerpoint/2010/main" val="1586593121"/>
+      </p:ext>
+    </p:extLst>
+  </p:cSld>
+  <p:clrMapOvr>
+    <a:masterClrMapping/>
+  </p:clrMapOvr>
+</p:notes>
 </file>
 
 <file path=ppt/slideLayouts/slideLayout1.xml><?xml version="1.0" encoding="utf-8"?>
@@ -5951,6 +6821,368 @@
           <a:chExt cx="0" cy="0"/>
         </a:xfrm>
       </p:grpSpPr>
+      <p:pic>
+        <p:nvPicPr>
+          <p:cNvPr id="5" name="Obraz 4">
+            <a:extLst>
+              <a:ext uri="{FF2B5EF4-FFF2-40B4-BE49-F238E27FC236}">
+                <a16:creationId xmlns:a16="http://schemas.microsoft.com/office/drawing/2014/main" id="{74244A0C-DF94-FE58-8B30-536C1DFFD7A4}"/>
+              </a:ext>
+            </a:extLst>
+          </p:cNvPr>
+          <p:cNvPicPr>
+            <a:picLocks noChangeAspect="1"/>
+          </p:cNvPicPr>
+          <p:nvPr/>
+        </p:nvPicPr>
+        <p:blipFill>
+          <a:blip r:embed="rId3"/>
+          <a:stretch>
+            <a:fillRect/>
+          </a:stretch>
+        </p:blipFill>
+        <p:spPr>
+          <a:xfrm>
+            <a:off x="7384513" y="3429000"/>
+            <a:ext cx="4410323" cy="3415173"/>
+          </a:xfrm>
+          <a:prstGeom prst="rect">
+            <a:avLst/>
+          </a:prstGeom>
+        </p:spPr>
+      </p:pic>
+      <p:sp>
+        <p:nvSpPr>
+          <p:cNvPr id="2" name="Tytuł 1">
+            <a:extLst>
+              <a:ext uri="{FF2B5EF4-FFF2-40B4-BE49-F238E27FC236}">
+                <a16:creationId xmlns:a16="http://schemas.microsoft.com/office/drawing/2014/main" id="{388B84C6-136A-FDF1-ED6E-E6D0A56F28A0}"/>
+              </a:ext>
+            </a:extLst>
+          </p:cNvPr>
+          <p:cNvSpPr>
+            <a:spLocks noGrp="1"/>
+          </p:cNvSpPr>
+          <p:nvPr>
+            <p:ph type="title"/>
+          </p:nvPr>
+        </p:nvSpPr>
+        <p:spPr/>
+        <p:txBody>
+          <a:bodyPr/>
+          <a:lstStyle/>
+          <a:p>
+            <a:r>
+              <a:rPr lang="pl-PL" dirty="0"/>
+              <a:t>Redukcja wymiarów</a:t>
+            </a:r>
+          </a:p>
+        </p:txBody>
+      </p:sp>
+      <p:sp>
+        <p:nvSpPr>
+          <p:cNvPr id="3" name="Symbol zastępczy zawartości 2">
+            <a:extLst>
+              <a:ext uri="{FF2B5EF4-FFF2-40B4-BE49-F238E27FC236}">
+                <a16:creationId xmlns:a16="http://schemas.microsoft.com/office/drawing/2014/main" id="{FB392D7F-5C03-2C1E-04EA-B5BA997CC568}"/>
+              </a:ext>
+            </a:extLst>
+          </p:cNvPr>
+          <p:cNvSpPr>
+            <a:spLocks noGrp="1"/>
+          </p:cNvSpPr>
+          <p:nvPr>
+            <p:ph idx="1"/>
+          </p:nvPr>
+        </p:nvSpPr>
+        <p:spPr>
+          <a:xfrm>
+            <a:off x="838200" y="1825625"/>
+            <a:ext cx="7523922" cy="4351338"/>
+          </a:xfrm>
+        </p:spPr>
+        <p:txBody>
+          <a:bodyPr/>
+          <a:lstStyle/>
+          <a:p>
+            <a:r>
+              <a:rPr lang="pl-PL" dirty="0"/>
+              <a:t>Otrzymana ostatecznie ramka danych w </a:t>
+            </a:r>
+            <a:r>
+              <a:rPr lang="pl-PL" dirty="0" err="1"/>
+              <a:t>preprocessingu</a:t>
+            </a:r>
+            <a:r>
+              <a:rPr lang="pl-PL" dirty="0"/>
+              <a:t> miała 105 kolumn</a:t>
+            </a:r>
+          </a:p>
+          <a:p>
+            <a:r>
+              <a:rPr lang="pl-PL" dirty="0"/>
+              <a:t>Niektóre modele, typu KNN lub SVM są wrażliwe na duża liczbę wymiarów</a:t>
+            </a:r>
+          </a:p>
+          <a:p>
+            <a:r>
+              <a:rPr lang="pl-PL" dirty="0"/>
+              <a:t>Za pomocą PCA próbowaliśmy zredukować liczbę wymiarów</a:t>
+            </a:r>
+          </a:p>
+          <a:p>
+            <a:r>
+              <a:rPr lang="pl-PL" dirty="0"/>
+              <a:t>Nie przyniosło to zbyt dobrych rezultatów</a:t>
+            </a:r>
+          </a:p>
+          <a:p>
+            <a:r>
+              <a:rPr lang="pl-PL" dirty="0"/>
+              <a:t>Straciliśmy </a:t>
+            </a:r>
+            <a:r>
+              <a:rPr lang="pl-PL" dirty="0" err="1"/>
+              <a:t>wyjaśnialność</a:t>
+            </a:r>
+            <a:r>
+              <a:rPr lang="pl-PL" dirty="0"/>
+              <a:t> modeli</a:t>
+            </a:r>
+          </a:p>
+          <a:p>
+            <a:endParaRPr lang="pl-PL" dirty="0"/>
+          </a:p>
+          <a:p>
+            <a:endParaRPr lang="pl-PL" dirty="0"/>
+          </a:p>
+        </p:txBody>
+      </p:sp>
+    </p:spTree>
+    <p:extLst>
+      <p:ext uri="{BB962C8B-B14F-4D97-AF65-F5344CB8AC3E}">
+        <p14:creationId xmlns:p14="http://schemas.microsoft.com/office/powerpoint/2010/main" val="3485901157"/>
+      </p:ext>
+    </p:extLst>
+  </p:cSld>
+  <p:clrMapOvr>
+    <a:masterClrMapping/>
+  </p:clrMapOvr>
+</p:sld>
+</file>
+
+<file path=ppt/slides/slide11.xml><?xml version="1.0" encoding="utf-8"?>
+<p:sld xmlns:a="http://schemas.openxmlformats.org/drawingml/2006/main" xmlns:r="http://schemas.openxmlformats.org/officeDocument/2006/relationships" xmlns:p="http://schemas.openxmlformats.org/presentationml/2006/main">
+  <p:cSld>
+    <p:spTree>
+      <p:nvGrpSpPr>
+        <p:cNvPr id="1" name=""/>
+        <p:cNvGrpSpPr/>
+        <p:nvPr/>
+      </p:nvGrpSpPr>
+      <p:grpSpPr>
+        <a:xfrm>
+          <a:off x="0" y="0"/>
+          <a:ext cx="0" cy="0"/>
+          <a:chOff x="0" y="0"/>
+          <a:chExt cx="0" cy="0"/>
+        </a:xfrm>
+      </p:grpSpPr>
+      <p:sp>
+        <p:nvSpPr>
+          <p:cNvPr id="2" name="Tytuł 1">
+            <a:extLst>
+              <a:ext uri="{FF2B5EF4-FFF2-40B4-BE49-F238E27FC236}">
+                <a16:creationId xmlns:a16="http://schemas.microsoft.com/office/drawing/2014/main" id="{CB5CE4FD-D850-2023-E958-485B7164E763}"/>
+              </a:ext>
+            </a:extLst>
+          </p:cNvPr>
+          <p:cNvSpPr>
+            <a:spLocks noGrp="1"/>
+          </p:cNvSpPr>
+          <p:nvPr>
+            <p:ph type="title"/>
+          </p:nvPr>
+        </p:nvSpPr>
+        <p:spPr/>
+        <p:txBody>
+          <a:bodyPr/>
+          <a:lstStyle/>
+          <a:p>
+            <a:r>
+              <a:rPr lang="pl-PL" dirty="0" err="1"/>
+              <a:t>Sampling</a:t>
+            </a:r>
+            <a:r>
+              <a:rPr lang="pl-PL" dirty="0"/>
+              <a:t> danych</a:t>
+            </a:r>
+          </a:p>
+        </p:txBody>
+      </p:sp>
+      <p:sp>
+        <p:nvSpPr>
+          <p:cNvPr id="3" name="Symbol zastępczy zawartości 2">
+            <a:extLst>
+              <a:ext uri="{FF2B5EF4-FFF2-40B4-BE49-F238E27FC236}">
+                <a16:creationId xmlns:a16="http://schemas.microsoft.com/office/drawing/2014/main" id="{D3DAB445-79F0-4A68-CD10-00871B8B119A}"/>
+              </a:ext>
+            </a:extLst>
+          </p:cNvPr>
+          <p:cNvSpPr>
+            <a:spLocks noGrp="1"/>
+          </p:cNvSpPr>
+          <p:nvPr>
+            <p:ph idx="1"/>
+          </p:nvPr>
+        </p:nvSpPr>
+        <p:spPr/>
+        <p:txBody>
+          <a:bodyPr/>
+          <a:lstStyle/>
+          <a:p>
+            <a:r>
+              <a:rPr lang="pl-PL" dirty="0" err="1"/>
+              <a:t>Oversampling</a:t>
+            </a:r>
+            <a:r>
+              <a:rPr lang="pl-PL" dirty="0"/>
+              <a:t> i </a:t>
+            </a:r>
+            <a:r>
+              <a:rPr lang="pl-PL" dirty="0" err="1"/>
+              <a:t>oversampling</a:t>
+            </a:r>
+            <a:endParaRPr lang="pl-PL" dirty="0"/>
+          </a:p>
+          <a:p>
+            <a:r>
+              <a:rPr lang="pl-PL" dirty="0"/>
+              <a:t>W przypadku </a:t>
+            </a:r>
+            <a:r>
+              <a:rPr lang="pl-PL" dirty="0" err="1"/>
+              <a:t>XGBoost</a:t>
+            </a:r>
+            <a:r>
+              <a:rPr lang="pl-PL" dirty="0"/>
+              <a:t> nie przyniosły oczekiwanych rezultatów</a:t>
+            </a:r>
+          </a:p>
+          <a:p>
+            <a:r>
+              <a:rPr lang="pl-PL" dirty="0"/>
+              <a:t>SMOTE dla </a:t>
+            </a:r>
+            <a:r>
+              <a:rPr lang="pl-PL" dirty="0" err="1"/>
+              <a:t>Random</a:t>
+            </a:r>
+            <a:r>
+              <a:rPr lang="pl-PL" dirty="0"/>
+              <a:t> </a:t>
+            </a:r>
+            <a:r>
+              <a:rPr lang="pl-PL" dirty="0" err="1"/>
+              <a:t>Foresta</a:t>
+            </a:r>
+            <a:r>
+              <a:rPr lang="pl-PL" dirty="0"/>
+              <a:t> dał najlepszy wynik AUC</a:t>
+            </a:r>
+          </a:p>
+          <a:p>
+            <a:r>
+              <a:rPr lang="pl-PL" dirty="0"/>
+              <a:t>Model </a:t>
+            </a:r>
+            <a:r>
+              <a:rPr lang="pl-PL" dirty="0" err="1"/>
+              <a:t>Random</a:t>
+            </a:r>
+            <a:r>
+              <a:rPr lang="pl-PL" dirty="0"/>
+              <a:t> </a:t>
+            </a:r>
+            <a:r>
+              <a:rPr lang="pl-PL" dirty="0" err="1"/>
+              <a:t>Forest</a:t>
+            </a:r>
+            <a:r>
+              <a:rPr lang="pl-PL" dirty="0"/>
+              <a:t> na SMOTE danych był najlepszy na testach </a:t>
+            </a:r>
+            <a:r>
+              <a:rPr lang="pl-PL" dirty="0" err="1"/>
+              <a:t>kaggla</a:t>
+            </a:r>
+            <a:endParaRPr lang="pl-PL" dirty="0"/>
+          </a:p>
+          <a:p>
+            <a:endParaRPr lang="pl-PL" dirty="0"/>
+          </a:p>
+        </p:txBody>
+      </p:sp>
+      <p:pic>
+        <p:nvPicPr>
+          <p:cNvPr id="6" name="Obraz 5">
+            <a:extLst>
+              <a:ext uri="{FF2B5EF4-FFF2-40B4-BE49-F238E27FC236}">
+                <a16:creationId xmlns:a16="http://schemas.microsoft.com/office/drawing/2014/main" id="{5EFF89CE-34E2-094E-F13C-F104F8BC45D8}"/>
+              </a:ext>
+            </a:extLst>
+          </p:cNvPr>
+          <p:cNvPicPr>
+            <a:picLocks noChangeAspect="1"/>
+          </p:cNvPicPr>
+          <p:nvPr/>
+        </p:nvPicPr>
+        <p:blipFill>
+          <a:blip r:embed="rId3"/>
+          <a:stretch>
+            <a:fillRect/>
+          </a:stretch>
+        </p:blipFill>
+        <p:spPr>
+          <a:xfrm>
+            <a:off x="7935686" y="308882"/>
+            <a:ext cx="3647394" cy="3023413"/>
+          </a:xfrm>
+          <a:prstGeom prst="rect">
+            <a:avLst/>
+          </a:prstGeom>
+        </p:spPr>
+      </p:pic>
+    </p:spTree>
+    <p:extLst>
+      <p:ext uri="{BB962C8B-B14F-4D97-AF65-F5344CB8AC3E}">
+        <p14:creationId xmlns:p14="http://schemas.microsoft.com/office/powerpoint/2010/main" val="3372932893"/>
+      </p:ext>
+    </p:extLst>
+  </p:cSld>
+  <p:clrMapOvr>
+    <a:masterClrMapping/>
+  </p:clrMapOvr>
+</p:sld>
+</file>
+
+<file path=ppt/slides/slide12.xml><?xml version="1.0" encoding="utf-8"?>
+<p:sld xmlns:a="http://schemas.openxmlformats.org/drawingml/2006/main" xmlns:r="http://schemas.openxmlformats.org/officeDocument/2006/relationships" xmlns:p="http://schemas.openxmlformats.org/presentationml/2006/main">
+  <p:cSld>
+    <p:spTree>
+      <p:nvGrpSpPr>
+        <p:cNvPr id="1" name=""/>
+        <p:cNvGrpSpPr/>
+        <p:nvPr/>
+      </p:nvGrpSpPr>
+      <p:grpSpPr>
+        <a:xfrm>
+          <a:off x="0" y="0"/>
+          <a:ext cx="0" cy="0"/>
+          <a:chOff x="0" y="0"/>
+          <a:chExt cx="0" cy="0"/>
+        </a:xfrm>
+      </p:grpSpPr>
       <p:sp>
         <p:nvSpPr>
           <p:cNvPr id="2" name="Tytuł 1">
@@ -5973,10 +7205,9 @@
           <a:lstStyle/>
           <a:p>
             <a:r>
-              <a:rPr lang="pl-PL" dirty="0" err="1"/>
-              <a:t>Summary</a:t>
-            </a:r>
-            <a:endParaRPr lang="pl-PL" dirty="0"/>
+              <a:rPr lang="pl-PL" dirty="0"/>
+              <a:t>Podsumowanie</a:t>
+            </a:r>
           </a:p>
         </p:txBody>
       </p:sp>
@@ -6073,16 +7304,8 @@
           <a:lstStyle/>
           <a:p>
             <a:r>
-              <a:rPr lang="en-US" sz="5200" dirty="0"/>
-              <a:t>Problem description</a:t>
-            </a:r>
-            <a:r>
               <a:rPr lang="pl-PL" sz="5200" dirty="0"/>
-              <a:t> – biznesowy </a:t>
-            </a:r>
-            <a:r>
-              <a:rPr lang="pl-PL" sz="5200"/>
-              <a:t>opis problemu</a:t>
+              <a:t>biznesowy opis problemu</a:t>
             </a:r>
             <a:endParaRPr lang="en-US" sz="5200" dirty="0"/>
           </a:p>
@@ -6142,7 +7365,7 @@
           <p:nvPr/>
         </p:nvPicPr>
         <p:blipFill rotWithShape="1">
-          <a:blip r:embed="rId2"/>
+          <a:blip r:embed="rId3"/>
           <a:srcRect l="29065" r="22337" b="-1"/>
           <a:stretch/>
         </p:blipFill>
@@ -6235,10 +7458,59 @@
           <a:bodyPr/>
           <a:lstStyle/>
           <a:p>
-            <a:endParaRPr lang="pl-PL"/>
-          </a:p>
-        </p:txBody>
-      </p:sp>
+            <a:r>
+              <a:rPr lang="pl-PL" dirty="0"/>
+              <a:t>Analizowane dane pochodziły z aukcji w USA w latach 2006-2007</a:t>
+            </a:r>
+          </a:p>
+          <a:p>
+            <a:r>
+              <a:rPr lang="pl-PL" b="1" dirty="0"/>
+              <a:t>Niezbalansowane</a:t>
+            </a:r>
+            <a:r>
+              <a:rPr lang="pl-PL" dirty="0"/>
+              <a:t> dane</a:t>
+            </a:r>
+          </a:p>
+          <a:p>
+            <a:r>
+              <a:rPr lang="pl-PL" dirty="0"/>
+              <a:t>Niewiele braków danych</a:t>
+            </a:r>
+          </a:p>
+        </p:txBody>
+      </p:sp>
+      <p:pic>
+        <p:nvPicPr>
+          <p:cNvPr id="4" name="Obraz 3">
+            <a:extLst>
+              <a:ext uri="{FF2B5EF4-FFF2-40B4-BE49-F238E27FC236}">
+                <a16:creationId xmlns:a16="http://schemas.microsoft.com/office/drawing/2014/main" id="{434178BA-2552-E732-99F2-8BCAB680F26B}"/>
+              </a:ext>
+            </a:extLst>
+          </p:cNvPr>
+          <p:cNvPicPr>
+            <a:picLocks noChangeAspect="1"/>
+          </p:cNvPicPr>
+          <p:nvPr/>
+        </p:nvPicPr>
+        <p:blipFill>
+          <a:blip r:embed="rId2"/>
+          <a:stretch>
+            <a:fillRect/>
+          </a:stretch>
+        </p:blipFill>
+        <p:spPr>
+          <a:xfrm>
+            <a:off x="7696594" y="2703914"/>
+            <a:ext cx="4014153" cy="3087286"/>
+          </a:xfrm>
+          <a:prstGeom prst="rect">
+            <a:avLst/>
+          </a:prstGeom>
+        </p:spPr>
+      </p:pic>
     </p:spTree>
     <p:extLst>
       <p:ext uri="{BB962C8B-B14F-4D97-AF65-F5344CB8AC3E}">
@@ -6360,6 +7632,24 @@
               <a:t> – co zrobiliśmy</a:t>
             </a:r>
           </a:p>
+          <a:p>
+            <a:r>
+              <a:rPr lang="pl-PL" dirty="0"/>
+              <a:t>usunięcie nadmiernie skorelowanych kolumn</a:t>
+            </a:r>
+          </a:p>
+          <a:p>
+            <a:endParaRPr lang="pl-PL" dirty="0"/>
+          </a:p>
+          <a:p>
+            <a:r>
+              <a:rPr lang="pl-PL" dirty="0"/>
+              <a:t># za dużo tekstu – wystarczą hasła</a:t>
+            </a:r>
+          </a:p>
+          <a:p>
+            <a:endParaRPr lang="pl-PL" dirty="0"/>
+          </a:p>
         </p:txBody>
       </p:sp>
     </p:spTree>
@@ -6414,19 +7704,18 @@
           <a:lstStyle/>
           <a:p>
             <a:r>
-              <a:rPr lang="pl-PL" dirty="0" err="1"/>
-              <a:t>Modelling</a:t>
-            </a:r>
-            <a:endParaRPr lang="pl-PL" dirty="0"/>
-          </a:p>
-        </p:txBody>
-      </p:sp>
-      <p:sp>
-        <p:nvSpPr>
-          <p:cNvPr id="3" name="Symbol zastępczy zawartości 2">
+              <a:rPr lang="pl-PL" dirty="0"/>
+              <a:t>Trenowanie modeli</a:t>
+            </a:r>
+          </a:p>
+        </p:txBody>
+      </p:sp>
+      <p:sp>
+        <p:nvSpPr>
+          <p:cNvPr id="5" name="Symbol zastępczy zawartości 4">
             <a:extLst>
               <a:ext uri="{FF2B5EF4-FFF2-40B4-BE49-F238E27FC236}">
-                <a16:creationId xmlns:a16="http://schemas.microsoft.com/office/drawing/2014/main" id="{9BD4B4B4-B1AB-9FC4-EA20-53705A02C2DB}"/>
+                <a16:creationId xmlns:a16="http://schemas.microsoft.com/office/drawing/2014/main" id="{DFCC3BB0-64DB-E132-6E14-E23E2A57E666}"/>
               </a:ext>
             </a:extLst>
           </p:cNvPr>
@@ -6442,14 +7731,72 @@
           <a:bodyPr/>
           <a:lstStyle/>
           <a:p>
-            <a:endParaRPr lang="pl-PL"/>
+            <a:pPr marL="0" indent="0">
+              <a:buNone/>
+            </a:pPr>
+            <a:r>
+              <a:rPr lang="pl-PL" dirty="0"/>
+              <a:t>Wykorzystaliśmy wiele typów modeli:</a:t>
+            </a:r>
+          </a:p>
+          <a:p>
+            <a:r>
+              <a:rPr lang="pl-PL" dirty="0"/>
+              <a:t>Regresja logistyczna</a:t>
+            </a:r>
+          </a:p>
+          <a:p>
+            <a:r>
+              <a:rPr lang="pl-PL" dirty="0"/>
+              <a:t>KNN</a:t>
+            </a:r>
+          </a:p>
+          <a:p>
+            <a:r>
+              <a:rPr lang="pl-PL" dirty="0"/>
+              <a:t>Drzewa decyzyjne</a:t>
+            </a:r>
+          </a:p>
+          <a:p>
+            <a:r>
+              <a:rPr lang="pl-PL" dirty="0"/>
+              <a:t>Lasy losowe</a:t>
+            </a:r>
+          </a:p>
+          <a:p>
+            <a:r>
+              <a:rPr lang="pl-PL" dirty="0" err="1"/>
+              <a:t>XGBoost</a:t>
+            </a:r>
+            <a:endParaRPr lang="pl-PL" dirty="0"/>
+          </a:p>
+          <a:p>
+            <a:r>
+              <a:rPr lang="pl-PL" dirty="0"/>
+              <a:t>SVM</a:t>
+            </a:r>
+          </a:p>
+          <a:p>
+            <a:r>
+              <a:rPr lang="pl-PL" dirty="0" err="1"/>
+              <a:t>Voting</a:t>
+            </a:r>
+            <a:r>
+              <a:rPr lang="pl-PL" dirty="0"/>
+              <a:t> </a:t>
+            </a:r>
+            <a:r>
+              <a:rPr lang="pl-PL" dirty="0" err="1"/>
+              <a:t>classifier</a:t>
+            </a:r>
+            <a:endParaRPr lang="pl-PL" dirty="0"/>
           </a:p>
         </p:txBody>
       </p:sp>
     </p:spTree>
     <p:extLst>
       <p:ext uri="{BB962C8B-B14F-4D97-AF65-F5344CB8AC3E}">
-        <p14:creationId xmlns:p14="http://schemas.microsoft.com/office/powerpoint/2010/main" val="1137966016"/>
+        <p14:creationId xmlns:p14="http://schemas.microsoft.com/office/powerpoint/2010/main" val="1756750599"/>
       </p:ext>
     </p:extLst>
   </p:cSld>
@@ -6462,102 +7809,10 @@
 <file path=ppt/slides/slide6.xml><?xml version="1.0" encoding="utf-8"?>
 <p:sld xmlns:a="http://schemas.openxmlformats.org/drawingml/2006/main" xmlns:r="http://schemas.openxmlformats.org/officeDocument/2006/relationships" xmlns:p="http://schemas.openxmlformats.org/presentationml/2006/main">
   <p:cSld>
-    <p:spTree>
-      <p:nvGrpSpPr>
-        <p:cNvPr id="1" name=""/>
-        <p:cNvGrpSpPr/>
-        <p:nvPr/>
-      </p:nvGrpSpPr>
-      <p:grpSpPr>
-        <a:xfrm>
-          <a:off x="0" y="0"/>
-          <a:ext cx="0" cy="0"/>
-          <a:chOff x="0" y="0"/>
-          <a:chExt cx="0" cy="0"/>
-        </a:xfrm>
-      </p:grpSpPr>
-      <p:sp>
-        <p:nvSpPr>
-          <p:cNvPr id="2" name="Tytuł 1">
-            <a:extLst>
-              <a:ext uri="{FF2B5EF4-FFF2-40B4-BE49-F238E27FC236}">
-                <a16:creationId xmlns:a16="http://schemas.microsoft.com/office/drawing/2014/main" id="{9518BA8E-F04C-8CB9-D55A-28FD53536D9E}"/>
-              </a:ext>
-            </a:extLst>
-          </p:cNvPr>
-          <p:cNvSpPr>
-            <a:spLocks noGrp="1"/>
-          </p:cNvSpPr>
-          <p:nvPr>
-            <p:ph type="title"/>
-          </p:nvPr>
-        </p:nvSpPr>
-        <p:spPr/>
-        <p:txBody>
-          <a:bodyPr/>
-          <a:lstStyle/>
-          <a:p>
-            <a:r>
-              <a:rPr lang="pl-PL" dirty="0" err="1"/>
-              <a:t>Random</a:t>
-            </a:r>
-            <a:r>
-              <a:rPr lang="pl-PL" dirty="0"/>
-              <a:t> </a:t>
-            </a:r>
-            <a:r>
-              <a:rPr lang="pl-PL" dirty="0" err="1"/>
-              <a:t>Forest</a:t>
-            </a:r>
-            <a:endParaRPr lang="pl-PL" dirty="0"/>
-          </a:p>
-        </p:txBody>
-      </p:sp>
-      <p:sp>
-        <p:nvSpPr>
-          <p:cNvPr id="3" name="Symbol zastępczy zawartości 2">
-            <a:extLst>
-              <a:ext uri="{FF2B5EF4-FFF2-40B4-BE49-F238E27FC236}">
-                <a16:creationId xmlns:a16="http://schemas.microsoft.com/office/drawing/2014/main" id="{D8A96229-6ECA-6296-EDA7-0AAB2803BF6F}"/>
-              </a:ext>
-            </a:extLst>
-          </p:cNvPr>
-          <p:cNvSpPr>
-            <a:spLocks noGrp="1"/>
-          </p:cNvSpPr>
-          <p:nvPr>
-            <p:ph idx="1"/>
-          </p:nvPr>
-        </p:nvSpPr>
-        <p:spPr/>
-        <p:txBody>
-          <a:bodyPr/>
-          <a:lstStyle/>
-          <a:p>
-            <a:endParaRPr lang="pl-PL"/>
-          </a:p>
-        </p:txBody>
-      </p:sp>
-    </p:spTree>
-    <p:extLst>
-      <p:ext uri="{BB962C8B-B14F-4D97-AF65-F5344CB8AC3E}">
-        <p14:creationId xmlns:p14="http://schemas.microsoft.com/office/powerpoint/2010/main" val="2836675616"/>
-      </p:ext>
-    </p:extLst>
-  </p:cSld>
-  <p:clrMapOvr>
-    <a:masterClrMapping/>
-  </p:clrMapOvr>
-</p:sld>
-</file>
-
-<file path=ppt/slides/slide7.xml><?xml version="1.0" encoding="utf-8"?>
-<p:sld xmlns:a="http://schemas.openxmlformats.org/drawingml/2006/main" xmlns:r="http://schemas.openxmlformats.org/officeDocument/2006/relationships" xmlns:p="http://schemas.openxmlformats.org/presentationml/2006/main">
-  <p:cSld>
     <p:bg>
       <p:bgPr>
         <a:blipFill>
-          <a:blip r:embed="rId2"/>
+          <a:blip r:embed="rId3"/>
           <a:stretch/>
         </a:blipFill>
         <a:effectLst/>
@@ -6855,7 +8110,7 @@
           <p:nvPr/>
         </p:nvPicPr>
         <p:blipFill>
-          <a:blip r:embed="rId3"/>
+          <a:blip r:embed="rId4"/>
           <a:stretch>
             <a:fillRect/>
           </a:stretch>
@@ -6980,7 +8235,7 @@
           <p:nvPr/>
         </p:nvPicPr>
         <p:blipFill>
-          <a:blip r:embed="rId4"/>
+          <a:blip r:embed="rId5"/>
           <a:stretch>
             <a:fillRect/>
           </a:stretch>
@@ -7212,7 +8467,7 @@
 </p:sld>
 </file>
 
-<file path=ppt/slides/slide8.xml><?xml version="1.0" encoding="utf-8"?>
+<file path=ppt/slides/slide7.xml><?xml version="1.0" encoding="utf-8"?>
 <p:sld xmlns:a="http://schemas.openxmlformats.org/drawingml/2006/main" xmlns:r="http://schemas.openxmlformats.org/officeDocument/2006/relationships" xmlns:p="http://schemas.openxmlformats.org/presentationml/2006/main">
   <p:cSld>
     <p:bg>
@@ -7543,6 +8798,90 @@
 </p:sld>
 </file>
 
+<file path=ppt/slides/slide8.xml><?xml version="1.0" encoding="utf-8"?>
+<p:sld xmlns:a="http://schemas.openxmlformats.org/drawingml/2006/main" xmlns:r="http://schemas.openxmlformats.org/officeDocument/2006/relationships" xmlns:p="http://schemas.openxmlformats.org/presentationml/2006/main">
+  <p:cSld>
+    <p:spTree>
+      <p:nvGrpSpPr>
+        <p:cNvPr id="1" name=""/>
+        <p:cNvGrpSpPr/>
+        <p:nvPr/>
+      </p:nvGrpSpPr>
+      <p:grpSpPr>
+        <a:xfrm>
+          <a:off x="0" y="0"/>
+          <a:ext cx="0" cy="0"/>
+          <a:chOff x="0" y="0"/>
+          <a:chExt cx="0" cy="0"/>
+        </a:xfrm>
+      </p:grpSpPr>
+      <p:sp>
+        <p:nvSpPr>
+          <p:cNvPr id="2" name="Tytuł 1">
+            <a:extLst>
+              <a:ext uri="{FF2B5EF4-FFF2-40B4-BE49-F238E27FC236}">
+                <a16:creationId xmlns:a16="http://schemas.microsoft.com/office/drawing/2014/main" id="{29F46AC4-BA6F-A08A-6674-307A9EF00EF0}"/>
+              </a:ext>
+            </a:extLst>
+          </p:cNvPr>
+          <p:cNvSpPr>
+            <a:spLocks noGrp="1"/>
+          </p:cNvSpPr>
+          <p:nvPr>
+            <p:ph type="title"/>
+          </p:nvPr>
+        </p:nvSpPr>
+        <p:spPr/>
+        <p:txBody>
+          <a:bodyPr/>
+          <a:lstStyle/>
+          <a:p>
+            <a:r>
+              <a:rPr lang="pl-PL" dirty="0" err="1"/>
+              <a:t>Voting</a:t>
+            </a:r>
+            <a:endParaRPr lang="pl-PL" dirty="0"/>
+          </a:p>
+        </p:txBody>
+      </p:sp>
+      <p:sp>
+        <p:nvSpPr>
+          <p:cNvPr id="3" name="Symbol zastępczy zawartości 2">
+            <a:extLst>
+              <a:ext uri="{FF2B5EF4-FFF2-40B4-BE49-F238E27FC236}">
+                <a16:creationId xmlns:a16="http://schemas.microsoft.com/office/drawing/2014/main" id="{C0CFB3F9-BCAD-4D2D-36AF-E76F7797DDB9}"/>
+              </a:ext>
+            </a:extLst>
+          </p:cNvPr>
+          <p:cNvSpPr>
+            <a:spLocks noGrp="1"/>
+          </p:cNvSpPr>
+          <p:nvPr>
+            <p:ph idx="1"/>
+          </p:nvPr>
+        </p:nvSpPr>
+        <p:spPr/>
+        <p:txBody>
+          <a:bodyPr/>
+          <a:lstStyle/>
+          <a:p>
+            <a:endParaRPr lang="pl-PL"/>
+          </a:p>
+        </p:txBody>
+      </p:sp>
+    </p:spTree>
+    <p:extLst>
+      <p:ext uri="{BB962C8B-B14F-4D97-AF65-F5344CB8AC3E}">
+        <p14:creationId xmlns:p14="http://schemas.microsoft.com/office/powerpoint/2010/main" val="3183681039"/>
+      </p:ext>
+    </p:extLst>
+  </p:cSld>
+  <p:clrMapOvr>
+    <a:masterClrMapping/>
+  </p:clrMapOvr>
+</p:sld>
+</file>
+
 <file path=ppt/slides/slide9.xml><?xml version="1.0" encoding="utf-8"?>
 <p:sld xmlns:a="http://schemas.openxmlformats.org/drawingml/2006/main" xmlns:r="http://schemas.openxmlformats.org/officeDocument/2006/relationships" xmlns:p="http://schemas.openxmlformats.org/presentationml/2006/main">
   <p:cSld>
@@ -7560,12 +8899,42 @@
           <a:chExt cx="0" cy="0"/>
         </a:xfrm>
       </p:grpSpPr>
+      <p:pic>
+        <p:nvPicPr>
+          <p:cNvPr id="5" name="Obraz 4">
+            <a:extLst>
+              <a:ext uri="{FF2B5EF4-FFF2-40B4-BE49-F238E27FC236}">
+                <a16:creationId xmlns:a16="http://schemas.microsoft.com/office/drawing/2014/main" id="{0B537E32-6110-FE0A-804D-7917885B6D46}"/>
+              </a:ext>
+            </a:extLst>
+          </p:cNvPr>
+          <p:cNvPicPr>
+            <a:picLocks noChangeAspect="1"/>
+          </p:cNvPicPr>
+          <p:nvPr/>
+        </p:nvPicPr>
+        <p:blipFill>
+          <a:blip r:embed="rId2"/>
+          <a:stretch>
+            <a:fillRect/>
+          </a:stretch>
+        </p:blipFill>
+        <p:spPr>
+          <a:xfrm>
+            <a:off x="6891586" y="282819"/>
+            <a:ext cx="5113602" cy="2902834"/>
+          </a:xfrm>
+          <a:prstGeom prst="rect">
+            <a:avLst/>
+          </a:prstGeom>
+        </p:spPr>
+      </p:pic>
       <p:sp>
         <p:nvSpPr>
           <p:cNvPr id="2" name="Tytuł 1">
             <a:extLst>
               <a:ext uri="{FF2B5EF4-FFF2-40B4-BE49-F238E27FC236}">
-                <a16:creationId xmlns:a16="http://schemas.microsoft.com/office/drawing/2014/main" id="{29F46AC4-BA6F-A08A-6674-307A9EF00EF0}"/>
+                <a16:creationId xmlns:a16="http://schemas.microsoft.com/office/drawing/2014/main" id="{2253E907-14CA-CB6D-1B74-CDAC7803A213}"/>
               </a:ext>
             </a:extLst>
           </p:cNvPr>
@@ -7583,7 +8952,15 @@
           <a:p>
             <a:r>
               <a:rPr lang="pl-PL" dirty="0" err="1"/>
-              <a:t>Voting</a:t>
+              <a:t>Feature</a:t>
+            </a:r>
+            <a:r>
+              <a:rPr lang="pl-PL" dirty="0"/>
+              <a:t> </a:t>
+            </a:r>
+            <a:r>
+              <a:rPr lang="pl-PL" dirty="0" err="1"/>
+              <a:t>importance</a:t>
             </a:r>
             <a:endParaRPr lang="pl-PL" dirty="0"/>
           </a:p>
@@ -7594,7 +8971,7 @@
           <p:cNvPr id="3" name="Symbol zastępczy zawartości 2">
             <a:extLst>
               <a:ext uri="{FF2B5EF4-FFF2-40B4-BE49-F238E27FC236}">
-                <a16:creationId xmlns:a16="http://schemas.microsoft.com/office/drawing/2014/main" id="{C0CFB3F9-BCAD-4D2D-36AF-E76F7797DDB9}"/>
+                <a16:creationId xmlns:a16="http://schemas.microsoft.com/office/drawing/2014/main" id="{AD2C7272-8288-8499-A6B6-60E89C986837}"/>
               </a:ext>
             </a:extLst>
           </p:cNvPr>
@@ -7605,19 +8982,58 @@
             <p:ph idx="1"/>
           </p:nvPr>
         </p:nvSpPr>
-        <p:spPr/>
+        <p:spPr>
+          <a:xfrm>
+            <a:off x="838200" y="1825625"/>
+            <a:ext cx="8324461" cy="4351338"/>
+          </a:xfrm>
+        </p:spPr>
         <p:txBody>
           <a:bodyPr/>
           <a:lstStyle/>
           <a:p>
-            <a:endParaRPr lang="pl-PL"/>
+            <a:r>
+              <a:rPr lang="pl-PL" dirty="0"/>
+              <a:t>Wykorzystując wytrenowany las losowy sprawdziliśmy </a:t>
+            </a:r>
+            <a:r>
+              <a:rPr lang="pl-PL" dirty="0" err="1"/>
+              <a:t>feature</a:t>
+            </a:r>
+            <a:r>
+              <a:rPr lang="pl-PL" dirty="0"/>
+              <a:t> </a:t>
+            </a:r>
+            <a:r>
+              <a:rPr lang="pl-PL" dirty="0" err="1"/>
+              <a:t>importance</a:t>
+            </a:r>
+            <a:endParaRPr lang="pl-PL" dirty="0"/>
+          </a:p>
+          <a:p>
+            <a:r>
+              <a:rPr lang="pl-PL" dirty="0"/>
+              <a:t>Na tym etapie udało się odkryć najbardziej predykcyjną cechę – brak danych w kolumnie </a:t>
+            </a:r>
+            <a:r>
+              <a:rPr lang="pl-PL" dirty="0" err="1">
+                <a:latin typeface="Consolas" panose="020B0609020204030204" pitchFamily="49" charset="0"/>
+              </a:rPr>
+              <a:t>WheelTypeID</a:t>
+            </a:r>
+            <a:endParaRPr lang="pl-PL" dirty="0">
+              <a:latin typeface="Consolas" panose="020B0609020204030204" pitchFamily="49" charset="0"/>
+            </a:endParaRPr>
+          </a:p>
+          <a:p>
+            <a:endParaRPr lang="pl-PL" dirty="0"/>
           </a:p>
         </p:txBody>
       </p:sp>
     </p:spTree>
     <p:extLst>
       <p:ext uri="{BB962C8B-B14F-4D97-AF65-F5344CB8AC3E}">
-        <p14:creationId xmlns:p14="http://schemas.microsoft.com/office/powerpoint/2010/main" val="3183681039"/>
+        <p14:creationId xmlns:p14="http://schemas.microsoft.com/office/powerpoint/2010/main" val="1595141374"/>
       </p:ext>
     </p:extLst>
   </p:cSld>
@@ -7874,4 +9290,299 @@
     </a:ext>
   </a:extLst>
 </a:theme>
+</file>
+
+<file path=ppt/theme/theme2.xml><?xml version="1.0" encoding="utf-8"?>
+<a:theme xmlns:a="http://schemas.openxmlformats.org/drawingml/2006/main" name="Motyw pakietu Office">
+  <a:themeElements>
+    <a:clrScheme name="Pakiet Office">
+      <a:dk1>
+        <a:sysClr val="windowText" lastClr="000000"/>
+      </a:dk1>
+      <a:lt1>
+        <a:sysClr val="window" lastClr="FFFFFF"/>
+      </a:lt1>
+      <a:dk2>
+        <a:srgbClr val="44546A"/>
+      </a:dk2>
+      <a:lt2>
+        <a:srgbClr val="E7E6E6"/>
+      </a:lt2>
+      <a:accent1>
+        <a:srgbClr val="4472C4"/>
+      </a:accent1>
+      <a:accent2>
+        <a:srgbClr val="ED7D31"/>
+      </a:accent2>
+      <a:accent3>
+        <a:srgbClr val="A5A5A5"/>
+      </a:accent3>
+      <a:accent4>
+        <a:srgbClr val="FFC000"/>
+      </a:accent4>
+      <a:accent5>
+        <a:srgbClr val="5B9BD5"/>
+      </a:accent5>
+      <a:accent6>
+        <a:srgbClr val="70AD47"/>
+      </a:accent6>
+      <a:hlink>
+        <a:srgbClr val="0563C1"/>
+      </a:hlink>
+      <a:folHlink>
+        <a:srgbClr val="954F72"/>
+      </a:folHlink>
+    </a:clrScheme>
+    <a:fontScheme name="Pakiet Office">
+      <a:majorFont>
+        <a:latin typeface="Calibri Light" panose="020F0302020204030204"/>
+        <a:ea typeface=""/>
+        <a:cs typeface=""/>
+        <a:font script="Jpan" typeface="游ゴシック Light"/>
+        <a:font script="Hang" typeface="맑은 고딕"/>
+        <a:font script="Hans" typeface="等线 Light"/>
+        <a:font script="Hant" typeface="新細明體"/>
+        <a:font script="Arab" typeface="Times New Roman"/>
+        <a:font script="Hebr" typeface="Times New Roman"/>
+        <a:font script="Thai" typeface="Angsana New"/>
+        <a:font script="Ethi" typeface="Nyala"/>
+        <a:font script="Beng" typeface="Vrinda"/>
+        <a:font script="Gujr" typeface="Shruti"/>
+        <a:font script="Khmr" typeface="MoolBoran"/>
+        <a:font script="Knda" typeface="Tunga"/>
+        <a:font script="Guru" typeface="Raavi"/>
+        <a:font script="Cans" typeface="Euphemia"/>
+        <a:font script="Cher" typeface="Plantagenet Cherokee"/>
+        <a:font script="Yiii" typeface="Microsoft Yi Baiti"/>
+        <a:font script="Tibt" typeface="Microsoft Himalaya"/>
+        <a:font script="Thaa" typeface="MV Boli"/>
+        <a:font script="Deva" typeface="Mangal"/>
+        <a:font script="Telu" typeface="Gautami"/>
+        <a:font script="Taml" typeface="Latha"/>
+        <a:font script="Syrc" typeface="Estrangelo Edessa"/>
+        <a:font script="Orya" typeface="Kalinga"/>
+        <a:font script="Mlym" typeface="Kartika"/>
+        <a:font script="Laoo" typeface="DokChampa"/>
+        <a:font script="Sinh" typeface="Iskoola Pota"/>
+        <a:font script="Mong" typeface="Mongolian Baiti"/>
+        <a:font script="Viet" typeface="Times New Roman"/>
+        <a:font script="Uigh" typeface="Microsoft Uighur"/>
+        <a:font script="Geor" typeface="Sylfaen"/>
+        <a:font script="Armn" typeface="Arial"/>
+        <a:font script="Bugi" typeface="Leelawadee UI"/>
+        <a:font script="Bopo" typeface="Microsoft JhengHei"/>
+        <a:font script="Java" typeface="Javanese Text"/>
+        <a:font script="Lisu" typeface="Segoe UI"/>
+        <a:font script="Mymr" typeface="Myanmar Text"/>
+        <a:font script="Nkoo" typeface="Ebrima"/>
+        <a:font script="Olck" typeface="Nirmala UI"/>
+        <a:font script="Osma" typeface="Ebrima"/>
+        <a:font script="Phag" typeface="Phagspa"/>
+        <a:font script="Syrn" typeface="Estrangelo Edessa"/>
+        <a:font script="Syrj" typeface="Estrangelo Edessa"/>
+        <a:font script="Syre" typeface="Estrangelo Edessa"/>
+        <a:font script="Sora" typeface="Nirmala UI"/>
+        <a:font script="Tale" typeface="Microsoft Tai Le"/>
+        <a:font script="Talu" typeface="Microsoft New Tai Lue"/>
+        <a:font script="Tfng" typeface="Ebrima"/>
+      </a:majorFont>
+      <a:minorFont>
+        <a:latin typeface="Calibri" panose="020F0502020204030204"/>
+        <a:ea typeface=""/>
+        <a:cs typeface=""/>
+        <a:font script="Jpan" typeface="游ゴシック"/>
+        <a:font script="Hang" typeface="맑은 고딕"/>
+        <a:font script="Hans" typeface="等线"/>
+        <a:font script="Hant" typeface="新細明體"/>
+        <a:font script="Arab" typeface="Arial"/>
+        <a:font script="Hebr" typeface="Arial"/>
+        <a:font script="Thai" typeface="Cordia New"/>
+        <a:font script="Ethi" typeface="Nyala"/>
+        <a:font script="Beng" typeface="Vrinda"/>
+        <a:font script="Gujr" typeface="Shruti"/>
+        <a:font script="Khmr" typeface="DaunPenh"/>
+        <a:font script="Knda" typeface="Tunga"/>
+        <a:font script="Guru" typeface="Raavi"/>
+        <a:font script="Cans" typeface="Euphemia"/>
+        <a:font script="Cher" typeface="Plantagenet Cherokee"/>
+        <a:font script="Yiii" typeface="Microsoft Yi Baiti"/>
+        <a:font script="Tibt" typeface="Microsoft Himalaya"/>
+        <a:font script="Thaa" typeface="MV Boli"/>
+        <a:font script="Deva" typeface="Mangal"/>
+        <a:font script="Telu" typeface="Gautami"/>
+        <a:font script="Taml" typeface="Latha"/>
+        <a:font script="Syrc" typeface="Estrangelo Edessa"/>
+        <a:font script="Orya" typeface="Kalinga"/>
+        <a:font script="Mlym" typeface="Kartika"/>
+        <a:font script="Laoo" typeface="DokChampa"/>
+        <a:font script="Sinh" typeface="Iskoola Pota"/>
+        <a:font script="Mong" typeface="Mongolian Baiti"/>
+        <a:font script="Viet" typeface="Arial"/>
+        <a:font script="Uigh" typeface="Microsoft Uighur"/>
+        <a:font script="Geor" typeface="Sylfaen"/>
+        <a:font script="Armn" typeface="Arial"/>
+        <a:font script="Bugi" typeface="Leelawadee UI"/>
+        <a:font script="Bopo" typeface="Microsoft JhengHei"/>
+        <a:font script="Java" typeface="Javanese Text"/>
+        <a:font script="Lisu" typeface="Segoe UI"/>
+        <a:font script="Mymr" typeface="Myanmar Text"/>
+        <a:font script="Nkoo" typeface="Ebrima"/>
+        <a:font script="Olck" typeface="Nirmala UI"/>
+        <a:font script="Osma" typeface="Ebrima"/>
+        <a:font script="Phag" typeface="Phagspa"/>
+        <a:font script="Syrn" typeface="Estrangelo Edessa"/>
+        <a:font script="Syrj" typeface="Estrangelo Edessa"/>
+        <a:font script="Syre" typeface="Estrangelo Edessa"/>
+        <a:font script="Sora" typeface="Nirmala UI"/>
+        <a:font script="Tale" typeface="Microsoft Tai Le"/>
+        <a:font script="Talu" typeface="Microsoft New Tai Lue"/>
+        <a:font script="Tfng" typeface="Ebrima"/>
+      </a:minorFont>
+    </a:fontScheme>
+    <a:fmtScheme name="Pakiet Office">
+      <a:fillStyleLst>
+        <a:solidFill>
+          <a:schemeClr val="phClr"/>
+        </a:solidFill>
+        <a:gradFill rotWithShape="1">
+          <a:gsLst>
+            <a:gs pos="0">
+              <a:schemeClr val="phClr">
+                <a:lumMod val="110000"/>
+                <a:satMod val="105000"/>
+                <a:tint val="67000"/>
+              </a:schemeClr>
+            </a:gs>
+            <a:gs pos="50000">
+              <a:schemeClr val="phClr">
+                <a:lumMod val="105000"/>
+                <a:satMod val="103000"/>
+                <a:tint val="73000"/>
+              </a:schemeClr>
+            </a:gs>
+            <a:gs pos="100000">
+              <a:schemeClr val="phClr">
+                <a:lumMod val="105000"/>
+                <a:satMod val="109000"/>
+                <a:tint val="81000"/>
+              </a:schemeClr>
+            </a:gs>
+          </a:gsLst>
+          <a:lin ang="5400000" scaled="0"/>
+        </a:gradFill>
+        <a:gradFill rotWithShape="1">
+          <a:gsLst>
+            <a:gs pos="0">
+              <a:schemeClr val="phClr">
+                <a:satMod val="103000"/>
+                <a:lumMod val="102000"/>
+                <a:tint val="94000"/>
+              </a:schemeClr>
+            </a:gs>
+            <a:gs pos="50000">
+              <a:schemeClr val="phClr">
+                <a:satMod val="110000"/>
+                <a:lumMod val="100000"/>
+                <a:shade val="100000"/>
+              </a:schemeClr>
+            </a:gs>
+            <a:gs pos="100000">
+              <a:schemeClr val="phClr">
+                <a:lumMod val="99000"/>
+                <a:satMod val="120000"/>
+                <a:shade val="78000"/>
+              </a:schemeClr>
+            </a:gs>
+          </a:gsLst>
+          <a:lin ang="5400000" scaled="0"/>
+        </a:gradFill>
+      </a:fillStyleLst>
+      <a:lnStyleLst>
+        <a:ln w="6350" cap="flat" cmpd="sng" algn="ctr">
+          <a:solidFill>
+            <a:schemeClr val="phClr"/>
+          </a:solidFill>
+          <a:prstDash val="solid"/>
+          <a:miter lim="800000"/>
+        </a:ln>
+        <a:ln w="12700" cap="flat" cmpd="sng" algn="ctr">
+          <a:solidFill>
+            <a:schemeClr val="phClr"/>
+          </a:solidFill>
+          <a:prstDash val="solid"/>
+          <a:miter lim="800000"/>
+        </a:ln>
+        <a:ln w="19050" cap="flat" cmpd="sng" algn="ctr">
+          <a:solidFill>
+            <a:schemeClr val="phClr"/>
+          </a:solidFill>
+          <a:prstDash val="solid"/>
+          <a:miter lim="800000"/>
+        </a:ln>
+      </a:lnStyleLst>
+      <a:effectStyleLst>
+        <a:effectStyle>
+          <a:effectLst/>
+        </a:effectStyle>
+        <a:effectStyle>
+          <a:effectLst/>
+        </a:effectStyle>
+        <a:effectStyle>
+          <a:effectLst>
+            <a:outerShdw blurRad="57150" dist="19050" dir="5400000" algn="ctr" rotWithShape="0">
+              <a:srgbClr val="000000">
+                <a:alpha val="63000"/>
+              </a:srgbClr>
+            </a:outerShdw>
+          </a:effectLst>
+        </a:effectStyle>
+      </a:effectStyleLst>
+      <a:bgFillStyleLst>
+        <a:solidFill>
+          <a:schemeClr val="phClr"/>
+        </a:solidFill>
+        <a:solidFill>
+          <a:schemeClr val="phClr">
+            <a:tint val="95000"/>
+            <a:satMod val="170000"/>
+          </a:schemeClr>
+        </a:solidFill>
+        <a:gradFill rotWithShape="1">
+          <a:gsLst>
+            <a:gs pos="0">
+              <a:schemeClr val="phClr">
+                <a:tint val="93000"/>
+                <a:satMod val="150000"/>
+                <a:shade val="98000"/>
+                <a:lumMod val="102000"/>
+              </a:schemeClr>
+            </a:gs>
+            <a:gs pos="50000">
+              <a:schemeClr val="phClr">
+                <a:tint val="98000"/>
+                <a:satMod val="130000"/>
+                <a:shade val="90000"/>
+                <a:lumMod val="103000"/>
+              </a:schemeClr>
+            </a:gs>
+            <a:gs pos="100000">
+              <a:schemeClr val="phClr">
+                <a:shade val="63000"/>
+                <a:satMod val="120000"/>
+              </a:schemeClr>
+            </a:gs>
+          </a:gsLst>
+          <a:lin ang="5400000" scaled="0"/>
+        </a:gradFill>
+      </a:bgFillStyleLst>
+    </a:fmtScheme>
+  </a:themeElements>
+  <a:objectDefaults/>
+  <a:extraClrSchemeLst/>
+  <a:extLst>
+    <a:ext uri="{05A4C25C-085E-4340-85A3-A5531E510DB2}">
+      <thm15:themeFamily xmlns:thm15="http://schemas.microsoft.com/office/thememl/2012/main" name="Office Theme" id="{62F939B6-93AF-4DB8-9C6B-D6C7DFDC589F}" vid="{4A3C46E8-61CC-4603-A589-7422A47A8E4A}"/>
+    </a:ext>
+  </a:extLst>
+</a:theme>
 </file>